--- a/Week_13/1조_13주차_cd_발표PPT.pptx
+++ b/Week_13/1조_13주차_cd_발표PPT.pptx
@@ -150,10 +150,21 @@
   </p:defaultTextStyle>
   <p:extLst>
     <p:ext uri="{EFAFB233-063F-42B5-8137-9DF3F51BA10A}">
-      <p15:sldGuideLst xmlns:p15="http://schemas.microsoft.com/office/powerpoint/2012/main" xmlns=""/>
+      <p15:sldGuideLst xmlns:p15="http://schemas.microsoft.com/office/powerpoint/2012/main">
+        <p15:guide id="1" orient="horz" pos="2160">
+          <p15:clr>
+            <a:srgbClr val="A4A3A4"/>
+          </p15:clr>
+        </p15:guide>
+        <p15:guide id="2" pos="3840">
+          <p15:clr>
+            <a:srgbClr val="A4A3A4"/>
+          </p15:clr>
+        </p15:guide>
+      </p15:sldGuideLst>
     </p:ext>
     <p:ext uri="{2D200454-40CA-4A62-9FC3-DE9A4176ACB9}">
-      <p15:notesGuideLst xmlns:p15="http://schemas.microsoft.com/office/powerpoint/2012/main" xmlns=""/>
+      <p15:notesGuideLst xmlns:p15="http://schemas.microsoft.com/office/powerpoint/2012/main"/>
     </p:ext>
   </p:extLst>
 </p:presentation>
@@ -249,7 +260,7 @@
           <a:p>
             <a:fld id="{F708F334-0BC8-4772-BE31-097A600F09A1}" type="datetimeFigureOut">
               <a:rPr lang="ko-KR" altLang="en-US" smtClean="0"/>
-              <a:t>2020-06-10</a:t>
+              <a:t>2020-06-11</a:t>
             </a:fld>
             <a:endParaRPr lang="ko-KR" altLang="en-US"/>
           </a:p>
@@ -414,7 +425,7 @@
           <a:p>
             <a:fld id="{6C48FC29-C020-4DB6-86E3-01FBF24CFD99}" type="datetimeFigureOut">
               <a:rPr lang="ko-KR" altLang="en-US" smtClean="0"/>
-              <a:t>2020-06-10</a:t>
+              <a:t>2020-06-11</a:t>
             </a:fld>
             <a:endParaRPr lang="ko-KR" altLang="en-US"/>
           </a:p>
@@ -2467,7 +2478,7 @@
           <p:cNvPr id="2" name="제목 1">
             <a:extLst>
               <a:ext uri="{FF2B5EF4-FFF2-40B4-BE49-F238E27FC236}">
-                <a16:creationId xmlns:a16="http://schemas.microsoft.com/office/drawing/2014/main" xmlns="" id="{7CE3ABCB-927C-4CF9-BDD8-BA96CE7113AC}"/>
+                <a16:creationId xmlns:a16="http://schemas.microsoft.com/office/drawing/2014/main" id="{7CE3ABCB-927C-4CF9-BDD8-BA96CE7113AC}"/>
               </a:ext>
             </a:extLst>
           </p:cNvPr>
@@ -2504,7 +2515,7 @@
           <p:cNvPr id="3" name="부제목 2">
             <a:extLst>
               <a:ext uri="{FF2B5EF4-FFF2-40B4-BE49-F238E27FC236}">
-                <a16:creationId xmlns:a16="http://schemas.microsoft.com/office/drawing/2014/main" xmlns="" id="{0B6048C8-A9E8-4620-BABF-50A577E05DF6}"/>
+                <a16:creationId xmlns:a16="http://schemas.microsoft.com/office/drawing/2014/main" id="{0B6048C8-A9E8-4620-BABF-50A577E05DF6}"/>
               </a:ext>
             </a:extLst>
           </p:cNvPr>
@@ -2574,7 +2585,7 @@
           <p:cNvPr id="4" name="날짜 개체 틀 3">
             <a:extLst>
               <a:ext uri="{FF2B5EF4-FFF2-40B4-BE49-F238E27FC236}">
-                <a16:creationId xmlns:a16="http://schemas.microsoft.com/office/drawing/2014/main" xmlns="" id="{49D57391-6A94-4242-9F99-21116C521561}"/>
+                <a16:creationId xmlns:a16="http://schemas.microsoft.com/office/drawing/2014/main" id="{49D57391-6A94-4242-9F99-21116C521561}"/>
               </a:ext>
             </a:extLst>
           </p:cNvPr>
@@ -2592,7 +2603,7 @@
           <a:p>
             <a:fld id="{DFBB5CF1-FC4D-498E-B2DB-618EE3700C43}" type="datetimeFigureOut">
               <a:rPr lang="ko-KR" altLang="en-US" smtClean="0"/>
-              <a:t>2020-06-10</a:t>
+              <a:t>2020-06-11</a:t>
             </a:fld>
             <a:endParaRPr lang="ko-KR" altLang="en-US"/>
           </a:p>
@@ -2603,7 +2614,7 @@
           <p:cNvPr id="5" name="바닥글 개체 틀 4">
             <a:extLst>
               <a:ext uri="{FF2B5EF4-FFF2-40B4-BE49-F238E27FC236}">
-                <a16:creationId xmlns:a16="http://schemas.microsoft.com/office/drawing/2014/main" xmlns="" id="{07E61772-3AC5-4169-B68B-3FB46FBDEE37}"/>
+                <a16:creationId xmlns:a16="http://schemas.microsoft.com/office/drawing/2014/main" id="{07E61772-3AC5-4169-B68B-3FB46FBDEE37}"/>
               </a:ext>
             </a:extLst>
           </p:cNvPr>
@@ -2628,7 +2639,7 @@
           <p:cNvPr id="6" name="슬라이드 번호 개체 틀 5">
             <a:extLst>
               <a:ext uri="{FF2B5EF4-FFF2-40B4-BE49-F238E27FC236}">
-                <a16:creationId xmlns:a16="http://schemas.microsoft.com/office/drawing/2014/main" xmlns="" id="{E7C1ED51-5FAC-4DBB-9D9B-885006356592}"/>
+                <a16:creationId xmlns:a16="http://schemas.microsoft.com/office/drawing/2014/main" id="{E7C1ED51-5FAC-4DBB-9D9B-885006356592}"/>
               </a:ext>
             </a:extLst>
           </p:cNvPr>
@@ -2687,7 +2698,7 @@
           <p:cNvPr id="2" name="제목 1">
             <a:extLst>
               <a:ext uri="{FF2B5EF4-FFF2-40B4-BE49-F238E27FC236}">
-                <a16:creationId xmlns:a16="http://schemas.microsoft.com/office/drawing/2014/main" xmlns="" id="{7FB59466-BBC4-411A-8E55-36B186D77FE0}"/>
+                <a16:creationId xmlns:a16="http://schemas.microsoft.com/office/drawing/2014/main" id="{7FB59466-BBC4-411A-8E55-36B186D77FE0}"/>
               </a:ext>
             </a:extLst>
           </p:cNvPr>
@@ -2715,7 +2726,7 @@
           <p:cNvPr id="3" name="세로 텍스트 개체 틀 2">
             <a:extLst>
               <a:ext uri="{FF2B5EF4-FFF2-40B4-BE49-F238E27FC236}">
-                <a16:creationId xmlns:a16="http://schemas.microsoft.com/office/drawing/2014/main" xmlns="" id="{98B7D87B-285C-4337-80A1-C61AD53F6383}"/>
+                <a16:creationId xmlns:a16="http://schemas.microsoft.com/office/drawing/2014/main" id="{98B7D87B-285C-4337-80A1-C61AD53F6383}"/>
               </a:ext>
             </a:extLst>
           </p:cNvPr>
@@ -2772,7 +2783,7 @@
           <p:cNvPr id="4" name="날짜 개체 틀 3">
             <a:extLst>
               <a:ext uri="{FF2B5EF4-FFF2-40B4-BE49-F238E27FC236}">
-                <a16:creationId xmlns:a16="http://schemas.microsoft.com/office/drawing/2014/main" xmlns="" id="{A21E34A1-3721-4D0F-9321-0233E91B96DC}"/>
+                <a16:creationId xmlns:a16="http://schemas.microsoft.com/office/drawing/2014/main" id="{A21E34A1-3721-4D0F-9321-0233E91B96DC}"/>
               </a:ext>
             </a:extLst>
           </p:cNvPr>
@@ -2790,7 +2801,7 @@
           <a:p>
             <a:fld id="{DFBB5CF1-FC4D-498E-B2DB-618EE3700C43}" type="datetimeFigureOut">
               <a:rPr lang="ko-KR" altLang="en-US" smtClean="0"/>
-              <a:t>2020-06-10</a:t>
+              <a:t>2020-06-11</a:t>
             </a:fld>
             <a:endParaRPr lang="ko-KR" altLang="en-US"/>
           </a:p>
@@ -2801,7 +2812,7 @@
           <p:cNvPr id="5" name="바닥글 개체 틀 4">
             <a:extLst>
               <a:ext uri="{FF2B5EF4-FFF2-40B4-BE49-F238E27FC236}">
-                <a16:creationId xmlns:a16="http://schemas.microsoft.com/office/drawing/2014/main" xmlns="" id="{D5C3F600-2C46-483A-9034-4EAA96F75BC0}"/>
+                <a16:creationId xmlns:a16="http://schemas.microsoft.com/office/drawing/2014/main" id="{D5C3F600-2C46-483A-9034-4EAA96F75BC0}"/>
               </a:ext>
             </a:extLst>
           </p:cNvPr>
@@ -2826,7 +2837,7 @@
           <p:cNvPr id="6" name="슬라이드 번호 개체 틀 5">
             <a:extLst>
               <a:ext uri="{FF2B5EF4-FFF2-40B4-BE49-F238E27FC236}">
-                <a16:creationId xmlns:a16="http://schemas.microsoft.com/office/drawing/2014/main" xmlns="" id="{09541AA7-CB5C-4593-B767-55F60472EBFD}"/>
+                <a16:creationId xmlns:a16="http://schemas.microsoft.com/office/drawing/2014/main" id="{09541AA7-CB5C-4593-B767-55F60472EBFD}"/>
               </a:ext>
             </a:extLst>
           </p:cNvPr>
@@ -2885,7 +2896,7 @@
           <p:cNvPr id="2" name="세로 제목 1">
             <a:extLst>
               <a:ext uri="{FF2B5EF4-FFF2-40B4-BE49-F238E27FC236}">
-                <a16:creationId xmlns:a16="http://schemas.microsoft.com/office/drawing/2014/main" xmlns="" id="{346B1DFD-65F3-4843-9B84-53C149848436}"/>
+                <a16:creationId xmlns:a16="http://schemas.microsoft.com/office/drawing/2014/main" id="{346B1DFD-65F3-4843-9B84-53C149848436}"/>
               </a:ext>
             </a:extLst>
           </p:cNvPr>
@@ -2918,7 +2929,7 @@
           <p:cNvPr id="3" name="세로 텍스트 개체 틀 2">
             <a:extLst>
               <a:ext uri="{FF2B5EF4-FFF2-40B4-BE49-F238E27FC236}">
-                <a16:creationId xmlns:a16="http://schemas.microsoft.com/office/drawing/2014/main" xmlns="" id="{1B23AE38-7FBF-4810-B70B-4306FF5CA74F}"/>
+                <a16:creationId xmlns:a16="http://schemas.microsoft.com/office/drawing/2014/main" id="{1B23AE38-7FBF-4810-B70B-4306FF5CA74F}"/>
               </a:ext>
             </a:extLst>
           </p:cNvPr>
@@ -2980,7 +2991,7 @@
           <p:cNvPr id="4" name="날짜 개체 틀 3">
             <a:extLst>
               <a:ext uri="{FF2B5EF4-FFF2-40B4-BE49-F238E27FC236}">
-                <a16:creationId xmlns:a16="http://schemas.microsoft.com/office/drawing/2014/main" xmlns="" id="{C4B60800-C439-4B80-A153-F1D272BA6A9E}"/>
+                <a16:creationId xmlns:a16="http://schemas.microsoft.com/office/drawing/2014/main" id="{C4B60800-C439-4B80-A153-F1D272BA6A9E}"/>
               </a:ext>
             </a:extLst>
           </p:cNvPr>
@@ -2998,7 +3009,7 @@
           <a:p>
             <a:fld id="{DFBB5CF1-FC4D-498E-B2DB-618EE3700C43}" type="datetimeFigureOut">
               <a:rPr lang="ko-KR" altLang="en-US" smtClean="0"/>
-              <a:t>2020-06-10</a:t>
+              <a:t>2020-06-11</a:t>
             </a:fld>
             <a:endParaRPr lang="ko-KR" altLang="en-US"/>
           </a:p>
@@ -3009,7 +3020,7 @@
           <p:cNvPr id="5" name="바닥글 개체 틀 4">
             <a:extLst>
               <a:ext uri="{FF2B5EF4-FFF2-40B4-BE49-F238E27FC236}">
-                <a16:creationId xmlns:a16="http://schemas.microsoft.com/office/drawing/2014/main" xmlns="" id="{0EF312B9-9045-49F7-BC54-03CC9E0B9A04}"/>
+                <a16:creationId xmlns:a16="http://schemas.microsoft.com/office/drawing/2014/main" id="{0EF312B9-9045-49F7-BC54-03CC9E0B9A04}"/>
               </a:ext>
             </a:extLst>
           </p:cNvPr>
@@ -3034,7 +3045,7 @@
           <p:cNvPr id="6" name="슬라이드 번호 개체 틀 5">
             <a:extLst>
               <a:ext uri="{FF2B5EF4-FFF2-40B4-BE49-F238E27FC236}">
-                <a16:creationId xmlns:a16="http://schemas.microsoft.com/office/drawing/2014/main" xmlns="" id="{D0292CDF-8149-436C-89DF-756DDC005645}"/>
+                <a16:creationId xmlns:a16="http://schemas.microsoft.com/office/drawing/2014/main" id="{D0292CDF-8149-436C-89DF-756DDC005645}"/>
               </a:ext>
             </a:extLst>
           </p:cNvPr>
@@ -3093,7 +3104,7 @@
           <p:cNvPr id="2" name="제목 1">
             <a:extLst>
               <a:ext uri="{FF2B5EF4-FFF2-40B4-BE49-F238E27FC236}">
-                <a16:creationId xmlns:a16="http://schemas.microsoft.com/office/drawing/2014/main" xmlns="" id="{E96D908E-B895-482F-8711-7655D7568497}"/>
+                <a16:creationId xmlns:a16="http://schemas.microsoft.com/office/drawing/2014/main" id="{E96D908E-B895-482F-8711-7655D7568497}"/>
               </a:ext>
             </a:extLst>
           </p:cNvPr>
@@ -3121,7 +3132,7 @@
           <p:cNvPr id="3" name="내용 개체 틀 2">
             <a:extLst>
               <a:ext uri="{FF2B5EF4-FFF2-40B4-BE49-F238E27FC236}">
-                <a16:creationId xmlns:a16="http://schemas.microsoft.com/office/drawing/2014/main" xmlns="" id="{E6B8AF23-E896-49EC-BB1C-A60C0E76EF32}"/>
+                <a16:creationId xmlns:a16="http://schemas.microsoft.com/office/drawing/2014/main" id="{E6B8AF23-E896-49EC-BB1C-A60C0E76EF32}"/>
               </a:ext>
             </a:extLst>
           </p:cNvPr>
@@ -3178,7 +3189,7 @@
           <p:cNvPr id="4" name="날짜 개체 틀 3">
             <a:extLst>
               <a:ext uri="{FF2B5EF4-FFF2-40B4-BE49-F238E27FC236}">
-                <a16:creationId xmlns:a16="http://schemas.microsoft.com/office/drawing/2014/main" xmlns="" id="{EFBF9E74-75C6-4B15-9B6F-A1A357C0B3DB}"/>
+                <a16:creationId xmlns:a16="http://schemas.microsoft.com/office/drawing/2014/main" id="{EFBF9E74-75C6-4B15-9B6F-A1A357C0B3DB}"/>
               </a:ext>
             </a:extLst>
           </p:cNvPr>
@@ -3196,7 +3207,7 @@
           <a:p>
             <a:fld id="{DFBB5CF1-FC4D-498E-B2DB-618EE3700C43}" type="datetimeFigureOut">
               <a:rPr lang="ko-KR" altLang="en-US" smtClean="0"/>
-              <a:t>2020-06-10</a:t>
+              <a:t>2020-06-11</a:t>
             </a:fld>
             <a:endParaRPr lang="ko-KR" altLang="en-US"/>
           </a:p>
@@ -3207,7 +3218,7 @@
           <p:cNvPr id="5" name="바닥글 개체 틀 4">
             <a:extLst>
               <a:ext uri="{FF2B5EF4-FFF2-40B4-BE49-F238E27FC236}">
-                <a16:creationId xmlns:a16="http://schemas.microsoft.com/office/drawing/2014/main" xmlns="" id="{6AB2F95F-963D-4851-86F4-BAFDAF430476}"/>
+                <a16:creationId xmlns:a16="http://schemas.microsoft.com/office/drawing/2014/main" id="{6AB2F95F-963D-4851-86F4-BAFDAF430476}"/>
               </a:ext>
             </a:extLst>
           </p:cNvPr>
@@ -3232,7 +3243,7 @@
           <p:cNvPr id="6" name="슬라이드 번호 개체 틀 5">
             <a:extLst>
               <a:ext uri="{FF2B5EF4-FFF2-40B4-BE49-F238E27FC236}">
-                <a16:creationId xmlns:a16="http://schemas.microsoft.com/office/drawing/2014/main" xmlns="" id="{7CDAF616-BEA5-433A-A125-49C2B6A0AB1D}"/>
+                <a16:creationId xmlns:a16="http://schemas.microsoft.com/office/drawing/2014/main" id="{7CDAF616-BEA5-433A-A125-49C2B6A0AB1D}"/>
               </a:ext>
             </a:extLst>
           </p:cNvPr>
@@ -3291,7 +3302,7 @@
           <p:cNvPr id="2" name="제목 1">
             <a:extLst>
               <a:ext uri="{FF2B5EF4-FFF2-40B4-BE49-F238E27FC236}">
-                <a16:creationId xmlns:a16="http://schemas.microsoft.com/office/drawing/2014/main" xmlns="" id="{10DC256F-C630-4033-95CC-6C9B7758E600}"/>
+                <a16:creationId xmlns:a16="http://schemas.microsoft.com/office/drawing/2014/main" id="{10DC256F-C630-4033-95CC-6C9B7758E600}"/>
               </a:ext>
             </a:extLst>
           </p:cNvPr>
@@ -3328,7 +3339,7 @@
           <p:cNvPr id="3" name="텍스트 개체 틀 2">
             <a:extLst>
               <a:ext uri="{FF2B5EF4-FFF2-40B4-BE49-F238E27FC236}">
-                <a16:creationId xmlns:a16="http://schemas.microsoft.com/office/drawing/2014/main" xmlns="" id="{7590348C-69BD-43BE-B0D5-586CE2D513FC}"/>
+                <a16:creationId xmlns:a16="http://schemas.microsoft.com/office/drawing/2014/main" id="{7590348C-69BD-43BE-B0D5-586CE2D513FC}"/>
               </a:ext>
             </a:extLst>
           </p:cNvPr>
@@ -3453,7 +3464,7 @@
           <p:cNvPr id="4" name="날짜 개체 틀 3">
             <a:extLst>
               <a:ext uri="{FF2B5EF4-FFF2-40B4-BE49-F238E27FC236}">
-                <a16:creationId xmlns:a16="http://schemas.microsoft.com/office/drawing/2014/main" xmlns="" id="{2929E911-8D24-4839-84DD-732792AC9A76}"/>
+                <a16:creationId xmlns:a16="http://schemas.microsoft.com/office/drawing/2014/main" id="{2929E911-8D24-4839-84DD-732792AC9A76}"/>
               </a:ext>
             </a:extLst>
           </p:cNvPr>
@@ -3471,7 +3482,7 @@
           <a:p>
             <a:fld id="{DFBB5CF1-FC4D-498E-B2DB-618EE3700C43}" type="datetimeFigureOut">
               <a:rPr lang="ko-KR" altLang="en-US" smtClean="0"/>
-              <a:t>2020-06-10</a:t>
+              <a:t>2020-06-11</a:t>
             </a:fld>
             <a:endParaRPr lang="ko-KR" altLang="en-US"/>
           </a:p>
@@ -3482,7 +3493,7 @@
           <p:cNvPr id="5" name="바닥글 개체 틀 4">
             <a:extLst>
               <a:ext uri="{FF2B5EF4-FFF2-40B4-BE49-F238E27FC236}">
-                <a16:creationId xmlns:a16="http://schemas.microsoft.com/office/drawing/2014/main" xmlns="" id="{85BD29E4-5326-42FF-BDD0-AA464DC06BEA}"/>
+                <a16:creationId xmlns:a16="http://schemas.microsoft.com/office/drawing/2014/main" id="{85BD29E4-5326-42FF-BDD0-AA464DC06BEA}"/>
               </a:ext>
             </a:extLst>
           </p:cNvPr>
@@ -3507,7 +3518,7 @@
           <p:cNvPr id="6" name="슬라이드 번호 개체 틀 5">
             <a:extLst>
               <a:ext uri="{FF2B5EF4-FFF2-40B4-BE49-F238E27FC236}">
-                <a16:creationId xmlns:a16="http://schemas.microsoft.com/office/drawing/2014/main" xmlns="" id="{EF9A46CC-BB68-4F4B-A6E9-635102DADCFE}"/>
+                <a16:creationId xmlns:a16="http://schemas.microsoft.com/office/drawing/2014/main" id="{EF9A46CC-BB68-4F4B-A6E9-635102DADCFE}"/>
               </a:ext>
             </a:extLst>
           </p:cNvPr>
@@ -3566,7 +3577,7 @@
           <p:cNvPr id="2" name="제목 1">
             <a:extLst>
               <a:ext uri="{FF2B5EF4-FFF2-40B4-BE49-F238E27FC236}">
-                <a16:creationId xmlns:a16="http://schemas.microsoft.com/office/drawing/2014/main" xmlns="" id="{79533048-BE3F-4E70-ACF3-475D2B0F03DE}"/>
+                <a16:creationId xmlns:a16="http://schemas.microsoft.com/office/drawing/2014/main" id="{79533048-BE3F-4E70-ACF3-475D2B0F03DE}"/>
               </a:ext>
             </a:extLst>
           </p:cNvPr>
@@ -3594,7 +3605,7 @@
           <p:cNvPr id="3" name="내용 개체 틀 2">
             <a:extLst>
               <a:ext uri="{FF2B5EF4-FFF2-40B4-BE49-F238E27FC236}">
-                <a16:creationId xmlns:a16="http://schemas.microsoft.com/office/drawing/2014/main" xmlns="" id="{BA55FFCB-6FE4-49DE-B927-64C0017C037C}"/>
+                <a16:creationId xmlns:a16="http://schemas.microsoft.com/office/drawing/2014/main" id="{BA55FFCB-6FE4-49DE-B927-64C0017C037C}"/>
               </a:ext>
             </a:extLst>
           </p:cNvPr>
@@ -3656,7 +3667,7 @@
           <p:cNvPr id="4" name="내용 개체 틀 3">
             <a:extLst>
               <a:ext uri="{FF2B5EF4-FFF2-40B4-BE49-F238E27FC236}">
-                <a16:creationId xmlns:a16="http://schemas.microsoft.com/office/drawing/2014/main" xmlns="" id="{866720D2-CDCC-475C-92C8-26B8F1E8D8D4}"/>
+                <a16:creationId xmlns:a16="http://schemas.microsoft.com/office/drawing/2014/main" id="{866720D2-CDCC-475C-92C8-26B8F1E8D8D4}"/>
               </a:ext>
             </a:extLst>
           </p:cNvPr>
@@ -3718,7 +3729,7 @@
           <p:cNvPr id="5" name="날짜 개체 틀 4">
             <a:extLst>
               <a:ext uri="{FF2B5EF4-FFF2-40B4-BE49-F238E27FC236}">
-                <a16:creationId xmlns:a16="http://schemas.microsoft.com/office/drawing/2014/main" xmlns="" id="{52EA56BC-08A2-404F-8259-E3D682ADEAAE}"/>
+                <a16:creationId xmlns:a16="http://schemas.microsoft.com/office/drawing/2014/main" id="{52EA56BC-08A2-404F-8259-E3D682ADEAAE}"/>
               </a:ext>
             </a:extLst>
           </p:cNvPr>
@@ -3736,7 +3747,7 @@
           <a:p>
             <a:fld id="{DFBB5CF1-FC4D-498E-B2DB-618EE3700C43}" type="datetimeFigureOut">
               <a:rPr lang="ko-KR" altLang="en-US" smtClean="0"/>
-              <a:t>2020-06-10</a:t>
+              <a:t>2020-06-11</a:t>
             </a:fld>
             <a:endParaRPr lang="ko-KR" altLang="en-US"/>
           </a:p>
@@ -3747,7 +3758,7 @@
           <p:cNvPr id="6" name="바닥글 개체 틀 5">
             <a:extLst>
               <a:ext uri="{FF2B5EF4-FFF2-40B4-BE49-F238E27FC236}">
-                <a16:creationId xmlns:a16="http://schemas.microsoft.com/office/drawing/2014/main" xmlns="" id="{4C721FA7-B580-4B2B-A3CB-101872C188D0}"/>
+                <a16:creationId xmlns:a16="http://schemas.microsoft.com/office/drawing/2014/main" id="{4C721FA7-B580-4B2B-A3CB-101872C188D0}"/>
               </a:ext>
             </a:extLst>
           </p:cNvPr>
@@ -3772,7 +3783,7 @@
           <p:cNvPr id="7" name="슬라이드 번호 개체 틀 6">
             <a:extLst>
               <a:ext uri="{FF2B5EF4-FFF2-40B4-BE49-F238E27FC236}">
-                <a16:creationId xmlns:a16="http://schemas.microsoft.com/office/drawing/2014/main" xmlns="" id="{09A5EC5E-8376-419E-AD00-611E613EC54C}"/>
+                <a16:creationId xmlns:a16="http://schemas.microsoft.com/office/drawing/2014/main" id="{09A5EC5E-8376-419E-AD00-611E613EC54C}"/>
               </a:ext>
             </a:extLst>
           </p:cNvPr>
@@ -3831,7 +3842,7 @@
           <p:cNvPr id="2" name="제목 1">
             <a:extLst>
               <a:ext uri="{FF2B5EF4-FFF2-40B4-BE49-F238E27FC236}">
-                <a16:creationId xmlns:a16="http://schemas.microsoft.com/office/drawing/2014/main" xmlns="" id="{3A3DA246-D749-4794-9F94-8358178B4FB9}"/>
+                <a16:creationId xmlns:a16="http://schemas.microsoft.com/office/drawing/2014/main" id="{3A3DA246-D749-4794-9F94-8358178B4FB9}"/>
               </a:ext>
             </a:extLst>
           </p:cNvPr>
@@ -3864,7 +3875,7 @@
           <p:cNvPr id="3" name="텍스트 개체 틀 2">
             <a:extLst>
               <a:ext uri="{FF2B5EF4-FFF2-40B4-BE49-F238E27FC236}">
-                <a16:creationId xmlns:a16="http://schemas.microsoft.com/office/drawing/2014/main" xmlns="" id="{72F46F43-0FBE-42FE-A4AD-4387266DAA13}"/>
+                <a16:creationId xmlns:a16="http://schemas.microsoft.com/office/drawing/2014/main" id="{72F46F43-0FBE-42FE-A4AD-4387266DAA13}"/>
               </a:ext>
             </a:extLst>
           </p:cNvPr>
@@ -3935,7 +3946,7 @@
           <p:cNvPr id="4" name="내용 개체 틀 3">
             <a:extLst>
               <a:ext uri="{FF2B5EF4-FFF2-40B4-BE49-F238E27FC236}">
-                <a16:creationId xmlns:a16="http://schemas.microsoft.com/office/drawing/2014/main" xmlns="" id="{D9E05421-6341-45AA-8229-48D655BBD30E}"/>
+                <a16:creationId xmlns:a16="http://schemas.microsoft.com/office/drawing/2014/main" id="{D9E05421-6341-45AA-8229-48D655BBD30E}"/>
               </a:ext>
             </a:extLst>
           </p:cNvPr>
@@ -3997,7 +4008,7 @@
           <p:cNvPr id="5" name="텍스트 개체 틀 4">
             <a:extLst>
               <a:ext uri="{FF2B5EF4-FFF2-40B4-BE49-F238E27FC236}">
-                <a16:creationId xmlns:a16="http://schemas.microsoft.com/office/drawing/2014/main" xmlns="" id="{9E21E1E4-644B-496D-9108-F9838B49365D}"/>
+                <a16:creationId xmlns:a16="http://schemas.microsoft.com/office/drawing/2014/main" id="{9E21E1E4-644B-496D-9108-F9838B49365D}"/>
               </a:ext>
             </a:extLst>
           </p:cNvPr>
@@ -4068,7 +4079,7 @@
           <p:cNvPr id="6" name="내용 개체 틀 5">
             <a:extLst>
               <a:ext uri="{FF2B5EF4-FFF2-40B4-BE49-F238E27FC236}">
-                <a16:creationId xmlns:a16="http://schemas.microsoft.com/office/drawing/2014/main" xmlns="" id="{8B8DCA52-5686-4A3F-A402-6C2F6AF01E25}"/>
+                <a16:creationId xmlns:a16="http://schemas.microsoft.com/office/drawing/2014/main" id="{8B8DCA52-5686-4A3F-A402-6C2F6AF01E25}"/>
               </a:ext>
             </a:extLst>
           </p:cNvPr>
@@ -4130,7 +4141,7 @@
           <p:cNvPr id="7" name="날짜 개체 틀 6">
             <a:extLst>
               <a:ext uri="{FF2B5EF4-FFF2-40B4-BE49-F238E27FC236}">
-                <a16:creationId xmlns:a16="http://schemas.microsoft.com/office/drawing/2014/main" xmlns="" id="{5C572F9D-35EA-4B3B-BEF8-5FD495657410}"/>
+                <a16:creationId xmlns:a16="http://schemas.microsoft.com/office/drawing/2014/main" id="{5C572F9D-35EA-4B3B-BEF8-5FD495657410}"/>
               </a:ext>
             </a:extLst>
           </p:cNvPr>
@@ -4148,7 +4159,7 @@
           <a:p>
             <a:fld id="{DFBB5CF1-FC4D-498E-B2DB-618EE3700C43}" type="datetimeFigureOut">
               <a:rPr lang="ko-KR" altLang="en-US" smtClean="0"/>
-              <a:t>2020-06-10</a:t>
+              <a:t>2020-06-11</a:t>
             </a:fld>
             <a:endParaRPr lang="ko-KR" altLang="en-US"/>
           </a:p>
@@ -4159,7 +4170,7 @@
           <p:cNvPr id="8" name="바닥글 개체 틀 7">
             <a:extLst>
               <a:ext uri="{FF2B5EF4-FFF2-40B4-BE49-F238E27FC236}">
-                <a16:creationId xmlns:a16="http://schemas.microsoft.com/office/drawing/2014/main" xmlns="" id="{94D69ADA-D891-48A1-AF43-3A6B002A01E9}"/>
+                <a16:creationId xmlns:a16="http://schemas.microsoft.com/office/drawing/2014/main" id="{94D69ADA-D891-48A1-AF43-3A6B002A01E9}"/>
               </a:ext>
             </a:extLst>
           </p:cNvPr>
@@ -4184,7 +4195,7 @@
           <p:cNvPr id="9" name="슬라이드 번호 개체 틀 8">
             <a:extLst>
               <a:ext uri="{FF2B5EF4-FFF2-40B4-BE49-F238E27FC236}">
-                <a16:creationId xmlns:a16="http://schemas.microsoft.com/office/drawing/2014/main" xmlns="" id="{509C0DBD-D9EF-4EC5-AA9F-0233B4E60D42}"/>
+                <a16:creationId xmlns:a16="http://schemas.microsoft.com/office/drawing/2014/main" id="{509C0DBD-D9EF-4EC5-AA9F-0233B4E60D42}"/>
               </a:ext>
             </a:extLst>
           </p:cNvPr>
@@ -4243,7 +4254,7 @@
           <p:cNvPr id="2" name="제목 1">
             <a:extLst>
               <a:ext uri="{FF2B5EF4-FFF2-40B4-BE49-F238E27FC236}">
-                <a16:creationId xmlns:a16="http://schemas.microsoft.com/office/drawing/2014/main" xmlns="" id="{EBC0C5EE-F9A2-4B38-ADED-E72684F2514C}"/>
+                <a16:creationId xmlns:a16="http://schemas.microsoft.com/office/drawing/2014/main" id="{EBC0C5EE-F9A2-4B38-ADED-E72684F2514C}"/>
               </a:ext>
             </a:extLst>
           </p:cNvPr>
@@ -4271,7 +4282,7 @@
           <p:cNvPr id="3" name="날짜 개체 틀 2">
             <a:extLst>
               <a:ext uri="{FF2B5EF4-FFF2-40B4-BE49-F238E27FC236}">
-                <a16:creationId xmlns:a16="http://schemas.microsoft.com/office/drawing/2014/main" xmlns="" id="{70E6C8F9-3E49-4036-9A70-0D555FB35FBF}"/>
+                <a16:creationId xmlns:a16="http://schemas.microsoft.com/office/drawing/2014/main" id="{70E6C8F9-3E49-4036-9A70-0D555FB35FBF}"/>
               </a:ext>
             </a:extLst>
           </p:cNvPr>
@@ -4289,7 +4300,7 @@
           <a:p>
             <a:fld id="{DFBB5CF1-FC4D-498E-B2DB-618EE3700C43}" type="datetimeFigureOut">
               <a:rPr lang="ko-KR" altLang="en-US" smtClean="0"/>
-              <a:t>2020-06-10</a:t>
+              <a:t>2020-06-11</a:t>
             </a:fld>
             <a:endParaRPr lang="ko-KR" altLang="en-US"/>
           </a:p>
@@ -4300,7 +4311,7 @@
           <p:cNvPr id="4" name="바닥글 개체 틀 3">
             <a:extLst>
               <a:ext uri="{FF2B5EF4-FFF2-40B4-BE49-F238E27FC236}">
-                <a16:creationId xmlns:a16="http://schemas.microsoft.com/office/drawing/2014/main" xmlns="" id="{03D16C11-D7ED-42EB-B49E-AE77A16C17A8}"/>
+                <a16:creationId xmlns:a16="http://schemas.microsoft.com/office/drawing/2014/main" id="{03D16C11-D7ED-42EB-B49E-AE77A16C17A8}"/>
               </a:ext>
             </a:extLst>
           </p:cNvPr>
@@ -4325,7 +4336,7 @@
           <p:cNvPr id="5" name="슬라이드 번호 개체 틀 4">
             <a:extLst>
               <a:ext uri="{FF2B5EF4-FFF2-40B4-BE49-F238E27FC236}">
-                <a16:creationId xmlns:a16="http://schemas.microsoft.com/office/drawing/2014/main" xmlns="" id="{ED19F8C1-7D8B-4E97-89B5-0DA5B874371D}"/>
+                <a16:creationId xmlns:a16="http://schemas.microsoft.com/office/drawing/2014/main" id="{ED19F8C1-7D8B-4E97-89B5-0DA5B874371D}"/>
               </a:ext>
             </a:extLst>
           </p:cNvPr>
@@ -4384,7 +4395,7 @@
           <p:cNvPr id="2" name="날짜 개체 틀 1">
             <a:extLst>
               <a:ext uri="{FF2B5EF4-FFF2-40B4-BE49-F238E27FC236}">
-                <a16:creationId xmlns:a16="http://schemas.microsoft.com/office/drawing/2014/main" xmlns="" id="{FC4BFBEE-1209-4C0D-BB08-E459DCB1D98E}"/>
+                <a16:creationId xmlns:a16="http://schemas.microsoft.com/office/drawing/2014/main" id="{FC4BFBEE-1209-4C0D-BB08-E459DCB1D98E}"/>
               </a:ext>
             </a:extLst>
           </p:cNvPr>
@@ -4402,7 +4413,7 @@
           <a:p>
             <a:fld id="{DFBB5CF1-FC4D-498E-B2DB-618EE3700C43}" type="datetimeFigureOut">
               <a:rPr lang="ko-KR" altLang="en-US" smtClean="0"/>
-              <a:t>2020-06-10</a:t>
+              <a:t>2020-06-11</a:t>
             </a:fld>
             <a:endParaRPr lang="ko-KR" altLang="en-US"/>
           </a:p>
@@ -4413,7 +4424,7 @@
           <p:cNvPr id="3" name="바닥글 개체 틀 2">
             <a:extLst>
               <a:ext uri="{FF2B5EF4-FFF2-40B4-BE49-F238E27FC236}">
-                <a16:creationId xmlns:a16="http://schemas.microsoft.com/office/drawing/2014/main" xmlns="" id="{C7C050B9-0FF5-4EFE-90F4-2705B6F59C85}"/>
+                <a16:creationId xmlns:a16="http://schemas.microsoft.com/office/drawing/2014/main" id="{C7C050B9-0FF5-4EFE-90F4-2705B6F59C85}"/>
               </a:ext>
             </a:extLst>
           </p:cNvPr>
@@ -4438,7 +4449,7 @@
           <p:cNvPr id="4" name="슬라이드 번호 개체 틀 3">
             <a:extLst>
               <a:ext uri="{FF2B5EF4-FFF2-40B4-BE49-F238E27FC236}">
-                <a16:creationId xmlns:a16="http://schemas.microsoft.com/office/drawing/2014/main" xmlns="" id="{DBBECE45-C633-48DD-B8D9-3367467E25D9}"/>
+                <a16:creationId xmlns:a16="http://schemas.microsoft.com/office/drawing/2014/main" id="{DBBECE45-C633-48DD-B8D9-3367467E25D9}"/>
               </a:ext>
             </a:extLst>
           </p:cNvPr>
@@ -4497,7 +4508,7 @@
           <p:cNvPr id="2" name="제목 1">
             <a:extLst>
               <a:ext uri="{FF2B5EF4-FFF2-40B4-BE49-F238E27FC236}">
-                <a16:creationId xmlns:a16="http://schemas.microsoft.com/office/drawing/2014/main" xmlns="" id="{C6C91497-5B4F-406A-A5EE-138E4DFF3795}"/>
+                <a16:creationId xmlns:a16="http://schemas.microsoft.com/office/drawing/2014/main" id="{C6C91497-5B4F-406A-A5EE-138E4DFF3795}"/>
               </a:ext>
             </a:extLst>
           </p:cNvPr>
@@ -4534,7 +4545,7 @@
           <p:cNvPr id="3" name="내용 개체 틀 2">
             <a:extLst>
               <a:ext uri="{FF2B5EF4-FFF2-40B4-BE49-F238E27FC236}">
-                <a16:creationId xmlns:a16="http://schemas.microsoft.com/office/drawing/2014/main" xmlns="" id="{3F8B4CF0-05E0-4BB7-B1EC-B39B3DF8730A}"/>
+                <a16:creationId xmlns:a16="http://schemas.microsoft.com/office/drawing/2014/main" id="{3F8B4CF0-05E0-4BB7-B1EC-B39B3DF8730A}"/>
               </a:ext>
             </a:extLst>
           </p:cNvPr>
@@ -4624,7 +4635,7 @@
           <p:cNvPr id="4" name="텍스트 개체 틀 3">
             <a:extLst>
               <a:ext uri="{FF2B5EF4-FFF2-40B4-BE49-F238E27FC236}">
-                <a16:creationId xmlns:a16="http://schemas.microsoft.com/office/drawing/2014/main" xmlns="" id="{F54BB0B5-A5BD-4B1A-A4FC-F53AA8233764}"/>
+                <a16:creationId xmlns:a16="http://schemas.microsoft.com/office/drawing/2014/main" id="{F54BB0B5-A5BD-4B1A-A4FC-F53AA8233764}"/>
               </a:ext>
             </a:extLst>
           </p:cNvPr>
@@ -4695,7 +4706,7 @@
           <p:cNvPr id="5" name="날짜 개체 틀 4">
             <a:extLst>
               <a:ext uri="{FF2B5EF4-FFF2-40B4-BE49-F238E27FC236}">
-                <a16:creationId xmlns:a16="http://schemas.microsoft.com/office/drawing/2014/main" xmlns="" id="{D20AE4AC-AB08-4429-B9BE-8318D4501CA3}"/>
+                <a16:creationId xmlns:a16="http://schemas.microsoft.com/office/drawing/2014/main" id="{D20AE4AC-AB08-4429-B9BE-8318D4501CA3}"/>
               </a:ext>
             </a:extLst>
           </p:cNvPr>
@@ -4713,7 +4724,7 @@
           <a:p>
             <a:fld id="{DFBB5CF1-FC4D-498E-B2DB-618EE3700C43}" type="datetimeFigureOut">
               <a:rPr lang="ko-KR" altLang="en-US" smtClean="0"/>
-              <a:t>2020-06-10</a:t>
+              <a:t>2020-06-11</a:t>
             </a:fld>
             <a:endParaRPr lang="ko-KR" altLang="en-US"/>
           </a:p>
@@ -4724,7 +4735,7 @@
           <p:cNvPr id="6" name="바닥글 개체 틀 5">
             <a:extLst>
               <a:ext uri="{FF2B5EF4-FFF2-40B4-BE49-F238E27FC236}">
-                <a16:creationId xmlns:a16="http://schemas.microsoft.com/office/drawing/2014/main" xmlns="" id="{BDE0E481-2310-415B-88DB-688C87D045DE}"/>
+                <a16:creationId xmlns:a16="http://schemas.microsoft.com/office/drawing/2014/main" id="{BDE0E481-2310-415B-88DB-688C87D045DE}"/>
               </a:ext>
             </a:extLst>
           </p:cNvPr>
@@ -4749,7 +4760,7 @@
           <p:cNvPr id="7" name="슬라이드 번호 개체 틀 6">
             <a:extLst>
               <a:ext uri="{FF2B5EF4-FFF2-40B4-BE49-F238E27FC236}">
-                <a16:creationId xmlns:a16="http://schemas.microsoft.com/office/drawing/2014/main" xmlns="" id="{041B5EFC-53F1-465E-A115-35352BDC2834}"/>
+                <a16:creationId xmlns:a16="http://schemas.microsoft.com/office/drawing/2014/main" id="{041B5EFC-53F1-465E-A115-35352BDC2834}"/>
               </a:ext>
             </a:extLst>
           </p:cNvPr>
@@ -4808,7 +4819,7 @@
           <p:cNvPr id="2" name="제목 1">
             <a:extLst>
               <a:ext uri="{FF2B5EF4-FFF2-40B4-BE49-F238E27FC236}">
-                <a16:creationId xmlns:a16="http://schemas.microsoft.com/office/drawing/2014/main" xmlns="" id="{BCBA5E13-FD4D-4215-B730-888EAFCC7E6B}"/>
+                <a16:creationId xmlns:a16="http://schemas.microsoft.com/office/drawing/2014/main" id="{BCBA5E13-FD4D-4215-B730-888EAFCC7E6B}"/>
               </a:ext>
             </a:extLst>
           </p:cNvPr>
@@ -4845,7 +4856,7 @@
           <p:cNvPr id="3" name="그림 개체 틀 2">
             <a:extLst>
               <a:ext uri="{FF2B5EF4-FFF2-40B4-BE49-F238E27FC236}">
-                <a16:creationId xmlns:a16="http://schemas.microsoft.com/office/drawing/2014/main" xmlns="" id="{C81457D6-77E9-49E7-9FD6-FCF33AA57CED}"/>
+                <a16:creationId xmlns:a16="http://schemas.microsoft.com/office/drawing/2014/main" id="{C81457D6-77E9-49E7-9FD6-FCF33AA57CED}"/>
               </a:ext>
             </a:extLst>
           </p:cNvPr>
@@ -4912,7 +4923,7 @@
           <p:cNvPr id="4" name="텍스트 개체 틀 3">
             <a:extLst>
               <a:ext uri="{FF2B5EF4-FFF2-40B4-BE49-F238E27FC236}">
-                <a16:creationId xmlns:a16="http://schemas.microsoft.com/office/drawing/2014/main" xmlns="" id="{50B7BC7C-E7B2-438F-8683-F897FDC2F394}"/>
+                <a16:creationId xmlns:a16="http://schemas.microsoft.com/office/drawing/2014/main" id="{50B7BC7C-E7B2-438F-8683-F897FDC2F394}"/>
               </a:ext>
             </a:extLst>
           </p:cNvPr>
@@ -4983,7 +4994,7 @@
           <p:cNvPr id="5" name="날짜 개체 틀 4">
             <a:extLst>
               <a:ext uri="{FF2B5EF4-FFF2-40B4-BE49-F238E27FC236}">
-                <a16:creationId xmlns:a16="http://schemas.microsoft.com/office/drawing/2014/main" xmlns="" id="{DE907225-8432-4548-A27D-587C5F5B8C7D}"/>
+                <a16:creationId xmlns:a16="http://schemas.microsoft.com/office/drawing/2014/main" id="{DE907225-8432-4548-A27D-587C5F5B8C7D}"/>
               </a:ext>
             </a:extLst>
           </p:cNvPr>
@@ -5001,7 +5012,7 @@
           <a:p>
             <a:fld id="{DFBB5CF1-FC4D-498E-B2DB-618EE3700C43}" type="datetimeFigureOut">
               <a:rPr lang="ko-KR" altLang="en-US" smtClean="0"/>
-              <a:t>2020-06-10</a:t>
+              <a:t>2020-06-11</a:t>
             </a:fld>
             <a:endParaRPr lang="ko-KR" altLang="en-US"/>
           </a:p>
@@ -5012,7 +5023,7 @@
           <p:cNvPr id="6" name="바닥글 개체 틀 5">
             <a:extLst>
               <a:ext uri="{FF2B5EF4-FFF2-40B4-BE49-F238E27FC236}">
-                <a16:creationId xmlns:a16="http://schemas.microsoft.com/office/drawing/2014/main" xmlns="" id="{C247F9E3-BADC-4A25-A19A-2DC019581011}"/>
+                <a16:creationId xmlns:a16="http://schemas.microsoft.com/office/drawing/2014/main" id="{C247F9E3-BADC-4A25-A19A-2DC019581011}"/>
               </a:ext>
             </a:extLst>
           </p:cNvPr>
@@ -5037,7 +5048,7 @@
           <p:cNvPr id="7" name="슬라이드 번호 개체 틀 6">
             <a:extLst>
               <a:ext uri="{FF2B5EF4-FFF2-40B4-BE49-F238E27FC236}">
-                <a16:creationId xmlns:a16="http://schemas.microsoft.com/office/drawing/2014/main" xmlns="" id="{319CD58C-8E85-403A-9939-C49DE1B5E80E}"/>
+                <a16:creationId xmlns:a16="http://schemas.microsoft.com/office/drawing/2014/main" id="{319CD58C-8E85-403A-9939-C49DE1B5E80E}"/>
               </a:ext>
             </a:extLst>
           </p:cNvPr>
@@ -5111,7 +5122,7 @@
           <p:cNvPr id="2" name="제목 개체 틀 1">
             <a:extLst>
               <a:ext uri="{FF2B5EF4-FFF2-40B4-BE49-F238E27FC236}">
-                <a16:creationId xmlns:a16="http://schemas.microsoft.com/office/drawing/2014/main" xmlns="" id="{9BFA6864-A383-4CD8-8A84-23832844DB2F}"/>
+                <a16:creationId xmlns:a16="http://schemas.microsoft.com/office/drawing/2014/main" id="{9BFA6864-A383-4CD8-8A84-23832844DB2F}"/>
               </a:ext>
             </a:extLst>
           </p:cNvPr>
@@ -5149,7 +5160,7 @@
           <p:cNvPr id="3" name="텍스트 개체 틀 2">
             <a:extLst>
               <a:ext uri="{FF2B5EF4-FFF2-40B4-BE49-F238E27FC236}">
-                <a16:creationId xmlns:a16="http://schemas.microsoft.com/office/drawing/2014/main" xmlns="" id="{719F3F98-D52F-4441-A477-A78DDD1C516D}"/>
+                <a16:creationId xmlns:a16="http://schemas.microsoft.com/office/drawing/2014/main" id="{719F3F98-D52F-4441-A477-A78DDD1C516D}"/>
               </a:ext>
             </a:extLst>
           </p:cNvPr>
@@ -5216,7 +5227,7 @@
           <p:cNvPr id="4" name="날짜 개체 틀 3">
             <a:extLst>
               <a:ext uri="{FF2B5EF4-FFF2-40B4-BE49-F238E27FC236}">
-                <a16:creationId xmlns:a16="http://schemas.microsoft.com/office/drawing/2014/main" xmlns="" id="{B93F4E9E-291C-47DB-BDDE-D7AFC911AC32}"/>
+                <a16:creationId xmlns:a16="http://schemas.microsoft.com/office/drawing/2014/main" id="{B93F4E9E-291C-47DB-BDDE-D7AFC911AC32}"/>
               </a:ext>
             </a:extLst>
           </p:cNvPr>
@@ -5252,7 +5263,7 @@
           <a:p>
             <a:fld id="{DFBB5CF1-FC4D-498E-B2DB-618EE3700C43}" type="datetimeFigureOut">
               <a:rPr lang="ko-KR" altLang="en-US" smtClean="0"/>
-              <a:t>2020-06-10</a:t>
+              <a:t>2020-06-11</a:t>
             </a:fld>
             <a:endParaRPr lang="ko-KR" altLang="en-US"/>
           </a:p>
@@ -5263,7 +5274,7 @@
           <p:cNvPr id="5" name="바닥글 개체 틀 4">
             <a:extLst>
               <a:ext uri="{FF2B5EF4-FFF2-40B4-BE49-F238E27FC236}">
-                <a16:creationId xmlns:a16="http://schemas.microsoft.com/office/drawing/2014/main" xmlns="" id="{54188EFD-D909-482F-BE5D-262BB748BF74}"/>
+                <a16:creationId xmlns:a16="http://schemas.microsoft.com/office/drawing/2014/main" id="{54188EFD-D909-482F-BE5D-262BB748BF74}"/>
               </a:ext>
             </a:extLst>
           </p:cNvPr>
@@ -5306,7 +5317,7 @@
           <p:cNvPr id="6" name="슬라이드 번호 개체 틀 5">
             <a:extLst>
               <a:ext uri="{FF2B5EF4-FFF2-40B4-BE49-F238E27FC236}">
-                <a16:creationId xmlns:a16="http://schemas.microsoft.com/office/drawing/2014/main" xmlns="" id="{CF7EEA89-0CEB-47A1-A63E-B3B62D185851}"/>
+                <a16:creationId xmlns:a16="http://schemas.microsoft.com/office/drawing/2014/main" id="{CF7EEA89-0CEB-47A1-A63E-B3B62D185851}"/>
               </a:ext>
             </a:extLst>
           </p:cNvPr>
@@ -5688,7 +5699,7 @@
             <p:cNvPr id="8" name="직선 연결선 7">
               <a:extLst>
                 <a:ext uri="{FF2B5EF4-FFF2-40B4-BE49-F238E27FC236}">
-                  <a16:creationId xmlns:a16="http://schemas.microsoft.com/office/drawing/2014/main" xmlns="" id="{D45685C0-6B51-4306-BF71-8F0F182BEB53}"/>
+                  <a16:creationId xmlns:a16="http://schemas.microsoft.com/office/drawing/2014/main" id="{D45685C0-6B51-4306-BF71-8F0F182BEB53}"/>
                 </a:ext>
               </a:extLst>
             </p:cNvPr>
@@ -5729,7 +5740,7 @@
             <p:cNvPr id="9" name="TextBox 8">
               <a:extLst>
                 <a:ext uri="{FF2B5EF4-FFF2-40B4-BE49-F238E27FC236}">
-                  <a16:creationId xmlns:a16="http://schemas.microsoft.com/office/drawing/2014/main" xmlns="" id="{669A7FAA-3802-4525-8157-04AF3072C3D6}"/>
+                  <a16:creationId xmlns:a16="http://schemas.microsoft.com/office/drawing/2014/main" id="{669A7FAA-3802-4525-8157-04AF3072C3D6}"/>
                 </a:ext>
               </a:extLst>
             </p:cNvPr>
@@ -5829,7 +5840,7 @@
             <p:cNvPr id="11" name="직사각형 10">
               <a:extLst>
                 <a:ext uri="{FF2B5EF4-FFF2-40B4-BE49-F238E27FC236}">
-                  <a16:creationId xmlns:a16="http://schemas.microsoft.com/office/drawing/2014/main" xmlns="" id="{A73CC374-A08C-401F-B3BB-558632252688}"/>
+                  <a16:creationId xmlns:a16="http://schemas.microsoft.com/office/drawing/2014/main" id="{A73CC374-A08C-401F-B3BB-558632252688}"/>
                 </a:ext>
               </a:extLst>
             </p:cNvPr>
@@ -5881,7 +5892,7 @@
             <p:cNvPr id="4" name="TextBox 3">
               <a:extLst>
                 <a:ext uri="{FF2B5EF4-FFF2-40B4-BE49-F238E27FC236}">
-                  <a16:creationId xmlns:a16="http://schemas.microsoft.com/office/drawing/2014/main" xmlns="" id="{9DDE03D4-0FBC-4018-A501-15A3D0BECED1}"/>
+                  <a16:creationId xmlns:a16="http://schemas.microsoft.com/office/drawing/2014/main" id="{9DDE03D4-0FBC-4018-A501-15A3D0BECED1}"/>
                 </a:ext>
               </a:extLst>
             </p:cNvPr>
@@ -5924,7 +5935,7 @@
           <p:cNvPr id="10" name="TextBox 9">
             <a:extLst>
               <a:ext uri="{FF2B5EF4-FFF2-40B4-BE49-F238E27FC236}">
-                <a16:creationId xmlns:a16="http://schemas.microsoft.com/office/drawing/2014/main" xmlns="" id="{5BAAC093-8AFF-4608-AEE3-CDBB7F82E8A4}"/>
+                <a16:creationId xmlns:a16="http://schemas.microsoft.com/office/drawing/2014/main" id="{5BAAC093-8AFF-4608-AEE3-CDBB7F82E8A4}"/>
               </a:ext>
             </a:extLst>
           </p:cNvPr>
@@ -6429,7 +6440,7 @@
           <p:cNvPr id="6" name="직사각형 5">
             <a:extLst>
               <a:ext uri="{FF2B5EF4-FFF2-40B4-BE49-F238E27FC236}">
-                <a16:creationId xmlns:a16="http://schemas.microsoft.com/office/drawing/2014/main" xmlns="" id="{89AAFAD0-5F1B-47D7-B4A2-E83B36ABEA9B}"/>
+                <a16:creationId xmlns:a16="http://schemas.microsoft.com/office/drawing/2014/main" id="{89AAFAD0-5F1B-47D7-B4A2-E83B36ABEA9B}"/>
               </a:ext>
             </a:extLst>
           </p:cNvPr>
@@ -6481,7 +6492,7 @@
           <p:cNvPr id="7" name="TextBox 6">
             <a:extLst>
               <a:ext uri="{FF2B5EF4-FFF2-40B4-BE49-F238E27FC236}">
-                <a16:creationId xmlns:a16="http://schemas.microsoft.com/office/drawing/2014/main" xmlns="" id="{79926764-7BB4-4871-8C70-108B8CC68A5B}"/>
+                <a16:creationId xmlns:a16="http://schemas.microsoft.com/office/drawing/2014/main" id="{79926764-7BB4-4871-8C70-108B8CC68A5B}"/>
               </a:ext>
             </a:extLst>
           </p:cNvPr>
@@ -6616,7 +6627,7 @@
           <p:cNvPr id="8" name="그림 7">
             <a:extLst>
               <a:ext uri="{FF2B5EF4-FFF2-40B4-BE49-F238E27FC236}">
-                <a16:creationId xmlns:a16="http://schemas.microsoft.com/office/drawing/2014/main" xmlns="" id="{4A65AD21-41C2-4848-8179-5B78909D09D4}"/>
+                <a16:creationId xmlns:a16="http://schemas.microsoft.com/office/drawing/2014/main" id="{4A65AD21-41C2-4848-8179-5B78909D09D4}"/>
               </a:ext>
             </a:extLst>
           </p:cNvPr>
@@ -6646,7 +6657,7 @@
           <p:cNvPr id="10" name="TextBox 9">
             <a:extLst>
               <a:ext uri="{FF2B5EF4-FFF2-40B4-BE49-F238E27FC236}">
-                <a16:creationId xmlns:a16="http://schemas.microsoft.com/office/drawing/2014/main" xmlns="" id="{0A4148C5-DC47-4EEA-AD01-A050887326E2}"/>
+                <a16:creationId xmlns:a16="http://schemas.microsoft.com/office/drawing/2014/main" id="{0A4148C5-DC47-4EEA-AD01-A050887326E2}"/>
               </a:ext>
             </a:extLst>
           </p:cNvPr>
@@ -6933,7 +6944,7 @@
           <p:cNvPr id="5" name="직사각형 4">
             <a:extLst>
               <a:ext uri="{FF2B5EF4-FFF2-40B4-BE49-F238E27FC236}">
-                <a16:creationId xmlns:a16="http://schemas.microsoft.com/office/drawing/2014/main" xmlns="" id="{5C265A66-5F2C-488C-AC8D-8D373FF54653}"/>
+                <a16:creationId xmlns:a16="http://schemas.microsoft.com/office/drawing/2014/main" id="{5C265A66-5F2C-488C-AC8D-8D373FF54653}"/>
               </a:ext>
             </a:extLst>
           </p:cNvPr>
@@ -6985,7 +6996,7 @@
           <p:cNvPr id="26" name="TextBox 25">
             <a:extLst>
               <a:ext uri="{FF2B5EF4-FFF2-40B4-BE49-F238E27FC236}">
-                <a16:creationId xmlns:a16="http://schemas.microsoft.com/office/drawing/2014/main" xmlns="" id="{C9DAF82C-ADFD-4B48-B29F-3AE82A1617AC}"/>
+                <a16:creationId xmlns:a16="http://schemas.microsoft.com/office/drawing/2014/main" id="{C9DAF82C-ADFD-4B48-B29F-3AE82A1617AC}"/>
               </a:ext>
             </a:extLst>
           </p:cNvPr>
@@ -7043,7 +7054,7 @@
           <p:cNvPr id="2" name="TextBox 1">
             <a:extLst>
               <a:ext uri="{FF2B5EF4-FFF2-40B4-BE49-F238E27FC236}">
-                <a16:creationId xmlns:a16="http://schemas.microsoft.com/office/drawing/2014/main" xmlns="" id="{38FA9A9F-94F2-41E0-8243-A2BA3040BBDE}"/>
+                <a16:creationId xmlns:a16="http://schemas.microsoft.com/office/drawing/2014/main" id="{38FA9A9F-94F2-41E0-8243-A2BA3040BBDE}"/>
               </a:ext>
             </a:extLst>
           </p:cNvPr>
@@ -7187,7 +7198,7 @@
           <p:cNvPr id="6" name="직사각형 5">
             <a:extLst>
               <a:ext uri="{FF2B5EF4-FFF2-40B4-BE49-F238E27FC236}">
-                <a16:creationId xmlns:a16="http://schemas.microsoft.com/office/drawing/2014/main" xmlns="" id="{89AAFAD0-5F1B-47D7-B4A2-E83B36ABEA9B}"/>
+                <a16:creationId xmlns:a16="http://schemas.microsoft.com/office/drawing/2014/main" id="{89AAFAD0-5F1B-47D7-B4A2-E83B36ABEA9B}"/>
               </a:ext>
             </a:extLst>
           </p:cNvPr>
@@ -7239,7 +7250,7 @@
           <p:cNvPr id="7" name="TextBox 6">
             <a:extLst>
               <a:ext uri="{FF2B5EF4-FFF2-40B4-BE49-F238E27FC236}">
-                <a16:creationId xmlns:a16="http://schemas.microsoft.com/office/drawing/2014/main" xmlns="" id="{79926764-7BB4-4871-8C70-108B8CC68A5B}"/>
+                <a16:creationId xmlns:a16="http://schemas.microsoft.com/office/drawing/2014/main" id="{79926764-7BB4-4871-8C70-108B8CC68A5B}"/>
               </a:ext>
             </a:extLst>
           </p:cNvPr>
@@ -7293,7 +7304,7 @@
           <p:cNvPr id="5" name="표 7">
             <a:extLst>
               <a:ext uri="{FF2B5EF4-FFF2-40B4-BE49-F238E27FC236}">
-                <a16:creationId xmlns:a16="http://schemas.microsoft.com/office/drawing/2014/main" xmlns="" id="{F7BF730C-71E5-439E-91D4-C0ADF57490F6}"/>
+                <a16:creationId xmlns:a16="http://schemas.microsoft.com/office/drawing/2014/main" id="{F7BF730C-71E5-439E-91D4-C0ADF57490F6}"/>
               </a:ext>
             </a:extLst>
           </p:cNvPr>
@@ -7322,14 +7333,14 @@
                 <a:gridCol w="2838163">
                   <a:extLst>
                     <a:ext uri="{9D8B030D-6E8A-4147-A177-3AD203B41FA5}">
-                      <a16:colId xmlns:a16="http://schemas.microsoft.com/office/drawing/2014/main" xmlns="" val="2289281271"/>
+                      <a16:colId xmlns:a16="http://schemas.microsoft.com/office/drawing/2014/main" val="2289281271"/>
                     </a:ext>
                   </a:extLst>
                 </a:gridCol>
                 <a:gridCol w="8104157">
                   <a:extLst>
                     <a:ext uri="{9D8B030D-6E8A-4147-A177-3AD203B41FA5}">
-                      <a16:colId xmlns:a16="http://schemas.microsoft.com/office/drawing/2014/main" xmlns="" val="699324120"/>
+                      <a16:colId xmlns:a16="http://schemas.microsoft.com/office/drawing/2014/main" val="699324120"/>
                     </a:ext>
                   </a:extLst>
                 </a:gridCol>
@@ -7504,7 +7515,7 @@
                 </a:tc>
                 <a:extLst>
                   <a:ext uri="{0D108BD9-81ED-4DB2-BD59-A6C34878D82A}">
-                    <a16:rowId xmlns:a16="http://schemas.microsoft.com/office/drawing/2014/main" xmlns="" val="3813328272"/>
+                    <a16:rowId xmlns:a16="http://schemas.microsoft.com/office/drawing/2014/main" val="3813328272"/>
                   </a:ext>
                 </a:extLst>
               </a:tr>
@@ -7636,7 +7647,7 @@
                 </a:tc>
                 <a:extLst>
                   <a:ext uri="{0D108BD9-81ED-4DB2-BD59-A6C34878D82A}">
-                    <a16:rowId xmlns:a16="http://schemas.microsoft.com/office/drawing/2014/main" xmlns="" val="2066177984"/>
+                    <a16:rowId xmlns:a16="http://schemas.microsoft.com/office/drawing/2014/main" val="2066177984"/>
                   </a:ext>
                 </a:extLst>
               </a:tr>
@@ -7768,7 +7779,7 @@
                 </a:tc>
                 <a:extLst>
                   <a:ext uri="{0D108BD9-81ED-4DB2-BD59-A6C34878D82A}">
-                    <a16:rowId xmlns:a16="http://schemas.microsoft.com/office/drawing/2014/main" xmlns="" val="3504680341"/>
+                    <a16:rowId xmlns:a16="http://schemas.microsoft.com/office/drawing/2014/main" val="3504680341"/>
                   </a:ext>
                 </a:extLst>
               </a:tr>
@@ -7916,7 +7927,7 @@
                 </a:tc>
                 <a:extLst>
                   <a:ext uri="{0D108BD9-81ED-4DB2-BD59-A6C34878D82A}">
-                    <a16:rowId xmlns:a16="http://schemas.microsoft.com/office/drawing/2014/main" xmlns="" val="2576676868"/>
+                    <a16:rowId xmlns:a16="http://schemas.microsoft.com/office/drawing/2014/main" val="2576676868"/>
                   </a:ext>
                 </a:extLst>
               </a:tr>
@@ -8048,7 +8059,7 @@
                 </a:tc>
                 <a:extLst>
                   <a:ext uri="{0D108BD9-81ED-4DB2-BD59-A6C34878D82A}">
-                    <a16:rowId xmlns:a16="http://schemas.microsoft.com/office/drawing/2014/main" xmlns="" val="4093305397"/>
+                    <a16:rowId xmlns:a16="http://schemas.microsoft.com/office/drawing/2014/main" val="4093305397"/>
                   </a:ext>
                 </a:extLst>
               </a:tr>
@@ -8180,7 +8191,7 @@
                 </a:tc>
                 <a:extLst>
                   <a:ext uri="{0D108BD9-81ED-4DB2-BD59-A6C34878D82A}">
-                    <a16:rowId xmlns:a16="http://schemas.microsoft.com/office/drawing/2014/main" xmlns="" val="2458523849"/>
+                    <a16:rowId xmlns:a16="http://schemas.microsoft.com/office/drawing/2014/main" val="2458523849"/>
                   </a:ext>
                 </a:extLst>
               </a:tr>
@@ -8336,7 +8347,7 @@
                 </a:tc>
                 <a:extLst>
                   <a:ext uri="{0D108BD9-81ED-4DB2-BD59-A6C34878D82A}">
-                    <a16:rowId xmlns:a16="http://schemas.microsoft.com/office/drawing/2014/main" xmlns="" val="3793497633"/>
+                    <a16:rowId xmlns:a16="http://schemas.microsoft.com/office/drawing/2014/main" val="3793497633"/>
                   </a:ext>
                 </a:extLst>
               </a:tr>
@@ -8484,7 +8495,7 @@
                 </a:tc>
                 <a:extLst>
                   <a:ext uri="{0D108BD9-81ED-4DB2-BD59-A6C34878D82A}">
-                    <a16:rowId xmlns:a16="http://schemas.microsoft.com/office/drawing/2014/main" xmlns="" val="810170058"/>
+                    <a16:rowId xmlns:a16="http://schemas.microsoft.com/office/drawing/2014/main" val="810170058"/>
                   </a:ext>
                 </a:extLst>
               </a:tr>
@@ -8497,7 +8508,7 @@
           <p:cNvPr id="8" name="TextBox 7">
             <a:extLst>
               <a:ext uri="{FF2B5EF4-FFF2-40B4-BE49-F238E27FC236}">
-                <a16:creationId xmlns:a16="http://schemas.microsoft.com/office/drawing/2014/main" xmlns="" id="{B3B551CD-4C2F-438F-ACE5-E32C39B23CFF}"/>
+                <a16:creationId xmlns:a16="http://schemas.microsoft.com/office/drawing/2014/main" id="{B3B551CD-4C2F-438F-ACE5-E32C39B23CFF}"/>
               </a:ext>
             </a:extLst>
           </p:cNvPr>
@@ -8599,7 +8610,7 @@
           <p:cNvPr id="25" name="그림 24">
             <a:extLst>
               <a:ext uri="{FF2B5EF4-FFF2-40B4-BE49-F238E27FC236}">
-                <a16:creationId xmlns:a16="http://schemas.microsoft.com/office/drawing/2014/main" xmlns="" id="{6FC95020-5A6E-4171-999C-3B5611B5A54C}"/>
+                <a16:creationId xmlns:a16="http://schemas.microsoft.com/office/drawing/2014/main" id="{6FC95020-5A6E-4171-999C-3B5611B5A54C}"/>
               </a:ext>
             </a:extLst>
           </p:cNvPr>
@@ -8629,7 +8640,7 @@
           <p:cNvPr id="6" name="직사각형 5">
             <a:extLst>
               <a:ext uri="{FF2B5EF4-FFF2-40B4-BE49-F238E27FC236}">
-                <a16:creationId xmlns:a16="http://schemas.microsoft.com/office/drawing/2014/main" xmlns="" id="{F3F3FFB9-31B7-4F7E-9FF5-C453DB84B302}"/>
+                <a16:creationId xmlns:a16="http://schemas.microsoft.com/office/drawing/2014/main" id="{F3F3FFB9-31B7-4F7E-9FF5-C453DB84B302}"/>
               </a:ext>
             </a:extLst>
           </p:cNvPr>
@@ -8681,7 +8692,7 @@
           <p:cNvPr id="19" name="TextBox 18">
             <a:extLst>
               <a:ext uri="{FF2B5EF4-FFF2-40B4-BE49-F238E27FC236}">
-                <a16:creationId xmlns:a16="http://schemas.microsoft.com/office/drawing/2014/main" xmlns="" id="{EB3CFC53-944D-4121-99A8-7850B4C34EC9}"/>
+                <a16:creationId xmlns:a16="http://schemas.microsoft.com/office/drawing/2014/main" id="{EB3CFC53-944D-4121-99A8-7850B4C34EC9}"/>
               </a:ext>
             </a:extLst>
           </p:cNvPr>
@@ -8705,15 +8716,27 @@
           <a:lstStyle/>
           <a:p>
             <a:r>
-              <a:rPr lang="ko-KR" altLang="en-US" sz="2000" b="1" dirty="0"/>
+              <a:rPr lang="ko-KR" altLang="en-US" sz="2000" b="1" dirty="0">
+                <a:solidFill>
+                  <a:srgbClr val="767171"/>
+                </a:solidFill>
+              </a:rPr>
               <a:t>●  데이터 </a:t>
             </a:r>
             <a:r>
-              <a:rPr lang="ko-KR" altLang="en-US" sz="2200" b="1" dirty="0" err="1"/>
+              <a:rPr lang="ko-KR" altLang="en-US" sz="2200" b="1" dirty="0" err="1">
+                <a:solidFill>
+                  <a:srgbClr val="767171"/>
+                </a:solidFill>
+              </a:rPr>
               <a:t>전처리가</a:t>
             </a:r>
             <a:r>
-              <a:rPr lang="ko-KR" altLang="en-US" sz="2200" b="1" dirty="0"/>
+              <a:rPr lang="ko-KR" altLang="en-US" sz="2200" b="1" dirty="0">
+                <a:solidFill>
+                  <a:srgbClr val="767171"/>
+                </a:solidFill>
+              </a:rPr>
               <a:t> 필요한 항목 존재</a:t>
             </a:r>
           </a:p>
@@ -8724,7 +8747,7 @@
           <p:cNvPr id="23" name="TextBox 22">
             <a:extLst>
               <a:ext uri="{FF2B5EF4-FFF2-40B4-BE49-F238E27FC236}">
-                <a16:creationId xmlns:a16="http://schemas.microsoft.com/office/drawing/2014/main" xmlns="" id="{0D5C70D5-79A4-4A16-BEB2-5B6FA87EA2C2}"/>
+                <a16:creationId xmlns:a16="http://schemas.microsoft.com/office/drawing/2014/main" id="{0D5C70D5-79A4-4A16-BEB2-5B6FA87EA2C2}"/>
               </a:ext>
             </a:extLst>
           </p:cNvPr>
@@ -8778,7 +8801,7 @@
           <p:cNvPr id="5" name="타원 4">
             <a:extLst>
               <a:ext uri="{FF2B5EF4-FFF2-40B4-BE49-F238E27FC236}">
-                <a16:creationId xmlns:a16="http://schemas.microsoft.com/office/drawing/2014/main" xmlns="" id="{39FCFA70-CF5D-4FA8-921B-6286F7CDB4A0}"/>
+                <a16:creationId xmlns:a16="http://schemas.microsoft.com/office/drawing/2014/main" id="{39FCFA70-CF5D-4FA8-921B-6286F7CDB4A0}"/>
               </a:ext>
             </a:extLst>
           </p:cNvPr>
@@ -8842,7 +8865,7 @@
           <p:cNvPr id="24" name="타원 23">
             <a:extLst>
               <a:ext uri="{FF2B5EF4-FFF2-40B4-BE49-F238E27FC236}">
-                <a16:creationId xmlns:a16="http://schemas.microsoft.com/office/drawing/2014/main" xmlns="" id="{B3E21CF0-FF70-4E76-83B4-0F80BA96B622}"/>
+                <a16:creationId xmlns:a16="http://schemas.microsoft.com/office/drawing/2014/main" id="{B3E21CF0-FF70-4E76-83B4-0F80BA96B622}"/>
               </a:ext>
             </a:extLst>
           </p:cNvPr>
@@ -8906,7 +8929,7 @@
           <p:cNvPr id="12" name="타원 11">
             <a:extLst>
               <a:ext uri="{FF2B5EF4-FFF2-40B4-BE49-F238E27FC236}">
-                <a16:creationId xmlns:a16="http://schemas.microsoft.com/office/drawing/2014/main" xmlns="" id="{915F3DFF-F506-4D54-8A10-81E46699DF41}"/>
+                <a16:creationId xmlns:a16="http://schemas.microsoft.com/office/drawing/2014/main" id="{915F3DFF-F506-4D54-8A10-81E46699DF41}"/>
               </a:ext>
             </a:extLst>
           </p:cNvPr>
@@ -8970,7 +8993,7 @@
           <p:cNvPr id="13" name="타원 12">
             <a:extLst>
               <a:ext uri="{FF2B5EF4-FFF2-40B4-BE49-F238E27FC236}">
-                <a16:creationId xmlns:a16="http://schemas.microsoft.com/office/drawing/2014/main" xmlns="" id="{DB992159-D768-40E6-B976-CDFACBA5766F}"/>
+                <a16:creationId xmlns:a16="http://schemas.microsoft.com/office/drawing/2014/main" id="{DB992159-D768-40E6-B976-CDFACBA5766F}"/>
               </a:ext>
             </a:extLst>
           </p:cNvPr>
@@ -9034,7 +9057,7 @@
           <p:cNvPr id="14" name="TextBox 13">
             <a:extLst>
               <a:ext uri="{FF2B5EF4-FFF2-40B4-BE49-F238E27FC236}">
-                <a16:creationId xmlns:a16="http://schemas.microsoft.com/office/drawing/2014/main" xmlns="" id="{BC102FCF-D12A-4A7D-A4EC-80FBB2B28E8D}"/>
+                <a16:creationId xmlns:a16="http://schemas.microsoft.com/office/drawing/2014/main" id="{BC102FCF-D12A-4A7D-A4EC-80FBB2B28E8D}"/>
               </a:ext>
             </a:extLst>
           </p:cNvPr>
@@ -9073,7 +9096,7 @@
           <p:cNvPr id="15" name="TextBox 14">
             <a:extLst>
               <a:ext uri="{FF2B5EF4-FFF2-40B4-BE49-F238E27FC236}">
-                <a16:creationId xmlns:a16="http://schemas.microsoft.com/office/drawing/2014/main" xmlns="" id="{BC102FCF-D12A-4A7D-A4EC-80FBB2B28E8D}"/>
+                <a16:creationId xmlns:a16="http://schemas.microsoft.com/office/drawing/2014/main" id="{BC102FCF-D12A-4A7D-A4EC-80FBB2B28E8D}"/>
               </a:ext>
             </a:extLst>
           </p:cNvPr>
@@ -9117,7 +9140,7 @@
           <p:cNvPr id="16" name="TextBox 15">
             <a:extLst>
               <a:ext uri="{FF2B5EF4-FFF2-40B4-BE49-F238E27FC236}">
-                <a16:creationId xmlns:a16="http://schemas.microsoft.com/office/drawing/2014/main" xmlns="" id="{BC102FCF-D12A-4A7D-A4EC-80FBB2B28E8D}"/>
+                <a16:creationId xmlns:a16="http://schemas.microsoft.com/office/drawing/2014/main" id="{BC102FCF-D12A-4A7D-A4EC-80FBB2B28E8D}"/>
               </a:ext>
             </a:extLst>
           </p:cNvPr>
@@ -9178,7 +9201,7 @@
           <p:cNvPr id="17" name="TextBox 16">
             <a:extLst>
               <a:ext uri="{FF2B5EF4-FFF2-40B4-BE49-F238E27FC236}">
-                <a16:creationId xmlns:a16="http://schemas.microsoft.com/office/drawing/2014/main" xmlns="" id="{BC102FCF-D12A-4A7D-A4EC-80FBB2B28E8D}"/>
+                <a16:creationId xmlns:a16="http://schemas.microsoft.com/office/drawing/2014/main" id="{BC102FCF-D12A-4A7D-A4EC-80FBB2B28E8D}"/>
               </a:ext>
             </a:extLst>
           </p:cNvPr>
@@ -9222,7 +9245,7 @@
           <p:cNvPr id="7" name="표 7">
             <a:extLst>
               <a:ext uri="{FF2B5EF4-FFF2-40B4-BE49-F238E27FC236}">
-                <a16:creationId xmlns:a16="http://schemas.microsoft.com/office/drawing/2014/main" xmlns="" id="{A794A462-073B-4C97-8AE6-258424987B4A}"/>
+                <a16:creationId xmlns:a16="http://schemas.microsoft.com/office/drawing/2014/main" id="{A794A462-073B-4C97-8AE6-258424987B4A}"/>
               </a:ext>
             </a:extLst>
           </p:cNvPr>
@@ -9251,56 +9274,56 @@
                 <a:gridCol w="1188154">
                   <a:extLst>
                     <a:ext uri="{9D8B030D-6E8A-4147-A177-3AD203B41FA5}">
-                      <a16:colId xmlns:a16="http://schemas.microsoft.com/office/drawing/2014/main" xmlns="" val="1665916211"/>
+                      <a16:colId xmlns:a16="http://schemas.microsoft.com/office/drawing/2014/main" val="1665916211"/>
                     </a:ext>
                   </a:extLst>
                 </a:gridCol>
                 <a:gridCol w="1099226">
                   <a:extLst>
                     <a:ext uri="{9D8B030D-6E8A-4147-A177-3AD203B41FA5}">
-                      <a16:colId xmlns:a16="http://schemas.microsoft.com/office/drawing/2014/main" xmlns="" val="3931800829"/>
+                      <a16:colId xmlns:a16="http://schemas.microsoft.com/office/drawing/2014/main" val="3931800829"/>
                     </a:ext>
                   </a:extLst>
                 </a:gridCol>
                 <a:gridCol w="933855">
                   <a:extLst>
                     <a:ext uri="{9D8B030D-6E8A-4147-A177-3AD203B41FA5}">
-                      <a16:colId xmlns:a16="http://schemas.microsoft.com/office/drawing/2014/main" xmlns="" val="4104544172"/>
+                      <a16:colId xmlns:a16="http://schemas.microsoft.com/office/drawing/2014/main" val="4104544172"/>
                     </a:ext>
                   </a:extLst>
                 </a:gridCol>
                 <a:gridCol w="1750979">
                   <a:extLst>
                     <a:ext uri="{9D8B030D-6E8A-4147-A177-3AD203B41FA5}">
-                      <a16:colId xmlns:a16="http://schemas.microsoft.com/office/drawing/2014/main" xmlns="" val="2071757096"/>
+                      <a16:colId xmlns:a16="http://schemas.microsoft.com/office/drawing/2014/main" val="2071757096"/>
                     </a:ext>
                   </a:extLst>
                 </a:gridCol>
                 <a:gridCol w="1974715">
                   <a:extLst>
                     <a:ext uri="{9D8B030D-6E8A-4147-A177-3AD203B41FA5}">
-                      <a16:colId xmlns:a16="http://schemas.microsoft.com/office/drawing/2014/main" xmlns="" val="144601928"/>
+                      <a16:colId xmlns:a16="http://schemas.microsoft.com/office/drawing/2014/main" val="144601928"/>
                     </a:ext>
                   </a:extLst>
                 </a:gridCol>
                 <a:gridCol w="1896893">
                   <a:extLst>
                     <a:ext uri="{9D8B030D-6E8A-4147-A177-3AD203B41FA5}">
-                      <a16:colId xmlns:a16="http://schemas.microsoft.com/office/drawing/2014/main" xmlns="" val="867727936"/>
+                      <a16:colId xmlns:a16="http://schemas.microsoft.com/office/drawing/2014/main" val="867727936"/>
                     </a:ext>
                   </a:extLst>
                 </a:gridCol>
                 <a:gridCol w="1313234">
                   <a:extLst>
                     <a:ext uri="{9D8B030D-6E8A-4147-A177-3AD203B41FA5}">
-                      <a16:colId xmlns:a16="http://schemas.microsoft.com/office/drawing/2014/main" xmlns="" val="2688473200"/>
+                      <a16:colId xmlns:a16="http://schemas.microsoft.com/office/drawing/2014/main" val="2688473200"/>
                     </a:ext>
                   </a:extLst>
                 </a:gridCol>
                 <a:gridCol w="1337311">
                   <a:extLst>
                     <a:ext uri="{9D8B030D-6E8A-4147-A177-3AD203B41FA5}">
-                      <a16:colId xmlns:a16="http://schemas.microsoft.com/office/drawing/2014/main" xmlns="" val="2287402396"/>
+                      <a16:colId xmlns:a16="http://schemas.microsoft.com/office/drawing/2014/main" val="2287402396"/>
                     </a:ext>
                   </a:extLst>
                 </a:gridCol>
@@ -9793,7 +9816,7 @@
                 </a:tc>
                 <a:extLst>
                   <a:ext uri="{0D108BD9-81ED-4DB2-BD59-A6C34878D82A}">
-                    <a16:rowId xmlns:a16="http://schemas.microsoft.com/office/drawing/2014/main" xmlns="" val="2247544723"/>
+                    <a16:rowId xmlns:a16="http://schemas.microsoft.com/office/drawing/2014/main" val="2247544723"/>
                   </a:ext>
                 </a:extLst>
               </a:tr>
@@ -9806,7 +9829,7 @@
           <p:cNvPr id="3" name="직사각형 2">
             <a:extLst>
               <a:ext uri="{FF2B5EF4-FFF2-40B4-BE49-F238E27FC236}">
-                <a16:creationId xmlns:a16="http://schemas.microsoft.com/office/drawing/2014/main" xmlns="" id="{E7EBE937-C8CC-4207-A060-FBB1C3A9179F}"/>
+                <a16:creationId xmlns:a16="http://schemas.microsoft.com/office/drawing/2014/main" id="{E7EBE937-C8CC-4207-A060-FBB1C3A9179F}"/>
               </a:ext>
             </a:extLst>
           </p:cNvPr>
@@ -9861,7 +9884,7 @@
           <p:cNvPr id="29" name="직사각형 28">
             <a:extLst>
               <a:ext uri="{FF2B5EF4-FFF2-40B4-BE49-F238E27FC236}">
-                <a16:creationId xmlns:a16="http://schemas.microsoft.com/office/drawing/2014/main" xmlns="" id="{909E4249-35B4-4AEB-B46F-F51BC6B25FF3}"/>
+                <a16:creationId xmlns:a16="http://schemas.microsoft.com/office/drawing/2014/main" id="{909E4249-35B4-4AEB-B46F-F51BC6B25FF3}"/>
               </a:ext>
             </a:extLst>
           </p:cNvPr>
@@ -9918,7 +9941,7 @@
           <p:cNvPr id="10" name="직사각형 9">
             <a:extLst>
               <a:ext uri="{FF2B5EF4-FFF2-40B4-BE49-F238E27FC236}">
-                <a16:creationId xmlns:a16="http://schemas.microsoft.com/office/drawing/2014/main" xmlns="" id="{F7B24B50-86F1-45E1-9115-628804FB1820}"/>
+                <a16:creationId xmlns:a16="http://schemas.microsoft.com/office/drawing/2014/main" id="{F7B24B50-86F1-45E1-9115-628804FB1820}"/>
               </a:ext>
             </a:extLst>
           </p:cNvPr>
@@ -9973,7 +9996,7 @@
           <p:cNvPr id="11" name="직사각형 10">
             <a:extLst>
               <a:ext uri="{FF2B5EF4-FFF2-40B4-BE49-F238E27FC236}">
-                <a16:creationId xmlns:a16="http://schemas.microsoft.com/office/drawing/2014/main" xmlns="" id="{056D204A-38F4-4BDC-AE22-1916359F778D}"/>
+                <a16:creationId xmlns:a16="http://schemas.microsoft.com/office/drawing/2014/main" id="{056D204A-38F4-4BDC-AE22-1916359F778D}"/>
               </a:ext>
             </a:extLst>
           </p:cNvPr>
@@ -10065,7 +10088,7 @@
           <p:cNvPr id="6" name="직사각형 5">
             <a:extLst>
               <a:ext uri="{FF2B5EF4-FFF2-40B4-BE49-F238E27FC236}">
-                <a16:creationId xmlns:a16="http://schemas.microsoft.com/office/drawing/2014/main" xmlns="" id="{F3F3FFB9-31B7-4F7E-9FF5-C453DB84B302}"/>
+                <a16:creationId xmlns:a16="http://schemas.microsoft.com/office/drawing/2014/main" id="{F3F3FFB9-31B7-4F7E-9FF5-C453DB84B302}"/>
               </a:ext>
             </a:extLst>
           </p:cNvPr>
@@ -10117,7 +10140,7 @@
           <p:cNvPr id="2" name="그룹 1">
             <a:extLst>
               <a:ext uri="{FF2B5EF4-FFF2-40B4-BE49-F238E27FC236}">
-                <a16:creationId xmlns:a16="http://schemas.microsoft.com/office/drawing/2014/main" xmlns="" id="{3948A208-27B6-4D81-8D2C-A36F23B6B45F}"/>
+                <a16:creationId xmlns:a16="http://schemas.microsoft.com/office/drawing/2014/main" id="{3948A208-27B6-4D81-8D2C-A36F23B6B45F}"/>
               </a:ext>
             </a:extLst>
           </p:cNvPr>
@@ -10137,7 +10160,7 @@
             <p:cNvPr id="10" name="직사각형 9">
               <a:extLst>
                 <a:ext uri="{FF2B5EF4-FFF2-40B4-BE49-F238E27FC236}">
-                  <a16:creationId xmlns:a16="http://schemas.microsoft.com/office/drawing/2014/main" xmlns="" id="{47FCAA13-F236-46A2-98B2-0B7952ADFA02}"/>
+                  <a16:creationId xmlns:a16="http://schemas.microsoft.com/office/drawing/2014/main" id="{47FCAA13-F236-46A2-98B2-0B7952ADFA02}"/>
                 </a:ext>
               </a:extLst>
             </p:cNvPr>
@@ -10181,7 +10204,7 @@
             <p:cNvPr id="34" name="직선 화살표 연결선 33">
               <a:extLst>
                 <a:ext uri="{FF2B5EF4-FFF2-40B4-BE49-F238E27FC236}">
-                  <a16:creationId xmlns:a16="http://schemas.microsoft.com/office/drawing/2014/main" xmlns="" id="{97C5B7B8-9087-4E94-A010-7C8B603D32B3}"/>
+                  <a16:creationId xmlns:a16="http://schemas.microsoft.com/office/drawing/2014/main" id="{97C5B7B8-9087-4E94-A010-7C8B603D32B3}"/>
                 </a:ext>
               </a:extLst>
             </p:cNvPr>
@@ -10223,7 +10246,7 @@
             <p:cNvPr id="2049" name="_x138102184" descr="EMB00000b285146">
               <a:extLst>
                 <a:ext uri="{FF2B5EF4-FFF2-40B4-BE49-F238E27FC236}">
-                  <a16:creationId xmlns:a16="http://schemas.microsoft.com/office/drawing/2014/main" xmlns="" id="{15942BEE-63D9-4C2C-B5B2-E9D156D855F0}"/>
+                  <a16:creationId xmlns:a16="http://schemas.microsoft.com/office/drawing/2014/main" id="{15942BEE-63D9-4C2C-B5B2-E9D156D855F0}"/>
                 </a:ext>
               </a:extLst>
             </p:cNvPr>
@@ -10270,7 +10293,7 @@
             <p:cNvPr id="2051" name="_x138075216" descr="EMB00000b285144">
               <a:extLst>
                 <a:ext uri="{FF2B5EF4-FFF2-40B4-BE49-F238E27FC236}">
-                  <a16:creationId xmlns:a16="http://schemas.microsoft.com/office/drawing/2014/main" xmlns="" id="{8A2A3C27-4871-4161-AB21-76E020C7EEEA}"/>
+                  <a16:creationId xmlns:a16="http://schemas.microsoft.com/office/drawing/2014/main" id="{8A2A3C27-4871-4161-AB21-76E020C7EEEA}"/>
                 </a:ext>
               </a:extLst>
             </p:cNvPr>
@@ -10318,7 +10341,7 @@
           <p:cNvPr id="20" name="TextBox 19">
             <a:extLst>
               <a:ext uri="{FF2B5EF4-FFF2-40B4-BE49-F238E27FC236}">
-                <a16:creationId xmlns:a16="http://schemas.microsoft.com/office/drawing/2014/main" xmlns="" id="{03851AB4-E429-40CC-9E70-1F2237C4A465}"/>
+                <a16:creationId xmlns:a16="http://schemas.microsoft.com/office/drawing/2014/main" id="{03851AB4-E429-40CC-9E70-1F2237C4A465}"/>
               </a:ext>
             </a:extLst>
           </p:cNvPr>
@@ -10342,15 +10365,27 @@
           <a:lstStyle/>
           <a:p>
             <a:r>
-              <a:rPr lang="ko-KR" altLang="en-US" sz="2400" b="1" dirty="0"/>
+              <a:rPr lang="ko-KR" altLang="en-US" sz="2400" b="1" dirty="0">
+                <a:solidFill>
+                  <a:srgbClr val="767171"/>
+                </a:solidFill>
+              </a:rPr>
               <a:t>● 통계 및 분석의 용이함을 위해 </a:t>
             </a:r>
             <a:r>
-              <a:rPr lang="ko-KR" altLang="en-US" sz="2400" b="1" dirty="0" err="1"/>
+              <a:rPr lang="ko-KR" altLang="en-US" sz="2400" b="1" dirty="0" err="1">
+                <a:solidFill>
+                  <a:srgbClr val="767171"/>
+                </a:solidFill>
+              </a:rPr>
               <a:t>정수형으로</a:t>
             </a:r>
             <a:r>
-              <a:rPr lang="ko-KR" altLang="en-US" sz="2400" b="1" dirty="0"/>
+              <a:rPr lang="ko-KR" altLang="en-US" sz="2400" b="1" dirty="0">
+                <a:solidFill>
+                  <a:srgbClr val="767171"/>
+                </a:solidFill>
+              </a:rPr>
               <a:t> 통일</a:t>
             </a:r>
           </a:p>
@@ -10361,7 +10396,7 @@
           <p:cNvPr id="22" name="TextBox 21">
             <a:extLst>
               <a:ext uri="{FF2B5EF4-FFF2-40B4-BE49-F238E27FC236}">
-                <a16:creationId xmlns:a16="http://schemas.microsoft.com/office/drawing/2014/main" xmlns="" id="{877B0155-CAAC-43EB-8992-CE472441E6EA}"/>
+                <a16:creationId xmlns:a16="http://schemas.microsoft.com/office/drawing/2014/main" id="{877B0155-CAAC-43EB-8992-CE472441E6EA}"/>
               </a:ext>
             </a:extLst>
           </p:cNvPr>
@@ -10428,7 +10463,7 @@
           <p:cNvPr id="23" name="타원 22">
             <a:extLst>
               <a:ext uri="{FF2B5EF4-FFF2-40B4-BE49-F238E27FC236}">
-                <a16:creationId xmlns:a16="http://schemas.microsoft.com/office/drawing/2014/main" xmlns="" id="{2DADA452-711A-425B-8B54-79F55C071350}"/>
+                <a16:creationId xmlns:a16="http://schemas.microsoft.com/office/drawing/2014/main" id="{2DADA452-711A-425B-8B54-79F55C071350}"/>
               </a:ext>
             </a:extLst>
           </p:cNvPr>
@@ -10492,7 +10527,7 @@
           <p:cNvPr id="14" name="그림 13">
             <a:extLst>
               <a:ext uri="{FF2B5EF4-FFF2-40B4-BE49-F238E27FC236}">
-                <a16:creationId xmlns:a16="http://schemas.microsoft.com/office/drawing/2014/main" xmlns="" id="{5EAAC1A0-4B0E-435F-AAE8-D7E8909ADA7F}"/>
+                <a16:creationId xmlns:a16="http://schemas.microsoft.com/office/drawing/2014/main" id="{5EAAC1A0-4B0E-435F-AAE8-D7E8909ADA7F}"/>
               </a:ext>
             </a:extLst>
           </p:cNvPr>
@@ -10524,7 +10559,7 @@
           <p:cNvPr id="5" name="그림 4">
             <a:extLst>
               <a:ext uri="{FF2B5EF4-FFF2-40B4-BE49-F238E27FC236}">
-                <a16:creationId xmlns:a16="http://schemas.microsoft.com/office/drawing/2014/main" xmlns="" id="{20F62859-3ADF-46C1-913E-7FB3AA738897}"/>
+                <a16:creationId xmlns:a16="http://schemas.microsoft.com/office/drawing/2014/main" id="{20F62859-3ADF-46C1-913E-7FB3AA738897}"/>
               </a:ext>
             </a:extLst>
           </p:cNvPr>
@@ -10592,7 +10627,7 @@
           <p:cNvPr id="42" name="타원 41">
             <a:extLst>
               <a:ext uri="{FF2B5EF4-FFF2-40B4-BE49-F238E27FC236}">
-                <a16:creationId xmlns:a16="http://schemas.microsoft.com/office/drawing/2014/main" xmlns="" id="{7CB23BD1-934A-4AE7-8019-4252498EC117}"/>
+                <a16:creationId xmlns:a16="http://schemas.microsoft.com/office/drawing/2014/main" id="{7CB23BD1-934A-4AE7-8019-4252498EC117}"/>
               </a:ext>
             </a:extLst>
           </p:cNvPr>
@@ -10656,7 +10691,7 @@
           <p:cNvPr id="43" name="타원 42">
             <a:extLst>
               <a:ext uri="{FF2B5EF4-FFF2-40B4-BE49-F238E27FC236}">
-                <a16:creationId xmlns:a16="http://schemas.microsoft.com/office/drawing/2014/main" xmlns="" id="{362B0A97-E9FA-4710-BE7E-0E343C1FA597}"/>
+                <a16:creationId xmlns:a16="http://schemas.microsoft.com/office/drawing/2014/main" id="{362B0A97-E9FA-4710-BE7E-0E343C1FA597}"/>
               </a:ext>
             </a:extLst>
           </p:cNvPr>
@@ -10705,14 +10740,14 @@
             <a:r>
               <a:rPr lang="en-US" altLang="ko-KR" b="1" dirty="0">
                 <a:solidFill>
-                  <a:schemeClr val="tx1"/>
+                  <a:srgbClr val="767171"/>
                 </a:solidFill>
               </a:rPr>
               <a:t>2</a:t>
             </a:r>
             <a:endParaRPr lang="ko-KR" altLang="en-US" b="1" dirty="0">
               <a:solidFill>
-                <a:schemeClr val="tx1"/>
+                <a:srgbClr val="767171"/>
               </a:solidFill>
             </a:endParaRPr>
           </a:p>
@@ -10723,7 +10758,7 @@
           <p:cNvPr id="44" name="타원 43">
             <a:extLst>
               <a:ext uri="{FF2B5EF4-FFF2-40B4-BE49-F238E27FC236}">
-                <a16:creationId xmlns:a16="http://schemas.microsoft.com/office/drawing/2014/main" xmlns="" id="{58FEC933-537E-430B-8C35-338F62CFA541}"/>
+                <a16:creationId xmlns:a16="http://schemas.microsoft.com/office/drawing/2014/main" id="{58FEC933-537E-430B-8C35-338F62CFA541}"/>
               </a:ext>
             </a:extLst>
           </p:cNvPr>
@@ -10772,14 +10807,14 @@
             <a:r>
               <a:rPr lang="en-US" altLang="ko-KR" b="1" dirty="0">
                 <a:solidFill>
-                  <a:schemeClr val="tx1"/>
+                  <a:srgbClr val="767171"/>
                 </a:solidFill>
               </a:rPr>
               <a:t>3</a:t>
             </a:r>
             <a:endParaRPr lang="ko-KR" altLang="en-US" b="1" dirty="0">
               <a:solidFill>
-                <a:schemeClr val="tx1"/>
+                <a:srgbClr val="767171"/>
               </a:solidFill>
             </a:endParaRPr>
           </a:p>
@@ -10790,7 +10825,7 @@
           <p:cNvPr id="45" name="타원 44">
             <a:extLst>
               <a:ext uri="{FF2B5EF4-FFF2-40B4-BE49-F238E27FC236}">
-                <a16:creationId xmlns:a16="http://schemas.microsoft.com/office/drawing/2014/main" xmlns="" id="{6DA9168F-8003-4D39-A8F8-7862DC9A3B7F}"/>
+                <a16:creationId xmlns:a16="http://schemas.microsoft.com/office/drawing/2014/main" id="{6DA9168F-8003-4D39-A8F8-7862DC9A3B7F}"/>
               </a:ext>
             </a:extLst>
           </p:cNvPr>
@@ -10839,14 +10874,14 @@
             <a:r>
               <a:rPr lang="en-US" altLang="ko-KR" b="1" dirty="0">
                 <a:solidFill>
-                  <a:schemeClr val="tx1"/>
+                  <a:srgbClr val="767171"/>
                 </a:solidFill>
               </a:rPr>
               <a:t>4</a:t>
             </a:r>
             <a:endParaRPr lang="ko-KR" altLang="en-US" b="1" dirty="0">
               <a:solidFill>
-                <a:schemeClr val="tx1"/>
+                <a:srgbClr val="767171"/>
               </a:solidFill>
             </a:endParaRPr>
           </a:p>
@@ -10857,7 +10892,7 @@
           <p:cNvPr id="46" name="TextBox 45">
             <a:extLst>
               <a:ext uri="{FF2B5EF4-FFF2-40B4-BE49-F238E27FC236}">
-                <a16:creationId xmlns:a16="http://schemas.microsoft.com/office/drawing/2014/main" xmlns="" id="{AD627032-C3EA-4097-B11E-3411755C9D82}"/>
+                <a16:creationId xmlns:a16="http://schemas.microsoft.com/office/drawing/2014/main" id="{AD627032-C3EA-4097-B11E-3411755C9D82}"/>
               </a:ext>
             </a:extLst>
           </p:cNvPr>
@@ -10899,7 +10934,7 @@
           <p:cNvPr id="47" name="TextBox 46">
             <a:extLst>
               <a:ext uri="{FF2B5EF4-FFF2-40B4-BE49-F238E27FC236}">
-                <a16:creationId xmlns:a16="http://schemas.microsoft.com/office/drawing/2014/main" xmlns="" id="{8D6D7B01-9AB1-4FBA-8955-7A6A132134C0}"/>
+                <a16:creationId xmlns:a16="http://schemas.microsoft.com/office/drawing/2014/main" id="{8D6D7B01-9AB1-4FBA-8955-7A6A132134C0}"/>
               </a:ext>
             </a:extLst>
           </p:cNvPr>
@@ -10926,7 +10961,11 @@
           <a:lstStyle/>
           <a:p>
             <a:r>
-              <a:rPr lang="ko-KR" altLang="en-US" b="1" dirty="0"/>
+              <a:rPr lang="ko-KR" altLang="en-US" b="1" dirty="0">
+                <a:solidFill>
+                  <a:srgbClr val="767171"/>
+                </a:solidFill>
+              </a:rPr>
               <a:t>샤워 온도</a:t>
             </a:r>
           </a:p>
@@ -10937,7 +10976,7 @@
           <p:cNvPr id="48" name="TextBox 47">
             <a:extLst>
               <a:ext uri="{FF2B5EF4-FFF2-40B4-BE49-F238E27FC236}">
-                <a16:creationId xmlns:a16="http://schemas.microsoft.com/office/drawing/2014/main" xmlns="" id="{64BD4105-936B-4124-AFA1-D5C781248EDB}"/>
+                <a16:creationId xmlns:a16="http://schemas.microsoft.com/office/drawing/2014/main" id="{64BD4105-936B-4124-AFA1-D5C781248EDB}"/>
               </a:ext>
             </a:extLst>
           </p:cNvPr>
@@ -10965,18 +11004,34 @@
           <a:p>
             <a:pPr algn="ctr"/>
             <a:r>
-              <a:rPr lang="ko-KR" altLang="en-US" b="1" dirty="0"/>
+              <a:rPr lang="ko-KR" altLang="en-US" b="1" dirty="0">
+                <a:solidFill>
+                  <a:srgbClr val="767171"/>
+                </a:solidFill>
+              </a:rPr>
               <a:t>목욕</a:t>
             </a:r>
-            <a:endParaRPr lang="en-US" altLang="ko-KR" b="1" dirty="0"/>
+            <a:endParaRPr lang="en-US" altLang="ko-KR" b="1" dirty="0">
+              <a:solidFill>
+                <a:srgbClr val="767171"/>
+              </a:solidFill>
+            </a:endParaRPr>
           </a:p>
           <a:p>
             <a:pPr algn="ctr"/>
             <a:r>
-              <a:rPr lang="ko-KR" altLang="en-US" b="1" dirty="0" err="1"/>
+              <a:rPr lang="ko-KR" altLang="en-US" b="1" dirty="0" err="1">
+                <a:solidFill>
+                  <a:srgbClr val="767171"/>
+                </a:solidFill>
+              </a:rPr>
               <a:t>시작시간</a:t>
             </a:r>
-            <a:endParaRPr lang="ko-KR" altLang="en-US" b="1" dirty="0"/>
+            <a:endParaRPr lang="ko-KR" altLang="en-US" b="1" dirty="0">
+              <a:solidFill>
+                <a:srgbClr val="767171"/>
+              </a:solidFill>
+            </a:endParaRPr>
           </a:p>
         </p:txBody>
       </p:sp>
@@ -10985,7 +11040,7 @@
           <p:cNvPr id="49" name="TextBox 48">
             <a:extLst>
               <a:ext uri="{FF2B5EF4-FFF2-40B4-BE49-F238E27FC236}">
-                <a16:creationId xmlns:a16="http://schemas.microsoft.com/office/drawing/2014/main" xmlns="" id="{FD0192ED-46F3-4D97-BCC9-460BDDB36059}"/>
+                <a16:creationId xmlns:a16="http://schemas.microsoft.com/office/drawing/2014/main" id="{FD0192ED-46F3-4D97-BCC9-460BDDB36059}"/>
               </a:ext>
             </a:extLst>
           </p:cNvPr>
@@ -11012,10 +11067,18 @@
           <a:lstStyle/>
           <a:p>
             <a:r>
-              <a:rPr lang="ko-KR" altLang="en-US" b="1" dirty="0" err="1"/>
+              <a:rPr lang="ko-KR" altLang="en-US" b="1" dirty="0" err="1">
+                <a:solidFill>
+                  <a:srgbClr val="767171"/>
+                </a:solidFill>
+              </a:rPr>
               <a:t>목욕시간</a:t>
             </a:r>
-            <a:endParaRPr lang="ko-KR" altLang="en-US" b="1" dirty="0"/>
+            <a:endParaRPr lang="ko-KR" altLang="en-US" b="1" dirty="0">
+              <a:solidFill>
+                <a:srgbClr val="767171"/>
+              </a:solidFill>
+            </a:endParaRPr>
           </a:p>
         </p:txBody>
       </p:sp>
@@ -11028,7 +11091,7 @@
           <p:nvPr>
             <p:extLst>
               <p:ext uri="{D42A27DB-BD31-4B8C-83A1-F6EECF244321}">
-                <p14:modId xmlns:p14="http://schemas.microsoft.com/office/powerpoint/2010/main" val="312518562"/>
+                <p14:modId xmlns:p14="http://schemas.microsoft.com/office/powerpoint/2010/main" val="3787759574"/>
               </p:ext>
             </p:extLst>
           </p:nvPr>
@@ -11047,21 +11110,21 @@
                 <a:gridCol w="1113558">
                   <a:extLst>
                     <a:ext uri="{9D8B030D-6E8A-4147-A177-3AD203B41FA5}">
-                      <a16:colId xmlns:a16="http://schemas.microsoft.com/office/drawing/2014/main" xmlns="" val="3495750884"/>
+                      <a16:colId xmlns:a16="http://schemas.microsoft.com/office/drawing/2014/main" val="3495750884"/>
                     </a:ext>
                   </a:extLst>
                 </a:gridCol>
                 <a:gridCol w="1113558">
                   <a:extLst>
                     <a:ext uri="{9D8B030D-6E8A-4147-A177-3AD203B41FA5}">
-                      <a16:colId xmlns:a16="http://schemas.microsoft.com/office/drawing/2014/main" xmlns="" val="1627812997"/>
+                      <a16:colId xmlns:a16="http://schemas.microsoft.com/office/drawing/2014/main" val="1627812997"/>
                     </a:ext>
                   </a:extLst>
                 </a:gridCol>
                 <a:gridCol w="1113558">
                   <a:extLst>
                     <a:ext uri="{9D8B030D-6E8A-4147-A177-3AD203B41FA5}">
-                      <a16:colId xmlns:a16="http://schemas.microsoft.com/office/drawing/2014/main" xmlns="" val="461743688"/>
+                      <a16:colId xmlns:a16="http://schemas.microsoft.com/office/drawing/2014/main" val="461743688"/>
                     </a:ext>
                   </a:extLst>
                 </a:gridCol>
@@ -11076,7 +11139,7 @@
                       <a:r>
                         <a:rPr lang="ko-KR" altLang="en-US" dirty="0">
                           <a:solidFill>
-                            <a:schemeClr val="tx1"/>
+                            <a:srgbClr val="767171"/>
                           </a:solidFill>
                         </a:rPr>
                         <a:t>평균</a:t>
@@ -11132,7 +11195,7 @@
                       <a:r>
                         <a:rPr lang="ko-KR" altLang="en-US" dirty="0">
                           <a:solidFill>
-                            <a:schemeClr val="tx1"/>
+                            <a:srgbClr val="767171"/>
                           </a:solidFill>
                         </a:rPr>
                         <a:t>최소값</a:t>
@@ -11188,7 +11251,7 @@
                       <a:r>
                         <a:rPr lang="ko-KR" altLang="en-US" dirty="0">
                           <a:solidFill>
-                            <a:schemeClr val="tx1"/>
+                            <a:srgbClr val="767171"/>
                           </a:solidFill>
                         </a:rPr>
                         <a:t>최대값</a:t>
@@ -11237,7 +11300,7 @@
                 </a:tc>
                 <a:extLst>
                   <a:ext uri="{0D108BD9-81ED-4DB2-BD59-A6C34878D82A}">
-                    <a16:rowId xmlns:a16="http://schemas.microsoft.com/office/drawing/2014/main" xmlns="" val="2204616078"/>
+                    <a16:rowId xmlns:a16="http://schemas.microsoft.com/office/drawing/2014/main" val="2204616078"/>
                   </a:ext>
                 </a:extLst>
               </a:tr>
@@ -11251,7 +11314,7 @@
                       <a:r>
                         <a:rPr lang="en-US" altLang="ko-KR" dirty="0">
                           <a:solidFill>
-                            <a:schemeClr val="tx1"/>
+                            <a:srgbClr val="767171"/>
                           </a:solidFill>
                         </a:rPr>
                         <a:t>28</a:t>
@@ -11259,7 +11322,7 @@
                       <a:r>
                         <a:rPr lang="ko-KR" altLang="en-US" dirty="0">
                           <a:solidFill>
-                            <a:schemeClr val="tx1"/>
+                            <a:srgbClr val="767171"/>
                           </a:solidFill>
                         </a:rPr>
                         <a:t>세</a:t>
@@ -11315,7 +11378,7 @@
                       <a:r>
                         <a:rPr lang="en-US" altLang="ko-KR" dirty="0">
                           <a:solidFill>
-                            <a:schemeClr val="tx1"/>
+                            <a:srgbClr val="767171"/>
                           </a:solidFill>
                         </a:rPr>
                         <a:t>12</a:t>
@@ -11323,7 +11386,7 @@
                       <a:r>
                         <a:rPr lang="ko-KR" altLang="en-US" dirty="0">
                           <a:solidFill>
-                            <a:schemeClr val="tx1"/>
+                            <a:srgbClr val="767171"/>
                           </a:solidFill>
                         </a:rPr>
                         <a:t>세</a:t>
@@ -11379,7 +11442,7 @@
                       <a:r>
                         <a:rPr lang="en-US" altLang="ko-KR" dirty="0">
                           <a:solidFill>
-                            <a:schemeClr val="tx1"/>
+                            <a:srgbClr val="767171"/>
                           </a:solidFill>
                         </a:rPr>
                         <a:t>68</a:t>
@@ -11387,7 +11450,7 @@
                       <a:r>
                         <a:rPr lang="ko-KR" altLang="en-US" dirty="0">
                           <a:solidFill>
-                            <a:schemeClr val="tx1"/>
+                            <a:srgbClr val="767171"/>
                           </a:solidFill>
                         </a:rPr>
                         <a:t>세</a:t>
@@ -11436,7 +11499,7 @@
                 </a:tc>
                 <a:extLst>
                   <a:ext uri="{0D108BD9-81ED-4DB2-BD59-A6C34878D82A}">
-                    <a16:rowId xmlns:a16="http://schemas.microsoft.com/office/drawing/2014/main" xmlns="" val="1467737596"/>
+                    <a16:rowId xmlns:a16="http://schemas.microsoft.com/office/drawing/2014/main" val="1467737596"/>
                   </a:ext>
                 </a:extLst>
               </a:tr>
@@ -11449,7 +11512,7 @@
           <p:cNvPr id="4" name="표 3">
             <a:extLst>
               <a:ext uri="{FF2B5EF4-FFF2-40B4-BE49-F238E27FC236}">
-                <a16:creationId xmlns:a16="http://schemas.microsoft.com/office/drawing/2014/main" xmlns="" id="{B83E6634-544C-4052-96E6-41335824CCA4}"/>
+                <a16:creationId xmlns:a16="http://schemas.microsoft.com/office/drawing/2014/main" id="{B83E6634-544C-4052-96E6-41335824CCA4}"/>
               </a:ext>
             </a:extLst>
           </p:cNvPr>
@@ -11478,7 +11541,7 @@
                 <a:gridCol w="1389600">
                   <a:extLst>
                     <a:ext uri="{9D8B030D-6E8A-4147-A177-3AD203B41FA5}">
-                      <a16:colId xmlns:a16="http://schemas.microsoft.com/office/drawing/2014/main" xmlns="" val="2832150726"/>
+                      <a16:colId xmlns:a16="http://schemas.microsoft.com/office/drawing/2014/main" val="2832150726"/>
                     </a:ext>
                   </a:extLst>
                 </a:gridCol>
@@ -11546,7 +11609,7 @@
                 </a:tc>
                 <a:extLst>
                   <a:ext uri="{0D108BD9-81ED-4DB2-BD59-A6C34878D82A}">
-                    <a16:rowId xmlns:a16="http://schemas.microsoft.com/office/drawing/2014/main" xmlns="" val="2873923222"/>
+                    <a16:rowId xmlns:a16="http://schemas.microsoft.com/office/drawing/2014/main" val="2873923222"/>
                   </a:ext>
                 </a:extLst>
               </a:tr>
@@ -11596,7 +11659,7 @@
           <p:cNvPr id="6" name="직사각형 5">
             <a:extLst>
               <a:ext uri="{FF2B5EF4-FFF2-40B4-BE49-F238E27FC236}">
-                <a16:creationId xmlns:a16="http://schemas.microsoft.com/office/drawing/2014/main" xmlns="" id="{F3F3FFB9-31B7-4F7E-9FF5-C453DB84B302}"/>
+                <a16:creationId xmlns:a16="http://schemas.microsoft.com/office/drawing/2014/main" id="{F3F3FFB9-31B7-4F7E-9FF5-C453DB84B302}"/>
               </a:ext>
             </a:extLst>
           </p:cNvPr>
@@ -11648,7 +11711,7 @@
           <p:cNvPr id="2" name="그룹 1">
             <a:extLst>
               <a:ext uri="{FF2B5EF4-FFF2-40B4-BE49-F238E27FC236}">
-                <a16:creationId xmlns:a16="http://schemas.microsoft.com/office/drawing/2014/main" xmlns="" id="{2957256E-42B8-402B-B169-C610CF43EFF6}"/>
+                <a16:creationId xmlns:a16="http://schemas.microsoft.com/office/drawing/2014/main" id="{2957256E-42B8-402B-B169-C610CF43EFF6}"/>
               </a:ext>
             </a:extLst>
           </p:cNvPr>
@@ -11668,7 +11731,7 @@
             <p:cNvPr id="7" name="직선 화살표 연결선 6">
               <a:extLst>
                 <a:ext uri="{FF2B5EF4-FFF2-40B4-BE49-F238E27FC236}">
-                  <a16:creationId xmlns:a16="http://schemas.microsoft.com/office/drawing/2014/main" xmlns="" id="{6796008F-0131-4063-A8EB-08A354570C95}"/>
+                  <a16:creationId xmlns:a16="http://schemas.microsoft.com/office/drawing/2014/main" id="{6796008F-0131-4063-A8EB-08A354570C95}"/>
                 </a:ext>
               </a:extLst>
             </p:cNvPr>
@@ -11710,7 +11773,7 @@
             <p:cNvPr id="1027" name="_x138104104" descr="EMB00000b285147">
               <a:extLst>
                 <a:ext uri="{FF2B5EF4-FFF2-40B4-BE49-F238E27FC236}">
-                  <a16:creationId xmlns:a16="http://schemas.microsoft.com/office/drawing/2014/main" xmlns="" id="{0718C87B-E352-471A-B049-09B680354C5B}"/>
+                  <a16:creationId xmlns:a16="http://schemas.microsoft.com/office/drawing/2014/main" id="{0718C87B-E352-471A-B049-09B680354C5B}"/>
                 </a:ext>
               </a:extLst>
             </p:cNvPr>
@@ -11757,7 +11820,7 @@
             <p:cNvPr id="1029" name="_x138076016" descr="EMB00000b285148">
               <a:extLst>
                 <a:ext uri="{FF2B5EF4-FFF2-40B4-BE49-F238E27FC236}">
-                  <a16:creationId xmlns:a16="http://schemas.microsoft.com/office/drawing/2014/main" xmlns="" id="{EA8123C1-1970-4C62-9438-0507CB12915E}"/>
+                  <a16:creationId xmlns:a16="http://schemas.microsoft.com/office/drawing/2014/main" id="{EA8123C1-1970-4C62-9438-0507CB12915E}"/>
                 </a:ext>
               </a:extLst>
             </p:cNvPr>
@@ -11805,7 +11868,7 @@
           <p:cNvPr id="22" name="TextBox 21">
             <a:extLst>
               <a:ext uri="{FF2B5EF4-FFF2-40B4-BE49-F238E27FC236}">
-                <a16:creationId xmlns:a16="http://schemas.microsoft.com/office/drawing/2014/main" xmlns="" id="{A1ADC8BD-9D9D-498C-9980-6E07DD2979E1}"/>
+                <a16:creationId xmlns:a16="http://schemas.microsoft.com/office/drawing/2014/main" id="{A1ADC8BD-9D9D-498C-9980-6E07DD2979E1}"/>
               </a:ext>
             </a:extLst>
           </p:cNvPr>
@@ -11829,15 +11892,27 @@
           <a:lstStyle/>
           <a:p>
             <a:r>
-              <a:rPr lang="ko-KR" altLang="en-US" sz="2400" b="1" dirty="0"/>
+              <a:rPr lang="ko-KR" altLang="en-US" sz="2400" b="1" dirty="0">
+                <a:solidFill>
+                  <a:srgbClr val="767171"/>
+                </a:solidFill>
+              </a:rPr>
               <a:t>● 통계 및 분석의 용이함을 위해 </a:t>
             </a:r>
             <a:r>
-              <a:rPr lang="en-US" altLang="ko-KR" sz="2400" b="1" dirty="0"/>
+              <a:rPr lang="en-US" altLang="ko-KR" sz="2400" b="1" dirty="0">
+                <a:solidFill>
+                  <a:srgbClr val="767171"/>
+                </a:solidFill>
+              </a:rPr>
               <a:t>3</a:t>
             </a:r>
             <a:r>
-              <a:rPr lang="ko-KR" altLang="en-US" sz="2400" b="1" dirty="0"/>
+              <a:rPr lang="ko-KR" altLang="en-US" sz="2400" b="1" dirty="0">
+                <a:solidFill>
+                  <a:srgbClr val="767171"/>
+                </a:solidFill>
+              </a:rPr>
               <a:t>가지로 통일 </a:t>
             </a:r>
           </a:p>
@@ -11848,7 +11923,7 @@
           <p:cNvPr id="5" name="그림 4">
             <a:extLst>
               <a:ext uri="{FF2B5EF4-FFF2-40B4-BE49-F238E27FC236}">
-                <a16:creationId xmlns:a16="http://schemas.microsoft.com/office/drawing/2014/main" xmlns="" id="{1FA1CF3A-4C0D-4D46-A33C-4A4B50477BBD}"/>
+                <a16:creationId xmlns:a16="http://schemas.microsoft.com/office/drawing/2014/main" id="{1FA1CF3A-4C0D-4D46-A33C-4A4B50477BBD}"/>
               </a:ext>
             </a:extLst>
           </p:cNvPr>
@@ -11878,7 +11953,7 @@
           <p:cNvPr id="20" name="TextBox 19">
             <a:extLst>
               <a:ext uri="{FF2B5EF4-FFF2-40B4-BE49-F238E27FC236}">
-                <a16:creationId xmlns:a16="http://schemas.microsoft.com/office/drawing/2014/main" xmlns="" id="{A44C08DD-A46F-4250-AE54-53AA7F279AB9}"/>
+                <a16:creationId xmlns:a16="http://schemas.microsoft.com/office/drawing/2014/main" id="{A44C08DD-A46F-4250-AE54-53AA7F279AB9}"/>
               </a:ext>
             </a:extLst>
           </p:cNvPr>
@@ -11945,7 +12020,7 @@
           <p:cNvPr id="24" name="타원 23">
             <a:extLst>
               <a:ext uri="{FF2B5EF4-FFF2-40B4-BE49-F238E27FC236}">
-                <a16:creationId xmlns:a16="http://schemas.microsoft.com/office/drawing/2014/main" xmlns="" id="{D036A916-83D2-4F52-B5BE-5B7E2F1F6BD7}"/>
+                <a16:creationId xmlns:a16="http://schemas.microsoft.com/office/drawing/2014/main" id="{D036A916-83D2-4F52-B5BE-5B7E2F1F6BD7}"/>
               </a:ext>
             </a:extLst>
           </p:cNvPr>
@@ -12045,7 +12120,7 @@
           <p:cNvPr id="17" name="그림 16">
             <a:extLst>
               <a:ext uri="{FF2B5EF4-FFF2-40B4-BE49-F238E27FC236}">
-                <a16:creationId xmlns:a16="http://schemas.microsoft.com/office/drawing/2014/main" xmlns="" id="{5EAAC1A0-4B0E-435F-AAE8-D7E8909ADA7F}"/>
+                <a16:creationId xmlns:a16="http://schemas.microsoft.com/office/drawing/2014/main" id="{5EAAC1A0-4B0E-435F-AAE8-D7E8909ADA7F}"/>
               </a:ext>
             </a:extLst>
           </p:cNvPr>
@@ -12077,7 +12152,7 @@
           <p:cNvPr id="15" name="타원 14">
             <a:extLst>
               <a:ext uri="{FF2B5EF4-FFF2-40B4-BE49-F238E27FC236}">
-                <a16:creationId xmlns:a16="http://schemas.microsoft.com/office/drawing/2014/main" xmlns="" id="{39FCFA70-CF5D-4FA8-921B-6286F7CDB4A0}"/>
+                <a16:creationId xmlns:a16="http://schemas.microsoft.com/office/drawing/2014/main" id="{39FCFA70-CF5D-4FA8-921B-6286F7CDB4A0}"/>
               </a:ext>
             </a:extLst>
           </p:cNvPr>
@@ -12126,14 +12201,14 @@
             <a:r>
               <a:rPr lang="en-US" altLang="ko-KR" b="1" dirty="0">
                 <a:solidFill>
-                  <a:schemeClr val="tx1"/>
+                  <a:srgbClr val="767171"/>
                 </a:solidFill>
               </a:rPr>
               <a:t>1</a:t>
             </a:r>
             <a:endParaRPr lang="ko-KR" altLang="en-US" b="1" dirty="0">
               <a:solidFill>
-                <a:schemeClr val="tx1"/>
+                <a:srgbClr val="767171"/>
               </a:solidFill>
             </a:endParaRPr>
           </a:p>
@@ -12144,7 +12219,7 @@
           <p:cNvPr id="16" name="타원 15">
             <a:extLst>
               <a:ext uri="{FF2B5EF4-FFF2-40B4-BE49-F238E27FC236}">
-                <a16:creationId xmlns:a16="http://schemas.microsoft.com/office/drawing/2014/main" xmlns="" id="{B3E21CF0-FF70-4E76-83B4-0F80BA96B622}"/>
+                <a16:creationId xmlns:a16="http://schemas.microsoft.com/office/drawing/2014/main" id="{B3E21CF0-FF70-4E76-83B4-0F80BA96B622}"/>
               </a:ext>
             </a:extLst>
           </p:cNvPr>
@@ -12208,7 +12283,7 @@
           <p:cNvPr id="18" name="타원 17">
             <a:extLst>
               <a:ext uri="{FF2B5EF4-FFF2-40B4-BE49-F238E27FC236}">
-                <a16:creationId xmlns:a16="http://schemas.microsoft.com/office/drawing/2014/main" xmlns="" id="{915F3DFF-F506-4D54-8A10-81E46699DF41}"/>
+                <a16:creationId xmlns:a16="http://schemas.microsoft.com/office/drawing/2014/main" id="{915F3DFF-F506-4D54-8A10-81E46699DF41}"/>
               </a:ext>
             </a:extLst>
           </p:cNvPr>
@@ -12257,14 +12332,14 @@
             <a:r>
               <a:rPr lang="en-US" altLang="ko-KR" b="1" dirty="0">
                 <a:solidFill>
-                  <a:schemeClr val="tx1"/>
+                  <a:srgbClr val="767171"/>
                 </a:solidFill>
               </a:rPr>
               <a:t>3</a:t>
             </a:r>
             <a:endParaRPr lang="ko-KR" altLang="en-US" b="1" dirty="0">
               <a:solidFill>
-                <a:schemeClr val="tx1"/>
+                <a:srgbClr val="767171"/>
               </a:solidFill>
             </a:endParaRPr>
           </a:p>
@@ -12275,7 +12350,7 @@
           <p:cNvPr id="19" name="타원 18">
             <a:extLst>
               <a:ext uri="{FF2B5EF4-FFF2-40B4-BE49-F238E27FC236}">
-                <a16:creationId xmlns:a16="http://schemas.microsoft.com/office/drawing/2014/main" xmlns="" id="{DB992159-D768-40E6-B976-CDFACBA5766F}"/>
+                <a16:creationId xmlns:a16="http://schemas.microsoft.com/office/drawing/2014/main" id="{DB992159-D768-40E6-B976-CDFACBA5766F}"/>
               </a:ext>
             </a:extLst>
           </p:cNvPr>
@@ -12324,14 +12399,14 @@
             <a:r>
               <a:rPr lang="en-US" altLang="ko-KR" b="1" dirty="0">
                 <a:solidFill>
-                  <a:schemeClr val="tx1"/>
+                  <a:srgbClr val="767171"/>
                 </a:solidFill>
               </a:rPr>
               <a:t>4</a:t>
             </a:r>
             <a:endParaRPr lang="ko-KR" altLang="en-US" b="1" dirty="0">
               <a:solidFill>
-                <a:schemeClr val="tx1"/>
+                <a:srgbClr val="767171"/>
               </a:solidFill>
             </a:endParaRPr>
           </a:p>
@@ -12342,7 +12417,7 @@
           <p:cNvPr id="21" name="TextBox 20">
             <a:extLst>
               <a:ext uri="{FF2B5EF4-FFF2-40B4-BE49-F238E27FC236}">
-                <a16:creationId xmlns:a16="http://schemas.microsoft.com/office/drawing/2014/main" xmlns="" id="{BC102FCF-D12A-4A7D-A4EC-80FBB2B28E8D}"/>
+                <a16:creationId xmlns:a16="http://schemas.microsoft.com/office/drawing/2014/main" id="{BC102FCF-D12A-4A7D-A4EC-80FBB2B28E8D}"/>
               </a:ext>
             </a:extLst>
           </p:cNvPr>
@@ -12369,7 +12444,11 @@
           <a:lstStyle/>
           <a:p>
             <a:r>
-              <a:rPr lang="ko-KR" altLang="en-US" b="1" dirty="0"/>
+              <a:rPr lang="ko-KR" altLang="en-US" b="1" dirty="0">
+                <a:solidFill>
+                  <a:srgbClr val="767171"/>
+                </a:solidFill>
+              </a:rPr>
               <a:t>나이</a:t>
             </a:r>
           </a:p>
@@ -12380,7 +12459,7 @@
           <p:cNvPr id="23" name="TextBox 22">
             <a:extLst>
               <a:ext uri="{FF2B5EF4-FFF2-40B4-BE49-F238E27FC236}">
-                <a16:creationId xmlns:a16="http://schemas.microsoft.com/office/drawing/2014/main" xmlns="" id="{BC102FCF-D12A-4A7D-A4EC-80FBB2B28E8D}"/>
+                <a16:creationId xmlns:a16="http://schemas.microsoft.com/office/drawing/2014/main" id="{BC102FCF-D12A-4A7D-A4EC-80FBB2B28E8D}"/>
               </a:ext>
             </a:extLst>
           </p:cNvPr>
@@ -12422,7 +12501,7 @@
           <p:cNvPr id="25" name="TextBox 24">
             <a:extLst>
               <a:ext uri="{FF2B5EF4-FFF2-40B4-BE49-F238E27FC236}">
-                <a16:creationId xmlns:a16="http://schemas.microsoft.com/office/drawing/2014/main" xmlns="" id="{BC102FCF-D12A-4A7D-A4EC-80FBB2B28E8D}"/>
+                <a16:creationId xmlns:a16="http://schemas.microsoft.com/office/drawing/2014/main" id="{BC102FCF-D12A-4A7D-A4EC-80FBB2B28E8D}"/>
               </a:ext>
             </a:extLst>
           </p:cNvPr>
@@ -12450,18 +12529,34 @@
           <a:p>
             <a:pPr algn="ctr"/>
             <a:r>
-              <a:rPr lang="ko-KR" altLang="en-US" b="1" dirty="0"/>
+              <a:rPr lang="ko-KR" altLang="en-US" b="1" dirty="0">
+                <a:solidFill>
+                  <a:srgbClr val="767171"/>
+                </a:solidFill>
+              </a:rPr>
               <a:t>목욕</a:t>
             </a:r>
-            <a:endParaRPr lang="en-US" altLang="ko-KR" b="1" dirty="0"/>
+            <a:endParaRPr lang="en-US" altLang="ko-KR" b="1" dirty="0">
+              <a:solidFill>
+                <a:srgbClr val="767171"/>
+              </a:solidFill>
+            </a:endParaRPr>
           </a:p>
           <a:p>
             <a:pPr algn="ctr"/>
             <a:r>
-              <a:rPr lang="ko-KR" altLang="en-US" b="1" dirty="0" err="1"/>
+              <a:rPr lang="ko-KR" altLang="en-US" b="1" dirty="0" err="1">
+                <a:solidFill>
+                  <a:srgbClr val="767171"/>
+                </a:solidFill>
+              </a:rPr>
               <a:t>시작시간</a:t>
             </a:r>
-            <a:endParaRPr lang="ko-KR" altLang="en-US" b="1" dirty="0"/>
+            <a:endParaRPr lang="ko-KR" altLang="en-US" b="1" dirty="0">
+              <a:solidFill>
+                <a:srgbClr val="767171"/>
+              </a:solidFill>
+            </a:endParaRPr>
           </a:p>
         </p:txBody>
       </p:sp>
@@ -12470,7 +12565,7 @@
           <p:cNvPr id="26" name="TextBox 25">
             <a:extLst>
               <a:ext uri="{FF2B5EF4-FFF2-40B4-BE49-F238E27FC236}">
-                <a16:creationId xmlns:a16="http://schemas.microsoft.com/office/drawing/2014/main" xmlns="" id="{BC102FCF-D12A-4A7D-A4EC-80FBB2B28E8D}"/>
+                <a16:creationId xmlns:a16="http://schemas.microsoft.com/office/drawing/2014/main" id="{BC102FCF-D12A-4A7D-A4EC-80FBB2B28E8D}"/>
               </a:ext>
             </a:extLst>
           </p:cNvPr>
@@ -12497,10 +12592,18 @@
           <a:lstStyle/>
           <a:p>
             <a:r>
-              <a:rPr lang="ko-KR" altLang="en-US" b="1" dirty="0" err="1"/>
+              <a:rPr lang="ko-KR" altLang="en-US" b="1" dirty="0" err="1">
+                <a:solidFill>
+                  <a:srgbClr val="767171"/>
+                </a:solidFill>
+              </a:rPr>
               <a:t>목욕시간</a:t>
             </a:r>
-            <a:endParaRPr lang="ko-KR" altLang="en-US" b="1" dirty="0"/>
+            <a:endParaRPr lang="ko-KR" altLang="en-US" b="1" dirty="0">
+              <a:solidFill>
+                <a:srgbClr val="767171"/>
+              </a:solidFill>
+            </a:endParaRPr>
           </a:p>
         </p:txBody>
       </p:sp>
@@ -12527,23 +12630,43 @@
           <a:lstStyle/>
           <a:p>
             <a:r>
-              <a:rPr lang="ko-KR" altLang="en-US" sz="2000" b="1" dirty="0"/>
+              <a:rPr lang="ko-KR" altLang="en-US" sz="2000" b="1" dirty="0">
+                <a:solidFill>
+                  <a:srgbClr val="767171"/>
+                </a:solidFill>
+              </a:rPr>
               <a:t>따뜻함 </a:t>
             </a:r>
             <a:r>
-              <a:rPr lang="en-US" altLang="ko-KR" sz="2000" b="1" dirty="0"/>
+              <a:rPr lang="en-US" altLang="ko-KR" sz="2000" b="1" dirty="0">
+                <a:solidFill>
+                  <a:srgbClr val="767171"/>
+                </a:solidFill>
+              </a:rPr>
               <a:t>&gt; </a:t>
             </a:r>
             <a:r>
-              <a:rPr lang="ko-KR" altLang="en-US" sz="2000" b="1" dirty="0"/>
+              <a:rPr lang="ko-KR" altLang="en-US" sz="2000" b="1" dirty="0">
+                <a:solidFill>
+                  <a:srgbClr val="767171"/>
+                </a:solidFill>
+              </a:rPr>
               <a:t>시원함 </a:t>
             </a:r>
             <a:r>
-              <a:rPr lang="en-US" altLang="ko-KR" sz="2000" b="1" dirty="0"/>
+              <a:rPr lang="en-US" altLang="ko-KR" sz="2000" b="1" dirty="0">
+                <a:solidFill>
+                  <a:srgbClr val="767171"/>
+                </a:solidFill>
+              </a:rPr>
               <a:t>&gt; </a:t>
             </a:r>
             <a:r>
-              <a:rPr lang="ko-KR" altLang="en-US" sz="2000" b="1" dirty="0"/>
+              <a:rPr lang="ko-KR" altLang="en-US" sz="2000" b="1" dirty="0">
+                <a:solidFill>
+                  <a:srgbClr val="767171"/>
+                </a:solidFill>
+              </a:rPr>
               <a:t>미지근함</a:t>
             </a:r>
           </a:p>
@@ -12554,7 +12677,7 @@
           <p:cNvPr id="27" name="표 26">
             <a:extLst>
               <a:ext uri="{FF2B5EF4-FFF2-40B4-BE49-F238E27FC236}">
-                <a16:creationId xmlns:a16="http://schemas.microsoft.com/office/drawing/2014/main" xmlns="" id="{1EF6B41F-F929-46DE-8B38-35086B483FC7}"/>
+                <a16:creationId xmlns:a16="http://schemas.microsoft.com/office/drawing/2014/main" id="{1EF6B41F-F929-46DE-8B38-35086B483FC7}"/>
               </a:ext>
             </a:extLst>
           </p:cNvPr>
@@ -12583,7 +12706,7 @@
                 <a:gridCol w="1667042">
                   <a:extLst>
                     <a:ext uri="{9D8B030D-6E8A-4147-A177-3AD203B41FA5}">
-                      <a16:colId xmlns:a16="http://schemas.microsoft.com/office/drawing/2014/main" xmlns="" val="2832150726"/>
+                      <a16:colId xmlns:a16="http://schemas.microsoft.com/office/drawing/2014/main" val="2832150726"/>
                     </a:ext>
                   </a:extLst>
                 </a:gridCol>
@@ -12651,7 +12774,7 @@
                 </a:tc>
                 <a:extLst>
                   <a:ext uri="{0D108BD9-81ED-4DB2-BD59-A6C34878D82A}">
-                    <a16:rowId xmlns:a16="http://schemas.microsoft.com/office/drawing/2014/main" xmlns="" val="2873923222"/>
+                    <a16:rowId xmlns:a16="http://schemas.microsoft.com/office/drawing/2014/main" val="2873923222"/>
                   </a:ext>
                 </a:extLst>
               </a:tr>
@@ -12701,7 +12824,7 @@
           <p:cNvPr id="6" name="직사각형 5">
             <a:extLst>
               <a:ext uri="{FF2B5EF4-FFF2-40B4-BE49-F238E27FC236}">
-                <a16:creationId xmlns:a16="http://schemas.microsoft.com/office/drawing/2014/main" xmlns="" id="{F3F3FFB9-31B7-4F7E-9FF5-C453DB84B302}"/>
+                <a16:creationId xmlns:a16="http://schemas.microsoft.com/office/drawing/2014/main" id="{F3F3FFB9-31B7-4F7E-9FF5-C453DB84B302}"/>
               </a:ext>
             </a:extLst>
           </p:cNvPr>
@@ -12753,7 +12876,7 @@
           <p:cNvPr id="3" name="그룹 2">
             <a:extLst>
               <a:ext uri="{FF2B5EF4-FFF2-40B4-BE49-F238E27FC236}">
-                <a16:creationId xmlns:a16="http://schemas.microsoft.com/office/drawing/2014/main" xmlns="" id="{578EBDAF-47B0-4060-A740-4B4144C784A2}"/>
+                <a16:creationId xmlns:a16="http://schemas.microsoft.com/office/drawing/2014/main" id="{578EBDAF-47B0-4060-A740-4B4144C784A2}"/>
               </a:ext>
             </a:extLst>
           </p:cNvPr>
@@ -12773,7 +12896,7 @@
             <p:cNvPr id="20" name="직선 화살표 연결선 19">
               <a:extLst>
                 <a:ext uri="{FF2B5EF4-FFF2-40B4-BE49-F238E27FC236}">
-                  <a16:creationId xmlns:a16="http://schemas.microsoft.com/office/drawing/2014/main" xmlns="" id="{C6EC35F5-BB04-4C1A-A5D1-0B781DCA4906}"/>
+                  <a16:creationId xmlns:a16="http://schemas.microsoft.com/office/drawing/2014/main" id="{C6EC35F5-BB04-4C1A-A5D1-0B781DCA4906}"/>
                 </a:ext>
               </a:extLst>
             </p:cNvPr>
@@ -12817,7 +12940,7 @@
             <p:cNvPr id="21" name="그림 20">
               <a:extLst>
                 <a:ext uri="{FF2B5EF4-FFF2-40B4-BE49-F238E27FC236}">
-                  <a16:creationId xmlns:a16="http://schemas.microsoft.com/office/drawing/2014/main" xmlns="" id="{02139C99-075D-4C35-A172-C9466D3C7A71}"/>
+                  <a16:creationId xmlns:a16="http://schemas.microsoft.com/office/drawing/2014/main" id="{02139C99-075D-4C35-A172-C9466D3C7A71}"/>
                 </a:ext>
               </a:extLst>
             </p:cNvPr>
@@ -12847,7 +12970,7 @@
             <p:cNvPr id="22" name="그림 21">
               <a:extLst>
                 <a:ext uri="{FF2B5EF4-FFF2-40B4-BE49-F238E27FC236}">
-                  <a16:creationId xmlns:a16="http://schemas.microsoft.com/office/drawing/2014/main" xmlns="" id="{8AC75C43-D145-4B92-BBA0-04C09974247B}"/>
+                  <a16:creationId xmlns:a16="http://schemas.microsoft.com/office/drawing/2014/main" id="{8AC75C43-D145-4B92-BBA0-04C09974247B}"/>
                 </a:ext>
               </a:extLst>
             </p:cNvPr>
@@ -12878,7 +13001,7 @@
           <p:cNvPr id="24" name="TextBox 23">
             <a:extLst>
               <a:ext uri="{FF2B5EF4-FFF2-40B4-BE49-F238E27FC236}">
-                <a16:creationId xmlns:a16="http://schemas.microsoft.com/office/drawing/2014/main" xmlns="" id="{94369B4C-0AF5-428A-8BC1-C37B81D9895B}"/>
+                <a16:creationId xmlns:a16="http://schemas.microsoft.com/office/drawing/2014/main" id="{94369B4C-0AF5-428A-8BC1-C37B81D9895B}"/>
               </a:ext>
             </a:extLst>
           </p:cNvPr>
@@ -12902,15 +13025,27 @@
           <a:lstStyle/>
           <a:p>
             <a:r>
-              <a:rPr lang="ko-KR" altLang="en-US" sz="2400" b="1" dirty="0"/>
+              <a:rPr lang="ko-KR" altLang="en-US" sz="2400" b="1" dirty="0">
+                <a:solidFill>
+                  <a:srgbClr val="767171"/>
+                </a:solidFill>
+              </a:rPr>
               <a:t>● 통계 및 분석의 용이함을 위해 </a:t>
             </a:r>
             <a:r>
-              <a:rPr lang="en-US" altLang="ko-KR" sz="2400" b="1" dirty="0"/>
+              <a:rPr lang="en-US" altLang="ko-KR" sz="2400" b="1" dirty="0">
+                <a:solidFill>
+                  <a:srgbClr val="767171"/>
+                </a:solidFill>
+              </a:rPr>
               <a:t>24</a:t>
             </a:r>
             <a:r>
-              <a:rPr lang="ko-KR" altLang="en-US" sz="2400" b="1" dirty="0"/>
+              <a:rPr lang="ko-KR" altLang="en-US" sz="2400" b="1" dirty="0">
+                <a:solidFill>
+                  <a:srgbClr val="767171"/>
+                </a:solidFill>
+              </a:rPr>
               <a:t>시 형식으로 통일</a:t>
             </a:r>
           </a:p>
@@ -12921,7 +13056,7 @@
           <p:cNvPr id="8" name="그림 7">
             <a:extLst>
               <a:ext uri="{FF2B5EF4-FFF2-40B4-BE49-F238E27FC236}">
-                <a16:creationId xmlns:a16="http://schemas.microsoft.com/office/drawing/2014/main" xmlns="" id="{30A92AD0-C40A-4CB9-A8CE-649EB48F57CB}"/>
+                <a16:creationId xmlns:a16="http://schemas.microsoft.com/office/drawing/2014/main" id="{30A92AD0-C40A-4CB9-A8CE-649EB48F57CB}"/>
               </a:ext>
             </a:extLst>
           </p:cNvPr>
@@ -12951,7 +13086,7 @@
           <p:cNvPr id="23" name="TextBox 22">
             <a:extLst>
               <a:ext uri="{FF2B5EF4-FFF2-40B4-BE49-F238E27FC236}">
-                <a16:creationId xmlns:a16="http://schemas.microsoft.com/office/drawing/2014/main" xmlns="" id="{D6646EC2-9978-46CB-B740-A052E2D84003}"/>
+                <a16:creationId xmlns:a16="http://schemas.microsoft.com/office/drawing/2014/main" id="{D6646EC2-9978-46CB-B740-A052E2D84003}"/>
               </a:ext>
             </a:extLst>
           </p:cNvPr>
@@ -13018,7 +13153,7 @@
           <p:cNvPr id="26" name="타원 25">
             <a:extLst>
               <a:ext uri="{FF2B5EF4-FFF2-40B4-BE49-F238E27FC236}">
-                <a16:creationId xmlns:a16="http://schemas.microsoft.com/office/drawing/2014/main" xmlns="" id="{5BE75209-AB84-4770-A2EE-11BF66B63767}"/>
+                <a16:creationId xmlns:a16="http://schemas.microsoft.com/office/drawing/2014/main" id="{5BE75209-AB84-4770-A2EE-11BF66B63767}"/>
               </a:ext>
             </a:extLst>
           </p:cNvPr>
@@ -13122,7 +13257,7 @@
           <p:cNvPr id="15" name="그림 14">
             <a:extLst>
               <a:ext uri="{FF2B5EF4-FFF2-40B4-BE49-F238E27FC236}">
-                <a16:creationId xmlns:a16="http://schemas.microsoft.com/office/drawing/2014/main" xmlns="" id="{5EAAC1A0-4B0E-435F-AAE8-D7E8909ADA7F}"/>
+                <a16:creationId xmlns:a16="http://schemas.microsoft.com/office/drawing/2014/main" id="{5EAAC1A0-4B0E-435F-AAE8-D7E8909ADA7F}"/>
               </a:ext>
             </a:extLst>
           </p:cNvPr>
@@ -13154,7 +13289,7 @@
           <p:cNvPr id="31" name="타원 30">
             <a:extLst>
               <a:ext uri="{FF2B5EF4-FFF2-40B4-BE49-F238E27FC236}">
-                <a16:creationId xmlns:a16="http://schemas.microsoft.com/office/drawing/2014/main" xmlns="" id="{99F124F9-76E2-4FFC-B2E7-3BCDADEBFA02}"/>
+                <a16:creationId xmlns:a16="http://schemas.microsoft.com/office/drawing/2014/main" id="{99F124F9-76E2-4FFC-B2E7-3BCDADEBFA02}"/>
               </a:ext>
             </a:extLst>
           </p:cNvPr>
@@ -13203,14 +13338,14 @@
             <a:r>
               <a:rPr lang="en-US" altLang="ko-KR" b="1" dirty="0">
                 <a:solidFill>
-                  <a:schemeClr val="tx1"/>
+                  <a:srgbClr val="767171"/>
                 </a:solidFill>
               </a:rPr>
               <a:t>1</a:t>
             </a:r>
             <a:endParaRPr lang="ko-KR" altLang="en-US" b="1" dirty="0">
               <a:solidFill>
-                <a:schemeClr val="tx1"/>
+                <a:srgbClr val="767171"/>
               </a:solidFill>
             </a:endParaRPr>
           </a:p>
@@ -13221,7 +13356,7 @@
           <p:cNvPr id="32" name="타원 31">
             <a:extLst>
               <a:ext uri="{FF2B5EF4-FFF2-40B4-BE49-F238E27FC236}">
-                <a16:creationId xmlns:a16="http://schemas.microsoft.com/office/drawing/2014/main" xmlns="" id="{F8E2E864-D732-4277-99EA-89096277E259}"/>
+                <a16:creationId xmlns:a16="http://schemas.microsoft.com/office/drawing/2014/main" id="{F8E2E864-D732-4277-99EA-89096277E259}"/>
               </a:ext>
             </a:extLst>
           </p:cNvPr>
@@ -13270,14 +13405,14 @@
             <a:r>
               <a:rPr lang="en-US" altLang="ko-KR" b="1" dirty="0">
                 <a:solidFill>
-                  <a:schemeClr val="tx1"/>
+                  <a:srgbClr val="767171"/>
                 </a:solidFill>
               </a:rPr>
               <a:t>2</a:t>
             </a:r>
             <a:endParaRPr lang="ko-KR" altLang="en-US" b="1" dirty="0">
               <a:solidFill>
-                <a:schemeClr val="tx1"/>
+                <a:srgbClr val="767171"/>
               </a:solidFill>
             </a:endParaRPr>
           </a:p>
@@ -13288,7 +13423,7 @@
           <p:cNvPr id="33" name="타원 32">
             <a:extLst>
               <a:ext uri="{FF2B5EF4-FFF2-40B4-BE49-F238E27FC236}">
-                <a16:creationId xmlns:a16="http://schemas.microsoft.com/office/drawing/2014/main" xmlns="" id="{A651A96B-DEF5-4FDB-881E-8CD792BD41B7}"/>
+                <a16:creationId xmlns:a16="http://schemas.microsoft.com/office/drawing/2014/main" id="{A651A96B-DEF5-4FDB-881E-8CD792BD41B7}"/>
               </a:ext>
             </a:extLst>
           </p:cNvPr>
@@ -13352,7 +13487,7 @@
           <p:cNvPr id="34" name="타원 33">
             <a:extLst>
               <a:ext uri="{FF2B5EF4-FFF2-40B4-BE49-F238E27FC236}">
-                <a16:creationId xmlns:a16="http://schemas.microsoft.com/office/drawing/2014/main" xmlns="" id="{3B178C8B-1591-4BA3-8434-8893BD4090DF}"/>
+                <a16:creationId xmlns:a16="http://schemas.microsoft.com/office/drawing/2014/main" id="{3B178C8B-1591-4BA3-8434-8893BD4090DF}"/>
               </a:ext>
             </a:extLst>
           </p:cNvPr>
@@ -13401,14 +13536,14 @@
             <a:r>
               <a:rPr lang="en-US" altLang="ko-KR" b="1" dirty="0">
                 <a:solidFill>
-                  <a:schemeClr val="tx1"/>
+                  <a:srgbClr val="767171"/>
                 </a:solidFill>
               </a:rPr>
               <a:t>4</a:t>
             </a:r>
             <a:endParaRPr lang="ko-KR" altLang="en-US" b="1" dirty="0">
               <a:solidFill>
-                <a:schemeClr val="tx1"/>
+                <a:srgbClr val="767171"/>
               </a:solidFill>
             </a:endParaRPr>
           </a:p>
@@ -13419,7 +13554,7 @@
           <p:cNvPr id="35" name="TextBox 34">
             <a:extLst>
               <a:ext uri="{FF2B5EF4-FFF2-40B4-BE49-F238E27FC236}">
-                <a16:creationId xmlns:a16="http://schemas.microsoft.com/office/drawing/2014/main" xmlns="" id="{EDD4E719-B0D9-4FD8-814E-74E392BFB62A}"/>
+                <a16:creationId xmlns:a16="http://schemas.microsoft.com/office/drawing/2014/main" id="{EDD4E719-B0D9-4FD8-814E-74E392BFB62A}"/>
               </a:ext>
             </a:extLst>
           </p:cNvPr>
@@ -13446,7 +13581,11 @@
           <a:lstStyle/>
           <a:p>
             <a:r>
-              <a:rPr lang="ko-KR" altLang="en-US" b="1" dirty="0"/>
+              <a:rPr lang="ko-KR" altLang="en-US" b="1" dirty="0">
+                <a:solidFill>
+                  <a:srgbClr val="767171"/>
+                </a:solidFill>
+              </a:rPr>
               <a:t>나이</a:t>
             </a:r>
           </a:p>
@@ -13457,7 +13596,7 @@
           <p:cNvPr id="36" name="TextBox 35">
             <a:extLst>
               <a:ext uri="{FF2B5EF4-FFF2-40B4-BE49-F238E27FC236}">
-                <a16:creationId xmlns:a16="http://schemas.microsoft.com/office/drawing/2014/main" xmlns="" id="{CC58DB7D-DB47-4F20-B51E-12E0659133AC}"/>
+                <a16:creationId xmlns:a16="http://schemas.microsoft.com/office/drawing/2014/main" id="{CC58DB7D-DB47-4F20-B51E-12E0659133AC}"/>
               </a:ext>
             </a:extLst>
           </p:cNvPr>
@@ -13484,7 +13623,11 @@
           <a:lstStyle/>
           <a:p>
             <a:r>
-              <a:rPr lang="ko-KR" altLang="en-US" b="1" dirty="0"/>
+              <a:rPr lang="ko-KR" altLang="en-US" b="1" dirty="0">
+                <a:solidFill>
+                  <a:srgbClr val="767171"/>
+                </a:solidFill>
+              </a:rPr>
               <a:t>샤워 온도</a:t>
             </a:r>
           </a:p>
@@ -13495,7 +13638,7 @@
           <p:cNvPr id="37" name="TextBox 36">
             <a:extLst>
               <a:ext uri="{FF2B5EF4-FFF2-40B4-BE49-F238E27FC236}">
-                <a16:creationId xmlns:a16="http://schemas.microsoft.com/office/drawing/2014/main" xmlns="" id="{45634F3A-3B2E-4850-9117-F564F2CBCC9D}"/>
+                <a16:creationId xmlns:a16="http://schemas.microsoft.com/office/drawing/2014/main" id="{45634F3A-3B2E-4850-9117-F564F2CBCC9D}"/>
               </a:ext>
             </a:extLst>
           </p:cNvPr>
@@ -13559,7 +13702,7 @@
           <p:cNvPr id="38" name="TextBox 37">
             <a:extLst>
               <a:ext uri="{FF2B5EF4-FFF2-40B4-BE49-F238E27FC236}">
-                <a16:creationId xmlns:a16="http://schemas.microsoft.com/office/drawing/2014/main" xmlns="" id="{285F3EBF-782D-442C-B364-3FF091282A3C}"/>
+                <a16:creationId xmlns:a16="http://schemas.microsoft.com/office/drawing/2014/main" id="{285F3EBF-782D-442C-B364-3FF091282A3C}"/>
               </a:ext>
             </a:extLst>
           </p:cNvPr>
@@ -13586,10 +13729,18 @@
           <a:lstStyle/>
           <a:p>
             <a:r>
-              <a:rPr lang="ko-KR" altLang="en-US" b="1" dirty="0" err="1"/>
+              <a:rPr lang="ko-KR" altLang="en-US" b="1" dirty="0" err="1">
+                <a:solidFill>
+                  <a:srgbClr val="767171"/>
+                </a:solidFill>
+              </a:rPr>
               <a:t>목욕시간</a:t>
             </a:r>
-            <a:endParaRPr lang="ko-KR" altLang="en-US" b="1" dirty="0"/>
+            <a:endParaRPr lang="ko-KR" altLang="en-US" b="1" dirty="0">
+              <a:solidFill>
+                <a:srgbClr val="767171"/>
+              </a:solidFill>
+            </a:endParaRPr>
           </a:p>
         </p:txBody>
       </p:sp>
@@ -13602,7 +13753,7 @@
           <p:nvPr>
             <p:extLst>
               <p:ext uri="{D42A27DB-BD31-4B8C-83A1-F6EECF244321}">
-                <p14:modId xmlns:p14="http://schemas.microsoft.com/office/powerpoint/2010/main" val="354256770"/>
+                <p14:modId xmlns:p14="http://schemas.microsoft.com/office/powerpoint/2010/main" val="3056840655"/>
               </p:ext>
             </p:extLst>
           </p:nvPr>
@@ -13621,21 +13772,21 @@
                 <a:gridCol w="1113558">
                   <a:extLst>
                     <a:ext uri="{9D8B030D-6E8A-4147-A177-3AD203B41FA5}">
-                      <a16:colId xmlns:a16="http://schemas.microsoft.com/office/drawing/2014/main" xmlns="" val="3495750884"/>
+                      <a16:colId xmlns:a16="http://schemas.microsoft.com/office/drawing/2014/main" val="3495750884"/>
                     </a:ext>
                   </a:extLst>
                 </a:gridCol>
                 <a:gridCol w="1113558">
                   <a:extLst>
                     <a:ext uri="{9D8B030D-6E8A-4147-A177-3AD203B41FA5}">
-                      <a16:colId xmlns:a16="http://schemas.microsoft.com/office/drawing/2014/main" xmlns="" val="1627812997"/>
+                      <a16:colId xmlns:a16="http://schemas.microsoft.com/office/drawing/2014/main" val="1627812997"/>
                     </a:ext>
                   </a:extLst>
                 </a:gridCol>
                 <a:gridCol w="1113558">
                   <a:extLst>
                     <a:ext uri="{9D8B030D-6E8A-4147-A177-3AD203B41FA5}">
-                      <a16:colId xmlns:a16="http://schemas.microsoft.com/office/drawing/2014/main" xmlns="" val="461743688"/>
+                      <a16:colId xmlns:a16="http://schemas.microsoft.com/office/drawing/2014/main" val="461743688"/>
                     </a:ext>
                   </a:extLst>
                 </a:gridCol>
@@ -13811,7 +13962,7 @@
                 </a:tc>
                 <a:extLst>
                   <a:ext uri="{0D108BD9-81ED-4DB2-BD59-A6C34878D82A}">
-                    <a16:rowId xmlns:a16="http://schemas.microsoft.com/office/drawing/2014/main" xmlns="" val="2204616078"/>
+                    <a16:rowId xmlns:a16="http://schemas.microsoft.com/office/drawing/2014/main" val="2204616078"/>
                   </a:ext>
                 </a:extLst>
               </a:tr>
@@ -14010,7 +14161,7 @@
                 </a:tc>
                 <a:extLst>
                   <a:ext uri="{0D108BD9-81ED-4DB2-BD59-A6C34878D82A}">
-                    <a16:rowId xmlns:a16="http://schemas.microsoft.com/office/drawing/2014/main" xmlns="" val="1467737596"/>
+                    <a16:rowId xmlns:a16="http://schemas.microsoft.com/office/drawing/2014/main" val="1467737596"/>
                   </a:ext>
                 </a:extLst>
               </a:tr>
@@ -14023,7 +14174,7 @@
           <p:cNvPr id="27" name="표 26">
             <a:extLst>
               <a:ext uri="{FF2B5EF4-FFF2-40B4-BE49-F238E27FC236}">
-                <a16:creationId xmlns:a16="http://schemas.microsoft.com/office/drawing/2014/main" xmlns="" id="{084A1C71-7AA9-4CB1-B5BF-92665D78381F}"/>
+                <a16:creationId xmlns:a16="http://schemas.microsoft.com/office/drawing/2014/main" id="{084A1C71-7AA9-4CB1-B5BF-92665D78381F}"/>
               </a:ext>
             </a:extLst>
           </p:cNvPr>
@@ -14052,7 +14203,7 @@
                 <a:gridCol w="1565730">
                   <a:extLst>
                     <a:ext uri="{9D8B030D-6E8A-4147-A177-3AD203B41FA5}">
-                      <a16:colId xmlns:a16="http://schemas.microsoft.com/office/drawing/2014/main" xmlns="" val="2832150726"/>
+                      <a16:colId xmlns:a16="http://schemas.microsoft.com/office/drawing/2014/main" val="2832150726"/>
                     </a:ext>
                   </a:extLst>
                 </a:gridCol>
@@ -14120,7 +14271,7 @@
                 </a:tc>
                 <a:extLst>
                   <a:ext uri="{0D108BD9-81ED-4DB2-BD59-A6C34878D82A}">
-                    <a16:rowId xmlns:a16="http://schemas.microsoft.com/office/drawing/2014/main" xmlns="" val="2873923222"/>
+                    <a16:rowId xmlns:a16="http://schemas.microsoft.com/office/drawing/2014/main" val="2873923222"/>
                   </a:ext>
                 </a:extLst>
               </a:tr>
@@ -14170,7 +14321,7 @@
           <p:cNvPr id="6" name="직사각형 5">
             <a:extLst>
               <a:ext uri="{FF2B5EF4-FFF2-40B4-BE49-F238E27FC236}">
-                <a16:creationId xmlns:a16="http://schemas.microsoft.com/office/drawing/2014/main" xmlns="" id="{F3F3FFB9-31B7-4F7E-9FF5-C453DB84B302}"/>
+                <a16:creationId xmlns:a16="http://schemas.microsoft.com/office/drawing/2014/main" id="{F3F3FFB9-31B7-4F7E-9FF5-C453DB84B302}"/>
               </a:ext>
             </a:extLst>
           </p:cNvPr>
@@ -14222,7 +14373,7 @@
           <p:cNvPr id="24" name="TextBox 23">
             <a:extLst>
               <a:ext uri="{FF2B5EF4-FFF2-40B4-BE49-F238E27FC236}">
-                <a16:creationId xmlns:a16="http://schemas.microsoft.com/office/drawing/2014/main" xmlns="" id="{94369B4C-0AF5-428A-8BC1-C37B81D9895B}"/>
+                <a16:creationId xmlns:a16="http://schemas.microsoft.com/office/drawing/2014/main" id="{94369B4C-0AF5-428A-8BC1-C37B81D9895B}"/>
               </a:ext>
             </a:extLst>
           </p:cNvPr>
@@ -14246,7 +14397,11 @@
           <a:lstStyle/>
           <a:p>
             <a:r>
-              <a:rPr lang="ko-KR" altLang="en-US" sz="2400" b="1" dirty="0"/>
+              <a:rPr lang="ko-KR" altLang="en-US" sz="2400" b="1" dirty="0">
+                <a:solidFill>
+                  <a:srgbClr val="767171"/>
+                </a:solidFill>
+              </a:rPr>
               <a:t>● 통계 및 분석의 용이함을 위해 정수형으로 통일 </a:t>
             </a:r>
           </a:p>
@@ -14257,7 +14412,7 @@
           <p:cNvPr id="8" name="그룹 7">
             <a:extLst>
               <a:ext uri="{FF2B5EF4-FFF2-40B4-BE49-F238E27FC236}">
-                <a16:creationId xmlns:a16="http://schemas.microsoft.com/office/drawing/2014/main" xmlns="" id="{87655CD2-446C-4282-825F-8C2E4F12D5BC}"/>
+                <a16:creationId xmlns:a16="http://schemas.microsoft.com/office/drawing/2014/main" id="{87655CD2-446C-4282-825F-8C2E4F12D5BC}"/>
               </a:ext>
             </a:extLst>
           </p:cNvPr>
@@ -14277,7 +14432,7 @@
             <p:cNvPr id="20" name="직선 화살표 연결선 19">
               <a:extLst>
                 <a:ext uri="{FF2B5EF4-FFF2-40B4-BE49-F238E27FC236}">
-                  <a16:creationId xmlns:a16="http://schemas.microsoft.com/office/drawing/2014/main" xmlns="" id="{C6EC35F5-BB04-4C1A-A5D1-0B781DCA4906}"/>
+                  <a16:creationId xmlns:a16="http://schemas.microsoft.com/office/drawing/2014/main" id="{C6EC35F5-BB04-4C1A-A5D1-0B781DCA4906}"/>
                 </a:ext>
               </a:extLst>
             </p:cNvPr>
@@ -14321,7 +14476,7 @@
             <p:cNvPr id="5" name="그림 4">
               <a:extLst>
                 <a:ext uri="{FF2B5EF4-FFF2-40B4-BE49-F238E27FC236}">
-                  <a16:creationId xmlns:a16="http://schemas.microsoft.com/office/drawing/2014/main" xmlns="" id="{054BD152-E6A4-461F-BB39-73258F73AC6B}"/>
+                  <a16:creationId xmlns:a16="http://schemas.microsoft.com/office/drawing/2014/main" id="{054BD152-E6A4-461F-BB39-73258F73AC6B}"/>
                 </a:ext>
               </a:extLst>
             </p:cNvPr>
@@ -14351,7 +14506,7 @@
             <p:cNvPr id="7" name="그림 6">
               <a:extLst>
                 <a:ext uri="{FF2B5EF4-FFF2-40B4-BE49-F238E27FC236}">
-                  <a16:creationId xmlns:a16="http://schemas.microsoft.com/office/drawing/2014/main" xmlns="" id="{4D4CCC0A-952F-4593-BF3D-D8C21FFECB28}"/>
+                  <a16:creationId xmlns:a16="http://schemas.microsoft.com/office/drawing/2014/main" id="{4D4CCC0A-952F-4593-BF3D-D8C21FFECB28}"/>
                 </a:ext>
               </a:extLst>
             </p:cNvPr>
@@ -14382,7 +14537,7 @@
           <p:cNvPr id="9" name="그림 8">
             <a:extLst>
               <a:ext uri="{FF2B5EF4-FFF2-40B4-BE49-F238E27FC236}">
-                <a16:creationId xmlns:a16="http://schemas.microsoft.com/office/drawing/2014/main" xmlns="" id="{890280F0-B7AF-43C5-8C79-6B89ADF27844}"/>
+                <a16:creationId xmlns:a16="http://schemas.microsoft.com/office/drawing/2014/main" id="{890280F0-B7AF-43C5-8C79-6B89ADF27844}"/>
               </a:ext>
             </a:extLst>
           </p:cNvPr>
@@ -14412,7 +14567,7 @@
           <p:cNvPr id="21" name="TextBox 20">
             <a:extLst>
               <a:ext uri="{FF2B5EF4-FFF2-40B4-BE49-F238E27FC236}">
-                <a16:creationId xmlns:a16="http://schemas.microsoft.com/office/drawing/2014/main" xmlns="" id="{A2748DB6-2568-4275-83B0-7C7E129AC4FF}"/>
+                <a16:creationId xmlns:a16="http://schemas.microsoft.com/office/drawing/2014/main" id="{A2748DB6-2568-4275-83B0-7C7E129AC4FF}"/>
               </a:ext>
             </a:extLst>
           </p:cNvPr>
@@ -14479,7 +14634,7 @@
           <p:cNvPr id="23" name="타원 22">
             <a:extLst>
               <a:ext uri="{FF2B5EF4-FFF2-40B4-BE49-F238E27FC236}">
-                <a16:creationId xmlns:a16="http://schemas.microsoft.com/office/drawing/2014/main" xmlns="" id="{E144CDE5-3D2E-4D5E-873B-BB2180206F3F}"/>
+                <a16:creationId xmlns:a16="http://schemas.microsoft.com/office/drawing/2014/main" id="{E144CDE5-3D2E-4D5E-873B-BB2180206F3F}"/>
               </a:ext>
             </a:extLst>
           </p:cNvPr>
@@ -14579,7 +14734,7 @@
           <p:cNvPr id="15" name="그림 14">
             <a:extLst>
               <a:ext uri="{FF2B5EF4-FFF2-40B4-BE49-F238E27FC236}">
-                <a16:creationId xmlns:a16="http://schemas.microsoft.com/office/drawing/2014/main" xmlns="" id="{5EAAC1A0-4B0E-435F-AAE8-D7E8909ADA7F}"/>
+                <a16:creationId xmlns:a16="http://schemas.microsoft.com/office/drawing/2014/main" id="{5EAAC1A0-4B0E-435F-AAE8-D7E8909ADA7F}"/>
               </a:ext>
             </a:extLst>
           </p:cNvPr>
@@ -14611,7 +14766,7 @@
           <p:cNvPr id="29" name="타원 28">
             <a:extLst>
               <a:ext uri="{FF2B5EF4-FFF2-40B4-BE49-F238E27FC236}">
-                <a16:creationId xmlns:a16="http://schemas.microsoft.com/office/drawing/2014/main" xmlns="" id="{501113BA-6603-49FA-9D8F-A9C8DBC76DC4}"/>
+                <a16:creationId xmlns:a16="http://schemas.microsoft.com/office/drawing/2014/main" id="{501113BA-6603-49FA-9D8F-A9C8DBC76DC4}"/>
               </a:ext>
             </a:extLst>
           </p:cNvPr>
@@ -14660,14 +14815,14 @@
             <a:r>
               <a:rPr lang="en-US" altLang="ko-KR" b="1" dirty="0">
                 <a:solidFill>
-                  <a:schemeClr val="tx1"/>
+                  <a:srgbClr val="767171"/>
                 </a:solidFill>
               </a:rPr>
               <a:t>1</a:t>
             </a:r>
             <a:endParaRPr lang="ko-KR" altLang="en-US" b="1" dirty="0">
               <a:solidFill>
-                <a:schemeClr val="tx1"/>
+                <a:srgbClr val="767171"/>
               </a:solidFill>
             </a:endParaRPr>
           </a:p>
@@ -14678,7 +14833,7 @@
           <p:cNvPr id="30" name="타원 29">
             <a:extLst>
               <a:ext uri="{FF2B5EF4-FFF2-40B4-BE49-F238E27FC236}">
-                <a16:creationId xmlns:a16="http://schemas.microsoft.com/office/drawing/2014/main" xmlns="" id="{BC3D4B42-9B5B-4F97-A155-91A56F2F1595}"/>
+                <a16:creationId xmlns:a16="http://schemas.microsoft.com/office/drawing/2014/main" id="{BC3D4B42-9B5B-4F97-A155-91A56F2F1595}"/>
               </a:ext>
             </a:extLst>
           </p:cNvPr>
@@ -14727,14 +14882,14 @@
             <a:r>
               <a:rPr lang="en-US" altLang="ko-KR" b="1" dirty="0">
                 <a:solidFill>
-                  <a:schemeClr val="tx1"/>
+                  <a:srgbClr val="767171"/>
                 </a:solidFill>
               </a:rPr>
               <a:t>2</a:t>
             </a:r>
             <a:endParaRPr lang="ko-KR" altLang="en-US" b="1" dirty="0">
               <a:solidFill>
-                <a:schemeClr val="tx1"/>
+                <a:srgbClr val="767171"/>
               </a:solidFill>
             </a:endParaRPr>
           </a:p>
@@ -14745,7 +14900,7 @@
           <p:cNvPr id="31" name="타원 30">
             <a:extLst>
               <a:ext uri="{FF2B5EF4-FFF2-40B4-BE49-F238E27FC236}">
-                <a16:creationId xmlns:a16="http://schemas.microsoft.com/office/drawing/2014/main" xmlns="" id="{28725373-944C-49F9-9DBA-1D56105E146F}"/>
+                <a16:creationId xmlns:a16="http://schemas.microsoft.com/office/drawing/2014/main" id="{28725373-944C-49F9-9DBA-1D56105E146F}"/>
               </a:ext>
             </a:extLst>
           </p:cNvPr>
@@ -14794,14 +14949,14 @@
             <a:r>
               <a:rPr lang="en-US" altLang="ko-KR" b="1" dirty="0">
                 <a:solidFill>
-                  <a:schemeClr val="tx1"/>
+                  <a:srgbClr val="767171"/>
                 </a:solidFill>
               </a:rPr>
               <a:t>3</a:t>
             </a:r>
             <a:endParaRPr lang="ko-KR" altLang="en-US" b="1" dirty="0">
               <a:solidFill>
-                <a:schemeClr val="tx1"/>
+                <a:srgbClr val="767171"/>
               </a:solidFill>
             </a:endParaRPr>
           </a:p>
@@ -14812,7 +14967,7 @@
           <p:cNvPr id="32" name="타원 31">
             <a:extLst>
               <a:ext uri="{FF2B5EF4-FFF2-40B4-BE49-F238E27FC236}">
-                <a16:creationId xmlns:a16="http://schemas.microsoft.com/office/drawing/2014/main" xmlns="" id="{3412E4AC-F598-4D89-80E9-8493ABEC6E87}"/>
+                <a16:creationId xmlns:a16="http://schemas.microsoft.com/office/drawing/2014/main" id="{3412E4AC-F598-4D89-80E9-8493ABEC6E87}"/>
               </a:ext>
             </a:extLst>
           </p:cNvPr>
@@ -14876,7 +15031,7 @@
           <p:cNvPr id="33" name="TextBox 32">
             <a:extLst>
               <a:ext uri="{FF2B5EF4-FFF2-40B4-BE49-F238E27FC236}">
-                <a16:creationId xmlns:a16="http://schemas.microsoft.com/office/drawing/2014/main" xmlns="" id="{79D4701E-4D29-4AF0-8B0E-D384D2F34FBA}"/>
+                <a16:creationId xmlns:a16="http://schemas.microsoft.com/office/drawing/2014/main" id="{79D4701E-4D29-4AF0-8B0E-D384D2F34FBA}"/>
               </a:ext>
             </a:extLst>
           </p:cNvPr>
@@ -14903,7 +15058,11 @@
           <a:lstStyle/>
           <a:p>
             <a:r>
-              <a:rPr lang="ko-KR" altLang="en-US" b="1" dirty="0"/>
+              <a:rPr lang="ko-KR" altLang="en-US" b="1" dirty="0">
+                <a:solidFill>
+                  <a:srgbClr val="767171"/>
+                </a:solidFill>
+              </a:rPr>
               <a:t>나이</a:t>
             </a:r>
           </a:p>
@@ -14914,7 +15073,7 @@
           <p:cNvPr id="34" name="TextBox 33">
             <a:extLst>
               <a:ext uri="{FF2B5EF4-FFF2-40B4-BE49-F238E27FC236}">
-                <a16:creationId xmlns:a16="http://schemas.microsoft.com/office/drawing/2014/main" xmlns="" id="{098C63EC-CF5C-4E9D-8DA3-D561BB65EAAA}"/>
+                <a16:creationId xmlns:a16="http://schemas.microsoft.com/office/drawing/2014/main" id="{098C63EC-CF5C-4E9D-8DA3-D561BB65EAAA}"/>
               </a:ext>
             </a:extLst>
           </p:cNvPr>
@@ -14941,7 +15100,11 @@
           <a:lstStyle/>
           <a:p>
             <a:r>
-              <a:rPr lang="ko-KR" altLang="en-US" b="1" dirty="0"/>
+              <a:rPr lang="ko-KR" altLang="en-US" b="1" dirty="0">
+                <a:solidFill>
+                  <a:srgbClr val="767171"/>
+                </a:solidFill>
+              </a:rPr>
               <a:t>샤워 온도</a:t>
             </a:r>
           </a:p>
@@ -14952,7 +15115,7 @@
           <p:cNvPr id="35" name="TextBox 34">
             <a:extLst>
               <a:ext uri="{FF2B5EF4-FFF2-40B4-BE49-F238E27FC236}">
-                <a16:creationId xmlns:a16="http://schemas.microsoft.com/office/drawing/2014/main" xmlns="" id="{6518227A-A9B2-4177-A4C6-0E0A78F73372}"/>
+                <a16:creationId xmlns:a16="http://schemas.microsoft.com/office/drawing/2014/main" id="{6518227A-A9B2-4177-A4C6-0E0A78F73372}"/>
               </a:ext>
             </a:extLst>
           </p:cNvPr>
@@ -14980,18 +15143,34 @@
           <a:p>
             <a:pPr algn="ctr"/>
             <a:r>
-              <a:rPr lang="ko-KR" altLang="en-US" b="1" dirty="0"/>
+              <a:rPr lang="ko-KR" altLang="en-US" b="1" dirty="0">
+                <a:solidFill>
+                  <a:srgbClr val="767171"/>
+                </a:solidFill>
+              </a:rPr>
               <a:t>목욕</a:t>
             </a:r>
-            <a:endParaRPr lang="en-US" altLang="ko-KR" b="1" dirty="0"/>
+            <a:endParaRPr lang="en-US" altLang="ko-KR" b="1" dirty="0">
+              <a:solidFill>
+                <a:srgbClr val="767171"/>
+              </a:solidFill>
+            </a:endParaRPr>
           </a:p>
           <a:p>
             <a:pPr algn="ctr"/>
             <a:r>
-              <a:rPr lang="ko-KR" altLang="en-US" b="1" dirty="0" err="1"/>
+              <a:rPr lang="ko-KR" altLang="en-US" b="1" dirty="0" err="1">
+                <a:solidFill>
+                  <a:srgbClr val="767171"/>
+                </a:solidFill>
+              </a:rPr>
               <a:t>시작시간</a:t>
             </a:r>
-            <a:endParaRPr lang="ko-KR" altLang="en-US" b="1" dirty="0"/>
+            <a:endParaRPr lang="ko-KR" altLang="en-US" b="1" dirty="0">
+              <a:solidFill>
+                <a:srgbClr val="767171"/>
+              </a:solidFill>
+            </a:endParaRPr>
           </a:p>
         </p:txBody>
       </p:sp>
@@ -15000,7 +15179,7 @@
           <p:cNvPr id="36" name="TextBox 35">
             <a:extLst>
               <a:ext uri="{FF2B5EF4-FFF2-40B4-BE49-F238E27FC236}">
-                <a16:creationId xmlns:a16="http://schemas.microsoft.com/office/drawing/2014/main" xmlns="" id="{3411D389-F33D-45C7-A51C-9FBA291C0B5E}"/>
+                <a16:creationId xmlns:a16="http://schemas.microsoft.com/office/drawing/2014/main" id="{3411D389-F33D-45C7-A51C-9FBA291C0B5E}"/>
               </a:ext>
             </a:extLst>
           </p:cNvPr>
@@ -15051,7 +15230,7 @@
           <p:nvPr>
             <p:extLst>
               <p:ext uri="{D42A27DB-BD31-4B8C-83A1-F6EECF244321}">
-                <p14:modId xmlns:p14="http://schemas.microsoft.com/office/powerpoint/2010/main" val="3646452562"/>
+                <p14:modId xmlns:p14="http://schemas.microsoft.com/office/powerpoint/2010/main" val="1358723762"/>
               </p:ext>
             </p:extLst>
           </p:nvPr>
@@ -15070,21 +15249,21 @@
                 <a:gridCol w="1113558">
                   <a:extLst>
                     <a:ext uri="{9D8B030D-6E8A-4147-A177-3AD203B41FA5}">
-                      <a16:colId xmlns:a16="http://schemas.microsoft.com/office/drawing/2014/main" xmlns="" val="3495750884"/>
+                      <a16:colId xmlns:a16="http://schemas.microsoft.com/office/drawing/2014/main" val="3495750884"/>
                     </a:ext>
                   </a:extLst>
                 </a:gridCol>
                 <a:gridCol w="1113558">
                   <a:extLst>
                     <a:ext uri="{9D8B030D-6E8A-4147-A177-3AD203B41FA5}">
-                      <a16:colId xmlns:a16="http://schemas.microsoft.com/office/drawing/2014/main" xmlns="" val="1627812997"/>
+                      <a16:colId xmlns:a16="http://schemas.microsoft.com/office/drawing/2014/main" val="1627812997"/>
                     </a:ext>
                   </a:extLst>
                 </a:gridCol>
                 <a:gridCol w="1113558">
                   <a:extLst>
                     <a:ext uri="{9D8B030D-6E8A-4147-A177-3AD203B41FA5}">
-                      <a16:colId xmlns:a16="http://schemas.microsoft.com/office/drawing/2014/main" xmlns="" val="461743688"/>
+                      <a16:colId xmlns:a16="http://schemas.microsoft.com/office/drawing/2014/main" val="461743688"/>
                     </a:ext>
                   </a:extLst>
                 </a:gridCol>
@@ -15099,7 +15278,7 @@
                       <a:r>
                         <a:rPr lang="ko-KR" altLang="en-US" dirty="0">
                           <a:solidFill>
-                            <a:schemeClr val="tx1"/>
+                            <a:srgbClr val="767171"/>
                           </a:solidFill>
                         </a:rPr>
                         <a:t>평균</a:t>
@@ -15155,7 +15334,7 @@
                       <a:r>
                         <a:rPr lang="ko-KR" altLang="en-US" dirty="0">
                           <a:solidFill>
-                            <a:schemeClr val="tx1"/>
+                            <a:srgbClr val="767171"/>
                           </a:solidFill>
                         </a:rPr>
                         <a:t>최소값</a:t>
@@ -15211,7 +15390,7 @@
                       <a:r>
                         <a:rPr lang="ko-KR" altLang="en-US" dirty="0">
                           <a:solidFill>
-                            <a:schemeClr val="tx1"/>
+                            <a:srgbClr val="767171"/>
                           </a:solidFill>
                         </a:rPr>
                         <a:t>최대값</a:t>
@@ -15260,7 +15439,7 @@
                 </a:tc>
                 <a:extLst>
                   <a:ext uri="{0D108BD9-81ED-4DB2-BD59-A6C34878D82A}">
-                    <a16:rowId xmlns:a16="http://schemas.microsoft.com/office/drawing/2014/main" xmlns="" val="2204616078"/>
+                    <a16:rowId xmlns:a16="http://schemas.microsoft.com/office/drawing/2014/main" val="2204616078"/>
                   </a:ext>
                 </a:extLst>
               </a:tr>
@@ -15274,7 +15453,7 @@
                       <a:r>
                         <a:rPr lang="en-US" altLang="ko-KR" dirty="0">
                           <a:solidFill>
-                            <a:schemeClr val="tx1"/>
+                            <a:srgbClr val="767171"/>
                           </a:solidFill>
                         </a:rPr>
                         <a:t>23</a:t>
@@ -15282,7 +15461,7 @@
                       <a:r>
                         <a:rPr lang="ko-KR" altLang="en-US" dirty="0">
                           <a:solidFill>
-                            <a:schemeClr val="tx1"/>
+                            <a:srgbClr val="767171"/>
                           </a:solidFill>
                         </a:rPr>
                         <a:t>분</a:t>
@@ -15338,7 +15517,7 @@
                       <a:r>
                         <a:rPr lang="en-US" altLang="ko-KR" dirty="0">
                           <a:solidFill>
-                            <a:schemeClr val="tx1"/>
+                            <a:srgbClr val="767171"/>
                           </a:solidFill>
                         </a:rPr>
                         <a:t>5</a:t>
@@ -15346,7 +15525,7 @@
                       <a:r>
                         <a:rPr lang="ko-KR" altLang="en-US" dirty="0">
                           <a:solidFill>
-                            <a:schemeClr val="tx1"/>
+                            <a:srgbClr val="767171"/>
                           </a:solidFill>
                         </a:rPr>
                         <a:t>분</a:t>
@@ -15402,7 +15581,7 @@
                       <a:r>
                         <a:rPr lang="en-US" altLang="ko-KR" dirty="0">
                           <a:solidFill>
-                            <a:schemeClr val="tx1"/>
+                            <a:srgbClr val="767171"/>
                           </a:solidFill>
                         </a:rPr>
                         <a:t>120</a:t>
@@ -15410,7 +15589,7 @@
                       <a:r>
                         <a:rPr lang="ko-KR" altLang="en-US" dirty="0">
                           <a:solidFill>
-                            <a:schemeClr val="tx1"/>
+                            <a:srgbClr val="767171"/>
                           </a:solidFill>
                         </a:rPr>
                         <a:t>분</a:t>
@@ -15459,7 +15638,7 @@
                 </a:tc>
                 <a:extLst>
                   <a:ext uri="{0D108BD9-81ED-4DB2-BD59-A6C34878D82A}">
-                    <a16:rowId xmlns:a16="http://schemas.microsoft.com/office/drawing/2014/main" xmlns="" val="1467737596"/>
+                    <a16:rowId xmlns:a16="http://schemas.microsoft.com/office/drawing/2014/main" val="1467737596"/>
                   </a:ext>
                 </a:extLst>
               </a:tr>
@@ -15472,7 +15651,7 @@
           <p:cNvPr id="26" name="표 25">
             <a:extLst>
               <a:ext uri="{FF2B5EF4-FFF2-40B4-BE49-F238E27FC236}">
-                <a16:creationId xmlns:a16="http://schemas.microsoft.com/office/drawing/2014/main" xmlns="" id="{ED7EC79B-1B1E-4105-BF9D-0E15419AEE82}"/>
+                <a16:creationId xmlns:a16="http://schemas.microsoft.com/office/drawing/2014/main" id="{ED7EC79B-1B1E-4105-BF9D-0E15419AEE82}"/>
               </a:ext>
             </a:extLst>
           </p:cNvPr>
@@ -15501,7 +15680,7 @@
                 <a:gridCol w="1213292">
                   <a:extLst>
                     <a:ext uri="{9D8B030D-6E8A-4147-A177-3AD203B41FA5}">
-                      <a16:colId xmlns:a16="http://schemas.microsoft.com/office/drawing/2014/main" xmlns="" val="2832150726"/>
+                      <a16:colId xmlns:a16="http://schemas.microsoft.com/office/drawing/2014/main" val="2832150726"/>
                     </a:ext>
                   </a:extLst>
                 </a:gridCol>
@@ -15569,7 +15748,7 @@
                 </a:tc>
                 <a:extLst>
                   <a:ext uri="{0D108BD9-81ED-4DB2-BD59-A6C34878D82A}">
-                    <a16:rowId xmlns:a16="http://schemas.microsoft.com/office/drawing/2014/main" xmlns="" val="2873923222"/>
+                    <a16:rowId xmlns:a16="http://schemas.microsoft.com/office/drawing/2014/main" val="2873923222"/>
                   </a:ext>
                 </a:extLst>
               </a:tr>
@@ -15619,7 +15798,7 @@
           <p:cNvPr id="6" name="직사각형 5">
             <a:extLst>
               <a:ext uri="{FF2B5EF4-FFF2-40B4-BE49-F238E27FC236}">
-                <a16:creationId xmlns:a16="http://schemas.microsoft.com/office/drawing/2014/main" xmlns="" id="{F3F3FFB9-31B7-4F7E-9FF5-C453DB84B302}"/>
+                <a16:creationId xmlns:a16="http://schemas.microsoft.com/office/drawing/2014/main" id="{F3F3FFB9-31B7-4F7E-9FF5-C453DB84B302}"/>
               </a:ext>
             </a:extLst>
           </p:cNvPr>
@@ -15671,7 +15850,7 @@
           <p:cNvPr id="9" name="그림 8">
             <a:extLst>
               <a:ext uri="{FF2B5EF4-FFF2-40B4-BE49-F238E27FC236}">
-                <a16:creationId xmlns:a16="http://schemas.microsoft.com/office/drawing/2014/main" xmlns="" id="{6A0AFEC5-621A-4253-B488-8DEBE1058803}"/>
+                <a16:creationId xmlns:a16="http://schemas.microsoft.com/office/drawing/2014/main" id="{6A0AFEC5-621A-4253-B488-8DEBE1058803}"/>
               </a:ext>
             </a:extLst>
           </p:cNvPr>
@@ -15701,7 +15880,7 @@
           <p:cNvPr id="19" name="TextBox 18">
             <a:extLst>
               <a:ext uri="{FF2B5EF4-FFF2-40B4-BE49-F238E27FC236}">
-                <a16:creationId xmlns:a16="http://schemas.microsoft.com/office/drawing/2014/main" xmlns="" id="{439081C3-781B-4BF8-870E-09F8DCED1388}"/>
+                <a16:creationId xmlns:a16="http://schemas.microsoft.com/office/drawing/2014/main" id="{439081C3-781B-4BF8-870E-09F8DCED1388}"/>
               </a:ext>
             </a:extLst>
           </p:cNvPr>
@@ -15776,14 +15955,14 @@
                 <a:gridCol w="1190498">
                   <a:extLst>
                     <a:ext uri="{9D8B030D-6E8A-4147-A177-3AD203B41FA5}">
-                      <a16:colId xmlns:a16="http://schemas.microsoft.com/office/drawing/2014/main" xmlns="" val="1689243806"/>
+                      <a16:colId xmlns:a16="http://schemas.microsoft.com/office/drawing/2014/main" val="1689243806"/>
                     </a:ext>
                   </a:extLst>
                 </a:gridCol>
                 <a:gridCol w="2843784">
                   <a:extLst>
                     <a:ext uri="{9D8B030D-6E8A-4147-A177-3AD203B41FA5}">
-                      <a16:colId xmlns:a16="http://schemas.microsoft.com/office/drawing/2014/main" xmlns="" val="22219304"/>
+                      <a16:colId xmlns:a16="http://schemas.microsoft.com/office/drawing/2014/main" val="22219304"/>
                     </a:ext>
                   </a:extLst>
                 </a:gridCol>
@@ -15941,7 +16120,7 @@
                 </a:tc>
                 <a:extLst>
                   <a:ext uri="{0D108BD9-81ED-4DB2-BD59-A6C34878D82A}">
-                    <a16:rowId xmlns:a16="http://schemas.microsoft.com/office/drawing/2014/main" xmlns="" val="1450923036"/>
+                    <a16:rowId xmlns:a16="http://schemas.microsoft.com/office/drawing/2014/main" val="1450923036"/>
                   </a:ext>
                 </a:extLst>
               </a:tr>
@@ -16103,7 +16282,7 @@
                 </a:tc>
                 <a:extLst>
                   <a:ext uri="{0D108BD9-81ED-4DB2-BD59-A6C34878D82A}">
-                    <a16:rowId xmlns:a16="http://schemas.microsoft.com/office/drawing/2014/main" xmlns="" val="1834090218"/>
+                    <a16:rowId xmlns:a16="http://schemas.microsoft.com/office/drawing/2014/main" val="1834090218"/>
                   </a:ext>
                 </a:extLst>
               </a:tr>
@@ -16257,7 +16436,7 @@
                 </a:tc>
                 <a:extLst>
                   <a:ext uri="{0D108BD9-81ED-4DB2-BD59-A6C34878D82A}">
-                    <a16:rowId xmlns:a16="http://schemas.microsoft.com/office/drawing/2014/main" xmlns="" val="533536160"/>
+                    <a16:rowId xmlns:a16="http://schemas.microsoft.com/office/drawing/2014/main" val="533536160"/>
                   </a:ext>
                 </a:extLst>
               </a:tr>
@@ -16411,7 +16590,7 @@
                 </a:tc>
                 <a:extLst>
                   <a:ext uri="{0D108BD9-81ED-4DB2-BD59-A6C34878D82A}">
-                    <a16:rowId xmlns:a16="http://schemas.microsoft.com/office/drawing/2014/main" xmlns="" val="1372712932"/>
+                    <a16:rowId xmlns:a16="http://schemas.microsoft.com/office/drawing/2014/main" val="1372712932"/>
                   </a:ext>
                 </a:extLst>
               </a:tr>
@@ -16592,7 +16771,7 @@
                 </a:tc>
                 <a:extLst>
                   <a:ext uri="{0D108BD9-81ED-4DB2-BD59-A6C34878D82A}">
-                    <a16:rowId xmlns:a16="http://schemas.microsoft.com/office/drawing/2014/main" xmlns="" val="916230268"/>
+                    <a16:rowId xmlns:a16="http://schemas.microsoft.com/office/drawing/2014/main" val="916230268"/>
                   </a:ext>
                 </a:extLst>
               </a:tr>
@@ -16746,7 +16925,7 @@
                 </a:tc>
                 <a:extLst>
                   <a:ext uri="{0D108BD9-81ED-4DB2-BD59-A6C34878D82A}">
-                    <a16:rowId xmlns:a16="http://schemas.microsoft.com/office/drawing/2014/main" xmlns="" val="1776901004"/>
+                    <a16:rowId xmlns:a16="http://schemas.microsoft.com/office/drawing/2014/main" val="1776901004"/>
                   </a:ext>
                 </a:extLst>
               </a:tr>
@@ -16900,7 +17079,7 @@
                 </a:tc>
                 <a:extLst>
                   <a:ext uri="{0D108BD9-81ED-4DB2-BD59-A6C34878D82A}">
-                    <a16:rowId xmlns:a16="http://schemas.microsoft.com/office/drawing/2014/main" xmlns="" val="4239184716"/>
+                    <a16:rowId xmlns:a16="http://schemas.microsoft.com/office/drawing/2014/main" val="4239184716"/>
                   </a:ext>
                 </a:extLst>
               </a:tr>
@@ -17062,7 +17241,7 @@
                 </a:tc>
                 <a:extLst>
                   <a:ext uri="{0D108BD9-81ED-4DB2-BD59-A6C34878D82A}">
-                    <a16:rowId xmlns:a16="http://schemas.microsoft.com/office/drawing/2014/main" xmlns="" val="1474622054"/>
+                    <a16:rowId xmlns:a16="http://schemas.microsoft.com/office/drawing/2014/main" val="1474622054"/>
                   </a:ext>
                 </a:extLst>
               </a:tr>
@@ -17096,14 +17275,14 @@
                 <a:gridCol w="1190498">
                   <a:extLst>
                     <a:ext uri="{9D8B030D-6E8A-4147-A177-3AD203B41FA5}">
-                      <a16:colId xmlns:a16="http://schemas.microsoft.com/office/drawing/2014/main" xmlns="" val="51577836"/>
+                      <a16:colId xmlns:a16="http://schemas.microsoft.com/office/drawing/2014/main" val="51577836"/>
                     </a:ext>
                   </a:extLst>
                 </a:gridCol>
                 <a:gridCol w="2843784">
                   <a:extLst>
                     <a:ext uri="{9D8B030D-6E8A-4147-A177-3AD203B41FA5}">
-                      <a16:colId xmlns:a16="http://schemas.microsoft.com/office/drawing/2014/main" xmlns="" val="3840094303"/>
+                      <a16:colId xmlns:a16="http://schemas.microsoft.com/office/drawing/2014/main" val="3840094303"/>
                     </a:ext>
                   </a:extLst>
                 </a:gridCol>
@@ -17261,7 +17440,7 @@
                 </a:tc>
                 <a:extLst>
                   <a:ext uri="{0D108BD9-81ED-4DB2-BD59-A6C34878D82A}">
-                    <a16:rowId xmlns:a16="http://schemas.microsoft.com/office/drawing/2014/main" xmlns="" val="2351951405"/>
+                    <a16:rowId xmlns:a16="http://schemas.microsoft.com/office/drawing/2014/main" val="2351951405"/>
                   </a:ext>
                 </a:extLst>
               </a:tr>
@@ -17423,7 +17602,7 @@
                 </a:tc>
                 <a:extLst>
                   <a:ext uri="{0D108BD9-81ED-4DB2-BD59-A6C34878D82A}">
-                    <a16:rowId xmlns:a16="http://schemas.microsoft.com/office/drawing/2014/main" xmlns="" val="3648412882"/>
+                    <a16:rowId xmlns:a16="http://schemas.microsoft.com/office/drawing/2014/main" val="3648412882"/>
                   </a:ext>
                 </a:extLst>
               </a:tr>
@@ -17574,7 +17753,7 @@
                 </a:tc>
                 <a:extLst>
                   <a:ext uri="{0D108BD9-81ED-4DB2-BD59-A6C34878D82A}">
-                    <a16:rowId xmlns:a16="http://schemas.microsoft.com/office/drawing/2014/main" xmlns="" val="549595306"/>
+                    <a16:rowId xmlns:a16="http://schemas.microsoft.com/office/drawing/2014/main" val="549595306"/>
                   </a:ext>
                 </a:extLst>
               </a:tr>
@@ -17587,7 +17766,7 @@
           <p:cNvPr id="13" name="직사각형 12">
             <a:extLst>
               <a:ext uri="{FF2B5EF4-FFF2-40B4-BE49-F238E27FC236}">
-                <a16:creationId xmlns:a16="http://schemas.microsoft.com/office/drawing/2014/main" xmlns="" id="{33ABA0F2-8F6A-44B7-AB21-8FBAA9D82947}"/>
+                <a16:creationId xmlns:a16="http://schemas.microsoft.com/office/drawing/2014/main" id="{33ABA0F2-8F6A-44B7-AB21-8FBAA9D82947}"/>
               </a:ext>
             </a:extLst>
           </p:cNvPr>
@@ -17648,7 +17827,7 @@
           <p:cNvPr id="14" name="직사각형 13">
             <a:extLst>
               <a:ext uri="{FF2B5EF4-FFF2-40B4-BE49-F238E27FC236}">
-                <a16:creationId xmlns:a16="http://schemas.microsoft.com/office/drawing/2014/main" xmlns="" id="{33ABA0F2-8F6A-44B7-AB21-8FBAA9D82947}"/>
+                <a16:creationId xmlns:a16="http://schemas.microsoft.com/office/drawing/2014/main" id="{33ABA0F2-8F6A-44B7-AB21-8FBAA9D82947}"/>
               </a:ext>
             </a:extLst>
           </p:cNvPr>
@@ -17738,7 +17917,7 @@
           <p:cNvPr id="12" name="표 7">
             <a:extLst>
               <a:ext uri="{FF2B5EF4-FFF2-40B4-BE49-F238E27FC236}">
-                <a16:creationId xmlns:a16="http://schemas.microsoft.com/office/drawing/2014/main" xmlns="" id="{6114FAE8-14A4-41CE-8471-4775F80F826D}"/>
+                <a16:creationId xmlns:a16="http://schemas.microsoft.com/office/drawing/2014/main" id="{6114FAE8-14A4-41CE-8471-4775F80F826D}"/>
               </a:ext>
             </a:extLst>
           </p:cNvPr>
@@ -17767,63 +17946,63 @@
                 <a:gridCol w="1074673">
                   <a:extLst>
                     <a:ext uri="{9D8B030D-6E8A-4147-A177-3AD203B41FA5}">
-                      <a16:colId xmlns:a16="http://schemas.microsoft.com/office/drawing/2014/main" xmlns="" val="1665916211"/>
+                      <a16:colId xmlns:a16="http://schemas.microsoft.com/office/drawing/2014/main" val="1665916211"/>
                     </a:ext>
                   </a:extLst>
                 </a:gridCol>
                 <a:gridCol w="1475177">
                   <a:extLst>
                     <a:ext uri="{9D8B030D-6E8A-4147-A177-3AD203B41FA5}">
-                      <a16:colId xmlns:a16="http://schemas.microsoft.com/office/drawing/2014/main" xmlns="" val="3931800829"/>
+                      <a16:colId xmlns:a16="http://schemas.microsoft.com/office/drawing/2014/main" val="3931800829"/>
                     </a:ext>
                   </a:extLst>
                 </a:gridCol>
                 <a:gridCol w="942351">
                   <a:extLst>
                     <a:ext uri="{9D8B030D-6E8A-4147-A177-3AD203B41FA5}">
-                      <a16:colId xmlns:a16="http://schemas.microsoft.com/office/drawing/2014/main" xmlns="" val="4104544172"/>
+                      <a16:colId xmlns:a16="http://schemas.microsoft.com/office/drawing/2014/main" val="4104544172"/>
                     </a:ext>
                   </a:extLst>
                 </a:gridCol>
                 <a:gridCol w="1091143">
                   <a:extLst>
                     <a:ext uri="{9D8B030D-6E8A-4147-A177-3AD203B41FA5}">
-                      <a16:colId xmlns:a16="http://schemas.microsoft.com/office/drawing/2014/main" xmlns="" val="2071757096"/>
+                      <a16:colId xmlns:a16="http://schemas.microsoft.com/office/drawing/2014/main" val="2071757096"/>
                     </a:ext>
                   </a:extLst>
                 </a:gridCol>
                 <a:gridCol w="1080766">
                   <a:extLst>
                     <a:ext uri="{9D8B030D-6E8A-4147-A177-3AD203B41FA5}">
-                      <a16:colId xmlns:a16="http://schemas.microsoft.com/office/drawing/2014/main" xmlns="" val="144601928"/>
+                      <a16:colId xmlns:a16="http://schemas.microsoft.com/office/drawing/2014/main" val="144601928"/>
                     </a:ext>
                   </a:extLst>
                 </a:gridCol>
                 <a:gridCol w="1415638">
                   <a:extLst>
                     <a:ext uri="{9D8B030D-6E8A-4147-A177-3AD203B41FA5}">
-                      <a16:colId xmlns:a16="http://schemas.microsoft.com/office/drawing/2014/main" xmlns="" val="867727936"/>
+                      <a16:colId xmlns:a16="http://schemas.microsoft.com/office/drawing/2014/main" val="867727936"/>
                     </a:ext>
                   </a:extLst>
                 </a:gridCol>
                 <a:gridCol w="1620182">
                   <a:extLst>
                     <a:ext uri="{9D8B030D-6E8A-4147-A177-3AD203B41FA5}">
-                      <a16:colId xmlns:a16="http://schemas.microsoft.com/office/drawing/2014/main" xmlns="" val="199935883"/>
+                      <a16:colId xmlns:a16="http://schemas.microsoft.com/office/drawing/2014/main" val="199935883"/>
                     </a:ext>
                   </a:extLst>
                 </a:gridCol>
                 <a:gridCol w="1099127">
                   <a:extLst>
                     <a:ext uri="{9D8B030D-6E8A-4147-A177-3AD203B41FA5}">
-                      <a16:colId xmlns:a16="http://schemas.microsoft.com/office/drawing/2014/main" xmlns="" val="2688473200"/>
+                      <a16:colId xmlns:a16="http://schemas.microsoft.com/office/drawing/2014/main" val="2688473200"/>
                     </a:ext>
                   </a:extLst>
                 </a:gridCol>
                 <a:gridCol w="1587857">
                   <a:extLst>
                     <a:ext uri="{9D8B030D-6E8A-4147-A177-3AD203B41FA5}">
-                      <a16:colId xmlns:a16="http://schemas.microsoft.com/office/drawing/2014/main" xmlns="" val="2287402396"/>
+                      <a16:colId xmlns:a16="http://schemas.microsoft.com/office/drawing/2014/main" val="2287402396"/>
                     </a:ext>
                   </a:extLst>
                 </a:gridCol>
@@ -18416,7 +18595,7 @@
                 </a:tc>
                 <a:extLst>
                   <a:ext uri="{0D108BD9-81ED-4DB2-BD59-A6C34878D82A}">
-                    <a16:rowId xmlns:a16="http://schemas.microsoft.com/office/drawing/2014/main" xmlns="" val="2247544723"/>
+                    <a16:rowId xmlns:a16="http://schemas.microsoft.com/office/drawing/2014/main" val="2247544723"/>
                   </a:ext>
                 </a:extLst>
               </a:tr>
@@ -18466,7 +18645,7 @@
           <p:cNvPr id="6" name="직사각형 5">
             <a:extLst>
               <a:ext uri="{FF2B5EF4-FFF2-40B4-BE49-F238E27FC236}">
-                <a16:creationId xmlns:a16="http://schemas.microsoft.com/office/drawing/2014/main" xmlns="" id="{F3F3FFB9-31B7-4F7E-9FF5-C453DB84B302}"/>
+                <a16:creationId xmlns:a16="http://schemas.microsoft.com/office/drawing/2014/main" id="{F3F3FFB9-31B7-4F7E-9FF5-C453DB84B302}"/>
               </a:ext>
             </a:extLst>
           </p:cNvPr>
@@ -18518,7 +18697,7 @@
           <p:cNvPr id="19" name="TextBox 18">
             <a:extLst>
               <a:ext uri="{FF2B5EF4-FFF2-40B4-BE49-F238E27FC236}">
-                <a16:creationId xmlns:a16="http://schemas.microsoft.com/office/drawing/2014/main" xmlns="" id="{439081C3-781B-4BF8-870E-09F8DCED1388}"/>
+                <a16:creationId xmlns:a16="http://schemas.microsoft.com/office/drawing/2014/main" id="{439081C3-781B-4BF8-870E-09F8DCED1388}"/>
               </a:ext>
             </a:extLst>
           </p:cNvPr>
@@ -18611,7 +18790,7 @@
           <p:cNvPr id="8" name="그림 7">
             <a:extLst>
               <a:ext uri="{FF2B5EF4-FFF2-40B4-BE49-F238E27FC236}">
-                <a16:creationId xmlns:a16="http://schemas.microsoft.com/office/drawing/2014/main" xmlns="" id="{A36EB30C-77D5-434A-BC38-53270A6836C1}"/>
+                <a16:creationId xmlns:a16="http://schemas.microsoft.com/office/drawing/2014/main" id="{A36EB30C-77D5-434A-BC38-53270A6836C1}"/>
               </a:ext>
             </a:extLst>
           </p:cNvPr>
@@ -18657,7 +18836,7 @@
           <p:cNvPr id="5" name="그림 4">
             <a:extLst>
               <a:ext uri="{FF2B5EF4-FFF2-40B4-BE49-F238E27FC236}">
-                <a16:creationId xmlns:a16="http://schemas.microsoft.com/office/drawing/2014/main" xmlns="" id="{DBB66CBC-DC6A-44BB-9E0E-A5A0C42A021A}"/>
+                <a16:creationId xmlns:a16="http://schemas.microsoft.com/office/drawing/2014/main" id="{DBB66CBC-DC6A-44BB-9E0E-A5A0C42A021A}"/>
               </a:ext>
             </a:extLst>
           </p:cNvPr>
@@ -18703,7 +18882,7 @@
           <p:cNvPr id="13" name="타원 12">
             <a:extLst>
               <a:ext uri="{FF2B5EF4-FFF2-40B4-BE49-F238E27FC236}">
-                <a16:creationId xmlns:a16="http://schemas.microsoft.com/office/drawing/2014/main" xmlns="" id="{7A692989-726B-45B9-BB7D-754166AC229B}"/>
+                <a16:creationId xmlns:a16="http://schemas.microsoft.com/office/drawing/2014/main" id="{7A692989-726B-45B9-BB7D-754166AC229B}"/>
               </a:ext>
             </a:extLst>
           </p:cNvPr>
@@ -18755,7 +18934,7 @@
           <p:cNvPr id="15" name="타원 14">
             <a:extLst>
               <a:ext uri="{FF2B5EF4-FFF2-40B4-BE49-F238E27FC236}">
-                <a16:creationId xmlns:a16="http://schemas.microsoft.com/office/drawing/2014/main" xmlns="" id="{77D0758B-B878-40A4-8F94-E81C86139F30}"/>
+                <a16:creationId xmlns:a16="http://schemas.microsoft.com/office/drawing/2014/main" id="{77D0758B-B878-40A4-8F94-E81C86139F30}"/>
               </a:ext>
             </a:extLst>
           </p:cNvPr>
@@ -18807,7 +18986,7 @@
           <p:cNvPr id="16" name="타원 15">
             <a:extLst>
               <a:ext uri="{FF2B5EF4-FFF2-40B4-BE49-F238E27FC236}">
-                <a16:creationId xmlns:a16="http://schemas.microsoft.com/office/drawing/2014/main" xmlns="" id="{D46578EE-5263-4BEC-8EED-C89BDFACFC10}"/>
+                <a16:creationId xmlns:a16="http://schemas.microsoft.com/office/drawing/2014/main" id="{D46578EE-5263-4BEC-8EED-C89BDFACFC10}"/>
               </a:ext>
             </a:extLst>
           </p:cNvPr>
@@ -18859,7 +19038,7 @@
           <p:cNvPr id="17" name="타원 16">
             <a:extLst>
               <a:ext uri="{FF2B5EF4-FFF2-40B4-BE49-F238E27FC236}">
-                <a16:creationId xmlns:a16="http://schemas.microsoft.com/office/drawing/2014/main" xmlns="" id="{D931C761-0085-4F53-89C1-0B36EB818AAB}"/>
+                <a16:creationId xmlns:a16="http://schemas.microsoft.com/office/drawing/2014/main" id="{D931C761-0085-4F53-89C1-0B36EB818AAB}"/>
               </a:ext>
             </a:extLst>
           </p:cNvPr>
@@ -18911,7 +19090,7 @@
           <p:cNvPr id="18" name="타원 17">
             <a:extLst>
               <a:ext uri="{FF2B5EF4-FFF2-40B4-BE49-F238E27FC236}">
-                <a16:creationId xmlns:a16="http://schemas.microsoft.com/office/drawing/2014/main" xmlns="" id="{96D8C316-E5EA-43BF-8632-DC19C580B3B8}"/>
+                <a16:creationId xmlns:a16="http://schemas.microsoft.com/office/drawing/2014/main" id="{96D8C316-E5EA-43BF-8632-DC19C580B3B8}"/>
               </a:ext>
             </a:extLst>
           </p:cNvPr>
@@ -18963,7 +19142,7 @@
           <p:cNvPr id="20" name="타원 19">
             <a:extLst>
               <a:ext uri="{FF2B5EF4-FFF2-40B4-BE49-F238E27FC236}">
-                <a16:creationId xmlns:a16="http://schemas.microsoft.com/office/drawing/2014/main" xmlns="" id="{4D4EDD39-F135-402D-A6F7-81C9B4247CCB}"/>
+                <a16:creationId xmlns:a16="http://schemas.microsoft.com/office/drawing/2014/main" id="{4D4EDD39-F135-402D-A6F7-81C9B4247CCB}"/>
               </a:ext>
             </a:extLst>
           </p:cNvPr>
@@ -19015,7 +19194,7 @@
           <p:cNvPr id="21" name="타원 20">
             <a:extLst>
               <a:ext uri="{FF2B5EF4-FFF2-40B4-BE49-F238E27FC236}">
-                <a16:creationId xmlns:a16="http://schemas.microsoft.com/office/drawing/2014/main" xmlns="" id="{8DD96A27-9462-42BB-B908-7C933549D920}"/>
+                <a16:creationId xmlns:a16="http://schemas.microsoft.com/office/drawing/2014/main" id="{8DD96A27-9462-42BB-B908-7C933549D920}"/>
               </a:ext>
             </a:extLst>
           </p:cNvPr>
@@ -19067,7 +19246,7 @@
           <p:cNvPr id="22" name="타원 21">
             <a:extLst>
               <a:ext uri="{FF2B5EF4-FFF2-40B4-BE49-F238E27FC236}">
-                <a16:creationId xmlns:a16="http://schemas.microsoft.com/office/drawing/2014/main" xmlns="" id="{1C372EE8-4D8B-4F7C-BF46-07D001459700}"/>
+                <a16:creationId xmlns:a16="http://schemas.microsoft.com/office/drawing/2014/main" id="{1C372EE8-4D8B-4F7C-BF46-07D001459700}"/>
               </a:ext>
             </a:extLst>
           </p:cNvPr>
@@ -19119,7 +19298,7 @@
           <p:cNvPr id="23" name="타원 22">
             <a:extLst>
               <a:ext uri="{FF2B5EF4-FFF2-40B4-BE49-F238E27FC236}">
-                <a16:creationId xmlns:a16="http://schemas.microsoft.com/office/drawing/2014/main" xmlns="" id="{C255E71A-B962-4F24-AB04-4B112506B787}"/>
+                <a16:creationId xmlns:a16="http://schemas.microsoft.com/office/drawing/2014/main" id="{C255E71A-B962-4F24-AB04-4B112506B787}"/>
               </a:ext>
             </a:extLst>
           </p:cNvPr>
@@ -19171,7 +19350,7 @@
           <p:cNvPr id="24" name="타원 23">
             <a:extLst>
               <a:ext uri="{FF2B5EF4-FFF2-40B4-BE49-F238E27FC236}">
-                <a16:creationId xmlns:a16="http://schemas.microsoft.com/office/drawing/2014/main" xmlns="" id="{27867253-7ED2-4A4A-8728-797DB99E70F6}"/>
+                <a16:creationId xmlns:a16="http://schemas.microsoft.com/office/drawing/2014/main" id="{27867253-7ED2-4A4A-8728-797DB99E70F6}"/>
               </a:ext>
             </a:extLst>
           </p:cNvPr>
@@ -19223,7 +19402,7 @@
           <p:cNvPr id="27" name="TextBox 26">
             <a:extLst>
               <a:ext uri="{FF2B5EF4-FFF2-40B4-BE49-F238E27FC236}">
-                <a16:creationId xmlns:a16="http://schemas.microsoft.com/office/drawing/2014/main" xmlns="" id="{AF4E5D70-A9FF-46DE-921F-040CF95729C8}"/>
+                <a16:creationId xmlns:a16="http://schemas.microsoft.com/office/drawing/2014/main" id="{AF4E5D70-A9FF-46DE-921F-040CF95729C8}"/>
               </a:ext>
             </a:extLst>
           </p:cNvPr>
@@ -19312,7 +19491,7 @@
           <p:cNvPr id="14" name="화살표: 오른쪽 13">
             <a:extLst>
               <a:ext uri="{FF2B5EF4-FFF2-40B4-BE49-F238E27FC236}">
-                <a16:creationId xmlns:a16="http://schemas.microsoft.com/office/drawing/2014/main" xmlns="" id="{013F1F42-9701-44DD-BA21-F933090374E8}"/>
+                <a16:creationId xmlns:a16="http://schemas.microsoft.com/office/drawing/2014/main" id="{013F1F42-9701-44DD-BA21-F933090374E8}"/>
               </a:ext>
             </a:extLst>
           </p:cNvPr>
@@ -19364,7 +19543,7 @@
           <p:cNvPr id="29" name="화살표: 오른쪽 28">
             <a:extLst>
               <a:ext uri="{FF2B5EF4-FFF2-40B4-BE49-F238E27FC236}">
-                <a16:creationId xmlns:a16="http://schemas.microsoft.com/office/drawing/2014/main" xmlns="" id="{AB7D0E4D-F0E5-4E7E-B21C-4DC511540506}"/>
+                <a16:creationId xmlns:a16="http://schemas.microsoft.com/office/drawing/2014/main" id="{AB7D0E4D-F0E5-4E7E-B21C-4DC511540506}"/>
               </a:ext>
             </a:extLst>
           </p:cNvPr>
@@ -19416,7 +19595,7 @@
           <p:cNvPr id="30" name="TextBox 29">
             <a:extLst>
               <a:ext uri="{FF2B5EF4-FFF2-40B4-BE49-F238E27FC236}">
-                <a16:creationId xmlns:a16="http://schemas.microsoft.com/office/drawing/2014/main" xmlns="" id="{224DDCEA-D826-4198-9523-3082933D8B78}"/>
+                <a16:creationId xmlns:a16="http://schemas.microsoft.com/office/drawing/2014/main" id="{224DDCEA-D826-4198-9523-3082933D8B78}"/>
               </a:ext>
             </a:extLst>
           </p:cNvPr>
@@ -19505,7 +19684,7 @@
           <p:cNvPr id="24" name="직사각형 23">
             <a:extLst>
               <a:ext uri="{FF2B5EF4-FFF2-40B4-BE49-F238E27FC236}">
-                <a16:creationId xmlns:a16="http://schemas.microsoft.com/office/drawing/2014/main" xmlns="" id="{D88E4607-9DCB-4441-8774-3AD9A9E27B4D}"/>
+                <a16:creationId xmlns:a16="http://schemas.microsoft.com/office/drawing/2014/main" id="{D88E4607-9DCB-4441-8774-3AD9A9E27B4D}"/>
               </a:ext>
             </a:extLst>
           </p:cNvPr>
@@ -19557,7 +19736,7 @@
           <p:cNvPr id="26" name="TextBox 25">
             <a:extLst>
               <a:ext uri="{FF2B5EF4-FFF2-40B4-BE49-F238E27FC236}">
-                <a16:creationId xmlns:a16="http://schemas.microsoft.com/office/drawing/2014/main" xmlns="" id="{C9DAF82C-ADFD-4B48-B29F-3AE82A1617AC}"/>
+                <a16:creationId xmlns:a16="http://schemas.microsoft.com/office/drawing/2014/main" id="{C9DAF82C-ADFD-4B48-B29F-3AE82A1617AC}"/>
               </a:ext>
             </a:extLst>
           </p:cNvPr>
@@ -19615,7 +19794,7 @@
           <p:cNvPr id="7" name="TextBox 6">
             <a:extLst>
               <a:ext uri="{FF2B5EF4-FFF2-40B4-BE49-F238E27FC236}">
-                <a16:creationId xmlns:a16="http://schemas.microsoft.com/office/drawing/2014/main" xmlns="" id="{37B5A79B-FC4B-4CF9-A953-CFDF95A35F8F}"/>
+                <a16:creationId xmlns:a16="http://schemas.microsoft.com/office/drawing/2014/main" id="{37B5A79B-FC4B-4CF9-A953-CFDF95A35F8F}"/>
               </a:ext>
             </a:extLst>
           </p:cNvPr>
@@ -20260,15 +20439,7 @@
                   <a:srgbClr val="767171"/>
                 </a:solidFill>
               </a:rPr>
-              <a:t>웹 </a:t>
-            </a:r>
-            <a:r>
-              <a:rPr lang="ko-KR" altLang="en-US" sz="1400" b="1" spc="200" dirty="0" smtClean="0">
-                <a:solidFill>
-                  <a:srgbClr val="767171"/>
-                </a:solidFill>
-              </a:rPr>
-              <a:t>사이트 구성도 및 기능</a:t>
+              <a:t>웹 사이트 구성도 및 기능</a:t>
             </a:r>
             <a:endParaRPr lang="en-US" altLang="ko-KR" sz="1400" b="1" spc="200" dirty="0" smtClean="0">
               <a:solidFill>
@@ -20595,7 +20766,7 @@
           <p:cNvPr id="6" name="직사각형 5">
             <a:extLst>
               <a:ext uri="{FF2B5EF4-FFF2-40B4-BE49-F238E27FC236}">
-                <a16:creationId xmlns:a16="http://schemas.microsoft.com/office/drawing/2014/main" xmlns="" id="{F3F3FFB9-31B7-4F7E-9FF5-C453DB84B302}"/>
+                <a16:creationId xmlns:a16="http://schemas.microsoft.com/office/drawing/2014/main" id="{F3F3FFB9-31B7-4F7E-9FF5-C453DB84B302}"/>
               </a:ext>
             </a:extLst>
           </p:cNvPr>
@@ -20647,7 +20818,7 @@
           <p:cNvPr id="19" name="TextBox 18">
             <a:extLst>
               <a:ext uri="{FF2B5EF4-FFF2-40B4-BE49-F238E27FC236}">
-                <a16:creationId xmlns:a16="http://schemas.microsoft.com/office/drawing/2014/main" xmlns="" id="{439081C3-781B-4BF8-870E-09F8DCED1388}"/>
+                <a16:creationId xmlns:a16="http://schemas.microsoft.com/office/drawing/2014/main" id="{439081C3-781B-4BF8-870E-09F8DCED1388}"/>
               </a:ext>
             </a:extLst>
           </p:cNvPr>
@@ -20730,7 +20901,7 @@
           <p:cNvPr id="9" name="그림 8">
             <a:extLst>
               <a:ext uri="{FF2B5EF4-FFF2-40B4-BE49-F238E27FC236}">
-                <a16:creationId xmlns:a16="http://schemas.microsoft.com/office/drawing/2014/main" xmlns="" id="{C353B26D-25E0-4ECB-8FE6-380073090E59}"/>
+                <a16:creationId xmlns:a16="http://schemas.microsoft.com/office/drawing/2014/main" id="{C353B26D-25E0-4ECB-8FE6-380073090E59}"/>
               </a:ext>
             </a:extLst>
           </p:cNvPr>
@@ -20776,7 +20947,7 @@
           <p:cNvPr id="20" name="타원 19">
             <a:extLst>
               <a:ext uri="{FF2B5EF4-FFF2-40B4-BE49-F238E27FC236}">
-                <a16:creationId xmlns:a16="http://schemas.microsoft.com/office/drawing/2014/main" xmlns="" id="{8173A468-AD04-49D5-B573-8EEB4201892C}"/>
+                <a16:creationId xmlns:a16="http://schemas.microsoft.com/office/drawing/2014/main" id="{8173A468-AD04-49D5-B573-8EEB4201892C}"/>
               </a:ext>
             </a:extLst>
           </p:cNvPr>
@@ -20828,7 +20999,7 @@
           <p:cNvPr id="21" name="타원 20">
             <a:extLst>
               <a:ext uri="{FF2B5EF4-FFF2-40B4-BE49-F238E27FC236}">
-                <a16:creationId xmlns:a16="http://schemas.microsoft.com/office/drawing/2014/main" xmlns="" id="{22D81BCC-7C6B-4C6D-8F32-6FB1962C92D2}"/>
+                <a16:creationId xmlns:a16="http://schemas.microsoft.com/office/drawing/2014/main" id="{22D81BCC-7C6B-4C6D-8F32-6FB1962C92D2}"/>
               </a:ext>
             </a:extLst>
           </p:cNvPr>
@@ -20880,7 +21051,7 @@
           <p:cNvPr id="22" name="타원 21">
             <a:extLst>
               <a:ext uri="{FF2B5EF4-FFF2-40B4-BE49-F238E27FC236}">
-                <a16:creationId xmlns:a16="http://schemas.microsoft.com/office/drawing/2014/main" xmlns="" id="{700B8792-A74D-4A9E-99DF-FA0BF08EE874}"/>
+                <a16:creationId xmlns:a16="http://schemas.microsoft.com/office/drawing/2014/main" id="{700B8792-A74D-4A9E-99DF-FA0BF08EE874}"/>
               </a:ext>
             </a:extLst>
           </p:cNvPr>
@@ -20932,7 +21103,7 @@
           <p:cNvPr id="23" name="타원 22">
             <a:extLst>
               <a:ext uri="{FF2B5EF4-FFF2-40B4-BE49-F238E27FC236}">
-                <a16:creationId xmlns:a16="http://schemas.microsoft.com/office/drawing/2014/main" xmlns="" id="{9C3DF63C-DF35-4591-B909-3CDBA77FDB9A}"/>
+                <a16:creationId xmlns:a16="http://schemas.microsoft.com/office/drawing/2014/main" id="{9C3DF63C-DF35-4591-B909-3CDBA77FDB9A}"/>
               </a:ext>
             </a:extLst>
           </p:cNvPr>
@@ -20984,7 +21155,7 @@
           <p:cNvPr id="11" name="그림 10">
             <a:extLst>
               <a:ext uri="{FF2B5EF4-FFF2-40B4-BE49-F238E27FC236}">
-                <a16:creationId xmlns:a16="http://schemas.microsoft.com/office/drawing/2014/main" xmlns="" id="{848686C3-ACA2-4D81-AD5C-1563303AE51E}"/>
+                <a16:creationId xmlns:a16="http://schemas.microsoft.com/office/drawing/2014/main" id="{848686C3-ACA2-4D81-AD5C-1563303AE51E}"/>
               </a:ext>
             </a:extLst>
           </p:cNvPr>
@@ -21030,7 +21201,7 @@
           <p:cNvPr id="14" name="타원 13">
             <a:extLst>
               <a:ext uri="{FF2B5EF4-FFF2-40B4-BE49-F238E27FC236}">
-                <a16:creationId xmlns:a16="http://schemas.microsoft.com/office/drawing/2014/main" xmlns="" id="{4AC7BE95-18EB-453F-93D4-B64CD9BB3518}"/>
+                <a16:creationId xmlns:a16="http://schemas.microsoft.com/office/drawing/2014/main" id="{4AC7BE95-18EB-453F-93D4-B64CD9BB3518}"/>
               </a:ext>
             </a:extLst>
           </p:cNvPr>
@@ -21082,7 +21253,7 @@
           <p:cNvPr id="15" name="타원 14">
             <a:extLst>
               <a:ext uri="{FF2B5EF4-FFF2-40B4-BE49-F238E27FC236}">
-                <a16:creationId xmlns:a16="http://schemas.microsoft.com/office/drawing/2014/main" xmlns="" id="{1ADE7DAB-D887-4298-914E-F2E6D30F07B8}"/>
+                <a16:creationId xmlns:a16="http://schemas.microsoft.com/office/drawing/2014/main" id="{1ADE7DAB-D887-4298-914E-F2E6D30F07B8}"/>
               </a:ext>
             </a:extLst>
           </p:cNvPr>
@@ -21134,7 +21305,7 @@
           <p:cNvPr id="17" name="타원 16">
             <a:extLst>
               <a:ext uri="{FF2B5EF4-FFF2-40B4-BE49-F238E27FC236}">
-                <a16:creationId xmlns:a16="http://schemas.microsoft.com/office/drawing/2014/main" xmlns="" id="{97B701C2-D9B1-4683-A864-DBD50DDC1137}"/>
+                <a16:creationId xmlns:a16="http://schemas.microsoft.com/office/drawing/2014/main" id="{97B701C2-D9B1-4683-A864-DBD50DDC1137}"/>
               </a:ext>
             </a:extLst>
           </p:cNvPr>
@@ -21186,7 +21357,7 @@
           <p:cNvPr id="18" name="타원 17">
             <a:extLst>
               <a:ext uri="{FF2B5EF4-FFF2-40B4-BE49-F238E27FC236}">
-                <a16:creationId xmlns:a16="http://schemas.microsoft.com/office/drawing/2014/main" xmlns="" id="{EF4231CB-72C9-4EC5-930E-E53A7A6D58C4}"/>
+                <a16:creationId xmlns:a16="http://schemas.microsoft.com/office/drawing/2014/main" id="{EF4231CB-72C9-4EC5-930E-E53A7A6D58C4}"/>
               </a:ext>
             </a:extLst>
           </p:cNvPr>
@@ -21238,7 +21409,7 @@
           <p:cNvPr id="24" name="TextBox 23">
             <a:extLst>
               <a:ext uri="{FF2B5EF4-FFF2-40B4-BE49-F238E27FC236}">
-                <a16:creationId xmlns:a16="http://schemas.microsoft.com/office/drawing/2014/main" xmlns="" id="{CB42B6B7-4106-46C7-B938-D2207B21432E}"/>
+                <a16:creationId xmlns:a16="http://schemas.microsoft.com/office/drawing/2014/main" id="{CB42B6B7-4106-46C7-B938-D2207B21432E}"/>
               </a:ext>
             </a:extLst>
           </p:cNvPr>
@@ -21327,7 +21498,7 @@
           <p:cNvPr id="25" name="화살표: 오른쪽 24">
             <a:extLst>
               <a:ext uri="{FF2B5EF4-FFF2-40B4-BE49-F238E27FC236}">
-                <a16:creationId xmlns:a16="http://schemas.microsoft.com/office/drawing/2014/main" xmlns="" id="{20C5B552-6EA0-4C3E-9A74-52683A948E5D}"/>
+                <a16:creationId xmlns:a16="http://schemas.microsoft.com/office/drawing/2014/main" id="{20C5B552-6EA0-4C3E-9A74-52683A948E5D}"/>
               </a:ext>
             </a:extLst>
           </p:cNvPr>
@@ -21379,7 +21550,7 @@
           <p:cNvPr id="26" name="화살표: 오른쪽 25">
             <a:extLst>
               <a:ext uri="{FF2B5EF4-FFF2-40B4-BE49-F238E27FC236}">
-                <a16:creationId xmlns:a16="http://schemas.microsoft.com/office/drawing/2014/main" xmlns="" id="{D4472370-7D17-4EF3-8AF9-95C8CEADF94C}"/>
+                <a16:creationId xmlns:a16="http://schemas.microsoft.com/office/drawing/2014/main" id="{D4472370-7D17-4EF3-8AF9-95C8CEADF94C}"/>
               </a:ext>
             </a:extLst>
           </p:cNvPr>
@@ -21431,7 +21602,7 @@
           <p:cNvPr id="27" name="TextBox 26">
             <a:extLst>
               <a:ext uri="{FF2B5EF4-FFF2-40B4-BE49-F238E27FC236}">
-                <a16:creationId xmlns:a16="http://schemas.microsoft.com/office/drawing/2014/main" xmlns="" id="{46258E25-36A8-4CD2-9BDC-9AC14E81D574}"/>
+                <a16:creationId xmlns:a16="http://schemas.microsoft.com/office/drawing/2014/main" id="{46258E25-36A8-4CD2-9BDC-9AC14E81D574}"/>
               </a:ext>
             </a:extLst>
           </p:cNvPr>
@@ -21520,7 +21691,7 @@
           <p:cNvPr id="6" name="직사각형 5">
             <a:extLst>
               <a:ext uri="{FF2B5EF4-FFF2-40B4-BE49-F238E27FC236}">
-                <a16:creationId xmlns:a16="http://schemas.microsoft.com/office/drawing/2014/main" xmlns="" id="{F3F3FFB9-31B7-4F7E-9FF5-C453DB84B302}"/>
+                <a16:creationId xmlns:a16="http://schemas.microsoft.com/office/drawing/2014/main" id="{F3F3FFB9-31B7-4F7E-9FF5-C453DB84B302}"/>
               </a:ext>
             </a:extLst>
           </p:cNvPr>
@@ -21572,7 +21743,7 @@
           <p:cNvPr id="13" name="TextBox 12">
             <a:extLst>
               <a:ext uri="{FF2B5EF4-FFF2-40B4-BE49-F238E27FC236}">
-                <a16:creationId xmlns:a16="http://schemas.microsoft.com/office/drawing/2014/main" xmlns="" id="{A06794F9-AD92-41FC-9A8F-A29EE2155711}"/>
+                <a16:creationId xmlns:a16="http://schemas.microsoft.com/office/drawing/2014/main" id="{A06794F9-AD92-41FC-9A8F-A29EE2155711}"/>
               </a:ext>
             </a:extLst>
           </p:cNvPr>
@@ -21644,8 +21815,8 @@
         </p:blipFill>
         <p:spPr bwMode="auto">
           <a:xfrm>
-            <a:off x="404259" y="1379529"/>
-            <a:ext cx="11642597" cy="4694012"/>
+            <a:off x="404260" y="1803041"/>
+            <a:ext cx="10222032" cy="4694012"/>
           </a:xfrm>
           <a:prstGeom prst="rect">
             <a:avLst/>
@@ -21675,6 +21846,130 @@
           </a:extLst>
         </p:spPr>
       </p:pic>
+      <p:sp>
+        <p:nvSpPr>
+          <p:cNvPr id="5" name="TextBox 4">
+            <a:extLst>
+              <a:ext uri="{FF2B5EF4-FFF2-40B4-BE49-F238E27FC236}">
+                <a16:creationId xmlns:a16="http://schemas.microsoft.com/office/drawing/2014/main" id="{CB42B6B7-4106-46C7-B938-D2207B21432E}"/>
+              </a:ext>
+            </a:extLst>
+          </p:cNvPr>
+          <p:cNvSpPr txBox="1"/>
+          <p:nvPr/>
+        </p:nvSpPr>
+        <p:spPr>
+          <a:xfrm>
+            <a:off x="404260" y="1231002"/>
+            <a:ext cx="11251934" cy="553998"/>
+          </a:xfrm>
+          <a:prstGeom prst="rect">
+            <a:avLst/>
+          </a:prstGeom>
+          <a:noFill/>
+        </p:spPr>
+        <p:txBody>
+          <a:bodyPr wrap="square" rtlCol="0">
+            <a:spAutoFit/>
+          </a:bodyPr>
+          <a:lstStyle/>
+          <a:p>
+            <a:pPr>
+              <a:lnSpc>
+                <a:spcPct val="150000"/>
+              </a:lnSpc>
+            </a:pPr>
+            <a:r>
+              <a:rPr lang="ko-KR" altLang="en-US" sz="2000" b="1" dirty="0" smtClean="0">
+                <a:solidFill>
+                  <a:schemeClr val="tx1">
+                    <a:lumMod val="50000"/>
+                    <a:lumOff val="50000"/>
+                  </a:schemeClr>
+                </a:solidFill>
+                <a:latin typeface="맑은 고딕" panose="020B0503020000020004" pitchFamily="50" charset="-127"/>
+                <a:cs typeface="함초롬바탕" panose="02030604000101010101" pitchFamily="18" charset="-127"/>
+              </a:rPr>
+              <a:t>수집한 데이터로 사용자들이 사용할 것을 예측하기 위해 학습 </a:t>
+            </a:r>
+            <a:r>
+              <a:rPr lang="en-US" altLang="ko-KR" sz="2000" b="1" dirty="0" smtClean="0">
+                <a:solidFill>
+                  <a:schemeClr val="tx1">
+                    <a:lumMod val="50000"/>
+                    <a:lumOff val="50000"/>
+                  </a:schemeClr>
+                </a:solidFill>
+                <a:latin typeface="맑은 고딕" panose="020B0503020000020004" pitchFamily="50" charset="-127"/>
+                <a:cs typeface="함초롬바탕" panose="02030604000101010101" pitchFamily="18" charset="-127"/>
+              </a:rPr>
+              <a:t>(</a:t>
+            </a:r>
+            <a:r>
+              <a:rPr lang="ko-KR" altLang="en-US" sz="2000" b="1" dirty="0" smtClean="0">
+                <a:solidFill>
+                  <a:schemeClr val="tx1">
+                    <a:lumMod val="50000"/>
+                    <a:lumOff val="50000"/>
+                  </a:schemeClr>
+                </a:solidFill>
+                <a:latin typeface="맑은 고딕" panose="020B0503020000020004" pitchFamily="50" charset="-127"/>
+                <a:cs typeface="함초롬바탕" panose="02030604000101010101" pitchFamily="18" charset="-127"/>
+              </a:rPr>
+              <a:t>임시 작성</a:t>
+            </a:r>
+            <a:r>
+              <a:rPr lang="en-US" altLang="ko-KR" sz="2000" b="1" dirty="0" smtClean="0">
+                <a:solidFill>
+                  <a:schemeClr val="tx1">
+                    <a:lumMod val="50000"/>
+                    <a:lumOff val="50000"/>
+                  </a:schemeClr>
+                </a:solidFill>
+                <a:latin typeface="맑은 고딕" panose="020B0503020000020004" pitchFamily="50" charset="-127"/>
+                <a:cs typeface="함초롬바탕" panose="02030604000101010101" pitchFamily="18" charset="-127"/>
+              </a:rPr>
+              <a:t>, </a:t>
+            </a:r>
+            <a:r>
+              <a:rPr lang="ko-KR" altLang="en-US" sz="2000" b="1" dirty="0" smtClean="0">
+                <a:solidFill>
+                  <a:schemeClr val="tx1">
+                    <a:lumMod val="50000"/>
+                    <a:lumOff val="50000"/>
+                  </a:schemeClr>
+                </a:solidFill>
+                <a:latin typeface="맑은 고딕" panose="020B0503020000020004" pitchFamily="50" charset="-127"/>
+                <a:cs typeface="함초롬바탕" panose="02030604000101010101" pitchFamily="18" charset="-127"/>
+              </a:rPr>
+              <a:t>다음 주까지 다시 작성</a:t>
+            </a:r>
+            <a:r>
+              <a:rPr lang="en-US" altLang="ko-KR" sz="2000" b="1" dirty="0" smtClean="0">
+                <a:solidFill>
+                  <a:schemeClr val="tx1">
+                    <a:lumMod val="50000"/>
+                    <a:lumOff val="50000"/>
+                  </a:schemeClr>
+                </a:solidFill>
+                <a:latin typeface="맑은 고딕" panose="020B0503020000020004" pitchFamily="50" charset="-127"/>
+                <a:cs typeface="함초롬바탕" panose="02030604000101010101" pitchFamily="18" charset="-127"/>
+              </a:rPr>
+              <a:t>)</a:t>
+            </a:r>
+            <a:endParaRPr lang="en-US" altLang="ko-KR" sz="4000" b="1" dirty="0">
+              <a:solidFill>
+                <a:schemeClr val="tx1">
+                  <a:lumMod val="50000"/>
+                  <a:lumOff val="50000"/>
+                </a:schemeClr>
+              </a:solidFill>
+              <a:latin typeface="맑은 고딕" panose="020B0503020000020004" pitchFamily="50" charset="-127"/>
+              <a:cs typeface="함초롬바탕" panose="02030604000101010101" pitchFamily="18" charset="-127"/>
+            </a:endParaRPr>
+          </a:p>
+        </p:txBody>
+      </p:sp>
     </p:spTree>
     <p:extLst>
       <p:ext uri="{BB962C8B-B14F-4D97-AF65-F5344CB8AC3E}">
@@ -21717,7 +22012,7 @@
           <p:cNvPr id="5" name="직사각형 4">
             <a:extLst>
               <a:ext uri="{FF2B5EF4-FFF2-40B4-BE49-F238E27FC236}">
-                <a16:creationId xmlns:a16="http://schemas.microsoft.com/office/drawing/2014/main" xmlns="" id="{5C265A66-5F2C-488C-AC8D-8D373FF54653}"/>
+                <a16:creationId xmlns:a16="http://schemas.microsoft.com/office/drawing/2014/main" id="{5C265A66-5F2C-488C-AC8D-8D373FF54653}"/>
               </a:ext>
             </a:extLst>
           </p:cNvPr>
@@ -21769,7 +22064,7 @@
           <p:cNvPr id="4" name="TextBox 3">
             <a:extLst>
               <a:ext uri="{FF2B5EF4-FFF2-40B4-BE49-F238E27FC236}">
-                <a16:creationId xmlns:a16="http://schemas.microsoft.com/office/drawing/2014/main" xmlns="" id="{501976EF-180B-4C1B-8BE7-0D218B0A121F}"/>
+                <a16:creationId xmlns:a16="http://schemas.microsoft.com/office/drawing/2014/main" id="{501976EF-180B-4C1B-8BE7-0D218B0A121F}"/>
               </a:ext>
             </a:extLst>
           </p:cNvPr>
@@ -21885,7 +22180,7 @@
           <p:cNvPr id="6" name="TextBox 5">
             <a:extLst>
               <a:ext uri="{FF2B5EF4-FFF2-40B4-BE49-F238E27FC236}">
-                <a16:creationId xmlns:a16="http://schemas.microsoft.com/office/drawing/2014/main" xmlns="" id="{462E4E4D-70C7-43BB-9CA7-3687B4A71079}"/>
+                <a16:creationId xmlns:a16="http://schemas.microsoft.com/office/drawing/2014/main" id="{462E4E4D-70C7-43BB-9CA7-3687B4A71079}"/>
               </a:ext>
             </a:extLst>
           </p:cNvPr>
@@ -21980,7 +22275,7 @@
           <p:cNvPr id="6" name="직사각형 5">
             <a:extLst>
               <a:ext uri="{FF2B5EF4-FFF2-40B4-BE49-F238E27FC236}">
-                <a16:creationId xmlns:a16="http://schemas.microsoft.com/office/drawing/2014/main" xmlns="" id="{F3F3FFB9-31B7-4F7E-9FF5-C453DB84B302}"/>
+                <a16:creationId xmlns:a16="http://schemas.microsoft.com/office/drawing/2014/main" id="{F3F3FFB9-31B7-4F7E-9FF5-C453DB84B302}"/>
               </a:ext>
             </a:extLst>
           </p:cNvPr>
@@ -22032,7 +22327,7 @@
           <p:cNvPr id="54" name="그룹 53">
             <a:extLst>
               <a:ext uri="{FF2B5EF4-FFF2-40B4-BE49-F238E27FC236}">
-                <a16:creationId xmlns:a16="http://schemas.microsoft.com/office/drawing/2014/main" xmlns="" id="{8859A968-FEC5-408D-9E26-1A47099F5EFA}"/>
+                <a16:creationId xmlns:a16="http://schemas.microsoft.com/office/drawing/2014/main" id="{8859A968-FEC5-408D-9E26-1A47099F5EFA}"/>
               </a:ext>
             </a:extLst>
           </p:cNvPr>
@@ -22052,7 +22347,7 @@
             <p:cNvPr id="10" name="TextBox 9">
               <a:extLst>
                 <a:ext uri="{FF2B5EF4-FFF2-40B4-BE49-F238E27FC236}">
-                  <a16:creationId xmlns:a16="http://schemas.microsoft.com/office/drawing/2014/main" xmlns="" id="{4FABC9C4-1E89-4136-8EED-80919274B685}"/>
+                  <a16:creationId xmlns:a16="http://schemas.microsoft.com/office/drawing/2014/main" id="{4FABC9C4-1E89-4136-8EED-80919274B685}"/>
                 </a:ext>
               </a:extLst>
             </p:cNvPr>
@@ -22102,7 +22397,7 @@
             <p:cNvPr id="15" name="TextBox 14">
               <a:extLst>
                 <a:ext uri="{FF2B5EF4-FFF2-40B4-BE49-F238E27FC236}">
-                  <a16:creationId xmlns:a16="http://schemas.microsoft.com/office/drawing/2014/main" xmlns="" id="{4FABC9C4-1E89-4136-8EED-80919274B685}"/>
+                  <a16:creationId xmlns:a16="http://schemas.microsoft.com/office/drawing/2014/main" id="{4FABC9C4-1E89-4136-8EED-80919274B685}"/>
                 </a:ext>
               </a:extLst>
             </p:cNvPr>
@@ -22152,7 +22447,7 @@
             <p:cNvPr id="17" name="TextBox 16">
               <a:extLst>
                 <a:ext uri="{FF2B5EF4-FFF2-40B4-BE49-F238E27FC236}">
-                  <a16:creationId xmlns:a16="http://schemas.microsoft.com/office/drawing/2014/main" xmlns="" id="{4FABC9C4-1E89-4136-8EED-80919274B685}"/>
+                  <a16:creationId xmlns:a16="http://schemas.microsoft.com/office/drawing/2014/main" id="{4FABC9C4-1E89-4136-8EED-80919274B685}"/>
                 </a:ext>
               </a:extLst>
             </p:cNvPr>
@@ -22202,7 +22497,7 @@
             <p:cNvPr id="21" name="TextBox 20">
               <a:extLst>
                 <a:ext uri="{FF2B5EF4-FFF2-40B4-BE49-F238E27FC236}">
-                  <a16:creationId xmlns:a16="http://schemas.microsoft.com/office/drawing/2014/main" xmlns="" id="{4FABC9C4-1E89-4136-8EED-80919274B685}"/>
+                  <a16:creationId xmlns:a16="http://schemas.microsoft.com/office/drawing/2014/main" id="{4FABC9C4-1E89-4136-8EED-80919274B685}"/>
                 </a:ext>
               </a:extLst>
             </p:cNvPr>
@@ -22252,7 +22547,7 @@
             <p:cNvPr id="23" name="TextBox 22">
               <a:extLst>
                 <a:ext uri="{FF2B5EF4-FFF2-40B4-BE49-F238E27FC236}">
-                  <a16:creationId xmlns:a16="http://schemas.microsoft.com/office/drawing/2014/main" xmlns="" id="{4FABC9C4-1E89-4136-8EED-80919274B685}"/>
+                  <a16:creationId xmlns:a16="http://schemas.microsoft.com/office/drawing/2014/main" id="{4FABC9C4-1E89-4136-8EED-80919274B685}"/>
                 </a:ext>
               </a:extLst>
             </p:cNvPr>
@@ -22302,7 +22597,7 @@
             <p:cNvPr id="25" name="TextBox 24">
               <a:extLst>
                 <a:ext uri="{FF2B5EF4-FFF2-40B4-BE49-F238E27FC236}">
-                  <a16:creationId xmlns:a16="http://schemas.microsoft.com/office/drawing/2014/main" xmlns="" id="{4FABC9C4-1E89-4136-8EED-80919274B685}"/>
+                  <a16:creationId xmlns:a16="http://schemas.microsoft.com/office/drawing/2014/main" id="{4FABC9C4-1E89-4136-8EED-80919274B685}"/>
                 </a:ext>
               </a:extLst>
             </p:cNvPr>
@@ -22547,7 +22842,7 @@
             <p:cNvPr id="35" name="타원 34">
               <a:extLst>
                 <a:ext uri="{FF2B5EF4-FFF2-40B4-BE49-F238E27FC236}">
-                  <a16:creationId xmlns:a16="http://schemas.microsoft.com/office/drawing/2014/main" xmlns="" id="{D036A916-83D2-4F52-B5BE-5B7E2F1F6BD7}"/>
+                  <a16:creationId xmlns:a16="http://schemas.microsoft.com/office/drawing/2014/main" id="{D036A916-83D2-4F52-B5BE-5B7E2F1F6BD7}"/>
                 </a:ext>
               </a:extLst>
             </p:cNvPr>
@@ -22611,7 +22906,7 @@
             <p:cNvPr id="36" name="타원 35">
               <a:extLst>
                 <a:ext uri="{FF2B5EF4-FFF2-40B4-BE49-F238E27FC236}">
-                  <a16:creationId xmlns:a16="http://schemas.microsoft.com/office/drawing/2014/main" xmlns="" id="{D036A916-83D2-4F52-B5BE-5B7E2F1F6BD7}"/>
+                  <a16:creationId xmlns:a16="http://schemas.microsoft.com/office/drawing/2014/main" id="{D036A916-83D2-4F52-B5BE-5B7E2F1F6BD7}"/>
                 </a:ext>
               </a:extLst>
             </p:cNvPr>
@@ -22675,7 +22970,7 @@
             <p:cNvPr id="37" name="타원 36">
               <a:extLst>
                 <a:ext uri="{FF2B5EF4-FFF2-40B4-BE49-F238E27FC236}">
-                  <a16:creationId xmlns:a16="http://schemas.microsoft.com/office/drawing/2014/main" xmlns="" id="{D036A916-83D2-4F52-B5BE-5B7E2F1F6BD7}"/>
+                  <a16:creationId xmlns:a16="http://schemas.microsoft.com/office/drawing/2014/main" id="{D036A916-83D2-4F52-B5BE-5B7E2F1F6BD7}"/>
                 </a:ext>
               </a:extLst>
             </p:cNvPr>
@@ -22739,7 +23034,7 @@
             <p:cNvPr id="39" name="타원 38">
               <a:extLst>
                 <a:ext uri="{FF2B5EF4-FFF2-40B4-BE49-F238E27FC236}">
-                  <a16:creationId xmlns:a16="http://schemas.microsoft.com/office/drawing/2014/main" xmlns="" id="{D036A916-83D2-4F52-B5BE-5B7E2F1F6BD7}"/>
+                  <a16:creationId xmlns:a16="http://schemas.microsoft.com/office/drawing/2014/main" id="{D036A916-83D2-4F52-B5BE-5B7E2F1F6BD7}"/>
                 </a:ext>
               </a:extLst>
             </p:cNvPr>
@@ -22803,7 +23098,7 @@
             <p:cNvPr id="40" name="타원 39">
               <a:extLst>
                 <a:ext uri="{FF2B5EF4-FFF2-40B4-BE49-F238E27FC236}">
-                  <a16:creationId xmlns:a16="http://schemas.microsoft.com/office/drawing/2014/main" xmlns="" id="{D036A916-83D2-4F52-B5BE-5B7E2F1F6BD7}"/>
+                  <a16:creationId xmlns:a16="http://schemas.microsoft.com/office/drawing/2014/main" id="{D036A916-83D2-4F52-B5BE-5B7E2F1F6BD7}"/>
                 </a:ext>
               </a:extLst>
             </p:cNvPr>
@@ -22867,7 +23162,7 @@
             <p:cNvPr id="41" name="타원 40">
               <a:extLst>
                 <a:ext uri="{FF2B5EF4-FFF2-40B4-BE49-F238E27FC236}">
-                  <a16:creationId xmlns:a16="http://schemas.microsoft.com/office/drawing/2014/main" xmlns="" id="{D036A916-83D2-4F52-B5BE-5B7E2F1F6BD7}"/>
+                  <a16:creationId xmlns:a16="http://schemas.microsoft.com/office/drawing/2014/main" id="{D036A916-83D2-4F52-B5BE-5B7E2F1F6BD7}"/>
                 </a:ext>
               </a:extLst>
             </p:cNvPr>
@@ -23118,7 +23413,7 @@
           <p:cNvPr id="24" name="TextBox 23">
             <a:extLst>
               <a:ext uri="{FF2B5EF4-FFF2-40B4-BE49-F238E27FC236}">
-                <a16:creationId xmlns:a16="http://schemas.microsoft.com/office/drawing/2014/main" xmlns="" id="{8CB83217-ED26-46B3-B3DD-9A3B549CCE9D}"/>
+                <a16:creationId xmlns:a16="http://schemas.microsoft.com/office/drawing/2014/main" id="{8CB83217-ED26-46B3-B3DD-9A3B549CCE9D}"/>
               </a:ext>
             </a:extLst>
           </p:cNvPr>
@@ -23222,7 +23517,7 @@
           <p:cNvPr id="6" name="직사각형 5">
             <a:extLst>
               <a:ext uri="{FF2B5EF4-FFF2-40B4-BE49-F238E27FC236}">
-                <a16:creationId xmlns:a16="http://schemas.microsoft.com/office/drawing/2014/main" xmlns="" id="{F3F3FFB9-31B7-4F7E-9FF5-C453DB84B302}"/>
+                <a16:creationId xmlns:a16="http://schemas.microsoft.com/office/drawing/2014/main" id="{F3F3FFB9-31B7-4F7E-9FF5-C453DB84B302}"/>
               </a:ext>
             </a:extLst>
           </p:cNvPr>
@@ -23274,7 +23569,7 @@
           <p:cNvPr id="19" name="TextBox 18">
             <a:extLst>
               <a:ext uri="{FF2B5EF4-FFF2-40B4-BE49-F238E27FC236}">
-                <a16:creationId xmlns:a16="http://schemas.microsoft.com/office/drawing/2014/main" xmlns="" id="{439081C3-781B-4BF8-870E-09F8DCED1388}"/>
+                <a16:creationId xmlns:a16="http://schemas.microsoft.com/office/drawing/2014/main" id="{439081C3-781B-4BF8-870E-09F8DCED1388}"/>
               </a:ext>
             </a:extLst>
           </p:cNvPr>
@@ -23341,7 +23636,7 @@
           <p:cNvPr id="10" name="TextBox 9">
             <a:extLst>
               <a:ext uri="{FF2B5EF4-FFF2-40B4-BE49-F238E27FC236}">
-                <a16:creationId xmlns:a16="http://schemas.microsoft.com/office/drawing/2014/main" xmlns="" id="{4FABC9C4-1E89-4136-8EED-80919274B685}"/>
+                <a16:creationId xmlns:a16="http://schemas.microsoft.com/office/drawing/2014/main" id="{4FABC9C4-1E89-4136-8EED-80919274B685}"/>
               </a:ext>
             </a:extLst>
           </p:cNvPr>
@@ -23366,10 +23661,18 @@
           <a:p>
             <a:pPr algn="ctr"/>
             <a:r>
-              <a:rPr lang="ko-KR" altLang="en-US" b="1" dirty="0"/>
+              <a:rPr lang="ko-KR" altLang="en-US" b="1" dirty="0">
+                <a:solidFill>
+                  <a:srgbClr val="767171"/>
+                </a:solidFill>
+              </a:rPr>
               <a:t>회원 가입</a:t>
             </a:r>
-            <a:endParaRPr lang="en-US" altLang="ko-KR" b="1" dirty="0"/>
+            <a:endParaRPr lang="en-US" altLang="ko-KR" b="1" dirty="0">
+              <a:solidFill>
+                <a:srgbClr val="767171"/>
+              </a:solidFill>
+            </a:endParaRPr>
           </a:p>
         </p:txBody>
       </p:sp>
@@ -23378,7 +23681,7 @@
           <p:cNvPr id="11" name="그림 10">
             <a:extLst>
               <a:ext uri="{FF2B5EF4-FFF2-40B4-BE49-F238E27FC236}">
-                <a16:creationId xmlns:a16="http://schemas.microsoft.com/office/drawing/2014/main" xmlns="" id="{B7277CF1-9EBE-4F45-87DC-0F88CC2E0453}"/>
+                <a16:creationId xmlns:a16="http://schemas.microsoft.com/office/drawing/2014/main" id="{B7277CF1-9EBE-4F45-87DC-0F88CC2E0453}"/>
               </a:ext>
             </a:extLst>
           </p:cNvPr>
@@ -23408,7 +23711,7 @@
           <p:cNvPr id="13" name="그림 12">
             <a:extLst>
               <a:ext uri="{FF2B5EF4-FFF2-40B4-BE49-F238E27FC236}">
-                <a16:creationId xmlns:a16="http://schemas.microsoft.com/office/drawing/2014/main" xmlns="" id="{16077E92-84DE-40F5-A534-096275CA6828}"/>
+                <a16:creationId xmlns:a16="http://schemas.microsoft.com/office/drawing/2014/main" id="{16077E92-84DE-40F5-A534-096275CA6828}"/>
               </a:ext>
             </a:extLst>
           </p:cNvPr>
@@ -23438,7 +23741,7 @@
           <p:cNvPr id="15" name="TextBox 14">
             <a:extLst>
               <a:ext uri="{FF2B5EF4-FFF2-40B4-BE49-F238E27FC236}">
-                <a16:creationId xmlns:a16="http://schemas.microsoft.com/office/drawing/2014/main" xmlns="" id="{4FABC9C4-1E89-4136-8EED-80919274B685}"/>
+                <a16:creationId xmlns:a16="http://schemas.microsoft.com/office/drawing/2014/main" id="{4FABC9C4-1E89-4136-8EED-80919274B685}"/>
               </a:ext>
             </a:extLst>
           </p:cNvPr>
@@ -23463,10 +23766,18 @@
           <a:p>
             <a:pPr algn="ctr"/>
             <a:r>
-              <a:rPr lang="ko-KR" altLang="en-US" b="1" dirty="0"/>
+              <a:rPr lang="ko-KR" altLang="en-US" b="1" dirty="0">
+                <a:solidFill>
+                  <a:srgbClr val="767171"/>
+                </a:solidFill>
+              </a:rPr>
               <a:t>프로필 선택</a:t>
             </a:r>
-            <a:endParaRPr lang="en-US" altLang="ko-KR" b="1" dirty="0"/>
+            <a:endParaRPr lang="en-US" altLang="ko-KR" b="1" dirty="0">
+              <a:solidFill>
+                <a:srgbClr val="767171"/>
+              </a:solidFill>
+            </a:endParaRPr>
           </a:p>
         </p:txBody>
       </p:sp>
@@ -23475,7 +23786,7 @@
           <p:cNvPr id="17" name="TextBox 16">
             <a:extLst>
               <a:ext uri="{FF2B5EF4-FFF2-40B4-BE49-F238E27FC236}">
-                <a16:creationId xmlns:a16="http://schemas.microsoft.com/office/drawing/2014/main" xmlns="" id="{4FABC9C4-1E89-4136-8EED-80919274B685}"/>
+                <a16:creationId xmlns:a16="http://schemas.microsoft.com/office/drawing/2014/main" id="{4FABC9C4-1E89-4136-8EED-80919274B685}"/>
               </a:ext>
             </a:extLst>
           </p:cNvPr>
@@ -23500,10 +23811,18 @@
           <a:p>
             <a:pPr algn="ctr"/>
             <a:r>
-              <a:rPr lang="ko-KR" altLang="en-US" b="1" dirty="0"/>
+              <a:rPr lang="ko-KR" altLang="en-US" b="1" dirty="0">
+                <a:solidFill>
+                  <a:srgbClr val="767171"/>
+                </a:solidFill>
+              </a:rPr>
               <a:t>모드 선택</a:t>
             </a:r>
-            <a:endParaRPr lang="en-US" altLang="ko-KR" b="1" dirty="0"/>
+            <a:endParaRPr lang="en-US" altLang="ko-KR" b="1" dirty="0">
+              <a:solidFill>
+                <a:srgbClr val="767171"/>
+              </a:solidFill>
+            </a:endParaRPr>
           </a:p>
         </p:txBody>
       </p:sp>
@@ -23512,7 +23831,7 @@
           <p:cNvPr id="21" name="TextBox 20">
             <a:extLst>
               <a:ext uri="{FF2B5EF4-FFF2-40B4-BE49-F238E27FC236}">
-                <a16:creationId xmlns:a16="http://schemas.microsoft.com/office/drawing/2014/main" xmlns="" id="{4FABC9C4-1E89-4136-8EED-80919274B685}"/>
+                <a16:creationId xmlns:a16="http://schemas.microsoft.com/office/drawing/2014/main" id="{4FABC9C4-1E89-4136-8EED-80919274B685}"/>
               </a:ext>
             </a:extLst>
           </p:cNvPr>
@@ -23537,10 +23856,18 @@
           <a:p>
             <a:pPr algn="ctr"/>
             <a:r>
-              <a:rPr lang="ko-KR" altLang="en-US" b="1" dirty="0"/>
+              <a:rPr lang="ko-KR" altLang="en-US" b="1" dirty="0">
+                <a:solidFill>
+                  <a:srgbClr val="767171"/>
+                </a:solidFill>
+              </a:rPr>
               <a:t>추천 모드</a:t>
             </a:r>
-            <a:endParaRPr lang="en-US" altLang="ko-KR" b="1" dirty="0"/>
+            <a:endParaRPr lang="en-US" altLang="ko-KR" b="1" dirty="0">
+              <a:solidFill>
+                <a:srgbClr val="767171"/>
+              </a:solidFill>
+            </a:endParaRPr>
           </a:p>
         </p:txBody>
       </p:sp>
@@ -23549,7 +23876,7 @@
           <p:cNvPr id="23" name="TextBox 22">
             <a:extLst>
               <a:ext uri="{FF2B5EF4-FFF2-40B4-BE49-F238E27FC236}">
-                <a16:creationId xmlns:a16="http://schemas.microsoft.com/office/drawing/2014/main" xmlns="" id="{4FABC9C4-1E89-4136-8EED-80919274B685}"/>
+                <a16:creationId xmlns:a16="http://schemas.microsoft.com/office/drawing/2014/main" id="{4FABC9C4-1E89-4136-8EED-80919274B685}"/>
               </a:ext>
             </a:extLst>
           </p:cNvPr>
@@ -23574,14 +23901,26 @@
           <a:p>
             <a:pPr algn="ctr"/>
             <a:r>
-              <a:rPr lang="ko-KR" altLang="en-US" b="1"/>
+              <a:rPr lang="ko-KR" altLang="en-US" b="1">
+                <a:solidFill>
+                  <a:srgbClr val="767171"/>
+                </a:solidFill>
+              </a:rPr>
               <a:t>나만의 </a:t>
             </a:r>
             <a:r>
-              <a:rPr lang="ko-KR" altLang="en-US" b="1" dirty="0" err="1"/>
+              <a:rPr lang="ko-KR" altLang="en-US" b="1" dirty="0" err="1">
+                <a:solidFill>
+                  <a:srgbClr val="767171"/>
+                </a:solidFill>
+              </a:rPr>
               <a:t>설정모드</a:t>
             </a:r>
-            <a:endParaRPr lang="en-US" altLang="ko-KR" b="1" dirty="0"/>
+            <a:endParaRPr lang="en-US" altLang="ko-KR" b="1" dirty="0">
+              <a:solidFill>
+                <a:srgbClr val="767171"/>
+              </a:solidFill>
+            </a:endParaRPr>
           </a:p>
         </p:txBody>
       </p:sp>
@@ -23590,7 +23929,7 @@
           <p:cNvPr id="25" name="TextBox 24">
             <a:extLst>
               <a:ext uri="{FF2B5EF4-FFF2-40B4-BE49-F238E27FC236}">
-                <a16:creationId xmlns:a16="http://schemas.microsoft.com/office/drawing/2014/main" xmlns="" id="{4FABC9C4-1E89-4136-8EED-80919274B685}"/>
+                <a16:creationId xmlns:a16="http://schemas.microsoft.com/office/drawing/2014/main" id="{4FABC9C4-1E89-4136-8EED-80919274B685}"/>
               </a:ext>
             </a:extLst>
           </p:cNvPr>
@@ -23615,10 +23954,18 @@
           <a:p>
             <a:pPr algn="ctr"/>
             <a:r>
-              <a:rPr lang="ko-KR" altLang="en-US" b="1" dirty="0"/>
+              <a:rPr lang="ko-KR" altLang="en-US" b="1" dirty="0">
+                <a:solidFill>
+                  <a:srgbClr val="767171"/>
+                </a:solidFill>
+              </a:rPr>
               <a:t>온라인 모드</a:t>
             </a:r>
-            <a:endParaRPr lang="en-US" altLang="ko-KR" b="1" dirty="0"/>
+            <a:endParaRPr lang="en-US" altLang="ko-KR" b="1" dirty="0">
+              <a:solidFill>
+                <a:srgbClr val="767171"/>
+              </a:solidFill>
+            </a:endParaRPr>
           </a:p>
         </p:txBody>
       </p:sp>
@@ -23627,7 +23974,7 @@
           <p:cNvPr id="30" name="그림 29">
             <a:extLst>
               <a:ext uri="{FF2B5EF4-FFF2-40B4-BE49-F238E27FC236}">
-                <a16:creationId xmlns:a16="http://schemas.microsoft.com/office/drawing/2014/main" xmlns="" id="{CDB55DF7-9EB9-4E21-89A9-DFD9326D9B64}"/>
+                <a16:creationId xmlns:a16="http://schemas.microsoft.com/office/drawing/2014/main" id="{CDB55DF7-9EB9-4E21-89A9-DFD9326D9B64}"/>
               </a:ext>
             </a:extLst>
           </p:cNvPr>
@@ -23657,7 +24004,7 @@
           <p:cNvPr id="32" name="그림 31">
             <a:extLst>
               <a:ext uri="{FF2B5EF4-FFF2-40B4-BE49-F238E27FC236}">
-                <a16:creationId xmlns:a16="http://schemas.microsoft.com/office/drawing/2014/main" xmlns="" id="{DE2F024D-3D51-42AB-917C-B735ED3E634E}"/>
+                <a16:creationId xmlns:a16="http://schemas.microsoft.com/office/drawing/2014/main" id="{DE2F024D-3D51-42AB-917C-B735ED3E634E}"/>
               </a:ext>
             </a:extLst>
           </p:cNvPr>
@@ -23710,7 +24057,7 @@
           <p:cNvPr id="16" name="그룹 15">
             <a:extLst>
               <a:ext uri="{FF2B5EF4-FFF2-40B4-BE49-F238E27FC236}">
-                <a16:creationId xmlns:a16="http://schemas.microsoft.com/office/drawing/2014/main" xmlns="" id="{650C7A95-4E80-4D0B-89DA-10844F7D7C3A}"/>
+                <a16:creationId xmlns:a16="http://schemas.microsoft.com/office/drawing/2014/main" id="{650C7A95-4E80-4D0B-89DA-10844F7D7C3A}"/>
               </a:ext>
             </a:extLst>
           </p:cNvPr>
@@ -23730,7 +24077,7 @@
             <p:cNvPr id="18" name="그림 17">
               <a:extLst>
                 <a:ext uri="{FF2B5EF4-FFF2-40B4-BE49-F238E27FC236}">
-                  <a16:creationId xmlns:a16="http://schemas.microsoft.com/office/drawing/2014/main" xmlns="" id="{C1F72A72-CD8E-424D-B717-67BDF805310D}"/>
+                  <a16:creationId xmlns:a16="http://schemas.microsoft.com/office/drawing/2014/main" id="{C1F72A72-CD8E-424D-B717-67BDF805310D}"/>
                 </a:ext>
               </a:extLst>
             </p:cNvPr>
@@ -23759,7 +24106,7 @@
             <p:cNvPr id="22" name="그림 21">
               <a:extLst>
                 <a:ext uri="{FF2B5EF4-FFF2-40B4-BE49-F238E27FC236}">
-                  <a16:creationId xmlns:a16="http://schemas.microsoft.com/office/drawing/2014/main" xmlns="" id="{0C07A360-F2DD-4A3E-8FCE-05DAB622ED51}"/>
+                  <a16:creationId xmlns:a16="http://schemas.microsoft.com/office/drawing/2014/main" id="{0C07A360-F2DD-4A3E-8FCE-05DAB622ED51}"/>
                 </a:ext>
               </a:extLst>
             </p:cNvPr>
@@ -23788,7 +24135,7 @@
             <p:cNvPr id="24" name="그림 23">
               <a:extLst>
                 <a:ext uri="{FF2B5EF4-FFF2-40B4-BE49-F238E27FC236}">
-                  <a16:creationId xmlns:a16="http://schemas.microsoft.com/office/drawing/2014/main" xmlns="" id="{A56C697E-7E78-488E-A10E-8F6AA3AEFC1B}"/>
+                  <a16:creationId xmlns:a16="http://schemas.microsoft.com/office/drawing/2014/main" id="{A56C697E-7E78-488E-A10E-8F6AA3AEFC1B}"/>
                 </a:ext>
               </a:extLst>
             </p:cNvPr>
@@ -23855,7 +24202,7 @@
           <p:cNvPr id="4" name="그림 3">
             <a:extLst>
               <a:ext uri="{FF2B5EF4-FFF2-40B4-BE49-F238E27FC236}">
-                <a16:creationId xmlns:a16="http://schemas.microsoft.com/office/drawing/2014/main" xmlns="" id="{B7277CF1-9EBE-4F45-87DC-0F88CC2E0453}"/>
+                <a16:creationId xmlns:a16="http://schemas.microsoft.com/office/drawing/2014/main" id="{B7277CF1-9EBE-4F45-87DC-0F88CC2E0453}"/>
               </a:ext>
             </a:extLst>
           </p:cNvPr>
@@ -23885,7 +24232,7 @@
           <p:cNvPr id="6" name="직사각형 5">
             <a:extLst>
               <a:ext uri="{FF2B5EF4-FFF2-40B4-BE49-F238E27FC236}">
-                <a16:creationId xmlns:a16="http://schemas.microsoft.com/office/drawing/2014/main" xmlns="" id="{F3F3FFB9-31B7-4F7E-9FF5-C453DB84B302}"/>
+                <a16:creationId xmlns:a16="http://schemas.microsoft.com/office/drawing/2014/main" id="{F3F3FFB9-31B7-4F7E-9FF5-C453DB84B302}"/>
               </a:ext>
             </a:extLst>
           </p:cNvPr>
@@ -23937,7 +24284,7 @@
           <p:cNvPr id="19" name="TextBox 18">
             <a:extLst>
               <a:ext uri="{FF2B5EF4-FFF2-40B4-BE49-F238E27FC236}">
-                <a16:creationId xmlns:a16="http://schemas.microsoft.com/office/drawing/2014/main" xmlns="" id="{439081C3-781B-4BF8-870E-09F8DCED1388}"/>
+                <a16:creationId xmlns:a16="http://schemas.microsoft.com/office/drawing/2014/main" id="{439081C3-781B-4BF8-870E-09F8DCED1388}"/>
               </a:ext>
             </a:extLst>
           </p:cNvPr>
@@ -24030,7 +24377,7 @@
           <p:cNvPr id="8" name="TextBox 7">
             <a:extLst>
               <a:ext uri="{FF2B5EF4-FFF2-40B4-BE49-F238E27FC236}">
-                <a16:creationId xmlns:a16="http://schemas.microsoft.com/office/drawing/2014/main" xmlns="" id="{18D0AC66-1F81-4445-9B0C-9BFA96DA1D10}"/>
+                <a16:creationId xmlns:a16="http://schemas.microsoft.com/office/drawing/2014/main" id="{18D0AC66-1F81-4445-9B0C-9BFA96DA1D10}"/>
               </a:ext>
             </a:extLst>
           </p:cNvPr>
@@ -24104,7 +24451,7 @@
             <p:cNvPr id="12" name="TextBox 11">
               <a:extLst>
                 <a:ext uri="{FF2B5EF4-FFF2-40B4-BE49-F238E27FC236}">
-                  <a16:creationId xmlns:a16="http://schemas.microsoft.com/office/drawing/2014/main" xmlns="" id="{4FABC9C4-1E89-4136-8EED-80919274B685}"/>
+                  <a16:creationId xmlns:a16="http://schemas.microsoft.com/office/drawing/2014/main" id="{4FABC9C4-1E89-4136-8EED-80919274B685}"/>
                 </a:ext>
               </a:extLst>
             </p:cNvPr>
@@ -24149,7 +24496,7 @@
             <p:cNvPr id="9" name="타원 8">
               <a:extLst>
                 <a:ext uri="{FF2B5EF4-FFF2-40B4-BE49-F238E27FC236}">
-                  <a16:creationId xmlns:a16="http://schemas.microsoft.com/office/drawing/2014/main" xmlns="" id="{D036A916-83D2-4F52-B5BE-5B7E2F1F6BD7}"/>
+                  <a16:creationId xmlns:a16="http://schemas.microsoft.com/office/drawing/2014/main" id="{D036A916-83D2-4F52-B5BE-5B7E2F1F6BD7}"/>
                 </a:ext>
               </a:extLst>
             </p:cNvPr>
@@ -24214,7 +24561,7 @@
           <p:cNvPr id="10" name="TextBox 9">
             <a:extLst>
               <a:ext uri="{FF2B5EF4-FFF2-40B4-BE49-F238E27FC236}">
-                <a16:creationId xmlns:a16="http://schemas.microsoft.com/office/drawing/2014/main" xmlns="" id="{67D3AFEB-7050-4A00-A7E7-847DB2E75EC1}"/>
+                <a16:creationId xmlns:a16="http://schemas.microsoft.com/office/drawing/2014/main" id="{67D3AFEB-7050-4A00-A7E7-847DB2E75EC1}"/>
               </a:ext>
             </a:extLst>
           </p:cNvPr>
@@ -24278,7 +24625,7 @@
           <p:cNvPr id="11" name="이등변 삼각형 10">
             <a:extLst>
               <a:ext uri="{FF2B5EF4-FFF2-40B4-BE49-F238E27FC236}">
-                <a16:creationId xmlns:a16="http://schemas.microsoft.com/office/drawing/2014/main" xmlns="" id="{DE009CED-06F9-4943-8624-78D7D5DA97FC}"/>
+                <a16:creationId xmlns:a16="http://schemas.microsoft.com/office/drawing/2014/main" id="{DE009CED-06F9-4943-8624-78D7D5DA97FC}"/>
               </a:ext>
             </a:extLst>
           </p:cNvPr>
@@ -24367,7 +24714,7 @@
           <p:cNvPr id="6" name="직사각형 5">
             <a:extLst>
               <a:ext uri="{FF2B5EF4-FFF2-40B4-BE49-F238E27FC236}">
-                <a16:creationId xmlns:a16="http://schemas.microsoft.com/office/drawing/2014/main" xmlns="" id="{F3F3FFB9-31B7-4F7E-9FF5-C453DB84B302}"/>
+                <a16:creationId xmlns:a16="http://schemas.microsoft.com/office/drawing/2014/main" id="{F3F3FFB9-31B7-4F7E-9FF5-C453DB84B302}"/>
               </a:ext>
             </a:extLst>
           </p:cNvPr>
@@ -24419,7 +24766,7 @@
           <p:cNvPr id="19" name="TextBox 18">
             <a:extLst>
               <a:ext uri="{FF2B5EF4-FFF2-40B4-BE49-F238E27FC236}">
-                <a16:creationId xmlns:a16="http://schemas.microsoft.com/office/drawing/2014/main" xmlns="" id="{439081C3-781B-4BF8-870E-09F8DCED1388}"/>
+                <a16:creationId xmlns:a16="http://schemas.microsoft.com/office/drawing/2014/main" id="{439081C3-781B-4BF8-870E-09F8DCED1388}"/>
               </a:ext>
             </a:extLst>
           </p:cNvPr>
@@ -24526,7 +24873,7 @@
             <p:cNvPr id="11" name="TextBox 10">
               <a:extLst>
                 <a:ext uri="{FF2B5EF4-FFF2-40B4-BE49-F238E27FC236}">
-                  <a16:creationId xmlns:a16="http://schemas.microsoft.com/office/drawing/2014/main" xmlns="" id="{58C9CC48-2BCE-4256-A9D6-F2B838AFEA1B}"/>
+                  <a16:creationId xmlns:a16="http://schemas.microsoft.com/office/drawing/2014/main" id="{58C9CC48-2BCE-4256-A9D6-F2B838AFEA1B}"/>
                 </a:ext>
               </a:extLst>
             </p:cNvPr>
@@ -24571,7 +24918,7 @@
             <p:cNvPr id="14" name="타원 13">
               <a:extLst>
                 <a:ext uri="{FF2B5EF4-FFF2-40B4-BE49-F238E27FC236}">
-                  <a16:creationId xmlns:a16="http://schemas.microsoft.com/office/drawing/2014/main" xmlns="" id="{D036A916-83D2-4F52-B5BE-5B7E2F1F6BD7}"/>
+                  <a16:creationId xmlns:a16="http://schemas.microsoft.com/office/drawing/2014/main" id="{D036A916-83D2-4F52-B5BE-5B7E2F1F6BD7}"/>
                 </a:ext>
               </a:extLst>
             </p:cNvPr>
@@ -24636,7 +24983,7 @@
           <p:cNvPr id="10" name="TextBox 9">
             <a:extLst>
               <a:ext uri="{FF2B5EF4-FFF2-40B4-BE49-F238E27FC236}">
-                <a16:creationId xmlns:a16="http://schemas.microsoft.com/office/drawing/2014/main" xmlns="" id="{BD5F1DDB-5E56-44E8-9D45-709C511AFDE3}"/>
+                <a16:creationId xmlns:a16="http://schemas.microsoft.com/office/drawing/2014/main" id="{BD5F1DDB-5E56-44E8-9D45-709C511AFDE3}"/>
               </a:ext>
             </a:extLst>
           </p:cNvPr>
@@ -24720,7 +25067,7 @@
           <p:cNvPr id="15" name="그림 14">
             <a:extLst>
               <a:ext uri="{FF2B5EF4-FFF2-40B4-BE49-F238E27FC236}">
-                <a16:creationId xmlns:a16="http://schemas.microsoft.com/office/drawing/2014/main" xmlns="" id="{16077E92-84DE-40F5-A534-096275CA6828}"/>
+                <a16:creationId xmlns:a16="http://schemas.microsoft.com/office/drawing/2014/main" id="{16077E92-84DE-40F5-A534-096275CA6828}"/>
               </a:ext>
             </a:extLst>
           </p:cNvPr>
@@ -24750,7 +25097,7 @@
           <p:cNvPr id="16" name="TextBox 15">
             <a:extLst>
               <a:ext uri="{FF2B5EF4-FFF2-40B4-BE49-F238E27FC236}">
-                <a16:creationId xmlns:a16="http://schemas.microsoft.com/office/drawing/2014/main" xmlns="" id="{52E4F743-ACEC-43EB-B79B-346C366BDE93}"/>
+                <a16:creationId xmlns:a16="http://schemas.microsoft.com/office/drawing/2014/main" id="{52E4F743-ACEC-43EB-B79B-346C366BDE93}"/>
               </a:ext>
             </a:extLst>
           </p:cNvPr>
@@ -24826,7 +25173,7 @@
           <p:cNvPr id="4" name="이등변 삼각형 3">
             <a:extLst>
               <a:ext uri="{FF2B5EF4-FFF2-40B4-BE49-F238E27FC236}">
-                <a16:creationId xmlns:a16="http://schemas.microsoft.com/office/drawing/2014/main" xmlns="" id="{115E11F5-4627-4149-877E-30C2AEB0747C}"/>
+                <a16:creationId xmlns:a16="http://schemas.microsoft.com/office/drawing/2014/main" id="{115E11F5-4627-4149-877E-30C2AEB0747C}"/>
               </a:ext>
             </a:extLst>
           </p:cNvPr>
@@ -24915,7 +25262,7 @@
           <p:cNvPr id="6" name="직사각형 5">
             <a:extLst>
               <a:ext uri="{FF2B5EF4-FFF2-40B4-BE49-F238E27FC236}">
-                <a16:creationId xmlns:a16="http://schemas.microsoft.com/office/drawing/2014/main" xmlns="" id="{F3F3FFB9-31B7-4F7E-9FF5-C453DB84B302}"/>
+                <a16:creationId xmlns:a16="http://schemas.microsoft.com/office/drawing/2014/main" id="{F3F3FFB9-31B7-4F7E-9FF5-C453DB84B302}"/>
               </a:ext>
             </a:extLst>
           </p:cNvPr>
@@ -24967,7 +25314,7 @@
           <p:cNvPr id="14" name="TextBox 13">
             <a:extLst>
               <a:ext uri="{FF2B5EF4-FFF2-40B4-BE49-F238E27FC236}">
-                <a16:creationId xmlns:a16="http://schemas.microsoft.com/office/drawing/2014/main" xmlns="" id="{051176E3-64C9-4936-B6B7-05EE73EA3C68}"/>
+                <a16:creationId xmlns:a16="http://schemas.microsoft.com/office/drawing/2014/main" id="{051176E3-64C9-4936-B6B7-05EE73EA3C68}"/>
               </a:ext>
             </a:extLst>
           </p:cNvPr>
@@ -25027,7 +25374,7 @@
           <p:cNvPr id="9" name="TextBox 8">
             <a:extLst>
               <a:ext uri="{FF2B5EF4-FFF2-40B4-BE49-F238E27FC236}">
-                <a16:creationId xmlns:a16="http://schemas.microsoft.com/office/drawing/2014/main" xmlns="" id="{3DF68E72-30B0-4BD3-8754-80BACCD0C8A7}"/>
+                <a16:creationId xmlns:a16="http://schemas.microsoft.com/office/drawing/2014/main" id="{3DF68E72-30B0-4BD3-8754-80BACCD0C8A7}"/>
               </a:ext>
             </a:extLst>
           </p:cNvPr>
@@ -25134,7 +25481,7 @@
             <p:cNvPr id="13" name="TextBox 12">
               <a:extLst>
                 <a:ext uri="{FF2B5EF4-FFF2-40B4-BE49-F238E27FC236}">
-                  <a16:creationId xmlns:a16="http://schemas.microsoft.com/office/drawing/2014/main" xmlns="" id="{4A6CDFC8-0760-4C83-8B21-16319EEB7349}"/>
+                  <a16:creationId xmlns:a16="http://schemas.microsoft.com/office/drawing/2014/main" id="{4A6CDFC8-0760-4C83-8B21-16319EEB7349}"/>
                 </a:ext>
               </a:extLst>
             </p:cNvPr>
@@ -25179,7 +25526,7 @@
             <p:cNvPr id="18" name="타원 17">
               <a:extLst>
                 <a:ext uri="{FF2B5EF4-FFF2-40B4-BE49-F238E27FC236}">
-                  <a16:creationId xmlns:a16="http://schemas.microsoft.com/office/drawing/2014/main" xmlns="" id="{D036A916-83D2-4F52-B5BE-5B7E2F1F6BD7}"/>
+                  <a16:creationId xmlns:a16="http://schemas.microsoft.com/office/drawing/2014/main" id="{D036A916-83D2-4F52-B5BE-5B7E2F1F6BD7}"/>
                 </a:ext>
               </a:extLst>
             </p:cNvPr>
@@ -25244,7 +25591,7 @@
           <p:cNvPr id="24" name="TextBox 23">
             <a:extLst>
               <a:ext uri="{FF2B5EF4-FFF2-40B4-BE49-F238E27FC236}">
-                <a16:creationId xmlns:a16="http://schemas.microsoft.com/office/drawing/2014/main" xmlns="" id="{56E0CD0F-DEB2-42D0-BC13-302EA6FD983A}"/>
+                <a16:creationId xmlns:a16="http://schemas.microsoft.com/office/drawing/2014/main" id="{56E0CD0F-DEB2-42D0-BC13-302EA6FD983A}"/>
               </a:ext>
             </a:extLst>
           </p:cNvPr>
@@ -25297,7 +25644,7 @@
             <p:cNvPr id="2" name="그림 1">
               <a:extLst>
                 <a:ext uri="{FF2B5EF4-FFF2-40B4-BE49-F238E27FC236}">
-                  <a16:creationId xmlns:a16="http://schemas.microsoft.com/office/drawing/2014/main" xmlns="" id="{B0B95B15-A9B0-4C7D-A226-C5B268FC2DEB}"/>
+                  <a16:creationId xmlns:a16="http://schemas.microsoft.com/office/drawing/2014/main" id="{B0B95B15-A9B0-4C7D-A226-C5B268FC2DEB}"/>
                 </a:ext>
               </a:extLst>
             </p:cNvPr>
@@ -25326,7 +25673,7 @@
             <p:cNvPr id="10" name="그림 9">
               <a:extLst>
                 <a:ext uri="{FF2B5EF4-FFF2-40B4-BE49-F238E27FC236}">
-                  <a16:creationId xmlns:a16="http://schemas.microsoft.com/office/drawing/2014/main" xmlns="" id="{B0B95B15-A9B0-4C7D-A226-C5B268FC2DEB}"/>
+                  <a16:creationId xmlns:a16="http://schemas.microsoft.com/office/drawing/2014/main" id="{B0B95B15-A9B0-4C7D-A226-C5B268FC2DEB}"/>
                 </a:ext>
               </a:extLst>
             </p:cNvPr>
@@ -25355,7 +25702,7 @@
             <p:cNvPr id="11" name="그림 10">
               <a:extLst>
                 <a:ext uri="{FF2B5EF4-FFF2-40B4-BE49-F238E27FC236}">
-                  <a16:creationId xmlns:a16="http://schemas.microsoft.com/office/drawing/2014/main" xmlns="" id="{B0B95B15-A9B0-4C7D-A226-C5B268FC2DEB}"/>
+                  <a16:creationId xmlns:a16="http://schemas.microsoft.com/office/drawing/2014/main" id="{B0B95B15-A9B0-4C7D-A226-C5B268FC2DEB}"/>
                 </a:ext>
               </a:extLst>
             </p:cNvPr>
@@ -25385,7 +25732,7 @@
           <p:cNvPr id="15" name="이등변 삼각형 14">
             <a:extLst>
               <a:ext uri="{FF2B5EF4-FFF2-40B4-BE49-F238E27FC236}">
-                <a16:creationId xmlns:a16="http://schemas.microsoft.com/office/drawing/2014/main" xmlns="" id="{955F6684-879D-4ECF-8E8F-AB9A4A10E8EC}"/>
+                <a16:creationId xmlns:a16="http://schemas.microsoft.com/office/drawing/2014/main" id="{955F6684-879D-4ECF-8E8F-AB9A4A10E8EC}"/>
               </a:ext>
             </a:extLst>
           </p:cNvPr>
@@ -25474,7 +25821,7 @@
           <p:cNvPr id="6" name="직사각형 5">
             <a:extLst>
               <a:ext uri="{FF2B5EF4-FFF2-40B4-BE49-F238E27FC236}">
-                <a16:creationId xmlns:a16="http://schemas.microsoft.com/office/drawing/2014/main" xmlns="" id="{F3F3FFB9-31B7-4F7E-9FF5-C453DB84B302}"/>
+                <a16:creationId xmlns:a16="http://schemas.microsoft.com/office/drawing/2014/main" id="{F3F3FFB9-31B7-4F7E-9FF5-C453DB84B302}"/>
               </a:ext>
             </a:extLst>
           </p:cNvPr>
@@ -25526,7 +25873,7 @@
           <p:cNvPr id="11" name="TextBox 10">
             <a:extLst>
               <a:ext uri="{FF2B5EF4-FFF2-40B4-BE49-F238E27FC236}">
-                <a16:creationId xmlns:a16="http://schemas.microsoft.com/office/drawing/2014/main" xmlns="" id="{9FA8A330-9975-4AEA-BCB5-4D51AAE260E3}"/>
+                <a16:creationId xmlns:a16="http://schemas.microsoft.com/office/drawing/2014/main" id="{9FA8A330-9975-4AEA-BCB5-4D51AAE260E3}"/>
               </a:ext>
             </a:extLst>
           </p:cNvPr>
@@ -25595,7 +25942,7 @@
           <p:cNvPr id="14" name="TextBox 13">
             <a:extLst>
               <a:ext uri="{FF2B5EF4-FFF2-40B4-BE49-F238E27FC236}">
-                <a16:creationId xmlns:a16="http://schemas.microsoft.com/office/drawing/2014/main" xmlns="" id="{BDE07F19-E585-4F8B-B289-E66AF41107A6}"/>
+                <a16:creationId xmlns:a16="http://schemas.microsoft.com/office/drawing/2014/main" id="{BDE07F19-E585-4F8B-B289-E66AF41107A6}"/>
               </a:ext>
             </a:extLst>
           </p:cNvPr>
@@ -25655,7 +26002,7 @@
           <p:cNvPr id="13" name="TextBox 12">
             <a:extLst>
               <a:ext uri="{FF2B5EF4-FFF2-40B4-BE49-F238E27FC236}">
-                <a16:creationId xmlns:a16="http://schemas.microsoft.com/office/drawing/2014/main" xmlns="" id="{A06794F9-AD92-41FC-9A8F-A29EE2155711}"/>
+                <a16:creationId xmlns:a16="http://schemas.microsoft.com/office/drawing/2014/main" id="{A06794F9-AD92-41FC-9A8F-A29EE2155711}"/>
               </a:ext>
             </a:extLst>
           </p:cNvPr>
@@ -25762,7 +26109,7 @@
             <p:cNvPr id="12" name="TextBox 11">
               <a:extLst>
                 <a:ext uri="{FF2B5EF4-FFF2-40B4-BE49-F238E27FC236}">
-                  <a16:creationId xmlns:a16="http://schemas.microsoft.com/office/drawing/2014/main" xmlns="" id="{82DF4E1C-EA2D-4C81-8D2B-8FC2FC7A0823}"/>
+                  <a16:creationId xmlns:a16="http://schemas.microsoft.com/office/drawing/2014/main" id="{82DF4E1C-EA2D-4C81-8D2B-8FC2FC7A0823}"/>
                 </a:ext>
               </a:extLst>
             </p:cNvPr>
@@ -25807,7 +26154,7 @@
             <p:cNvPr id="27" name="타원 26">
               <a:extLst>
                 <a:ext uri="{FF2B5EF4-FFF2-40B4-BE49-F238E27FC236}">
-                  <a16:creationId xmlns:a16="http://schemas.microsoft.com/office/drawing/2014/main" xmlns="" id="{D036A916-83D2-4F52-B5BE-5B7E2F1F6BD7}"/>
+                  <a16:creationId xmlns:a16="http://schemas.microsoft.com/office/drawing/2014/main" id="{D036A916-83D2-4F52-B5BE-5B7E2F1F6BD7}"/>
                 </a:ext>
               </a:extLst>
             </p:cNvPr>
@@ -25872,7 +26219,7 @@
           <p:cNvPr id="3" name="그룹 2">
             <a:extLst>
               <a:ext uri="{FF2B5EF4-FFF2-40B4-BE49-F238E27FC236}">
-                <a16:creationId xmlns:a16="http://schemas.microsoft.com/office/drawing/2014/main" xmlns="" id="{4B4AEA19-E0FB-48CC-9EA5-C5822032ABA7}"/>
+                <a16:creationId xmlns:a16="http://schemas.microsoft.com/office/drawing/2014/main" id="{4B4AEA19-E0FB-48CC-9EA5-C5822032ABA7}"/>
               </a:ext>
             </a:extLst>
           </p:cNvPr>
@@ -25892,7 +26239,7 @@
             <p:cNvPr id="18" name="TextBox 17">
               <a:extLst>
                 <a:ext uri="{FF2B5EF4-FFF2-40B4-BE49-F238E27FC236}">
-                  <a16:creationId xmlns:a16="http://schemas.microsoft.com/office/drawing/2014/main" xmlns="" id="{4A6CDFC8-0760-4C83-8B21-16319EEB7349}"/>
+                  <a16:creationId xmlns:a16="http://schemas.microsoft.com/office/drawing/2014/main" id="{4A6CDFC8-0760-4C83-8B21-16319EEB7349}"/>
                 </a:ext>
               </a:extLst>
             </p:cNvPr>
@@ -25929,7 +26276,7 @@
             <p:cNvPr id="19" name="TextBox 18">
               <a:extLst>
                 <a:ext uri="{FF2B5EF4-FFF2-40B4-BE49-F238E27FC236}">
-                  <a16:creationId xmlns:a16="http://schemas.microsoft.com/office/drawing/2014/main" xmlns="" id="{4A6CDFC8-0760-4C83-8B21-16319EEB7349}"/>
+                  <a16:creationId xmlns:a16="http://schemas.microsoft.com/office/drawing/2014/main" id="{4A6CDFC8-0760-4C83-8B21-16319EEB7349}"/>
                 </a:ext>
               </a:extLst>
             </p:cNvPr>
@@ -25981,7 +26328,7 @@
             <p:cNvPr id="20" name="TextBox 19">
               <a:extLst>
                 <a:ext uri="{FF2B5EF4-FFF2-40B4-BE49-F238E27FC236}">
-                  <a16:creationId xmlns:a16="http://schemas.microsoft.com/office/drawing/2014/main" xmlns="" id="{4A6CDFC8-0760-4C83-8B21-16319EEB7349}"/>
+                  <a16:creationId xmlns:a16="http://schemas.microsoft.com/office/drawing/2014/main" id="{4A6CDFC8-0760-4C83-8B21-16319EEB7349}"/>
                 </a:ext>
               </a:extLst>
             </p:cNvPr>
@@ -26033,7 +26380,7 @@
             <p:cNvPr id="21" name="타원 20">
               <a:extLst>
                 <a:ext uri="{FF2B5EF4-FFF2-40B4-BE49-F238E27FC236}">
-                  <a16:creationId xmlns:a16="http://schemas.microsoft.com/office/drawing/2014/main" xmlns="" id="{D036A916-83D2-4F52-B5BE-5B7E2F1F6BD7}"/>
+                  <a16:creationId xmlns:a16="http://schemas.microsoft.com/office/drawing/2014/main" id="{D036A916-83D2-4F52-B5BE-5B7E2F1F6BD7}"/>
                 </a:ext>
               </a:extLst>
             </p:cNvPr>
@@ -26097,7 +26444,7 @@
             <p:cNvPr id="22" name="타원 21">
               <a:extLst>
                 <a:ext uri="{FF2B5EF4-FFF2-40B4-BE49-F238E27FC236}">
-                  <a16:creationId xmlns:a16="http://schemas.microsoft.com/office/drawing/2014/main" xmlns="" id="{D036A916-83D2-4F52-B5BE-5B7E2F1F6BD7}"/>
+                  <a16:creationId xmlns:a16="http://schemas.microsoft.com/office/drawing/2014/main" id="{D036A916-83D2-4F52-B5BE-5B7E2F1F6BD7}"/>
                 </a:ext>
               </a:extLst>
             </p:cNvPr>
@@ -26167,7 +26514,7 @@
             <p:cNvPr id="23" name="타원 22">
               <a:extLst>
                 <a:ext uri="{FF2B5EF4-FFF2-40B4-BE49-F238E27FC236}">
-                  <a16:creationId xmlns:a16="http://schemas.microsoft.com/office/drawing/2014/main" xmlns="" id="{D036A916-83D2-4F52-B5BE-5B7E2F1F6BD7}"/>
+                  <a16:creationId xmlns:a16="http://schemas.microsoft.com/office/drawing/2014/main" id="{D036A916-83D2-4F52-B5BE-5B7E2F1F6BD7}"/>
                 </a:ext>
               </a:extLst>
             </p:cNvPr>
@@ -26237,7 +26584,7 @@
             <p:cNvPr id="24" name="TextBox 23">
               <a:extLst>
                 <a:ext uri="{FF2B5EF4-FFF2-40B4-BE49-F238E27FC236}">
-                  <a16:creationId xmlns:a16="http://schemas.microsoft.com/office/drawing/2014/main" xmlns="" id="{4A6CDFC8-0760-4C83-8B21-16319EEB7349}"/>
+                  <a16:creationId xmlns:a16="http://schemas.microsoft.com/office/drawing/2014/main" id="{4A6CDFC8-0760-4C83-8B21-16319EEB7349}"/>
                 </a:ext>
               </a:extLst>
             </p:cNvPr>
@@ -26274,7 +26621,7 @@
             <p:cNvPr id="25" name="타원 24">
               <a:extLst>
                 <a:ext uri="{FF2B5EF4-FFF2-40B4-BE49-F238E27FC236}">
-                  <a16:creationId xmlns:a16="http://schemas.microsoft.com/office/drawing/2014/main" xmlns="" id="{D036A916-83D2-4F52-B5BE-5B7E2F1F6BD7}"/>
+                  <a16:creationId xmlns:a16="http://schemas.microsoft.com/office/drawing/2014/main" id="{D036A916-83D2-4F52-B5BE-5B7E2F1F6BD7}"/>
                 </a:ext>
               </a:extLst>
             </p:cNvPr>
@@ -26385,7 +26732,7 @@
           <p:cNvPr id="26" name="그림 25">
             <a:extLst>
               <a:ext uri="{FF2B5EF4-FFF2-40B4-BE49-F238E27FC236}">
-                <a16:creationId xmlns:a16="http://schemas.microsoft.com/office/drawing/2014/main" xmlns="" id="{CDB55DF7-9EB9-4E21-89A9-DFD9326D9B64}"/>
+                <a16:creationId xmlns:a16="http://schemas.microsoft.com/office/drawing/2014/main" id="{CDB55DF7-9EB9-4E21-89A9-DFD9326D9B64}"/>
               </a:ext>
             </a:extLst>
           </p:cNvPr>
@@ -26415,7 +26762,7 @@
           <p:cNvPr id="29" name="이등변 삼각형 28">
             <a:extLst>
               <a:ext uri="{FF2B5EF4-FFF2-40B4-BE49-F238E27FC236}">
-                <a16:creationId xmlns:a16="http://schemas.microsoft.com/office/drawing/2014/main" xmlns="" id="{F8B67F72-6D9C-4907-ADF1-3C28BB692983}"/>
+                <a16:creationId xmlns:a16="http://schemas.microsoft.com/office/drawing/2014/main" id="{F8B67F72-6D9C-4907-ADF1-3C28BB692983}"/>
               </a:ext>
             </a:extLst>
           </p:cNvPr>
@@ -26467,7 +26814,7 @@
           <p:cNvPr id="30" name="TextBox 29">
             <a:extLst>
               <a:ext uri="{FF2B5EF4-FFF2-40B4-BE49-F238E27FC236}">
-                <a16:creationId xmlns:a16="http://schemas.microsoft.com/office/drawing/2014/main" xmlns="" id="{557C7F6F-3FDB-4539-873B-9BBCDFEDC049}"/>
+                <a16:creationId xmlns:a16="http://schemas.microsoft.com/office/drawing/2014/main" id="{557C7F6F-3FDB-4539-873B-9BBCDFEDC049}"/>
               </a:ext>
             </a:extLst>
           </p:cNvPr>
@@ -26766,7 +27113,7 @@
           <p:cNvPr id="6" name="직사각형 5">
             <a:extLst>
               <a:ext uri="{FF2B5EF4-FFF2-40B4-BE49-F238E27FC236}">
-                <a16:creationId xmlns:a16="http://schemas.microsoft.com/office/drawing/2014/main" xmlns="" id="{F3F3FFB9-31B7-4F7E-9FF5-C453DB84B302}"/>
+                <a16:creationId xmlns:a16="http://schemas.microsoft.com/office/drawing/2014/main" id="{F3F3FFB9-31B7-4F7E-9FF5-C453DB84B302}"/>
               </a:ext>
             </a:extLst>
           </p:cNvPr>
@@ -26818,7 +27165,7 @@
           <p:cNvPr id="14" name="TextBox 13">
             <a:extLst>
               <a:ext uri="{FF2B5EF4-FFF2-40B4-BE49-F238E27FC236}">
-                <a16:creationId xmlns:a16="http://schemas.microsoft.com/office/drawing/2014/main" xmlns="" id="{BDE07F19-E585-4F8B-B289-E66AF41107A6}"/>
+                <a16:creationId xmlns:a16="http://schemas.microsoft.com/office/drawing/2014/main" id="{BDE07F19-E585-4F8B-B289-E66AF41107A6}"/>
               </a:ext>
             </a:extLst>
           </p:cNvPr>
@@ -26878,7 +27225,7 @@
           <p:cNvPr id="13" name="TextBox 12">
             <a:extLst>
               <a:ext uri="{FF2B5EF4-FFF2-40B4-BE49-F238E27FC236}">
-                <a16:creationId xmlns:a16="http://schemas.microsoft.com/office/drawing/2014/main" xmlns="" id="{A06794F9-AD92-41FC-9A8F-A29EE2155711}"/>
+                <a16:creationId xmlns:a16="http://schemas.microsoft.com/office/drawing/2014/main" id="{A06794F9-AD92-41FC-9A8F-A29EE2155711}"/>
               </a:ext>
             </a:extLst>
           </p:cNvPr>
@@ -26985,7 +27332,7 @@
             <p:cNvPr id="12" name="TextBox 11">
               <a:extLst>
                 <a:ext uri="{FF2B5EF4-FFF2-40B4-BE49-F238E27FC236}">
-                  <a16:creationId xmlns:a16="http://schemas.microsoft.com/office/drawing/2014/main" xmlns="" id="{82DF4E1C-EA2D-4C81-8D2B-8FC2FC7A0823}"/>
+                  <a16:creationId xmlns:a16="http://schemas.microsoft.com/office/drawing/2014/main" id="{82DF4E1C-EA2D-4C81-8D2B-8FC2FC7A0823}"/>
                 </a:ext>
               </a:extLst>
             </p:cNvPr>
@@ -27030,7 +27377,7 @@
             <p:cNvPr id="19" name="타원 18">
               <a:extLst>
                 <a:ext uri="{FF2B5EF4-FFF2-40B4-BE49-F238E27FC236}">
-                  <a16:creationId xmlns:a16="http://schemas.microsoft.com/office/drawing/2014/main" xmlns="" id="{D036A916-83D2-4F52-B5BE-5B7E2F1F6BD7}"/>
+                  <a16:creationId xmlns:a16="http://schemas.microsoft.com/office/drawing/2014/main" id="{D036A916-83D2-4F52-B5BE-5B7E2F1F6BD7}"/>
                 </a:ext>
               </a:extLst>
             </p:cNvPr>
@@ -27095,7 +27442,7 @@
           <p:cNvPr id="2" name="그룹 1">
             <a:extLst>
               <a:ext uri="{FF2B5EF4-FFF2-40B4-BE49-F238E27FC236}">
-                <a16:creationId xmlns:a16="http://schemas.microsoft.com/office/drawing/2014/main" xmlns="" id="{6413C52F-B314-425D-B965-CE56126053FF}"/>
+                <a16:creationId xmlns:a16="http://schemas.microsoft.com/office/drawing/2014/main" id="{6413C52F-B314-425D-B965-CE56126053FF}"/>
               </a:ext>
             </a:extLst>
           </p:cNvPr>
@@ -27115,7 +27462,7 @@
             <p:cNvPr id="28" name="TextBox 27">
               <a:extLst>
                 <a:ext uri="{FF2B5EF4-FFF2-40B4-BE49-F238E27FC236}">
-                  <a16:creationId xmlns:a16="http://schemas.microsoft.com/office/drawing/2014/main" xmlns="" id="{4A6CDFC8-0760-4C83-8B21-16319EEB7349}"/>
+                  <a16:creationId xmlns:a16="http://schemas.microsoft.com/office/drawing/2014/main" id="{4A6CDFC8-0760-4C83-8B21-16319EEB7349}"/>
                 </a:ext>
               </a:extLst>
             </p:cNvPr>
@@ -27169,7 +27516,7 @@
             <p:cNvPr id="29" name="TextBox 28">
               <a:extLst>
                 <a:ext uri="{FF2B5EF4-FFF2-40B4-BE49-F238E27FC236}">
-                  <a16:creationId xmlns:a16="http://schemas.microsoft.com/office/drawing/2014/main" xmlns="" id="{4A6CDFC8-0760-4C83-8B21-16319EEB7349}"/>
+                  <a16:creationId xmlns:a16="http://schemas.microsoft.com/office/drawing/2014/main" id="{4A6CDFC8-0760-4C83-8B21-16319EEB7349}"/>
                 </a:ext>
               </a:extLst>
             </p:cNvPr>
@@ -27206,7 +27553,7 @@
             <p:cNvPr id="30" name="TextBox 29">
               <a:extLst>
                 <a:ext uri="{FF2B5EF4-FFF2-40B4-BE49-F238E27FC236}">
-                  <a16:creationId xmlns:a16="http://schemas.microsoft.com/office/drawing/2014/main" xmlns="" id="{4A6CDFC8-0760-4C83-8B21-16319EEB7349}"/>
+                  <a16:creationId xmlns:a16="http://schemas.microsoft.com/office/drawing/2014/main" id="{4A6CDFC8-0760-4C83-8B21-16319EEB7349}"/>
                 </a:ext>
               </a:extLst>
             </p:cNvPr>
@@ -27258,7 +27605,7 @@
             <p:cNvPr id="31" name="타원 30">
               <a:extLst>
                 <a:ext uri="{FF2B5EF4-FFF2-40B4-BE49-F238E27FC236}">
-                  <a16:creationId xmlns:a16="http://schemas.microsoft.com/office/drawing/2014/main" xmlns="" id="{D036A916-83D2-4F52-B5BE-5B7E2F1F6BD7}"/>
+                  <a16:creationId xmlns:a16="http://schemas.microsoft.com/office/drawing/2014/main" id="{D036A916-83D2-4F52-B5BE-5B7E2F1F6BD7}"/>
                 </a:ext>
               </a:extLst>
             </p:cNvPr>
@@ -27328,7 +27675,7 @@
             <p:cNvPr id="32" name="타원 31">
               <a:extLst>
                 <a:ext uri="{FF2B5EF4-FFF2-40B4-BE49-F238E27FC236}">
-                  <a16:creationId xmlns:a16="http://schemas.microsoft.com/office/drawing/2014/main" xmlns="" id="{D036A916-83D2-4F52-B5BE-5B7E2F1F6BD7}"/>
+                  <a16:creationId xmlns:a16="http://schemas.microsoft.com/office/drawing/2014/main" id="{D036A916-83D2-4F52-B5BE-5B7E2F1F6BD7}"/>
                 </a:ext>
               </a:extLst>
             </p:cNvPr>
@@ -27392,7 +27739,7 @@
             <p:cNvPr id="33" name="타원 32">
               <a:extLst>
                 <a:ext uri="{FF2B5EF4-FFF2-40B4-BE49-F238E27FC236}">
-                  <a16:creationId xmlns:a16="http://schemas.microsoft.com/office/drawing/2014/main" xmlns="" id="{D036A916-83D2-4F52-B5BE-5B7E2F1F6BD7}"/>
+                  <a16:creationId xmlns:a16="http://schemas.microsoft.com/office/drawing/2014/main" id="{D036A916-83D2-4F52-B5BE-5B7E2F1F6BD7}"/>
                 </a:ext>
               </a:extLst>
             </p:cNvPr>
@@ -27462,7 +27809,7 @@
             <p:cNvPr id="34" name="TextBox 33">
               <a:extLst>
                 <a:ext uri="{FF2B5EF4-FFF2-40B4-BE49-F238E27FC236}">
-                  <a16:creationId xmlns:a16="http://schemas.microsoft.com/office/drawing/2014/main" xmlns="" id="{4A6CDFC8-0760-4C83-8B21-16319EEB7349}"/>
+                  <a16:creationId xmlns:a16="http://schemas.microsoft.com/office/drawing/2014/main" id="{4A6CDFC8-0760-4C83-8B21-16319EEB7349}"/>
                 </a:ext>
               </a:extLst>
             </p:cNvPr>
@@ -27499,7 +27846,7 @@
             <p:cNvPr id="35" name="타원 34">
               <a:extLst>
                 <a:ext uri="{FF2B5EF4-FFF2-40B4-BE49-F238E27FC236}">
-                  <a16:creationId xmlns:a16="http://schemas.microsoft.com/office/drawing/2014/main" xmlns="" id="{D036A916-83D2-4F52-B5BE-5B7E2F1F6BD7}"/>
+                  <a16:creationId xmlns:a16="http://schemas.microsoft.com/office/drawing/2014/main" id="{D036A916-83D2-4F52-B5BE-5B7E2F1F6BD7}"/>
                 </a:ext>
               </a:extLst>
             </p:cNvPr>
@@ -27610,7 +27957,7 @@
           <p:cNvPr id="23" name="TextBox 22">
             <a:extLst>
               <a:ext uri="{FF2B5EF4-FFF2-40B4-BE49-F238E27FC236}">
-                <a16:creationId xmlns:a16="http://schemas.microsoft.com/office/drawing/2014/main" xmlns="" id="{B6696BB6-7D56-45BB-A6F8-64C882161F09}"/>
+                <a16:creationId xmlns:a16="http://schemas.microsoft.com/office/drawing/2014/main" id="{B6696BB6-7D56-45BB-A6F8-64C882161F09}"/>
               </a:ext>
             </a:extLst>
           </p:cNvPr>
@@ -27702,7 +28049,7 @@
           <p:cNvPr id="20" name="이등변 삼각형 19">
             <a:extLst>
               <a:ext uri="{FF2B5EF4-FFF2-40B4-BE49-F238E27FC236}">
-                <a16:creationId xmlns:a16="http://schemas.microsoft.com/office/drawing/2014/main" xmlns="" id="{A9344E60-0449-424E-A2C0-CF7475B93F68}"/>
+                <a16:creationId xmlns:a16="http://schemas.microsoft.com/office/drawing/2014/main" id="{A9344E60-0449-424E-A2C0-CF7475B93F68}"/>
               </a:ext>
             </a:extLst>
           </p:cNvPr>
@@ -27791,7 +28138,7 @@
           <p:cNvPr id="13" name="직사각형 12">
             <a:extLst>
               <a:ext uri="{FF2B5EF4-FFF2-40B4-BE49-F238E27FC236}">
-                <a16:creationId xmlns:a16="http://schemas.microsoft.com/office/drawing/2014/main" xmlns="" id="{DC2E80FA-5D49-4E17-925B-617AEB1393C6}"/>
+                <a16:creationId xmlns:a16="http://schemas.microsoft.com/office/drawing/2014/main" id="{DC2E80FA-5D49-4E17-925B-617AEB1393C6}"/>
               </a:ext>
             </a:extLst>
           </p:cNvPr>
@@ -27843,7 +28190,7 @@
           <p:cNvPr id="26" name="TextBox 25">
             <a:extLst>
               <a:ext uri="{FF2B5EF4-FFF2-40B4-BE49-F238E27FC236}">
-                <a16:creationId xmlns:a16="http://schemas.microsoft.com/office/drawing/2014/main" xmlns="" id="{C9DAF82C-ADFD-4B48-B29F-3AE82A1617AC}"/>
+                <a16:creationId xmlns:a16="http://schemas.microsoft.com/office/drawing/2014/main" id="{C9DAF82C-ADFD-4B48-B29F-3AE82A1617AC}"/>
               </a:ext>
             </a:extLst>
           </p:cNvPr>
@@ -27938,7 +28285,7 @@
           <p:cNvPr id="6" name="직사각형 5">
             <a:extLst>
               <a:ext uri="{FF2B5EF4-FFF2-40B4-BE49-F238E27FC236}">
-                <a16:creationId xmlns:a16="http://schemas.microsoft.com/office/drawing/2014/main" xmlns="" id="{F3F3FFB9-31B7-4F7E-9FF5-C453DB84B302}"/>
+                <a16:creationId xmlns:a16="http://schemas.microsoft.com/office/drawing/2014/main" id="{F3F3FFB9-31B7-4F7E-9FF5-C453DB84B302}"/>
               </a:ext>
             </a:extLst>
           </p:cNvPr>
@@ -27990,7 +28337,7 @@
           <p:cNvPr id="14" name="TextBox 13">
             <a:extLst>
               <a:ext uri="{FF2B5EF4-FFF2-40B4-BE49-F238E27FC236}">
-                <a16:creationId xmlns:a16="http://schemas.microsoft.com/office/drawing/2014/main" xmlns="" id="{65B7065A-AA33-4824-B368-7C38FF33D0B0}"/>
+                <a16:creationId xmlns:a16="http://schemas.microsoft.com/office/drawing/2014/main" id="{65B7065A-AA33-4824-B368-7C38FF33D0B0}"/>
               </a:ext>
             </a:extLst>
           </p:cNvPr>
@@ -28050,7 +28397,7 @@
           <p:cNvPr id="10" name="TextBox 9">
             <a:extLst>
               <a:ext uri="{FF2B5EF4-FFF2-40B4-BE49-F238E27FC236}">
-                <a16:creationId xmlns:a16="http://schemas.microsoft.com/office/drawing/2014/main" xmlns="" id="{4C570160-E600-428F-9611-AEADA8E74AA4}"/>
+                <a16:creationId xmlns:a16="http://schemas.microsoft.com/office/drawing/2014/main" id="{4C570160-E600-428F-9611-AEADA8E74AA4}"/>
               </a:ext>
             </a:extLst>
           </p:cNvPr>
@@ -28157,7 +28504,7 @@
             <p:cNvPr id="13" name="TextBox 12">
               <a:extLst>
                 <a:ext uri="{FF2B5EF4-FFF2-40B4-BE49-F238E27FC236}">
-                  <a16:creationId xmlns:a16="http://schemas.microsoft.com/office/drawing/2014/main" xmlns="" id="{CF8D6917-5DE8-473E-A198-A202C372EF66}"/>
+                  <a16:creationId xmlns:a16="http://schemas.microsoft.com/office/drawing/2014/main" id="{CF8D6917-5DE8-473E-A198-A202C372EF66}"/>
                 </a:ext>
               </a:extLst>
             </p:cNvPr>
@@ -28202,7 +28549,7 @@
             <p:cNvPr id="18" name="타원 17">
               <a:extLst>
                 <a:ext uri="{FF2B5EF4-FFF2-40B4-BE49-F238E27FC236}">
-                  <a16:creationId xmlns:a16="http://schemas.microsoft.com/office/drawing/2014/main" xmlns="" id="{D036A916-83D2-4F52-B5BE-5B7E2F1F6BD7}"/>
+                  <a16:creationId xmlns:a16="http://schemas.microsoft.com/office/drawing/2014/main" id="{D036A916-83D2-4F52-B5BE-5B7E2F1F6BD7}"/>
                 </a:ext>
               </a:extLst>
             </p:cNvPr>
@@ -28267,7 +28614,7 @@
           <p:cNvPr id="2" name="그룹 1">
             <a:extLst>
               <a:ext uri="{FF2B5EF4-FFF2-40B4-BE49-F238E27FC236}">
-                <a16:creationId xmlns:a16="http://schemas.microsoft.com/office/drawing/2014/main" xmlns="" id="{E8B92D6F-299F-43E9-991A-7FC54841798C}"/>
+                <a16:creationId xmlns:a16="http://schemas.microsoft.com/office/drawing/2014/main" id="{E8B92D6F-299F-43E9-991A-7FC54841798C}"/>
               </a:ext>
             </a:extLst>
           </p:cNvPr>
@@ -28287,7 +28634,7 @@
             <p:cNvPr id="19" name="TextBox 18">
               <a:extLst>
                 <a:ext uri="{FF2B5EF4-FFF2-40B4-BE49-F238E27FC236}">
-                  <a16:creationId xmlns:a16="http://schemas.microsoft.com/office/drawing/2014/main" xmlns="" id="{4A6CDFC8-0760-4C83-8B21-16319EEB7349}"/>
+                  <a16:creationId xmlns:a16="http://schemas.microsoft.com/office/drawing/2014/main" id="{4A6CDFC8-0760-4C83-8B21-16319EEB7349}"/>
                 </a:ext>
               </a:extLst>
             </p:cNvPr>
@@ -28341,7 +28688,7 @@
             <p:cNvPr id="20" name="TextBox 19">
               <a:extLst>
                 <a:ext uri="{FF2B5EF4-FFF2-40B4-BE49-F238E27FC236}">
-                  <a16:creationId xmlns:a16="http://schemas.microsoft.com/office/drawing/2014/main" xmlns="" id="{4A6CDFC8-0760-4C83-8B21-16319EEB7349}"/>
+                  <a16:creationId xmlns:a16="http://schemas.microsoft.com/office/drawing/2014/main" id="{4A6CDFC8-0760-4C83-8B21-16319EEB7349}"/>
                 </a:ext>
               </a:extLst>
             </p:cNvPr>
@@ -28395,7 +28742,7 @@
             <p:cNvPr id="21" name="TextBox 20">
               <a:extLst>
                 <a:ext uri="{FF2B5EF4-FFF2-40B4-BE49-F238E27FC236}">
-                  <a16:creationId xmlns:a16="http://schemas.microsoft.com/office/drawing/2014/main" xmlns="" id="{4A6CDFC8-0760-4C83-8B21-16319EEB7349}"/>
+                  <a16:creationId xmlns:a16="http://schemas.microsoft.com/office/drawing/2014/main" id="{4A6CDFC8-0760-4C83-8B21-16319EEB7349}"/>
                 </a:ext>
               </a:extLst>
             </p:cNvPr>
@@ -28432,7 +28779,7 @@
             <p:cNvPr id="22" name="타원 21">
               <a:extLst>
                 <a:ext uri="{FF2B5EF4-FFF2-40B4-BE49-F238E27FC236}">
-                  <a16:creationId xmlns:a16="http://schemas.microsoft.com/office/drawing/2014/main" xmlns="" id="{D036A916-83D2-4F52-B5BE-5B7E2F1F6BD7}"/>
+                  <a16:creationId xmlns:a16="http://schemas.microsoft.com/office/drawing/2014/main" id="{D036A916-83D2-4F52-B5BE-5B7E2F1F6BD7}"/>
                 </a:ext>
               </a:extLst>
             </p:cNvPr>
@@ -28502,7 +28849,7 @@
             <p:cNvPr id="23" name="타원 22">
               <a:extLst>
                 <a:ext uri="{FF2B5EF4-FFF2-40B4-BE49-F238E27FC236}">
-                  <a16:creationId xmlns:a16="http://schemas.microsoft.com/office/drawing/2014/main" xmlns="" id="{D036A916-83D2-4F52-B5BE-5B7E2F1F6BD7}"/>
+                  <a16:creationId xmlns:a16="http://schemas.microsoft.com/office/drawing/2014/main" id="{D036A916-83D2-4F52-B5BE-5B7E2F1F6BD7}"/>
                 </a:ext>
               </a:extLst>
             </p:cNvPr>
@@ -28572,7 +28919,7 @@
             <p:cNvPr id="24" name="타원 23">
               <a:extLst>
                 <a:ext uri="{FF2B5EF4-FFF2-40B4-BE49-F238E27FC236}">
-                  <a16:creationId xmlns:a16="http://schemas.microsoft.com/office/drawing/2014/main" xmlns="" id="{D036A916-83D2-4F52-B5BE-5B7E2F1F6BD7}"/>
+                  <a16:creationId xmlns:a16="http://schemas.microsoft.com/office/drawing/2014/main" id="{D036A916-83D2-4F52-B5BE-5B7E2F1F6BD7}"/>
                 </a:ext>
               </a:extLst>
             </p:cNvPr>
@@ -28636,7 +28983,7 @@
             <p:cNvPr id="25" name="TextBox 24">
               <a:extLst>
                 <a:ext uri="{FF2B5EF4-FFF2-40B4-BE49-F238E27FC236}">
-                  <a16:creationId xmlns:a16="http://schemas.microsoft.com/office/drawing/2014/main" xmlns="" id="{4A6CDFC8-0760-4C83-8B21-16319EEB7349}"/>
+                  <a16:creationId xmlns:a16="http://schemas.microsoft.com/office/drawing/2014/main" id="{4A6CDFC8-0760-4C83-8B21-16319EEB7349}"/>
                 </a:ext>
               </a:extLst>
             </p:cNvPr>
@@ -28673,7 +29020,7 @@
             <p:cNvPr id="26" name="타원 25">
               <a:extLst>
                 <a:ext uri="{FF2B5EF4-FFF2-40B4-BE49-F238E27FC236}">
-                  <a16:creationId xmlns:a16="http://schemas.microsoft.com/office/drawing/2014/main" xmlns="" id="{D036A916-83D2-4F52-B5BE-5B7E2F1F6BD7}"/>
+                  <a16:creationId xmlns:a16="http://schemas.microsoft.com/office/drawing/2014/main" id="{D036A916-83D2-4F52-B5BE-5B7E2F1F6BD7}"/>
                 </a:ext>
               </a:extLst>
             </p:cNvPr>
@@ -28784,7 +29131,7 @@
           <p:cNvPr id="28" name="TextBox 27">
             <a:extLst>
               <a:ext uri="{FF2B5EF4-FFF2-40B4-BE49-F238E27FC236}">
-                <a16:creationId xmlns:a16="http://schemas.microsoft.com/office/drawing/2014/main" xmlns="" id="{AF7454FF-4E1B-4BCC-8B86-DB6D8E3EA500}"/>
+                <a16:creationId xmlns:a16="http://schemas.microsoft.com/office/drawing/2014/main" id="{AF7454FF-4E1B-4BCC-8B86-DB6D8E3EA500}"/>
               </a:ext>
             </a:extLst>
           </p:cNvPr>
@@ -28953,7 +29300,7 @@
           <p:cNvPr id="29" name="그림 28">
             <a:extLst>
               <a:ext uri="{FF2B5EF4-FFF2-40B4-BE49-F238E27FC236}">
-                <a16:creationId xmlns:a16="http://schemas.microsoft.com/office/drawing/2014/main" xmlns="" id="{DE2F024D-3D51-42AB-917C-B735ED3E634E}"/>
+                <a16:creationId xmlns:a16="http://schemas.microsoft.com/office/drawing/2014/main" id="{DE2F024D-3D51-42AB-917C-B735ED3E634E}"/>
               </a:ext>
             </a:extLst>
           </p:cNvPr>
@@ -28983,7 +29330,7 @@
           <p:cNvPr id="30" name="이등변 삼각형 29">
             <a:extLst>
               <a:ext uri="{FF2B5EF4-FFF2-40B4-BE49-F238E27FC236}">
-                <a16:creationId xmlns:a16="http://schemas.microsoft.com/office/drawing/2014/main" xmlns="" id="{75E2EA59-B7E7-4104-B271-BFEEF5C566F7}"/>
+                <a16:creationId xmlns:a16="http://schemas.microsoft.com/office/drawing/2014/main" id="{75E2EA59-B7E7-4104-B271-BFEEF5C566F7}"/>
               </a:ext>
             </a:extLst>
           </p:cNvPr>
@@ -29035,7 +29382,7 @@
           <p:cNvPr id="31" name="TextBox 30">
             <a:extLst>
               <a:ext uri="{FF2B5EF4-FFF2-40B4-BE49-F238E27FC236}">
-                <a16:creationId xmlns:a16="http://schemas.microsoft.com/office/drawing/2014/main" xmlns="" id="{DC8E206A-FBC6-46B4-9F82-FFB000FF2BAB}"/>
+                <a16:creationId xmlns:a16="http://schemas.microsoft.com/office/drawing/2014/main" id="{DC8E206A-FBC6-46B4-9F82-FFB000FF2BAB}"/>
               </a:ext>
             </a:extLst>
           </p:cNvPr>
@@ -29045,7 +29392,7 @@
         <p:spPr>
           <a:xfrm>
             <a:off x="7470420" y="4709513"/>
-            <a:ext cx="3948177" cy="1938992"/>
+            <a:ext cx="5196426" cy="1631216"/>
           </a:xfrm>
           <a:prstGeom prst="rect">
             <a:avLst/>
@@ -29099,7 +29446,31 @@
                   <a:srgbClr val="767171"/>
                 </a:solidFill>
               </a:rPr>
-              <a:t>     </a:t>
+              <a:t>  </a:t>
+            </a:r>
+            <a:r>
+              <a:rPr lang="en-US" altLang="ko-KR" sz="2000" b="1" dirty="0" smtClean="0">
+                <a:solidFill>
+                  <a:srgbClr val="767171"/>
+                </a:solidFill>
+              </a:rPr>
+              <a:t> </a:t>
+            </a:r>
+            <a:r>
+              <a:rPr lang="ko-KR" altLang="en-US" sz="2000" b="1" dirty="0" smtClean="0">
+                <a:solidFill>
+                  <a:srgbClr val="767171"/>
+                </a:solidFill>
+              </a:rPr>
+              <a:t>성별 </a:t>
+            </a:r>
+            <a:r>
+              <a:rPr lang="en-US" altLang="ko-KR" sz="2000" b="1" dirty="0">
+                <a:solidFill>
+                  <a:srgbClr val="767171"/>
+                </a:solidFill>
+              </a:rPr>
+              <a:t>: </a:t>
             </a:r>
             <a:r>
               <a:rPr lang="ko-KR" altLang="en-US" sz="2000" b="1" dirty="0">
@@ -29107,7 +29478,7 @@
                   <a:srgbClr val="767171"/>
                 </a:solidFill>
               </a:rPr>
-              <a:t>성별 </a:t>
+              <a:t>남</a:t>
             </a:r>
             <a:r>
               <a:rPr lang="en-US" altLang="ko-KR" sz="2000" b="1" dirty="0">
@@ -29115,7 +29486,7 @@
                   <a:srgbClr val="767171"/>
                 </a:solidFill>
               </a:rPr>
-              <a:t>: </a:t>
+              <a:t>, </a:t>
             </a:r>
             <a:r>
               <a:rPr lang="ko-KR" altLang="en-US" sz="2000" b="1" dirty="0">
@@ -29123,7 +29494,7 @@
                   <a:srgbClr val="767171"/>
                 </a:solidFill>
               </a:rPr>
-              <a:t>남</a:t>
+              <a:t>여</a:t>
             </a:r>
             <a:r>
               <a:rPr lang="en-US" altLang="ko-KR" sz="2000" b="1" dirty="0">
@@ -29131,37 +29502,34 @@
                   <a:srgbClr val="767171"/>
                 </a:solidFill>
               </a:rPr>
-              <a:t>, </a:t>
-            </a:r>
-            <a:r>
-              <a:rPr lang="ko-KR" altLang="en-US" sz="2000" b="1" dirty="0">
+              <a:t>	</a:t>
+            </a:r>
+            <a:endParaRPr lang="en-US" altLang="ko-KR" sz="2000" b="1" dirty="0" smtClean="0">
+              <a:solidFill>
+                <a:srgbClr val="767171"/>
+              </a:solidFill>
+            </a:endParaRPr>
+          </a:p>
+          <a:p>
+            <a:pPr lvl="1"/>
+            <a:r>
+              <a:rPr lang="en-US" altLang="ko-KR" sz="2000" b="1" dirty="0">
                 <a:solidFill>
                   <a:srgbClr val="767171"/>
                 </a:solidFill>
               </a:rPr>
-              <a:t>여</a:t>
-            </a:r>
-            <a:r>
-              <a:rPr lang="en-US" altLang="ko-KR" sz="2000" b="1" dirty="0">
+              <a:t> </a:t>
+            </a:r>
+            <a:r>
+              <a:rPr lang="en-US" altLang="ko-KR" sz="2000" b="1" dirty="0" smtClean="0">
                 <a:solidFill>
                   <a:srgbClr val="767171"/>
                 </a:solidFill>
               </a:rPr>
-              <a:t>	</a:t>
-            </a:r>
-          </a:p>
-          <a:p>
-            <a:pPr lvl="1"/>
-            <a:r>
-              <a:rPr lang="en-US" altLang="ko-KR" sz="2000" b="1" dirty="0">
-                <a:solidFill>
-                  <a:srgbClr val="767171"/>
-                </a:solidFill>
-              </a:rPr>
-              <a:t>	</a:t>
-            </a:r>
-            <a:r>
-              <a:rPr lang="ko-KR" altLang="en-US" sz="2000" b="1" dirty="0">
+              <a:t>  </a:t>
+            </a:r>
+            <a:r>
+              <a:rPr lang="ko-KR" altLang="en-US" sz="2000" b="1" dirty="0" smtClean="0">
                 <a:solidFill>
                   <a:srgbClr val="767171"/>
                 </a:solidFill>
@@ -29214,7 +29582,31 @@
                   <a:srgbClr val="767171"/>
                 </a:solidFill>
               </a:rPr>
-              <a:t>	</a:t>
+              <a:t> </a:t>
+            </a:r>
+            <a:r>
+              <a:rPr lang="en-US" altLang="ko-KR" sz="2000" b="1" dirty="0" smtClean="0">
+                <a:solidFill>
+                  <a:srgbClr val="767171"/>
+                </a:solidFill>
+              </a:rPr>
+              <a:t>  </a:t>
+            </a:r>
+            <a:r>
+              <a:rPr lang="ko-KR" altLang="en-US" sz="2000" b="1" dirty="0" smtClean="0">
+                <a:solidFill>
+                  <a:srgbClr val="767171"/>
+                </a:solidFill>
+              </a:rPr>
+              <a:t>직업 </a:t>
+            </a:r>
+            <a:r>
+              <a:rPr lang="en-US" altLang="ko-KR" sz="2000" b="1" dirty="0">
+                <a:solidFill>
+                  <a:srgbClr val="767171"/>
+                </a:solidFill>
+              </a:rPr>
+              <a:t>: </a:t>
             </a:r>
             <a:r>
               <a:rPr lang="ko-KR" altLang="en-US" sz="2000" b="1" dirty="0">
@@ -29222,7 +29614,7 @@
                   <a:srgbClr val="767171"/>
                 </a:solidFill>
               </a:rPr>
-              <a:t>직업 </a:t>
+              <a:t>학생</a:t>
             </a:r>
             <a:r>
               <a:rPr lang="en-US" altLang="ko-KR" sz="2000" b="1" dirty="0">
@@ -29230,106 +29622,90 @@
                   <a:srgbClr val="767171"/>
                 </a:solidFill>
               </a:rPr>
+              <a:t>, </a:t>
+            </a:r>
+            <a:r>
+              <a:rPr lang="ko-KR" altLang="en-US" sz="2000" b="1" dirty="0">
+                <a:solidFill>
+                  <a:srgbClr val="767171"/>
+                </a:solidFill>
+              </a:rPr>
+              <a:t>주부 </a:t>
+            </a:r>
+            <a:r>
+              <a:rPr lang="ko-KR" altLang="en-US" sz="2000" b="1" dirty="0" smtClean="0">
+                <a:solidFill>
+                  <a:srgbClr val="767171"/>
+                </a:solidFill>
+              </a:rPr>
+              <a:t>등 </a:t>
+            </a:r>
+            <a:r>
+              <a:rPr lang="en-US" altLang="ko-KR" sz="2000" b="1" dirty="0" smtClean="0">
+                <a:solidFill>
+                  <a:srgbClr val="767171"/>
+                </a:solidFill>
+              </a:rPr>
+              <a:t>(</a:t>
+            </a:r>
+            <a:r>
+              <a:rPr lang="en-US" altLang="ko-KR" sz="2000" b="1" dirty="0">
+                <a:solidFill>
+                  <a:srgbClr val="767171"/>
+                </a:solidFill>
+              </a:rPr>
+              <a:t>13</a:t>
+            </a:r>
+            <a:r>
+              <a:rPr lang="ko-KR" altLang="en-US" sz="2000" b="1" dirty="0">
+                <a:solidFill>
+                  <a:srgbClr val="767171"/>
+                </a:solidFill>
+              </a:rPr>
+              <a:t>개 </a:t>
+            </a:r>
+            <a:r>
+              <a:rPr lang="ko-KR" altLang="en-US" sz="2000" b="1" dirty="0" err="1">
+                <a:solidFill>
+                  <a:srgbClr val="767171"/>
+                </a:solidFill>
+              </a:rPr>
+              <a:t>직업군</a:t>
+            </a:r>
+            <a:r>
+              <a:rPr lang="en-US" altLang="ko-KR" sz="2000" b="1" dirty="0">
+                <a:solidFill>
+                  <a:srgbClr val="767171"/>
+                </a:solidFill>
+              </a:rPr>
+              <a:t>)</a:t>
+            </a:r>
+          </a:p>
+          <a:p>
+            <a:pPr lvl="1"/>
+            <a:r>
+              <a:rPr lang="ko-KR" altLang="en-US" sz="2000" b="1" dirty="0" smtClean="0">
+                <a:solidFill>
+                  <a:srgbClr val="767171"/>
+                </a:solidFill>
+              </a:rPr>
+              <a:t>   날씨 </a:t>
+            </a:r>
+            <a:r>
+              <a:rPr lang="en-US" altLang="ko-KR" sz="2000" b="1" dirty="0">
+                <a:solidFill>
+                  <a:srgbClr val="767171"/>
+                </a:solidFill>
+              </a:rPr>
               <a:t>: </a:t>
             </a:r>
             <a:r>
-              <a:rPr lang="ko-KR" altLang="en-US" sz="2000" b="1" dirty="0">
+              <a:rPr lang="ko-KR" altLang="en-US" sz="2000" b="1" dirty="0" smtClean="0">
                 <a:solidFill>
                   <a:srgbClr val="767171"/>
                 </a:solidFill>
               </a:rPr>
-              <a:t>학생</a:t>
-            </a:r>
-            <a:r>
-              <a:rPr lang="en-US" altLang="ko-KR" sz="2000" b="1" dirty="0">
-                <a:solidFill>
-                  <a:srgbClr val="767171"/>
-                </a:solidFill>
-              </a:rPr>
-              <a:t>, </a:t>
-            </a:r>
-            <a:r>
-              <a:rPr lang="ko-KR" altLang="en-US" sz="2000" b="1" dirty="0">
-                <a:solidFill>
-                  <a:srgbClr val="767171"/>
-                </a:solidFill>
-              </a:rPr>
-              <a:t>주부 등 </a:t>
-            </a:r>
-            <a:endParaRPr lang="en-US" altLang="ko-KR" sz="2000" b="1" dirty="0">
-              <a:solidFill>
-                <a:srgbClr val="767171"/>
-              </a:solidFill>
-            </a:endParaRPr>
-          </a:p>
-          <a:p>
-            <a:pPr lvl="1"/>
-            <a:r>
-              <a:rPr lang="en-US" altLang="ko-KR" sz="2000" b="1" dirty="0">
-                <a:solidFill>
-                  <a:srgbClr val="767171"/>
-                </a:solidFill>
-              </a:rPr>
-              <a:t>	         (13</a:t>
-            </a:r>
-            <a:r>
-              <a:rPr lang="ko-KR" altLang="en-US" sz="2000" b="1" dirty="0">
-                <a:solidFill>
-                  <a:srgbClr val="767171"/>
-                </a:solidFill>
-              </a:rPr>
-              <a:t>개 </a:t>
-            </a:r>
-            <a:r>
-              <a:rPr lang="ko-KR" altLang="en-US" sz="2000" b="1" dirty="0" err="1">
-                <a:solidFill>
-                  <a:srgbClr val="767171"/>
-                </a:solidFill>
-              </a:rPr>
-              <a:t>직업군</a:t>
-            </a:r>
-            <a:r>
-              <a:rPr lang="en-US" altLang="ko-KR" sz="2000" b="1" dirty="0">
-                <a:solidFill>
-                  <a:srgbClr val="767171"/>
-                </a:solidFill>
-              </a:rPr>
-              <a:t>)</a:t>
-            </a:r>
-          </a:p>
-          <a:p>
-            <a:pPr lvl="1"/>
-            <a:r>
-              <a:rPr lang="en-US" altLang="ko-KR" sz="2000" b="1" dirty="0">
-                <a:solidFill>
-                  <a:srgbClr val="767171"/>
-                </a:solidFill>
-              </a:rPr>
-              <a:t>	</a:t>
-            </a:r>
-            <a:r>
-              <a:rPr lang="ko-KR" altLang="en-US" sz="2000" b="1" dirty="0">
-                <a:solidFill>
-                  <a:srgbClr val="767171"/>
-                </a:solidFill>
-              </a:rPr>
-              <a:t>날씨 </a:t>
-            </a:r>
-            <a:r>
-              <a:rPr lang="en-US" altLang="ko-KR" sz="2000" b="1" dirty="0">
-                <a:solidFill>
-                  <a:srgbClr val="767171"/>
-                </a:solidFill>
-              </a:rPr>
-              <a:t>: 5 ~ 40</a:t>
-            </a:r>
-            <a:r>
-              <a:rPr lang="ko-KR" altLang="en-US" sz="2000" b="1" dirty="0">
-                <a:solidFill>
-                  <a:srgbClr val="767171"/>
-                </a:solidFill>
-              </a:rPr>
-              <a:t>도</a:t>
+              <a:t>날짜에 따라 다름</a:t>
             </a:r>
             <a:endParaRPr lang="en-US" altLang="ko-KR" sz="2000" b="1" dirty="0">
               <a:solidFill>
@@ -29381,7 +29757,7 @@
           <p:cNvPr id="6" name="직사각형 5">
             <a:extLst>
               <a:ext uri="{FF2B5EF4-FFF2-40B4-BE49-F238E27FC236}">
-                <a16:creationId xmlns:a16="http://schemas.microsoft.com/office/drawing/2014/main" xmlns="" id="{F3F3FFB9-31B7-4F7E-9FF5-C453DB84B302}"/>
+                <a16:creationId xmlns:a16="http://schemas.microsoft.com/office/drawing/2014/main" id="{F3F3FFB9-31B7-4F7E-9FF5-C453DB84B302}"/>
               </a:ext>
             </a:extLst>
           </p:cNvPr>
@@ -29433,7 +29809,7 @@
           <p:cNvPr id="10" name="TextBox 9">
             <a:extLst>
               <a:ext uri="{FF2B5EF4-FFF2-40B4-BE49-F238E27FC236}">
-                <a16:creationId xmlns:a16="http://schemas.microsoft.com/office/drawing/2014/main" xmlns="" id="{4C570160-E600-428F-9611-AEADA8E74AA4}"/>
+                <a16:creationId xmlns:a16="http://schemas.microsoft.com/office/drawing/2014/main" id="{4C570160-E600-428F-9611-AEADA8E74AA4}"/>
               </a:ext>
             </a:extLst>
           </p:cNvPr>
@@ -29442,8 +29818,8 @@
         </p:nvSpPr>
         <p:spPr>
           <a:xfrm>
-            <a:off x="465220" y="523116"/>
-            <a:ext cx="6124266" cy="707886"/>
+            <a:off x="465219" y="523116"/>
+            <a:ext cx="8139765" cy="707886"/>
           </a:xfrm>
           <a:prstGeom prst="rect">
             <a:avLst/>
@@ -29467,9 +29843,87 @@
                 <a:latin typeface="맑은 고딕" panose="020B0503020000020004" pitchFamily="50" charset="-127"/>
                 <a:cs typeface="함초롬바탕" panose="02030604000101010101" pitchFamily="18" charset="-127"/>
               </a:rPr>
-              <a:t>모형 구현</a:t>
-            </a:r>
-            <a:endParaRPr lang="en-US" altLang="ko-KR" sz="4000" b="1" dirty="0">
+              <a:t>모형 </a:t>
+            </a:r>
+            <a:r>
+              <a:rPr lang="ko-KR" altLang="en-US" sz="4000" b="1" dirty="0" smtClean="0">
+                <a:solidFill>
+                  <a:schemeClr val="tx1">
+                    <a:lumMod val="50000"/>
+                    <a:lumOff val="50000"/>
+                  </a:schemeClr>
+                </a:solidFill>
+                <a:latin typeface="맑은 고딕" panose="020B0503020000020004" pitchFamily="50" charset="-127"/>
+                <a:cs typeface="함초롬바탕" panose="02030604000101010101" pitchFamily="18" charset="-127"/>
+              </a:rPr>
+              <a:t>구현 </a:t>
+            </a:r>
+            <a:r>
+              <a:rPr lang="en-US" altLang="ko-KR" b="1" dirty="0" smtClean="0">
+                <a:solidFill>
+                  <a:schemeClr val="tx1">
+                    <a:lumMod val="50000"/>
+                    <a:lumOff val="50000"/>
+                  </a:schemeClr>
+                </a:solidFill>
+                <a:latin typeface="맑은 고딕" panose="020B0503020000020004" pitchFamily="50" charset="-127"/>
+                <a:cs typeface="함초롬바탕" panose="02030604000101010101" pitchFamily="18" charset="-127"/>
+              </a:rPr>
+              <a:t>(</a:t>
+            </a:r>
+            <a:r>
+              <a:rPr lang="ko-KR" altLang="en-US" b="1" dirty="0" smtClean="0">
+                <a:solidFill>
+                  <a:schemeClr val="tx1">
+                    <a:lumMod val="50000"/>
+                    <a:lumOff val="50000"/>
+                  </a:schemeClr>
+                </a:solidFill>
+                <a:latin typeface="맑은 고딕" panose="020B0503020000020004" pitchFamily="50" charset="-127"/>
+                <a:cs typeface="함초롬바탕" panose="02030604000101010101" pitchFamily="18" charset="-127"/>
+              </a:rPr>
+              <a:t>테스트 모습</a:t>
+            </a:r>
+            <a:r>
+              <a:rPr lang="en-US" altLang="ko-KR" b="1" dirty="0" smtClean="0">
+                <a:solidFill>
+                  <a:schemeClr val="tx1">
+                    <a:lumMod val="50000"/>
+                    <a:lumOff val="50000"/>
+                  </a:schemeClr>
+                </a:solidFill>
+                <a:latin typeface="맑은 고딕" panose="020B0503020000020004" pitchFamily="50" charset="-127"/>
+                <a:cs typeface="함초롬바탕" panose="02030604000101010101" pitchFamily="18" charset="-127"/>
+              </a:rPr>
+              <a:t>, </a:t>
+            </a:r>
+            <a:r>
+              <a:rPr lang="ko-KR" altLang="en-US" b="1" dirty="0" smtClean="0">
+                <a:solidFill>
+                  <a:schemeClr val="tx1">
+                    <a:lumMod val="50000"/>
+                    <a:lumOff val="50000"/>
+                  </a:schemeClr>
+                </a:solidFill>
+                <a:latin typeface="맑은 고딕" panose="020B0503020000020004" pitchFamily="50" charset="-127"/>
+                <a:cs typeface="함초롬바탕" panose="02030604000101010101" pitchFamily="18" charset="-127"/>
+              </a:rPr>
+              <a:t>다음 주까지 제품 제작 완료</a:t>
+            </a:r>
+            <a:r>
+              <a:rPr lang="en-US" altLang="ko-KR" b="1" dirty="0" smtClean="0">
+                <a:solidFill>
+                  <a:schemeClr val="tx1">
+                    <a:lumMod val="50000"/>
+                    <a:lumOff val="50000"/>
+                  </a:schemeClr>
+                </a:solidFill>
+                <a:latin typeface="맑은 고딕" panose="020B0503020000020004" pitchFamily="50" charset="-127"/>
+                <a:cs typeface="함초롬바탕" panose="02030604000101010101" pitchFamily="18" charset="-127"/>
+              </a:rPr>
+              <a:t>)</a:t>
+            </a:r>
+            <a:endParaRPr lang="en-US" altLang="ko-KR" b="1" dirty="0">
               <a:solidFill>
                 <a:schemeClr val="tx1">
                   <a:lumMod val="50000"/>
@@ -29549,8 +30003,8 @@
         </p:blipFill>
         <p:spPr>
           <a:xfrm>
-            <a:off x="421993" y="1622103"/>
-            <a:ext cx="6885305" cy="4932311"/>
+            <a:off x="421993" y="1482291"/>
+            <a:ext cx="6885305" cy="5072123"/>
           </a:xfrm>
           <a:prstGeom prst="rect">
             <a:avLst/>
@@ -29746,7 +30200,7 @@
           <p:cNvPr id="17" name="타원 16">
             <a:extLst>
               <a:ext uri="{FF2B5EF4-FFF2-40B4-BE49-F238E27FC236}">
-                <a16:creationId xmlns:a16="http://schemas.microsoft.com/office/drawing/2014/main" xmlns="" id="{3412E4AC-F598-4D89-80E9-8493ABEC6E87}"/>
+                <a16:creationId xmlns:a16="http://schemas.microsoft.com/office/drawing/2014/main" id="{3412E4AC-F598-4D89-80E9-8493ABEC6E87}"/>
               </a:ext>
             </a:extLst>
           </p:cNvPr>
@@ -29812,7 +30266,7 @@
           <p:cNvPr id="18" name="타원 17">
             <a:extLst>
               <a:ext uri="{FF2B5EF4-FFF2-40B4-BE49-F238E27FC236}">
-                <a16:creationId xmlns:a16="http://schemas.microsoft.com/office/drawing/2014/main" xmlns="" id="{3412E4AC-F598-4D89-80E9-8493ABEC6E87}"/>
+                <a16:creationId xmlns:a16="http://schemas.microsoft.com/office/drawing/2014/main" id="{3412E4AC-F598-4D89-80E9-8493ABEC6E87}"/>
               </a:ext>
             </a:extLst>
           </p:cNvPr>
@@ -29878,7 +30332,7 @@
           <p:cNvPr id="19" name="타원 18">
             <a:extLst>
               <a:ext uri="{FF2B5EF4-FFF2-40B4-BE49-F238E27FC236}">
-                <a16:creationId xmlns:a16="http://schemas.microsoft.com/office/drawing/2014/main" xmlns="" id="{3412E4AC-F598-4D89-80E9-8493ABEC6E87}"/>
+                <a16:creationId xmlns:a16="http://schemas.microsoft.com/office/drawing/2014/main" id="{3412E4AC-F598-4D89-80E9-8493ABEC6E87}"/>
               </a:ext>
             </a:extLst>
           </p:cNvPr>
@@ -29944,7 +30398,7 @@
           <p:cNvPr id="20" name="타원 19">
             <a:extLst>
               <a:ext uri="{FF2B5EF4-FFF2-40B4-BE49-F238E27FC236}">
-                <a16:creationId xmlns:a16="http://schemas.microsoft.com/office/drawing/2014/main" xmlns="" id="{3412E4AC-F598-4D89-80E9-8493ABEC6E87}"/>
+                <a16:creationId xmlns:a16="http://schemas.microsoft.com/office/drawing/2014/main" id="{3412E4AC-F598-4D89-80E9-8493ABEC6E87}"/>
               </a:ext>
             </a:extLst>
           </p:cNvPr>
@@ -30010,7 +30464,7 @@
           <p:cNvPr id="22" name="TextBox 21">
             <a:extLst>
               <a:ext uri="{FF2B5EF4-FFF2-40B4-BE49-F238E27FC236}">
-                <a16:creationId xmlns:a16="http://schemas.microsoft.com/office/drawing/2014/main" xmlns="" id="{B6696BB6-7D56-45BB-A6F8-64C882161F09}"/>
+                <a16:creationId xmlns:a16="http://schemas.microsoft.com/office/drawing/2014/main" id="{B6696BB6-7D56-45BB-A6F8-64C882161F09}"/>
               </a:ext>
             </a:extLst>
           </p:cNvPr>
@@ -30232,7 +30686,7 @@
           <p:cNvPr id="5" name="직사각형 4">
             <a:extLst>
               <a:ext uri="{FF2B5EF4-FFF2-40B4-BE49-F238E27FC236}">
-                <a16:creationId xmlns:a16="http://schemas.microsoft.com/office/drawing/2014/main" xmlns="" id="{5C265A66-5F2C-488C-AC8D-8D373FF54653}"/>
+                <a16:creationId xmlns:a16="http://schemas.microsoft.com/office/drawing/2014/main" id="{5C265A66-5F2C-488C-AC8D-8D373FF54653}"/>
               </a:ext>
             </a:extLst>
           </p:cNvPr>
@@ -30284,7 +30738,7 @@
           <p:cNvPr id="26" name="TextBox 25">
             <a:extLst>
               <a:ext uri="{FF2B5EF4-FFF2-40B4-BE49-F238E27FC236}">
-                <a16:creationId xmlns:a16="http://schemas.microsoft.com/office/drawing/2014/main" xmlns="" id="{C9DAF82C-ADFD-4B48-B29F-3AE82A1617AC}"/>
+                <a16:creationId xmlns:a16="http://schemas.microsoft.com/office/drawing/2014/main" id="{C9DAF82C-ADFD-4B48-B29F-3AE82A1617AC}"/>
               </a:ext>
             </a:extLst>
           </p:cNvPr>
@@ -30379,7 +30833,7 @@
           <p:cNvPr id="6" name="직사각형 5">
             <a:extLst>
               <a:ext uri="{FF2B5EF4-FFF2-40B4-BE49-F238E27FC236}">
-                <a16:creationId xmlns:a16="http://schemas.microsoft.com/office/drawing/2014/main" xmlns="" id="{89AAFAD0-5F1B-47D7-B4A2-E83B36ABEA9B}"/>
+                <a16:creationId xmlns:a16="http://schemas.microsoft.com/office/drawing/2014/main" id="{89AAFAD0-5F1B-47D7-B4A2-E83B36ABEA9B}"/>
               </a:ext>
             </a:extLst>
           </p:cNvPr>
@@ -30431,7 +30885,7 @@
           <p:cNvPr id="7" name="TextBox 6">
             <a:extLst>
               <a:ext uri="{FF2B5EF4-FFF2-40B4-BE49-F238E27FC236}">
-                <a16:creationId xmlns:a16="http://schemas.microsoft.com/office/drawing/2014/main" xmlns="" id="{79926764-7BB4-4871-8C70-108B8CC68A5B}"/>
+                <a16:creationId xmlns:a16="http://schemas.microsoft.com/office/drawing/2014/main" id="{79926764-7BB4-4871-8C70-108B8CC68A5B}"/>
               </a:ext>
             </a:extLst>
           </p:cNvPr>
@@ -30553,7 +31007,7 @@
           <p:cNvPr id="8" name="그림 7">
             <a:extLst>
               <a:ext uri="{FF2B5EF4-FFF2-40B4-BE49-F238E27FC236}">
-                <a16:creationId xmlns:a16="http://schemas.microsoft.com/office/drawing/2014/main" xmlns="" id="{4A65AD21-41C2-4848-8179-5B78909D09D4}"/>
+                <a16:creationId xmlns:a16="http://schemas.microsoft.com/office/drawing/2014/main" id="{4A65AD21-41C2-4848-8179-5B78909D09D4}"/>
               </a:ext>
             </a:extLst>
           </p:cNvPr>
@@ -30758,7 +31212,7 @@
           <p:cNvPr id="6" name="직사각형 5">
             <a:extLst>
               <a:ext uri="{FF2B5EF4-FFF2-40B4-BE49-F238E27FC236}">
-                <a16:creationId xmlns:a16="http://schemas.microsoft.com/office/drawing/2014/main" xmlns="" id="{89AAFAD0-5F1B-47D7-B4A2-E83B36ABEA9B}"/>
+                <a16:creationId xmlns:a16="http://schemas.microsoft.com/office/drawing/2014/main" id="{89AAFAD0-5F1B-47D7-B4A2-E83B36ABEA9B}"/>
               </a:ext>
             </a:extLst>
           </p:cNvPr>
@@ -30810,7 +31264,7 @@
           <p:cNvPr id="7" name="TextBox 6">
             <a:extLst>
               <a:ext uri="{FF2B5EF4-FFF2-40B4-BE49-F238E27FC236}">
-                <a16:creationId xmlns:a16="http://schemas.microsoft.com/office/drawing/2014/main" xmlns="" id="{79926764-7BB4-4871-8C70-108B8CC68A5B}"/>
+                <a16:creationId xmlns:a16="http://schemas.microsoft.com/office/drawing/2014/main" id="{79926764-7BB4-4871-8C70-108B8CC68A5B}"/>
               </a:ext>
             </a:extLst>
           </p:cNvPr>
@@ -30936,7 +31390,7 @@
           <p:nvPr>
             <p:extLst>
               <p:ext uri="{D42A27DB-BD31-4B8C-83A1-F6EECF244321}">
-                <p14:modId xmlns:p14="http://schemas.microsoft.com/office/powerpoint/2010/main" val="120794900"/>
+                <p14:modId xmlns:p14="http://schemas.microsoft.com/office/powerpoint/2010/main" val="4266686860"/>
               </p:ext>
             </p:extLst>
           </p:nvPr>
@@ -30955,14 +31409,14 @@
                 <a:gridCol w="2155078">
                   <a:extLst>
                     <a:ext uri="{9D8B030D-6E8A-4147-A177-3AD203B41FA5}">
-                      <a16:colId xmlns:a16="http://schemas.microsoft.com/office/drawing/2014/main" xmlns="" val="1115776647"/>
+                      <a16:colId xmlns:a16="http://schemas.microsoft.com/office/drawing/2014/main" val="1115776647"/>
                     </a:ext>
                   </a:extLst>
                 </a:gridCol>
                 <a:gridCol w="7301263">
                   <a:extLst>
                     <a:ext uri="{9D8B030D-6E8A-4147-A177-3AD203B41FA5}">
-                      <a16:colId xmlns:a16="http://schemas.microsoft.com/office/drawing/2014/main" xmlns="" val="969549235"/>
+                      <a16:colId xmlns:a16="http://schemas.microsoft.com/office/drawing/2014/main" val="969549235"/>
                     </a:ext>
                   </a:extLst>
                 </a:gridCol>
@@ -31135,7 +31589,7 @@
                 </a:tc>
                 <a:extLst>
                   <a:ext uri="{0D108BD9-81ED-4DB2-BD59-A6C34878D82A}">
-                    <a16:rowId xmlns:a16="http://schemas.microsoft.com/office/drawing/2014/main" xmlns="" val="3167975623"/>
+                    <a16:rowId xmlns:a16="http://schemas.microsoft.com/office/drawing/2014/main" val="3167975623"/>
                   </a:ext>
                 </a:extLst>
               </a:tr>
@@ -31147,7 +31601,7 @@
                     <a:p>
                       <a:pPr algn="ctr" latinLnBrk="1"/>
                       <a:r>
-                        <a:rPr lang="ko-KR" altLang="en-US" sz="1800" b="1" smtClean="0">
+                        <a:rPr lang="ko-KR" altLang="en-US" sz="1800" b="1" dirty="0" smtClean="0">
                           <a:solidFill>
                             <a:srgbClr val="767171"/>
                           </a:solidFill>
@@ -31155,7 +31609,7 @@
                         <a:t>웹 페이지</a:t>
                       </a:r>
                       <a:r>
-                        <a:rPr lang="ko-KR" altLang="en-US" sz="1800" b="1" baseline="0" smtClean="0">
+                        <a:rPr lang="ko-KR" altLang="en-US" sz="1800" b="1" baseline="0" dirty="0" smtClean="0">
                           <a:solidFill>
                             <a:srgbClr val="767171"/>
                           </a:solidFill>
@@ -31224,7 +31678,7 @@
                     <a:p>
                       <a:pPr algn="l" latinLnBrk="1"/>
                       <a:r>
-                        <a:rPr lang="ko-KR" altLang="en-US" sz="1600" b="0" smtClean="0">
+                        <a:rPr lang="ko-KR" altLang="en-US" sz="1600" b="0" dirty="0" smtClean="0">
                           <a:solidFill>
                             <a:srgbClr val="767171"/>
                           </a:solidFill>
@@ -31232,7 +31686,7 @@
                         <a:t>모드 선택 페이지 수정 및 온라인 모드 페이지</a:t>
                       </a:r>
                       <a:r>
-                        <a:rPr lang="ko-KR" altLang="en-US" sz="1600" b="0" baseline="0" smtClean="0">
+                        <a:rPr lang="ko-KR" altLang="en-US" sz="1600" b="0" baseline="0" dirty="0" smtClean="0">
                           <a:solidFill>
                             <a:srgbClr val="767171"/>
                           </a:solidFill>
@@ -31296,7 +31750,7 @@
                 </a:tc>
                 <a:extLst>
                   <a:ext uri="{0D108BD9-81ED-4DB2-BD59-A6C34878D82A}">
-                    <a16:rowId xmlns:a16="http://schemas.microsoft.com/office/drawing/2014/main" xmlns="" val="3164851218"/>
+                    <a16:rowId xmlns:a16="http://schemas.microsoft.com/office/drawing/2014/main" val="3164851218"/>
                   </a:ext>
                 </a:extLst>
               </a:tr>
@@ -31308,7 +31762,7 @@
                     <a:p>
                       <a:pPr algn="ctr" latinLnBrk="1"/>
                       <a:r>
-                        <a:rPr lang="ko-KR" altLang="en-US" sz="1800" b="1" smtClean="0">
+                        <a:rPr lang="ko-KR" altLang="en-US" sz="1800" b="1" dirty="0" smtClean="0">
                           <a:solidFill>
                             <a:srgbClr val="767171"/>
                           </a:solidFill>
@@ -31617,7 +32071,7 @@
                 </a:tc>
                 <a:extLst>
                   <a:ext uri="{0D108BD9-81ED-4DB2-BD59-A6C34878D82A}">
-                    <a16:rowId xmlns:a16="http://schemas.microsoft.com/office/drawing/2014/main" xmlns="" val="1376776566"/>
+                    <a16:rowId xmlns:a16="http://schemas.microsoft.com/office/drawing/2014/main" val="1376776566"/>
                   </a:ext>
                 </a:extLst>
               </a:tr>
@@ -31667,7 +32121,7 @@
           <p:cNvPr id="6" name="직사각형 5">
             <a:extLst>
               <a:ext uri="{FF2B5EF4-FFF2-40B4-BE49-F238E27FC236}">
-                <a16:creationId xmlns:a16="http://schemas.microsoft.com/office/drawing/2014/main" xmlns="" id="{89AAFAD0-5F1B-47D7-B4A2-E83B36ABEA9B}"/>
+                <a16:creationId xmlns:a16="http://schemas.microsoft.com/office/drawing/2014/main" id="{89AAFAD0-5F1B-47D7-B4A2-E83B36ABEA9B}"/>
               </a:ext>
             </a:extLst>
           </p:cNvPr>
@@ -31719,7 +32173,7 @@
           <p:cNvPr id="7" name="TextBox 6">
             <a:extLst>
               <a:ext uri="{FF2B5EF4-FFF2-40B4-BE49-F238E27FC236}">
-                <a16:creationId xmlns:a16="http://schemas.microsoft.com/office/drawing/2014/main" xmlns="" id="{79926764-7BB4-4871-8C70-108B8CC68A5B}"/>
+                <a16:creationId xmlns:a16="http://schemas.microsoft.com/office/drawing/2014/main" id="{79926764-7BB4-4871-8C70-108B8CC68A5B}"/>
               </a:ext>
             </a:extLst>
           </p:cNvPr>
@@ -31841,7 +32295,7 @@
           <p:cNvPr id="8" name="그림 7">
             <a:extLst>
               <a:ext uri="{FF2B5EF4-FFF2-40B4-BE49-F238E27FC236}">
-                <a16:creationId xmlns:a16="http://schemas.microsoft.com/office/drawing/2014/main" xmlns="" id="{4A65AD21-41C2-4848-8179-5B78909D09D4}"/>
+                <a16:creationId xmlns:a16="http://schemas.microsoft.com/office/drawing/2014/main" id="{4A65AD21-41C2-4848-8179-5B78909D09D4}"/>
               </a:ext>
             </a:extLst>
           </p:cNvPr>
@@ -32046,7 +32500,7 @@
           <p:cNvPr id="6" name="직사각형 5">
             <a:extLst>
               <a:ext uri="{FF2B5EF4-FFF2-40B4-BE49-F238E27FC236}">
-                <a16:creationId xmlns:a16="http://schemas.microsoft.com/office/drawing/2014/main" xmlns="" id="{89AAFAD0-5F1B-47D7-B4A2-E83B36ABEA9B}"/>
+                <a16:creationId xmlns:a16="http://schemas.microsoft.com/office/drawing/2014/main" id="{89AAFAD0-5F1B-47D7-B4A2-E83B36ABEA9B}"/>
               </a:ext>
             </a:extLst>
           </p:cNvPr>
@@ -32098,7 +32552,7 @@
           <p:cNvPr id="7" name="TextBox 6">
             <a:extLst>
               <a:ext uri="{FF2B5EF4-FFF2-40B4-BE49-F238E27FC236}">
-                <a16:creationId xmlns:a16="http://schemas.microsoft.com/office/drawing/2014/main" xmlns="" id="{79926764-7BB4-4871-8C70-108B8CC68A5B}"/>
+                <a16:creationId xmlns:a16="http://schemas.microsoft.com/office/drawing/2014/main" id="{79926764-7BB4-4871-8C70-108B8CC68A5B}"/>
               </a:ext>
             </a:extLst>
           </p:cNvPr>
@@ -32224,7 +32678,7 @@
           <p:nvPr>
             <p:extLst>
               <p:ext uri="{D42A27DB-BD31-4B8C-83A1-F6EECF244321}">
-                <p14:modId xmlns:p14="http://schemas.microsoft.com/office/powerpoint/2010/main" val="3531925278"/>
+                <p14:modId xmlns:p14="http://schemas.microsoft.com/office/powerpoint/2010/main" val="2735560636"/>
               </p:ext>
             </p:extLst>
           </p:nvPr>
@@ -32243,14 +32697,14 @@
                 <a:gridCol w="2155078">
                   <a:extLst>
                     <a:ext uri="{9D8B030D-6E8A-4147-A177-3AD203B41FA5}">
-                      <a16:colId xmlns:a16="http://schemas.microsoft.com/office/drawing/2014/main" xmlns="" val="1115776647"/>
+                      <a16:colId xmlns:a16="http://schemas.microsoft.com/office/drawing/2014/main" val="1115776647"/>
                     </a:ext>
                   </a:extLst>
                 </a:gridCol>
                 <a:gridCol w="7301263">
                   <a:extLst>
                     <a:ext uri="{9D8B030D-6E8A-4147-A177-3AD203B41FA5}">
-                      <a16:colId xmlns:a16="http://schemas.microsoft.com/office/drawing/2014/main" xmlns="" val="969549235"/>
+                      <a16:colId xmlns:a16="http://schemas.microsoft.com/office/drawing/2014/main" val="969549235"/>
                     </a:ext>
                   </a:extLst>
                 </a:gridCol>
@@ -32458,7 +32912,7 @@
                 </a:tc>
                 <a:extLst>
                   <a:ext uri="{0D108BD9-81ED-4DB2-BD59-A6C34878D82A}">
-                    <a16:rowId xmlns:a16="http://schemas.microsoft.com/office/drawing/2014/main" xmlns="" val="3167975623"/>
+                    <a16:rowId xmlns:a16="http://schemas.microsoft.com/office/drawing/2014/main" val="3167975623"/>
                   </a:ext>
                 </a:extLst>
               </a:tr>
@@ -32659,7 +33113,7 @@
                 </a:tc>
                 <a:extLst>
                   <a:ext uri="{0D108BD9-81ED-4DB2-BD59-A6C34878D82A}">
-                    <a16:rowId xmlns:a16="http://schemas.microsoft.com/office/drawing/2014/main" xmlns="" val="3164851218"/>
+                    <a16:rowId xmlns:a16="http://schemas.microsoft.com/office/drawing/2014/main" val="3164851218"/>
                   </a:ext>
                 </a:extLst>
               </a:tr>
@@ -32815,7 +33269,7 @@
                 </a:tc>
                 <a:extLst>
                   <a:ext uri="{0D108BD9-81ED-4DB2-BD59-A6C34878D82A}">
-                    <a16:rowId xmlns:a16="http://schemas.microsoft.com/office/drawing/2014/main" xmlns="" val="1376776566"/>
+                    <a16:rowId xmlns:a16="http://schemas.microsoft.com/office/drawing/2014/main" val="1376776566"/>
                   </a:ext>
                 </a:extLst>
               </a:tr>
@@ -32865,7 +33319,7 @@
           <p:cNvPr id="4" name="직사각형 3">
             <a:extLst>
               <a:ext uri="{FF2B5EF4-FFF2-40B4-BE49-F238E27FC236}">
-                <a16:creationId xmlns:a16="http://schemas.microsoft.com/office/drawing/2014/main" xmlns="" id="{28F04EAB-6C7D-48B3-92CF-E9E7645E4C30}"/>
+                <a16:creationId xmlns:a16="http://schemas.microsoft.com/office/drawing/2014/main" id="{28F04EAB-6C7D-48B3-92CF-E9E7645E4C30}"/>
               </a:ext>
             </a:extLst>
           </p:cNvPr>
@@ -32917,7 +33371,7 @@
           <p:cNvPr id="5" name="TextBox 4">
             <a:extLst>
               <a:ext uri="{FF2B5EF4-FFF2-40B4-BE49-F238E27FC236}">
-                <a16:creationId xmlns:a16="http://schemas.microsoft.com/office/drawing/2014/main" xmlns="" id="{D7B4B6BF-0FD2-47C3-BC64-7D7D09641ECE}"/>
+                <a16:creationId xmlns:a16="http://schemas.microsoft.com/office/drawing/2014/main" id="{D7B4B6BF-0FD2-47C3-BC64-7D7D09641ECE}"/>
               </a:ext>
             </a:extLst>
           </p:cNvPr>
@@ -33693,7 +34147,7 @@
           <p:cNvPr id="4" name="직사각형 3">
             <a:extLst>
               <a:ext uri="{FF2B5EF4-FFF2-40B4-BE49-F238E27FC236}">
-                <a16:creationId xmlns:a16="http://schemas.microsoft.com/office/drawing/2014/main" xmlns="" id="{28F04EAB-6C7D-48B3-92CF-E9E7645E4C30}"/>
+                <a16:creationId xmlns:a16="http://schemas.microsoft.com/office/drawing/2014/main" id="{28F04EAB-6C7D-48B3-92CF-E9E7645E4C30}"/>
               </a:ext>
             </a:extLst>
           </p:cNvPr>
@@ -33745,7 +34199,7 @@
           <p:cNvPr id="5" name="TextBox 4">
             <a:extLst>
               <a:ext uri="{FF2B5EF4-FFF2-40B4-BE49-F238E27FC236}">
-                <a16:creationId xmlns:a16="http://schemas.microsoft.com/office/drawing/2014/main" xmlns="" id="{D7B4B6BF-0FD2-47C3-BC64-7D7D09641ECE}"/>
+                <a16:creationId xmlns:a16="http://schemas.microsoft.com/office/drawing/2014/main" id="{D7B4B6BF-0FD2-47C3-BC64-7D7D09641ECE}"/>
               </a:ext>
             </a:extLst>
           </p:cNvPr>
@@ -33815,7 +34269,7 @@
           <p:cNvPr id="6" name="직사각형 5">
             <a:extLst>
               <a:ext uri="{FF2B5EF4-FFF2-40B4-BE49-F238E27FC236}">
-                <a16:creationId xmlns:a16="http://schemas.microsoft.com/office/drawing/2014/main" xmlns="" id="{EBB5E121-33D9-4744-9E7C-89E4FF83A3B3}"/>
+                <a16:creationId xmlns:a16="http://schemas.microsoft.com/office/drawing/2014/main" id="{EBB5E121-33D9-4744-9E7C-89E4FF83A3B3}"/>
               </a:ext>
             </a:extLst>
           </p:cNvPr>
@@ -34018,7 +34472,7 @@
           <p:cNvPr id="8" name="직사각형 7">
             <a:extLst>
               <a:ext uri="{FF2B5EF4-FFF2-40B4-BE49-F238E27FC236}">
-                <a16:creationId xmlns:a16="http://schemas.microsoft.com/office/drawing/2014/main" xmlns="" id="{B3FCA96D-33A3-4F8F-8F65-992B97B15DA5}"/>
+                <a16:creationId xmlns:a16="http://schemas.microsoft.com/office/drawing/2014/main" id="{B3FCA96D-33A3-4F8F-8F65-992B97B15DA5}"/>
               </a:ext>
             </a:extLst>
           </p:cNvPr>
@@ -34070,7 +34524,7 @@
           <p:cNvPr id="4" name="TextBox 3">
             <a:extLst>
               <a:ext uri="{FF2B5EF4-FFF2-40B4-BE49-F238E27FC236}">
-                <a16:creationId xmlns:a16="http://schemas.microsoft.com/office/drawing/2014/main" xmlns="" id="{9DDE03D4-0FBC-4018-A501-15A3D0BECED1}"/>
+                <a16:creationId xmlns:a16="http://schemas.microsoft.com/office/drawing/2014/main" id="{9DDE03D4-0FBC-4018-A501-15A3D0BECED1}"/>
               </a:ext>
             </a:extLst>
           </p:cNvPr>
@@ -34219,7 +34673,7 @@
           <p:cNvPr id="6" name="직사각형 5">
             <a:extLst>
               <a:ext uri="{FF2B5EF4-FFF2-40B4-BE49-F238E27FC236}">
-                <a16:creationId xmlns:a16="http://schemas.microsoft.com/office/drawing/2014/main" xmlns="" id="{89AAFAD0-5F1B-47D7-B4A2-E83B36ABEA9B}"/>
+                <a16:creationId xmlns:a16="http://schemas.microsoft.com/office/drawing/2014/main" id="{89AAFAD0-5F1B-47D7-B4A2-E83B36ABEA9B}"/>
               </a:ext>
             </a:extLst>
           </p:cNvPr>
@@ -34271,7 +34725,7 @@
           <p:cNvPr id="7" name="TextBox 6">
             <a:extLst>
               <a:ext uri="{FF2B5EF4-FFF2-40B4-BE49-F238E27FC236}">
-                <a16:creationId xmlns:a16="http://schemas.microsoft.com/office/drawing/2014/main" xmlns="" id="{79926764-7BB4-4871-8C70-108B8CC68A5B}"/>
+                <a16:creationId xmlns:a16="http://schemas.microsoft.com/office/drawing/2014/main" id="{79926764-7BB4-4871-8C70-108B8CC68A5B}"/>
               </a:ext>
             </a:extLst>
           </p:cNvPr>
@@ -34386,7 +34840,7 @@
           <p:cNvPr id="8" name="TextBox 7">
             <a:extLst>
               <a:ext uri="{FF2B5EF4-FFF2-40B4-BE49-F238E27FC236}">
-                <a16:creationId xmlns:a16="http://schemas.microsoft.com/office/drawing/2014/main" xmlns="" id="{7941690F-3CA3-43A4-9C00-0A1A716ABEEE}"/>
+                <a16:creationId xmlns:a16="http://schemas.microsoft.com/office/drawing/2014/main" id="{7941690F-3CA3-43A4-9C00-0A1A716ABEEE}"/>
               </a:ext>
             </a:extLst>
           </p:cNvPr>
@@ -34540,7 +34994,7 @@
           <p:cNvPr id="9" name="TextBox 8">
             <a:extLst>
               <a:ext uri="{FF2B5EF4-FFF2-40B4-BE49-F238E27FC236}">
-                <a16:creationId xmlns:a16="http://schemas.microsoft.com/office/drawing/2014/main" xmlns="" id="{7941690F-3CA3-43A4-9C00-0A1A716ABEEE}"/>
+                <a16:creationId xmlns:a16="http://schemas.microsoft.com/office/drawing/2014/main" id="{7941690F-3CA3-43A4-9C00-0A1A716ABEEE}"/>
               </a:ext>
             </a:extLst>
           </p:cNvPr>
@@ -35088,7 +35542,7 @@
           <p:cNvPr id="14" name="TextBox 13">
             <a:extLst>
               <a:ext uri="{FF2B5EF4-FFF2-40B4-BE49-F238E27FC236}">
-                <a16:creationId xmlns:a16="http://schemas.microsoft.com/office/drawing/2014/main" xmlns="" id="{7941690F-3CA3-43A4-9C00-0A1A716ABEEE}"/>
+                <a16:creationId xmlns:a16="http://schemas.microsoft.com/office/drawing/2014/main" id="{7941690F-3CA3-43A4-9C00-0A1A716ABEEE}"/>
               </a:ext>
             </a:extLst>
           </p:cNvPr>
@@ -35242,7 +35696,7 @@
           <p:cNvPr id="15" name="TextBox 14">
             <a:extLst>
               <a:ext uri="{FF2B5EF4-FFF2-40B4-BE49-F238E27FC236}">
-                <a16:creationId xmlns:a16="http://schemas.microsoft.com/office/drawing/2014/main" xmlns="" id="{7941690F-3CA3-43A4-9C00-0A1A716ABEEE}"/>
+                <a16:creationId xmlns:a16="http://schemas.microsoft.com/office/drawing/2014/main" id="{7941690F-3CA3-43A4-9C00-0A1A716ABEEE}"/>
               </a:ext>
             </a:extLst>
           </p:cNvPr>
@@ -35252,7 +35706,7 @@
         <p:spPr>
           <a:xfrm>
             <a:off x="3202373" y="4594209"/>
-            <a:ext cx="2603598" cy="1138773"/>
+            <a:ext cx="2685351" cy="1138773"/>
           </a:xfrm>
           <a:prstGeom prst="rect">
             <a:avLst/>
@@ -35386,7 +35840,49 @@
                 <a:ea typeface="맑은 고딕" panose="020B0503020000020004" pitchFamily="50" charset="-127"/>
                 <a:cs typeface="함초롬바탕" panose="02030604000101010101" pitchFamily="18" charset="-127"/>
               </a:rPr>
-              <a:t>- DB</a:t>
+              <a:t>- </a:t>
+            </a:r>
+            <a:r>
+              <a:rPr lang="en-US" altLang="ko-KR" b="1" dirty="0" smtClean="0">
+                <a:ln>
+                  <a:solidFill>
+                    <a:schemeClr val="accent1">
+                      <a:alpha val="0"/>
+                    </a:schemeClr>
+                  </a:solidFill>
+                </a:ln>
+                <a:solidFill>
+                  <a:schemeClr val="tx1">
+                    <a:lumMod val="75000"/>
+                    <a:lumOff val="25000"/>
+                  </a:schemeClr>
+                </a:solidFill>
+                <a:latin typeface="맑은 고딕" panose="020B0503020000020004" pitchFamily="50" charset="-127"/>
+                <a:ea typeface="맑은 고딕" panose="020B0503020000020004" pitchFamily="50" charset="-127"/>
+                <a:cs typeface="함초롬바탕" panose="02030604000101010101" pitchFamily="18" charset="-127"/>
+              </a:rPr>
+              <a:t> DB</a:t>
+            </a:r>
+            <a:r>
+              <a:rPr lang="ko-KR" altLang="en-US" b="1" dirty="0" smtClean="0">
+                <a:ln>
+                  <a:solidFill>
+                    <a:schemeClr val="accent1">
+                      <a:alpha val="0"/>
+                    </a:schemeClr>
+                  </a:solidFill>
+                </a:ln>
+                <a:solidFill>
+                  <a:schemeClr val="tx1">
+                    <a:lumMod val="75000"/>
+                    <a:lumOff val="25000"/>
+                  </a:schemeClr>
+                </a:solidFill>
+                <a:latin typeface="맑은 고딕" panose="020B0503020000020004" pitchFamily="50" charset="-127"/>
+                <a:ea typeface="맑은 고딕" panose="020B0503020000020004" pitchFamily="50" charset="-127"/>
+                <a:cs typeface="함초롬바탕" panose="02030604000101010101" pitchFamily="18" charset="-127"/>
+              </a:rPr>
+              <a:t> </a:t>
             </a:r>
             <a:r>
               <a:rPr lang="ko-KR" altLang="en-US" b="1" dirty="0">
@@ -35407,7 +35903,7 @@
                 <a:ea typeface="맑은 고딕" panose="020B0503020000020004" pitchFamily="50" charset="-127"/>
                 <a:cs typeface="함초롬바탕" panose="02030604000101010101" pitchFamily="18" charset="-127"/>
               </a:rPr>
-              <a:t> 설계</a:t>
+              <a:t>설계</a:t>
             </a:r>
             <a:r>
               <a:rPr lang="en-US" altLang="ko-KR" b="1" dirty="0">
@@ -35512,7 +36008,7 @@
           <p:cNvPr id="17" name="TextBox 16">
             <a:extLst>
               <a:ext uri="{FF2B5EF4-FFF2-40B4-BE49-F238E27FC236}">
-                <a16:creationId xmlns:a16="http://schemas.microsoft.com/office/drawing/2014/main" xmlns="" id="{7941690F-3CA3-43A4-9C00-0A1A716ABEEE}"/>
+                <a16:creationId xmlns:a16="http://schemas.microsoft.com/office/drawing/2014/main" id="{7941690F-3CA3-43A4-9C00-0A1A716ABEEE}"/>
               </a:ext>
             </a:extLst>
           </p:cNvPr>
@@ -35666,7 +36162,7 @@
           <p:cNvPr id="18" name="TextBox 17">
             <a:extLst>
               <a:ext uri="{FF2B5EF4-FFF2-40B4-BE49-F238E27FC236}">
-                <a16:creationId xmlns:a16="http://schemas.microsoft.com/office/drawing/2014/main" xmlns="" id="{7941690F-3CA3-43A4-9C00-0A1A716ABEEE}"/>
+                <a16:creationId xmlns:a16="http://schemas.microsoft.com/office/drawing/2014/main" id="{7941690F-3CA3-43A4-9C00-0A1A716ABEEE}"/>
               </a:ext>
             </a:extLst>
           </p:cNvPr>
@@ -35676,7 +36172,7 @@
         <p:spPr>
           <a:xfrm>
             <a:off x="8306394" y="2220294"/>
-            <a:ext cx="3318537" cy="1415772"/>
+            <a:ext cx="3318537" cy="1138773"/>
           </a:xfrm>
           <a:prstGeom prst="rect">
             <a:avLst/>
@@ -35877,34 +36373,10 @@
                 <a:ea typeface="맑은 고딕" panose="020B0503020000020004" pitchFamily="50" charset="-127"/>
                 <a:cs typeface="함초롬바탕" panose="02030604000101010101" pitchFamily="18" charset="-127"/>
               </a:rPr>
-              <a:t> 데이터 분석</a:t>
-            </a:r>
-            <a:endParaRPr lang="en-US" altLang="ko-KR" b="1" dirty="0">
-              <a:ln>
-                <a:solidFill>
-                  <a:schemeClr val="accent1">
-                    <a:alpha val="0"/>
-                  </a:schemeClr>
-                </a:solidFill>
-              </a:ln>
-              <a:solidFill>
-                <a:schemeClr val="tx1">
-                  <a:lumMod val="75000"/>
-                  <a:lumOff val="25000"/>
-                </a:schemeClr>
-              </a:solidFill>
-              <a:latin typeface="맑은 고딕" panose="020B0503020000020004" pitchFamily="50" charset="-127"/>
-              <a:ea typeface="맑은 고딕" panose="020B0503020000020004" pitchFamily="50" charset="-127"/>
-              <a:cs typeface="함초롬바탕" panose="02030604000101010101" pitchFamily="18" charset="-127"/>
-            </a:endParaRPr>
-          </a:p>
-          <a:p>
-            <a:pPr marL="285750" indent="-285750">
-              <a:buFontTx/>
-              <a:buChar char="-"/>
-            </a:pPr>
-            <a:r>
-              <a:rPr lang="ko-KR" altLang="en-US" b="1" dirty="0">
+              <a:t> 데이터 </a:t>
+            </a:r>
+            <a:r>
+              <a:rPr lang="ko-KR" altLang="en-US" b="1" dirty="0" smtClean="0">
                 <a:ln>
                   <a:solidFill>
                     <a:schemeClr val="accent1">
@@ -35922,7 +36394,7 @@
                 <a:ea typeface="맑은 고딕" panose="020B0503020000020004" pitchFamily="50" charset="-127"/>
                 <a:cs typeface="함초롬바탕" panose="02030604000101010101" pitchFamily="18" charset="-127"/>
               </a:rPr>
-              <a:t>시제품 제작</a:t>
+              <a:t>분석</a:t>
             </a:r>
             <a:endParaRPr lang="en-US" altLang="ko-KR" b="1" dirty="0">
               <a:ln>
@@ -35985,7 +36457,7 @@
           <p:cNvPr id="20" name="TextBox 19">
             <a:extLst>
               <a:ext uri="{FF2B5EF4-FFF2-40B4-BE49-F238E27FC236}">
-                <a16:creationId xmlns:a16="http://schemas.microsoft.com/office/drawing/2014/main" xmlns="" id="{7941690F-3CA3-43A4-9C00-0A1A716ABEEE}"/>
+                <a16:creationId xmlns:a16="http://schemas.microsoft.com/office/drawing/2014/main" id="{7941690F-3CA3-43A4-9C00-0A1A716ABEEE}"/>
               </a:ext>
             </a:extLst>
           </p:cNvPr>
@@ -36139,7 +36611,7 @@
           <p:cNvPr id="21" name="TextBox 20">
             <a:extLst>
               <a:ext uri="{FF2B5EF4-FFF2-40B4-BE49-F238E27FC236}">
-                <a16:creationId xmlns:a16="http://schemas.microsoft.com/office/drawing/2014/main" xmlns="" id="{7941690F-3CA3-43A4-9C00-0A1A716ABEEE}"/>
+                <a16:creationId xmlns:a16="http://schemas.microsoft.com/office/drawing/2014/main" id="{7941690F-3CA3-43A4-9C00-0A1A716ABEEE}"/>
               </a:ext>
             </a:extLst>
           </p:cNvPr>
@@ -36447,7 +36919,7 @@
           <p:cNvPr id="13" name="그림 12" descr="사람, 소년, 젊은, 아이이(가) 표시된 사진&#10;&#10;자동 생성된 설명">
             <a:extLst>
               <a:ext uri="{FF2B5EF4-FFF2-40B4-BE49-F238E27FC236}">
-                <a16:creationId xmlns:a16="http://schemas.microsoft.com/office/drawing/2014/main" xmlns="" id="{A0BDCD2F-94CD-8746-B945-6D56B4840CAE}"/>
+                <a16:creationId xmlns:a16="http://schemas.microsoft.com/office/drawing/2014/main" id="{A0BDCD2F-94CD-8746-B945-6D56B4840CAE}"/>
               </a:ext>
             </a:extLst>
           </p:cNvPr>
@@ -36533,7 +37005,7 @@
           <p:cNvPr id="4" name="직사각형 3">
             <a:extLst>
               <a:ext uri="{FF2B5EF4-FFF2-40B4-BE49-F238E27FC236}">
-                <a16:creationId xmlns:a16="http://schemas.microsoft.com/office/drawing/2014/main" xmlns="" id="{B49BAE7A-C466-4C0A-AE0D-167077B357B6}"/>
+                <a16:creationId xmlns:a16="http://schemas.microsoft.com/office/drawing/2014/main" id="{B49BAE7A-C466-4C0A-AE0D-167077B357B6}"/>
               </a:ext>
             </a:extLst>
           </p:cNvPr>
@@ -36585,7 +37057,7 @@
           <p:cNvPr id="26" name="TextBox 25">
             <a:extLst>
               <a:ext uri="{FF2B5EF4-FFF2-40B4-BE49-F238E27FC236}">
-                <a16:creationId xmlns:a16="http://schemas.microsoft.com/office/drawing/2014/main" xmlns="" id="{C9DAF82C-ADFD-4B48-B29F-3AE82A1617AC}"/>
+                <a16:creationId xmlns:a16="http://schemas.microsoft.com/office/drawing/2014/main" id="{C9DAF82C-ADFD-4B48-B29F-3AE82A1617AC}"/>
               </a:ext>
             </a:extLst>
           </p:cNvPr>
@@ -36680,7 +37152,7 @@
           <p:cNvPr id="10" name="직사각형 9">
             <a:extLst>
               <a:ext uri="{FF2B5EF4-FFF2-40B4-BE49-F238E27FC236}">
-                <a16:creationId xmlns:a16="http://schemas.microsoft.com/office/drawing/2014/main" xmlns="" id="{89AAFAD0-5F1B-47D7-B4A2-E83B36ABEA9B}"/>
+                <a16:creationId xmlns:a16="http://schemas.microsoft.com/office/drawing/2014/main" id="{89AAFAD0-5F1B-47D7-B4A2-E83B36ABEA9B}"/>
               </a:ext>
             </a:extLst>
           </p:cNvPr>
@@ -36732,7 +37204,7 @@
           <p:cNvPr id="11" name="직사각형 10">
             <a:extLst>
               <a:ext uri="{FF2B5EF4-FFF2-40B4-BE49-F238E27FC236}">
-                <a16:creationId xmlns:a16="http://schemas.microsoft.com/office/drawing/2014/main" xmlns="" id="{89AAFAD0-5F1B-47D7-B4A2-E83B36ABEA9B}"/>
+                <a16:creationId xmlns:a16="http://schemas.microsoft.com/office/drawing/2014/main" id="{89AAFAD0-5F1B-47D7-B4A2-E83B36ABEA9B}"/>
               </a:ext>
             </a:extLst>
           </p:cNvPr>
@@ -36784,7 +37256,7 @@
           <p:cNvPr id="12" name="직사각형 11">
             <a:extLst>
               <a:ext uri="{FF2B5EF4-FFF2-40B4-BE49-F238E27FC236}">
-                <a16:creationId xmlns:a16="http://schemas.microsoft.com/office/drawing/2014/main" xmlns="" id="{89AAFAD0-5F1B-47D7-B4A2-E83B36ABEA9B}"/>
+                <a16:creationId xmlns:a16="http://schemas.microsoft.com/office/drawing/2014/main" id="{89AAFAD0-5F1B-47D7-B4A2-E83B36ABEA9B}"/>
               </a:ext>
             </a:extLst>
           </p:cNvPr>
@@ -36836,7 +37308,7 @@
           <p:cNvPr id="15" name="직사각형 14">
             <a:extLst>
               <a:ext uri="{FF2B5EF4-FFF2-40B4-BE49-F238E27FC236}">
-                <a16:creationId xmlns:a16="http://schemas.microsoft.com/office/drawing/2014/main" xmlns="" id="{89AAFAD0-5F1B-47D7-B4A2-E83B36ABEA9B}"/>
+                <a16:creationId xmlns:a16="http://schemas.microsoft.com/office/drawing/2014/main" id="{89AAFAD0-5F1B-47D7-B4A2-E83B36ABEA9B}"/>
               </a:ext>
             </a:extLst>
           </p:cNvPr>
@@ -36888,7 +37360,7 @@
           <p:cNvPr id="16" name="TextBox 15">
             <a:extLst>
               <a:ext uri="{FF2B5EF4-FFF2-40B4-BE49-F238E27FC236}">
-                <a16:creationId xmlns:a16="http://schemas.microsoft.com/office/drawing/2014/main" xmlns="" id="{79926764-7BB4-4871-8C70-108B8CC68A5B}"/>
+                <a16:creationId xmlns:a16="http://schemas.microsoft.com/office/drawing/2014/main" id="{79926764-7BB4-4871-8C70-108B8CC68A5B}"/>
               </a:ext>
             </a:extLst>
           </p:cNvPr>
@@ -36932,7 +37404,7 @@
           <p:cNvPr id="18" name="TextBox 17">
             <a:extLst>
               <a:ext uri="{FF2B5EF4-FFF2-40B4-BE49-F238E27FC236}">
-                <a16:creationId xmlns:a16="http://schemas.microsoft.com/office/drawing/2014/main" xmlns="" id="{79926764-7BB4-4871-8C70-108B8CC68A5B}"/>
+                <a16:creationId xmlns:a16="http://schemas.microsoft.com/office/drawing/2014/main" id="{79926764-7BB4-4871-8C70-108B8CC68A5B}"/>
               </a:ext>
             </a:extLst>
           </p:cNvPr>
@@ -36976,7 +37448,7 @@
           <p:cNvPr id="21" name="TextBox 20">
             <a:extLst>
               <a:ext uri="{FF2B5EF4-FFF2-40B4-BE49-F238E27FC236}">
-                <a16:creationId xmlns:a16="http://schemas.microsoft.com/office/drawing/2014/main" xmlns="" id="{79926764-7BB4-4871-8C70-108B8CC68A5B}"/>
+                <a16:creationId xmlns:a16="http://schemas.microsoft.com/office/drawing/2014/main" id="{79926764-7BB4-4871-8C70-108B8CC68A5B}"/>
               </a:ext>
             </a:extLst>
           </p:cNvPr>
@@ -37020,7 +37492,7 @@
           <p:cNvPr id="22" name="TextBox 21">
             <a:extLst>
               <a:ext uri="{FF2B5EF4-FFF2-40B4-BE49-F238E27FC236}">
-                <a16:creationId xmlns:a16="http://schemas.microsoft.com/office/drawing/2014/main" xmlns="" id="{79926764-7BB4-4871-8C70-108B8CC68A5B}"/>
+                <a16:creationId xmlns:a16="http://schemas.microsoft.com/office/drawing/2014/main" id="{79926764-7BB4-4871-8C70-108B8CC68A5B}"/>
               </a:ext>
             </a:extLst>
           </p:cNvPr>
@@ -37056,7 +37528,7 @@
             <a:r>
               <a:rPr lang="ko-KR" altLang="en-US" sz="2000" b="1" dirty="0">
                 <a:solidFill>
-                  <a:sysClr val="windowText" lastClr="000000"/>
+                  <a:srgbClr val="767171"/>
                 </a:solidFill>
                 <a:latin typeface="맑은 고딕" panose="020B0503020000020004" pitchFamily="50" charset="-127"/>
                 <a:cs typeface="함초롬바탕" panose="02030604000101010101" pitchFamily="18" charset="-127"/>
@@ -37065,7 +37537,7 @@
             </a:r>
             <a:endParaRPr lang="en-US" altLang="ko-KR" sz="2000" b="1" dirty="0">
               <a:solidFill>
-                <a:sysClr val="windowText" lastClr="000000"/>
+                <a:srgbClr val="767171"/>
               </a:solidFill>
               <a:latin typeface="맑은 고딕" panose="020B0503020000020004" pitchFamily="50" charset="-127"/>
               <a:cs typeface="함초롬바탕" panose="02030604000101010101" pitchFamily="18" charset="-127"/>
@@ -37085,7 +37557,7 @@
             <a:r>
               <a:rPr lang="ko-KR" altLang="en-US" sz="2000" b="1" dirty="0">
                 <a:solidFill>
-                  <a:sysClr val="windowText" lastClr="000000"/>
+                  <a:srgbClr val="767171"/>
                 </a:solidFill>
                 <a:latin typeface="맑은 고딕" panose="020B0503020000020004" pitchFamily="50" charset="-127"/>
                 <a:cs typeface="함초롬바탕" panose="02030604000101010101" pitchFamily="18" charset="-127"/>
@@ -37094,7 +37566,7 @@
             </a:r>
             <a:endParaRPr lang="en-US" altLang="ko-KR" sz="2000" b="1" dirty="0">
               <a:solidFill>
-                <a:sysClr val="windowText" lastClr="000000"/>
+                <a:srgbClr val="767171"/>
               </a:solidFill>
               <a:latin typeface="맑은 고딕" panose="020B0503020000020004" pitchFamily="50" charset="-127"/>
               <a:cs typeface="함초롬바탕" panose="02030604000101010101" pitchFamily="18" charset="-127"/>
@@ -37114,7 +37586,7 @@
             <a:r>
               <a:rPr lang="ko-KR" altLang="en-US" sz="2000" b="1" dirty="0">
                 <a:solidFill>
-                  <a:sysClr val="windowText" lastClr="000000"/>
+                  <a:srgbClr val="767171"/>
                 </a:solidFill>
                 <a:latin typeface="맑은 고딕" panose="020B0503020000020004" pitchFamily="50" charset="-127"/>
                 <a:cs typeface="함초롬바탕" panose="02030604000101010101" pitchFamily="18" charset="-127"/>
@@ -37123,7 +37595,7 @@
             </a:r>
             <a:endParaRPr lang="en-US" altLang="ko-KR" sz="2000" b="1" dirty="0">
               <a:solidFill>
-                <a:sysClr val="windowText" lastClr="000000"/>
+                <a:srgbClr val="767171"/>
               </a:solidFill>
               <a:latin typeface="맑은 고딕" panose="020B0503020000020004" pitchFamily="50" charset="-127"/>
               <a:cs typeface="함초롬바탕" panose="02030604000101010101" pitchFamily="18" charset="-127"/>
@@ -37136,7 +37608,7 @@
           <p:cNvPr id="24" name="직사각형 23">
             <a:extLst>
               <a:ext uri="{FF2B5EF4-FFF2-40B4-BE49-F238E27FC236}">
-                <a16:creationId xmlns:a16="http://schemas.microsoft.com/office/drawing/2014/main" xmlns="" id="{7F204B37-1C2A-4D26-8D41-D7200380B417}"/>
+                <a16:creationId xmlns:a16="http://schemas.microsoft.com/office/drawing/2014/main" id="{7F204B37-1C2A-4D26-8D41-D7200380B417}"/>
               </a:ext>
             </a:extLst>
           </p:cNvPr>
@@ -37188,7 +37660,7 @@
           <p:cNvPr id="2" name="타원 1">
             <a:extLst>
               <a:ext uri="{FF2B5EF4-FFF2-40B4-BE49-F238E27FC236}">
-                <a16:creationId xmlns:a16="http://schemas.microsoft.com/office/drawing/2014/main" xmlns="" id="{3B85DD87-EC7E-4871-AB5A-A089BDB4BEFE}"/>
+                <a16:creationId xmlns:a16="http://schemas.microsoft.com/office/drawing/2014/main" id="{3B85DD87-EC7E-4871-AB5A-A089BDB4BEFE}"/>
               </a:ext>
             </a:extLst>
           </p:cNvPr>
@@ -37240,7 +37712,7 @@
           <p:cNvPr id="26" name="타원 25">
             <a:extLst>
               <a:ext uri="{FF2B5EF4-FFF2-40B4-BE49-F238E27FC236}">
-                <a16:creationId xmlns:a16="http://schemas.microsoft.com/office/drawing/2014/main" xmlns="" id="{B6443B5A-47F0-4C81-983B-010A8817C0B7}"/>
+                <a16:creationId xmlns:a16="http://schemas.microsoft.com/office/drawing/2014/main" id="{B6443B5A-47F0-4C81-983B-010A8817C0B7}"/>
               </a:ext>
             </a:extLst>
           </p:cNvPr>
@@ -37292,7 +37764,7 @@
           <p:cNvPr id="17" name="TextBox 16">
             <a:extLst>
               <a:ext uri="{FF2B5EF4-FFF2-40B4-BE49-F238E27FC236}">
-                <a16:creationId xmlns:a16="http://schemas.microsoft.com/office/drawing/2014/main" xmlns="" id="{79926764-7BB4-4871-8C70-108B8CC68A5B}"/>
+                <a16:creationId xmlns:a16="http://schemas.microsoft.com/office/drawing/2014/main" id="{79926764-7BB4-4871-8C70-108B8CC68A5B}"/>
               </a:ext>
             </a:extLst>
           </p:cNvPr>
@@ -37327,6 +37799,9 @@
             </a:pPr>
             <a:r>
               <a:rPr lang="ko-KR" altLang="en-US" sz="2000" b="1" dirty="0">
+                <a:solidFill>
+                  <a:srgbClr val="767171"/>
+                </a:solidFill>
                 <a:latin typeface="맑은 고딕" panose="020B0503020000020004" pitchFamily="50" charset="-127"/>
                 <a:cs typeface="함초롬바탕" panose="02030604000101010101" pitchFamily="18" charset="-127"/>
               </a:rPr>
@@ -37334,6 +37809,9 @@
             </a:r>
             <a:r>
               <a:rPr lang="en-US" altLang="ko-KR" sz="2000" b="1" dirty="0">
+                <a:solidFill>
+                  <a:srgbClr val="767171"/>
+                </a:solidFill>
                 <a:latin typeface="맑은 고딕" panose="020B0503020000020004" pitchFamily="50" charset="-127"/>
                 <a:cs typeface="함초롬바탕" panose="02030604000101010101" pitchFamily="18" charset="-127"/>
               </a:rPr>
@@ -37341,6 +37819,9 @@
             </a:r>
             <a:r>
               <a:rPr lang="ko-KR" altLang="en-US" sz="2000" b="1" dirty="0">
+                <a:solidFill>
+                  <a:srgbClr val="767171"/>
+                </a:solidFill>
                 <a:latin typeface="맑은 고딕" panose="020B0503020000020004" pitchFamily="50" charset="-127"/>
                 <a:cs typeface="함초롬바탕" panose="02030604000101010101" pitchFamily="18" charset="-127"/>
               </a:rPr>
@@ -37348,6 +37829,9 @@
             </a:r>
             <a:r>
               <a:rPr lang="ko-KR" altLang="en-US" sz="2000" b="1" dirty="0" err="1">
+                <a:solidFill>
+                  <a:srgbClr val="767171"/>
+                </a:solidFill>
                 <a:latin typeface="맑은 고딕" panose="020B0503020000020004" pitchFamily="50" charset="-127"/>
                 <a:cs typeface="함초롬바탕" panose="02030604000101010101" pitchFamily="18" charset="-127"/>
               </a:rPr>
@@ -37355,12 +37839,18 @@
             </a:r>
             <a:r>
               <a:rPr lang="ko-KR" altLang="en-US" sz="2000" b="1" dirty="0">
+                <a:solidFill>
+                  <a:srgbClr val="767171"/>
+                </a:solidFill>
                 <a:latin typeface="맑은 고딕" panose="020B0503020000020004" pitchFamily="50" charset="-127"/>
                 <a:cs typeface="함초롬바탕" panose="02030604000101010101" pitchFamily="18" charset="-127"/>
               </a:rPr>
               <a:t> 하기위해</a:t>
             </a:r>
             <a:endParaRPr lang="en-US" altLang="ko-KR" sz="2000" b="1" dirty="0">
+              <a:solidFill>
+                <a:srgbClr val="767171"/>
+              </a:solidFill>
               <a:latin typeface="맑은 고딕" panose="020B0503020000020004" pitchFamily="50" charset="-127"/>
               <a:cs typeface="함초롬바탕" panose="02030604000101010101" pitchFamily="18" charset="-127"/>
             </a:endParaRPr>
@@ -37422,7 +37912,7 @@
             <p:cNvPr id="19" name="TextBox 18">
               <a:extLst>
                 <a:ext uri="{FF2B5EF4-FFF2-40B4-BE49-F238E27FC236}">
-                  <a16:creationId xmlns:a16="http://schemas.microsoft.com/office/drawing/2014/main" xmlns="" id="{79926764-7BB4-4871-8C70-108B8CC68A5B}"/>
+                  <a16:creationId xmlns:a16="http://schemas.microsoft.com/office/drawing/2014/main" id="{79926764-7BB4-4871-8C70-108B8CC68A5B}"/>
                 </a:ext>
               </a:extLst>
             </p:cNvPr>
@@ -37456,7 +37946,7 @@
               <a:r>
                 <a:rPr lang="ko-KR" altLang="en-US" sz="1600" b="1" dirty="0">
                   <a:solidFill>
-                    <a:sysClr val="windowText" lastClr="000000"/>
+                    <a:srgbClr val="767171"/>
                   </a:solidFill>
                   <a:latin typeface="맑은 고딕" panose="020B0503020000020004" pitchFamily="50" charset="-127"/>
                   <a:cs typeface="함초롬바탕" panose="02030604000101010101" pitchFamily="18" charset="-127"/>
@@ -37466,7 +37956,7 @@
               <a:r>
                 <a:rPr lang="en-US" altLang="ko-KR" sz="1600" b="1" dirty="0">
                   <a:solidFill>
-                    <a:sysClr val="windowText" lastClr="000000"/>
+                    <a:srgbClr val="767171"/>
                   </a:solidFill>
                   <a:latin typeface="맑은 고딕" panose="020B0503020000020004" pitchFamily="50" charset="-127"/>
                   <a:cs typeface="함초롬바탕" panose="02030604000101010101" pitchFamily="18" charset="-127"/>
@@ -37476,7 +37966,7 @@
               <a:r>
                 <a:rPr lang="ko-KR" altLang="en-US" sz="1600" b="1" dirty="0">
                   <a:solidFill>
-                    <a:sysClr val="windowText" lastClr="000000"/>
+                    <a:srgbClr val="767171"/>
                   </a:solidFill>
                   <a:latin typeface="맑은 고딕" panose="020B0503020000020004" pitchFamily="50" charset="-127"/>
                   <a:cs typeface="함초롬바탕" panose="02030604000101010101" pitchFamily="18" charset="-127"/>
@@ -37485,7 +37975,7 @@
               </a:r>
               <a:endParaRPr lang="en-US" altLang="ko-KR" sz="1600" b="1" dirty="0">
                 <a:solidFill>
-                  <a:sysClr val="windowText" lastClr="000000"/>
+                  <a:srgbClr val="767171"/>
                 </a:solidFill>
                 <a:latin typeface="맑은 고딕" panose="020B0503020000020004" pitchFamily="50" charset="-127"/>
                 <a:cs typeface="함초롬바탕" panose="02030604000101010101" pitchFamily="18" charset="-127"/>
@@ -37535,7 +38025,7 @@
           <p:cNvPr id="20" name="TextBox 19">
             <a:extLst>
               <a:ext uri="{FF2B5EF4-FFF2-40B4-BE49-F238E27FC236}">
-                <a16:creationId xmlns:a16="http://schemas.microsoft.com/office/drawing/2014/main" xmlns="" id="{79926764-7BB4-4871-8C70-108B8CC68A5B}"/>
+                <a16:creationId xmlns:a16="http://schemas.microsoft.com/office/drawing/2014/main" id="{79926764-7BB4-4871-8C70-108B8CC68A5B}"/>
               </a:ext>
             </a:extLst>
           </p:cNvPr>
@@ -37579,7 +38069,7 @@
           <p:cNvPr id="28" name="타원 27">
             <a:extLst>
               <a:ext uri="{FF2B5EF4-FFF2-40B4-BE49-F238E27FC236}">
-                <a16:creationId xmlns:a16="http://schemas.microsoft.com/office/drawing/2014/main" xmlns="" id="{B6443B5A-47F0-4C81-983B-010A8817C0B7}"/>
+                <a16:creationId xmlns:a16="http://schemas.microsoft.com/office/drawing/2014/main" id="{B6443B5A-47F0-4C81-983B-010A8817C0B7}"/>
               </a:ext>
             </a:extLst>
           </p:cNvPr>
@@ -37631,7 +38121,7 @@
           <p:cNvPr id="29" name="TextBox 28">
             <a:extLst>
               <a:ext uri="{FF2B5EF4-FFF2-40B4-BE49-F238E27FC236}">
-                <a16:creationId xmlns:a16="http://schemas.microsoft.com/office/drawing/2014/main" xmlns="" id="{79926764-7BB4-4871-8C70-108B8CC68A5B}"/>
+                <a16:creationId xmlns:a16="http://schemas.microsoft.com/office/drawing/2014/main" id="{79926764-7BB4-4871-8C70-108B8CC68A5B}"/>
               </a:ext>
             </a:extLst>
           </p:cNvPr>
@@ -37641,7 +38131,7 @@
         <p:spPr>
           <a:xfrm>
             <a:off x="1880235" y="5506391"/>
-            <a:ext cx="9870777" cy="956159"/>
+            <a:ext cx="9870777" cy="1015663"/>
           </a:xfrm>
           <a:prstGeom prst="rect">
             <a:avLst/>
@@ -37666,6 +38156,9 @@
             </a:pPr>
             <a:r>
               <a:rPr lang="ko-KR" altLang="en-US" sz="2000" b="1" dirty="0">
+                <a:solidFill>
+                  <a:srgbClr val="767171"/>
+                </a:solidFill>
                 <a:latin typeface="맑은 고딕" panose="020B0503020000020004" pitchFamily="50" charset="-127"/>
                 <a:cs typeface="함초롬바탕" panose="02030604000101010101" pitchFamily="18" charset="-127"/>
               </a:rPr>
@@ -37673,6 +38166,9 @@
             </a:r>
             <a:r>
               <a:rPr lang="en-US" altLang="ko-KR" sz="2000" b="1" dirty="0">
+                <a:solidFill>
+                  <a:srgbClr val="767171"/>
+                </a:solidFill>
                 <a:latin typeface="맑은 고딕" panose="020B0503020000020004" pitchFamily="50" charset="-127"/>
                 <a:cs typeface="함초롬바탕" panose="02030604000101010101" pitchFamily="18" charset="-127"/>
               </a:rPr>
@@ -37680,12 +38176,18 @@
             </a:r>
             <a:r>
               <a:rPr lang="ko-KR" altLang="en-US" sz="2000" b="1" dirty="0">
+                <a:solidFill>
+                  <a:srgbClr val="767171"/>
+                </a:solidFill>
                 <a:latin typeface="맑은 고딕" panose="020B0503020000020004" pitchFamily="50" charset="-127"/>
                 <a:cs typeface="함초롬바탕" panose="02030604000101010101" pitchFamily="18" charset="-127"/>
               </a:rPr>
               <a:t>편리한 사용으로 원하는 젊은 세대의 요구를 충족</a:t>
             </a:r>
             <a:endParaRPr lang="en-US" altLang="ko-KR" sz="2000" b="1" dirty="0">
+              <a:solidFill>
+                <a:srgbClr val="767171"/>
+              </a:solidFill>
               <a:latin typeface="맑은 고딕" panose="020B0503020000020004" pitchFamily="50" charset="-127"/>
               <a:cs typeface="함초롬바탕" panose="02030604000101010101" pitchFamily="18" charset="-127"/>
             </a:endParaRPr>
@@ -37703,12 +38205,18 @@
             </a:pPr>
             <a:r>
               <a:rPr lang="ko-KR" altLang="en-US" sz="2000" b="1" dirty="0">
+                <a:solidFill>
+                  <a:srgbClr val="767171"/>
+                </a:solidFill>
                 <a:latin typeface="맑은 고딕" panose="020B0503020000020004" pitchFamily="50" charset="-127"/>
                 <a:cs typeface="함초롬바탕" panose="02030604000101010101" pitchFamily="18" charset="-127"/>
               </a:rPr>
               <a:t>단순한 위생활동으로 끝나는 것이 아닌 찜질방과 같은 컨텐츠화 될 것으로 기대</a:t>
             </a:r>
             <a:endParaRPr lang="en-US" altLang="ko-KR" sz="2000" b="1" dirty="0">
+              <a:solidFill>
+                <a:srgbClr val="767171"/>
+              </a:solidFill>
               <a:latin typeface="맑은 고딕" panose="020B0503020000020004" pitchFamily="50" charset="-127"/>
               <a:cs typeface="함초롬바탕" panose="02030604000101010101" pitchFamily="18" charset="-127"/>
             </a:endParaRPr>
@@ -37757,7 +38265,7 @@
           <p:cNvPr id="13" name="직사각형 12">
             <a:extLst>
               <a:ext uri="{FF2B5EF4-FFF2-40B4-BE49-F238E27FC236}">
-                <a16:creationId xmlns:a16="http://schemas.microsoft.com/office/drawing/2014/main" xmlns="" id="{DC2E80FA-5D49-4E17-925B-617AEB1393C6}"/>
+                <a16:creationId xmlns:a16="http://schemas.microsoft.com/office/drawing/2014/main" id="{DC2E80FA-5D49-4E17-925B-617AEB1393C6}"/>
               </a:ext>
             </a:extLst>
           </p:cNvPr>
@@ -37809,7 +38317,7 @@
           <p:cNvPr id="26" name="TextBox 25">
             <a:extLst>
               <a:ext uri="{FF2B5EF4-FFF2-40B4-BE49-F238E27FC236}">
-                <a16:creationId xmlns:a16="http://schemas.microsoft.com/office/drawing/2014/main" xmlns="" id="{C9DAF82C-ADFD-4B48-B29F-3AE82A1617AC}"/>
+                <a16:creationId xmlns:a16="http://schemas.microsoft.com/office/drawing/2014/main" id="{C9DAF82C-ADFD-4B48-B29F-3AE82A1617AC}"/>
               </a:ext>
             </a:extLst>
           </p:cNvPr>
@@ -37867,7 +38375,7 @@
           <p:cNvPr id="2" name="TextBox 1">
             <a:extLst>
               <a:ext uri="{FF2B5EF4-FFF2-40B4-BE49-F238E27FC236}">
-                <a16:creationId xmlns:a16="http://schemas.microsoft.com/office/drawing/2014/main" xmlns="" id="{38FA9A9F-94F2-41E0-8243-A2BA3040BBDE}"/>
+                <a16:creationId xmlns:a16="http://schemas.microsoft.com/office/drawing/2014/main" id="{38FA9A9F-94F2-41E0-8243-A2BA3040BBDE}"/>
               </a:ext>
             </a:extLst>
           </p:cNvPr>
@@ -37978,7 +38486,7 @@
           <p:cNvPr id="5" name="직사각형 4">
             <a:extLst>
               <a:ext uri="{FF2B5EF4-FFF2-40B4-BE49-F238E27FC236}">
-                <a16:creationId xmlns:a16="http://schemas.microsoft.com/office/drawing/2014/main" xmlns="" id="{11B2CC22-359A-43BB-8761-8DA07F2D4CDE}"/>
+                <a16:creationId xmlns:a16="http://schemas.microsoft.com/office/drawing/2014/main" id="{11B2CC22-359A-43BB-8761-8DA07F2D4CDE}"/>
               </a:ext>
             </a:extLst>
           </p:cNvPr>
@@ -38030,7 +38538,7 @@
           <p:cNvPr id="6" name="TextBox 5">
             <a:extLst>
               <a:ext uri="{FF2B5EF4-FFF2-40B4-BE49-F238E27FC236}">
-                <a16:creationId xmlns:a16="http://schemas.microsoft.com/office/drawing/2014/main" xmlns="" id="{E83A6A91-43D8-4301-B8E7-4888D0512AFD}"/>
+                <a16:creationId xmlns:a16="http://schemas.microsoft.com/office/drawing/2014/main" id="{E83A6A91-43D8-4301-B8E7-4888D0512AFD}"/>
               </a:ext>
             </a:extLst>
           </p:cNvPr>
@@ -38608,8 +39116,8 @@
         </p:nvSpPr>
         <p:spPr>
           <a:xfrm>
-            <a:off x="666027" y="1983406"/>
-            <a:ext cx="2236510" cy="707886"/>
+            <a:off x="621143" y="1983406"/>
+            <a:ext cx="2326279" cy="707886"/>
           </a:xfrm>
           <a:prstGeom prst="rect">
             <a:avLst/>
@@ -38645,7 +39153,7 @@
                   <a:srgbClr val="767171"/>
                 </a:solidFill>
               </a:rPr>
-              <a:t>소스코드편집기능</a:t>
+              <a:t>소스코드 편집기능</a:t>
             </a:r>
             <a:endParaRPr lang="ko-KR" altLang="en-US" sz="2000" b="1" dirty="0">
               <a:solidFill>
@@ -38742,8 +39250,8 @@
         </p:nvSpPr>
         <p:spPr>
           <a:xfrm>
-            <a:off x="4789203" y="1983406"/>
-            <a:ext cx="2762295" cy="707886"/>
+            <a:off x="5090572" y="1617648"/>
+            <a:ext cx="2159566" cy="1015663"/>
           </a:xfrm>
           <a:prstGeom prst="rect">
             <a:avLst/>
@@ -38763,7 +39271,7 @@
                   <a:srgbClr val="767171"/>
                 </a:solidFill>
               </a:rPr>
-              <a:t>사용자 정보 등에 대한</a:t>
+              <a:t>사용자 정보나 </a:t>
             </a:r>
             <a:endParaRPr lang="en-US" altLang="ko-KR" sz="2000" b="1" dirty="0" smtClean="0">
               <a:solidFill>
@@ -38774,20 +39282,28 @@
           <a:p>
             <a:pPr algn="ctr"/>
             <a:r>
-              <a:rPr lang="en-US" altLang="ko-KR" sz="2000" b="1" dirty="0" smtClean="0">
+              <a:rPr lang="ko-KR" altLang="en-US" sz="2000" b="1" dirty="0" smtClean="0">
                 <a:solidFill>
                   <a:srgbClr val="767171"/>
                 </a:solidFill>
               </a:rPr>
-              <a:t>Crud</a:t>
-            </a:r>
+              <a:t>사용 정보</a:t>
+            </a:r>
+            <a:endParaRPr lang="en-US" altLang="ko-KR" sz="2000" b="1" dirty="0" smtClean="0">
+              <a:solidFill>
+                <a:srgbClr val="767171"/>
+              </a:solidFill>
+            </a:endParaRPr>
+          </a:p>
+          <a:p>
+            <a:pPr algn="ctr"/>
             <a:r>
               <a:rPr lang="ko-KR" altLang="en-US" sz="2000" b="1" dirty="0" smtClean="0">
                 <a:solidFill>
                   <a:srgbClr val="767171"/>
                 </a:solidFill>
               </a:rPr>
-              <a:t>기능 수행</a:t>
+              <a:t>입출력 기능 수행</a:t>
             </a:r>
             <a:endParaRPr lang="ko-KR" altLang="en-US" sz="2000" b="1" dirty="0">
               <a:solidFill>
@@ -38802,7 +39318,7 @@
           <p:cNvPr id="33" name="타원 32">
             <a:extLst>
               <a:ext uri="{FF2B5EF4-FFF2-40B4-BE49-F238E27FC236}">
-                <a16:creationId xmlns:a16="http://schemas.microsoft.com/office/drawing/2014/main" xmlns="" id="{99F124F9-76E2-4FFC-B2E7-3BCDADEBFA02}"/>
+                <a16:creationId xmlns:a16="http://schemas.microsoft.com/office/drawing/2014/main" id="{99F124F9-76E2-4FFC-B2E7-3BCDADEBFA02}"/>
               </a:ext>
             </a:extLst>
           </p:cNvPr>
@@ -38869,7 +39385,7 @@
           <p:cNvPr id="34" name="타원 33">
             <a:extLst>
               <a:ext uri="{FF2B5EF4-FFF2-40B4-BE49-F238E27FC236}">
-                <a16:creationId xmlns:a16="http://schemas.microsoft.com/office/drawing/2014/main" xmlns="" id="{99F124F9-76E2-4FFC-B2E7-3BCDADEBFA02}"/>
+                <a16:creationId xmlns:a16="http://schemas.microsoft.com/office/drawing/2014/main" id="{99F124F9-76E2-4FFC-B2E7-3BCDADEBFA02}"/>
               </a:ext>
             </a:extLst>
           </p:cNvPr>
@@ -39110,7 +39626,7 @@
           <p:cNvPr id="41" name="타원 40">
             <a:extLst>
               <a:ext uri="{FF2B5EF4-FFF2-40B4-BE49-F238E27FC236}">
-                <a16:creationId xmlns:a16="http://schemas.microsoft.com/office/drawing/2014/main" xmlns="" id="{99F124F9-76E2-4FFC-B2E7-3BCDADEBFA02}"/>
+                <a16:creationId xmlns:a16="http://schemas.microsoft.com/office/drawing/2014/main" id="{99F124F9-76E2-4FFC-B2E7-3BCDADEBFA02}"/>
               </a:ext>
             </a:extLst>
           </p:cNvPr>
@@ -39119,7 +39635,7 @@
         </p:nvSpPr>
         <p:spPr>
           <a:xfrm>
-            <a:off x="5998614" y="1639934"/>
+            <a:off x="5998614" y="1274176"/>
             <a:ext cx="343472" cy="343472"/>
           </a:xfrm>
           <a:prstGeom prst="ellipse">
@@ -39177,7 +39693,7 @@
           <p:cNvPr id="42" name="타원 41">
             <a:extLst>
               <a:ext uri="{FF2B5EF4-FFF2-40B4-BE49-F238E27FC236}">
-                <a16:creationId xmlns:a16="http://schemas.microsoft.com/office/drawing/2014/main" xmlns="" id="{99F124F9-76E2-4FFC-B2E7-3BCDADEBFA02}"/>
+                <a16:creationId xmlns:a16="http://schemas.microsoft.com/office/drawing/2014/main" id="{99F124F9-76E2-4FFC-B2E7-3BCDADEBFA02}"/>
               </a:ext>
             </a:extLst>
           </p:cNvPr>
@@ -39244,7 +39760,7 @@
           <p:cNvPr id="43" name="타원 42">
             <a:extLst>
               <a:ext uri="{FF2B5EF4-FFF2-40B4-BE49-F238E27FC236}">
-                <a16:creationId xmlns:a16="http://schemas.microsoft.com/office/drawing/2014/main" xmlns="" id="{99F124F9-76E2-4FFC-B2E7-3BCDADEBFA02}"/>
+                <a16:creationId xmlns:a16="http://schemas.microsoft.com/office/drawing/2014/main" id="{99F124F9-76E2-4FFC-B2E7-3BCDADEBFA02}"/>
               </a:ext>
             </a:extLst>
           </p:cNvPr>
@@ -39348,7 +39864,7 @@
           <p:cNvPr id="6" name="직사각형 5">
             <a:extLst>
               <a:ext uri="{FF2B5EF4-FFF2-40B4-BE49-F238E27FC236}">
-                <a16:creationId xmlns:a16="http://schemas.microsoft.com/office/drawing/2014/main" xmlns="" id="{89AAFAD0-5F1B-47D7-B4A2-E83B36ABEA9B}"/>
+                <a16:creationId xmlns:a16="http://schemas.microsoft.com/office/drawing/2014/main" id="{89AAFAD0-5F1B-47D7-B4A2-E83B36ABEA9B}"/>
               </a:ext>
             </a:extLst>
           </p:cNvPr>
@@ -39400,7 +39916,7 @@
           <p:cNvPr id="7" name="TextBox 6">
             <a:extLst>
               <a:ext uri="{FF2B5EF4-FFF2-40B4-BE49-F238E27FC236}">
-                <a16:creationId xmlns:a16="http://schemas.microsoft.com/office/drawing/2014/main" xmlns="" id="{79926764-7BB4-4871-8C70-108B8CC68A5B}"/>
+                <a16:creationId xmlns:a16="http://schemas.microsoft.com/office/drawing/2014/main" id="{79926764-7BB4-4871-8C70-108B8CC68A5B}"/>
               </a:ext>
             </a:extLst>
           </p:cNvPr>
@@ -39444,7 +39960,7 @@
           <p:cNvPr id="22" name="표 23">
             <a:extLst>
               <a:ext uri="{FF2B5EF4-FFF2-40B4-BE49-F238E27FC236}">
-                <a16:creationId xmlns:a16="http://schemas.microsoft.com/office/drawing/2014/main" xmlns="" id="{E20C881E-A649-41C2-BDF2-212F53F07070}"/>
+                <a16:creationId xmlns:a16="http://schemas.microsoft.com/office/drawing/2014/main" id="{E20C881E-A649-41C2-BDF2-212F53F07070}"/>
               </a:ext>
             </a:extLst>
           </p:cNvPr>
@@ -39473,28 +39989,28 @@
                 <a:gridCol w="1743644">
                   <a:extLst>
                     <a:ext uri="{9D8B030D-6E8A-4147-A177-3AD203B41FA5}">
-                      <a16:colId xmlns:a16="http://schemas.microsoft.com/office/drawing/2014/main" xmlns="" val="4257127257"/>
+                      <a16:colId xmlns:a16="http://schemas.microsoft.com/office/drawing/2014/main" val="4257127257"/>
                     </a:ext>
                   </a:extLst>
                 </a:gridCol>
                 <a:gridCol w="1743644">
                   <a:extLst>
                     <a:ext uri="{9D8B030D-6E8A-4147-A177-3AD203B41FA5}">
-                      <a16:colId xmlns:a16="http://schemas.microsoft.com/office/drawing/2014/main" xmlns="" val="3637284956"/>
+                      <a16:colId xmlns:a16="http://schemas.microsoft.com/office/drawing/2014/main" val="3637284956"/>
                     </a:ext>
                   </a:extLst>
                 </a:gridCol>
                 <a:gridCol w="1743644">
                   <a:extLst>
                     <a:ext uri="{9D8B030D-6E8A-4147-A177-3AD203B41FA5}">
-                      <a16:colId xmlns:a16="http://schemas.microsoft.com/office/drawing/2014/main" xmlns="" val="887185796"/>
+                      <a16:colId xmlns:a16="http://schemas.microsoft.com/office/drawing/2014/main" val="887185796"/>
                     </a:ext>
                   </a:extLst>
                 </a:gridCol>
                 <a:gridCol w="6114851">
                   <a:extLst>
                     <a:ext uri="{9D8B030D-6E8A-4147-A177-3AD203B41FA5}">
-                      <a16:colId xmlns:a16="http://schemas.microsoft.com/office/drawing/2014/main" xmlns="" val="649894734"/>
+                      <a16:colId xmlns:a16="http://schemas.microsoft.com/office/drawing/2014/main" val="649894734"/>
                     </a:ext>
                   </a:extLst>
                 </a:gridCol>
@@ -39746,7 +40262,7 @@
                 </a:tc>
                 <a:extLst>
                   <a:ext uri="{0D108BD9-81ED-4DB2-BD59-A6C34878D82A}">
-                    <a16:rowId xmlns:a16="http://schemas.microsoft.com/office/drawing/2014/main" xmlns="" val="591928998"/>
+                    <a16:rowId xmlns:a16="http://schemas.microsoft.com/office/drawing/2014/main" val="591928998"/>
                   </a:ext>
                 </a:extLst>
               </a:tr>
@@ -40008,7 +40524,7 @@
                 </a:tc>
                 <a:extLst>
                   <a:ext uri="{0D108BD9-81ED-4DB2-BD59-A6C34878D82A}">
-                    <a16:rowId xmlns:a16="http://schemas.microsoft.com/office/drawing/2014/main" xmlns="" val="1730240325"/>
+                    <a16:rowId xmlns:a16="http://schemas.microsoft.com/office/drawing/2014/main" val="1730240325"/>
                   </a:ext>
                 </a:extLst>
               </a:tr>
@@ -40027,7 +40543,7 @@
                           <a:hlinkClick r:id="rId3">
                             <a:extLst>
                               <a:ext uri="{A12FA001-AC4F-418D-AE19-62706E023703}">
-                                <ahyp:hlinkClr xmlns:ahyp="http://schemas.microsoft.com/office/drawing/2018/hyperlinkcolor" xmlns="" val="tx"/>
+                                <ahyp:hlinkClr xmlns="" xmlns:ahyp="http://schemas.microsoft.com/office/drawing/2018/hyperlinkcolor" val="tx"/>
                               </a:ext>
                             </a:extLst>
                           </a:hlinkClick>
@@ -40158,7 +40674,7 @@
                 </a:tc>
                 <a:extLst>
                   <a:ext uri="{0D108BD9-81ED-4DB2-BD59-A6C34878D82A}">
-                    <a16:rowId xmlns:a16="http://schemas.microsoft.com/office/drawing/2014/main" xmlns="" val="3433790073"/>
+                    <a16:rowId xmlns:a16="http://schemas.microsoft.com/office/drawing/2014/main" val="3433790073"/>
                   </a:ext>
                 </a:extLst>
               </a:tr>
@@ -40412,7 +40928,7 @@
                 </a:tc>
                 <a:extLst>
                   <a:ext uri="{0D108BD9-81ED-4DB2-BD59-A6C34878D82A}">
-                    <a16:rowId xmlns:a16="http://schemas.microsoft.com/office/drawing/2014/main" xmlns="" val="2658304494"/>
+                    <a16:rowId xmlns:a16="http://schemas.microsoft.com/office/drawing/2014/main" val="2658304494"/>
                   </a:ext>
                 </a:extLst>
               </a:tr>
@@ -40431,7 +40947,7 @@
                           <a:hlinkClick r:id="rId4">
                             <a:extLst>
                               <a:ext uri="{A12FA001-AC4F-418D-AE19-62706E023703}">
-                                <ahyp:hlinkClr xmlns:ahyp="http://schemas.microsoft.com/office/drawing/2018/hyperlinkcolor" xmlns="" val="tx"/>
+                                <ahyp:hlinkClr xmlns="" xmlns:ahyp="http://schemas.microsoft.com/office/drawing/2018/hyperlinkcolor" val="tx"/>
                               </a:ext>
                             </a:extLst>
                           </a:hlinkClick>
@@ -40562,7 +41078,7 @@
                 </a:tc>
                 <a:extLst>
                   <a:ext uri="{0D108BD9-81ED-4DB2-BD59-A6C34878D82A}">
-                    <a16:rowId xmlns:a16="http://schemas.microsoft.com/office/drawing/2014/main" xmlns="" val="4073540497"/>
+                    <a16:rowId xmlns:a16="http://schemas.microsoft.com/office/drawing/2014/main" val="4073540497"/>
                   </a:ext>
                 </a:extLst>
               </a:tr>
@@ -40885,7 +41401,7 @@
                 </a:tc>
                 <a:extLst>
                   <a:ext uri="{0D108BD9-81ED-4DB2-BD59-A6C34878D82A}">
-                    <a16:rowId xmlns:a16="http://schemas.microsoft.com/office/drawing/2014/main" xmlns="" val="2817113929"/>
+                    <a16:rowId xmlns:a16="http://schemas.microsoft.com/office/drawing/2014/main" val="2817113929"/>
                   </a:ext>
                 </a:extLst>
               </a:tr>
@@ -40904,7 +41420,7 @@
                           <a:hlinkClick r:id="rId5">
                             <a:extLst>
                               <a:ext uri="{A12FA001-AC4F-418D-AE19-62706E023703}">
-                                <ahyp:hlinkClr xmlns:ahyp="http://schemas.microsoft.com/office/drawing/2018/hyperlinkcolor" xmlns="" val="tx"/>
+                                <ahyp:hlinkClr xmlns="" xmlns:ahyp="http://schemas.microsoft.com/office/drawing/2018/hyperlinkcolor" val="tx"/>
                               </a:ext>
                             </a:extLst>
                           </a:hlinkClick>
@@ -41115,7 +41631,7 @@
                 </a:tc>
                 <a:extLst>
                   <a:ext uri="{0D108BD9-81ED-4DB2-BD59-A6C34878D82A}">
-                    <a16:rowId xmlns:a16="http://schemas.microsoft.com/office/drawing/2014/main" xmlns="" val="3135273094"/>
+                    <a16:rowId xmlns:a16="http://schemas.microsoft.com/office/drawing/2014/main" val="3135273094"/>
                   </a:ext>
                 </a:extLst>
               </a:tr>
@@ -41401,7 +41917,7 @@
                 </a:tc>
                 <a:extLst>
                   <a:ext uri="{0D108BD9-81ED-4DB2-BD59-A6C34878D82A}">
-                    <a16:rowId xmlns:a16="http://schemas.microsoft.com/office/drawing/2014/main" xmlns="" val="1368253461"/>
+                    <a16:rowId xmlns:a16="http://schemas.microsoft.com/office/drawing/2014/main" val="1368253461"/>
                   </a:ext>
                 </a:extLst>
               </a:tr>
@@ -41420,7 +41936,7 @@
                           <a:hlinkClick r:id="rId6">
                             <a:extLst>
                               <a:ext uri="{A12FA001-AC4F-418D-AE19-62706E023703}">
-                                <ahyp:hlinkClr xmlns:ahyp="http://schemas.microsoft.com/office/drawing/2018/hyperlinkcolor" xmlns="" val="tx"/>
+                                <ahyp:hlinkClr xmlns="" xmlns:ahyp="http://schemas.microsoft.com/office/drawing/2018/hyperlinkcolor" val="tx"/>
                               </a:ext>
                             </a:extLst>
                           </a:hlinkClick>
@@ -41631,7 +42147,7 @@
                 </a:tc>
                 <a:extLst>
                   <a:ext uri="{0D108BD9-81ED-4DB2-BD59-A6C34878D82A}">
-                    <a16:rowId xmlns:a16="http://schemas.microsoft.com/office/drawing/2014/main" xmlns="" val="185167777"/>
+                    <a16:rowId xmlns:a16="http://schemas.microsoft.com/office/drawing/2014/main" val="185167777"/>
                   </a:ext>
                 </a:extLst>
               </a:tr>
@@ -41885,7 +42401,7 @@
                 </a:tc>
                 <a:extLst>
                   <a:ext uri="{0D108BD9-81ED-4DB2-BD59-A6C34878D82A}">
-                    <a16:rowId xmlns:a16="http://schemas.microsoft.com/office/drawing/2014/main" xmlns="" val="4134865039"/>
+                    <a16:rowId xmlns:a16="http://schemas.microsoft.com/office/drawing/2014/main" val="4134865039"/>
                   </a:ext>
                 </a:extLst>
               </a:tr>
@@ -41904,7 +42420,7 @@
                           <a:hlinkClick r:id="rId7">
                             <a:extLst>
                               <a:ext uri="{A12FA001-AC4F-418D-AE19-62706E023703}">
-                                <ahyp:hlinkClr xmlns:ahyp="http://schemas.microsoft.com/office/drawing/2018/hyperlinkcolor" xmlns="" val="tx"/>
+                                <ahyp:hlinkClr xmlns="" xmlns:ahyp="http://schemas.microsoft.com/office/drawing/2018/hyperlinkcolor" val="tx"/>
                               </a:ext>
                             </a:extLst>
                           </a:hlinkClick>
@@ -42115,7 +42631,7 @@
                 </a:tc>
                 <a:extLst>
                   <a:ext uri="{0D108BD9-81ED-4DB2-BD59-A6C34878D82A}">
-                    <a16:rowId xmlns:a16="http://schemas.microsoft.com/office/drawing/2014/main" xmlns="" val="884487741"/>
+                    <a16:rowId xmlns:a16="http://schemas.microsoft.com/office/drawing/2014/main" val="884487741"/>
                   </a:ext>
                 </a:extLst>
               </a:tr>
@@ -42432,7 +42948,7 @@
   <a:extraClrSchemeLst/>
   <a:extLst>
     <a:ext uri="{05A4C25C-085E-4340-85A3-A5531E510DB2}">
-      <thm15:themeFamily xmlns:thm15="http://schemas.microsoft.com/office/thememl/2012/main" xmlns="" name="Office Theme" id="{62F939B6-93AF-4DB8-9C6B-D6C7DFDC589F}" vid="{4A3C46E8-61CC-4603-A589-7422A47A8E4A}"/>
+      <thm15:themeFamily xmlns:thm15="http://schemas.microsoft.com/office/thememl/2012/main" name="Office Theme" id="{62F939B6-93AF-4DB8-9C6B-D6C7DFDC589F}" vid="{4A3C46E8-61CC-4603-A589-7422A47A8E4A}"/>
     </a:ext>
   </a:extLst>
 </a:theme>
@@ -42727,7 +43243,7 @@
   <a:extraClrSchemeLst/>
   <a:extLst>
     <a:ext uri="{05A4C25C-085E-4340-85A3-A5531E510DB2}">
-      <thm15:themeFamily xmlns:thm15="http://schemas.microsoft.com/office/thememl/2012/main" xmlns="" name="Office Theme" id="{62F939B6-93AF-4DB8-9C6B-D6C7DFDC589F}" vid="{4A3C46E8-61CC-4603-A589-7422A47A8E4A}"/>
+      <thm15:themeFamily xmlns:thm15="http://schemas.microsoft.com/office/thememl/2012/main" name="Office Theme" id="{62F939B6-93AF-4DB8-9C6B-D6C7DFDC589F}" vid="{4A3C46E8-61CC-4603-A589-7422A47A8E4A}"/>
     </a:ext>
   </a:extLst>
 </a:theme>
@@ -42988,7 +43504,7 @@
   <a:extraClrSchemeLst/>
   <a:extLst>
     <a:ext uri="{05A4C25C-085E-4340-85A3-A5531E510DB2}">
-      <thm15:themeFamily xmlns:thm15="http://schemas.microsoft.com/office/thememl/2012/main" xmlns="" name="Office Theme" id="{62F939B6-93AF-4DB8-9C6B-D6C7DFDC589F}" vid="{4A3C46E8-61CC-4603-A589-7422A47A8E4A}"/>
+      <thm15:themeFamily xmlns:thm15="http://schemas.microsoft.com/office/thememl/2012/main" name="Office Theme" id="{62F939B6-93AF-4DB8-9C6B-D6C7DFDC589F}" vid="{4A3C46E8-61CC-4603-A589-7422A47A8E4A}"/>
     </a:ext>
   </a:extLst>
 </a:theme>
